--- a/trunk/Paper Presentation/Partition layer.pptx
+++ b/trunk/Paper Presentation/Partition layer.pptx
@@ -4,12 +4,16 @@
   <p:sldMasterIdLst>
     <p:sldMasterId id="2147483648" r:id="rId1"/>
   </p:sldMasterIdLst>
+  <p:notesMasterIdLst>
+    <p:notesMasterId r:id="rId8"/>
+  </p:notesMasterIdLst>
   <p:sldIdLst>
     <p:sldId id="256" r:id="rId2"/>
     <p:sldId id="257" r:id="rId3"/>
     <p:sldId id="258" r:id="rId4"/>
     <p:sldId id="260" r:id="rId5"/>
     <p:sldId id="259" r:id="rId6"/>
+    <p:sldId id="261" r:id="rId7"/>
   </p:sldIdLst>
   <p:sldSz cx="9144000" cy="6858000" type="screen4x3"/>
   <p:notesSz cx="6858000" cy="9144000"/>
@@ -109,6 +113,438 @@
     </a:lvl9pPr>
   </p:defaultTextStyle>
 </p:presentation>
+</file>
+
+<file path=ppt/notesMasters/notesMaster1.xml><?xml version="1.0" encoding="utf-8"?>
+<p:notesMaster xmlns:a="http://schemas.openxmlformats.org/drawingml/2006/main" xmlns:r="http://schemas.openxmlformats.org/officeDocument/2006/relationships" xmlns:p="http://schemas.openxmlformats.org/presentationml/2006/main">
+  <p:cSld>
+    <p:bg>
+      <p:bgRef idx="1001">
+        <a:schemeClr val="bg1"/>
+      </p:bgRef>
+    </p:bg>
+    <p:spTree>
+      <p:nvGrpSpPr>
+        <p:cNvPr id="1" name=""/>
+        <p:cNvGrpSpPr/>
+        <p:nvPr/>
+      </p:nvGrpSpPr>
+      <p:grpSpPr>
+        <a:xfrm>
+          <a:off x="0" y="0"/>
+          <a:ext cx="0" cy="0"/>
+          <a:chOff x="0" y="0"/>
+          <a:chExt cx="0" cy="0"/>
+        </a:xfrm>
+      </p:grpSpPr>
+      <p:sp>
+        <p:nvSpPr>
+          <p:cNvPr id="2" name="Header Placeholder 1"/>
+          <p:cNvSpPr>
+            <a:spLocks noGrp="1"/>
+          </p:cNvSpPr>
+          <p:nvPr>
+            <p:ph type="hdr" sz="quarter"/>
+          </p:nvPr>
+        </p:nvSpPr>
+        <p:spPr>
+          <a:xfrm>
+            <a:off x="0" y="0"/>
+            <a:ext cx="2971800" cy="457200"/>
+          </a:xfrm>
+          <a:prstGeom prst="rect">
+            <a:avLst/>
+          </a:prstGeom>
+        </p:spPr>
+        <p:txBody>
+          <a:bodyPr vert="horz" lIns="91440" tIns="45720" rIns="91440" bIns="45720" rtlCol="0"/>
+          <a:lstStyle>
+            <a:lvl1pPr algn="l">
+              <a:defRPr sz="1200"/>
+            </a:lvl1pPr>
+          </a:lstStyle>
+          <a:p>
+            <a:endParaRPr lang="en-SG"/>
+          </a:p>
+        </p:txBody>
+      </p:sp>
+      <p:sp>
+        <p:nvSpPr>
+          <p:cNvPr id="3" name="Date Placeholder 2"/>
+          <p:cNvSpPr>
+            <a:spLocks noGrp="1"/>
+          </p:cNvSpPr>
+          <p:nvPr>
+            <p:ph type="dt" idx="1"/>
+          </p:nvPr>
+        </p:nvSpPr>
+        <p:spPr>
+          <a:xfrm>
+            <a:off x="3884613" y="0"/>
+            <a:ext cx="2971800" cy="457200"/>
+          </a:xfrm>
+          <a:prstGeom prst="rect">
+            <a:avLst/>
+          </a:prstGeom>
+        </p:spPr>
+        <p:txBody>
+          <a:bodyPr vert="horz" lIns="91440" tIns="45720" rIns="91440" bIns="45720" rtlCol="0"/>
+          <a:lstStyle>
+            <a:lvl1pPr algn="r">
+              <a:defRPr sz="1200"/>
+            </a:lvl1pPr>
+          </a:lstStyle>
+          <a:p>
+            <a:fld id="{6DABA3E0-6E38-41C3-B23C-6248722497BB}" type="datetimeFigureOut">
+              <a:rPr lang="en-SG" smtClean="0"/>
+              <a:t>22/10/2012</a:t>
+            </a:fld>
+            <a:endParaRPr lang="en-SG"/>
+          </a:p>
+        </p:txBody>
+      </p:sp>
+      <p:sp>
+        <p:nvSpPr>
+          <p:cNvPr id="4" name="Slide Image Placeholder 3"/>
+          <p:cNvSpPr>
+            <a:spLocks noGrp="1" noRot="1" noChangeAspect="1"/>
+          </p:cNvSpPr>
+          <p:nvPr>
+            <p:ph type="sldImg" idx="2"/>
+          </p:nvPr>
+        </p:nvSpPr>
+        <p:spPr>
+          <a:xfrm>
+            <a:off x="1143000" y="685800"/>
+            <a:ext cx="4572000" cy="3429000"/>
+          </a:xfrm>
+          <a:prstGeom prst="rect">
+            <a:avLst/>
+          </a:prstGeom>
+          <a:noFill/>
+          <a:ln w="12700">
+            <a:solidFill>
+              <a:prstClr val="black"/>
+            </a:solidFill>
+          </a:ln>
+        </p:spPr>
+        <p:txBody>
+          <a:bodyPr vert="horz" lIns="91440" tIns="45720" rIns="91440" bIns="45720" rtlCol="0" anchor="ctr"/>
+          <a:lstStyle/>
+          <a:p>
+            <a:endParaRPr lang="en-SG"/>
+          </a:p>
+        </p:txBody>
+      </p:sp>
+      <p:sp>
+        <p:nvSpPr>
+          <p:cNvPr id="5" name="Notes Placeholder 4"/>
+          <p:cNvSpPr>
+            <a:spLocks noGrp="1"/>
+          </p:cNvSpPr>
+          <p:nvPr>
+            <p:ph type="body" sz="quarter" idx="3"/>
+          </p:nvPr>
+        </p:nvSpPr>
+        <p:spPr>
+          <a:xfrm>
+            <a:off x="685800" y="4343400"/>
+            <a:ext cx="5486400" cy="4114800"/>
+          </a:xfrm>
+          <a:prstGeom prst="rect">
+            <a:avLst/>
+          </a:prstGeom>
+        </p:spPr>
+        <p:txBody>
+          <a:bodyPr vert="horz" lIns="91440" tIns="45720" rIns="91440" bIns="45720" rtlCol="0"/>
+          <a:lstStyle/>
+          <a:p>
+            <a:pPr lvl="0"/>
+            <a:r>
+              <a:rPr lang="en-US" smtClean="0"/>
+              <a:t>Click to edit Master text styles</a:t>
+            </a:r>
+          </a:p>
+          <a:p>
+            <a:pPr lvl="1"/>
+            <a:r>
+              <a:rPr lang="en-US" smtClean="0"/>
+              <a:t>Second level</a:t>
+            </a:r>
+          </a:p>
+          <a:p>
+            <a:pPr lvl="2"/>
+            <a:r>
+              <a:rPr lang="en-US" smtClean="0"/>
+              <a:t>Third level</a:t>
+            </a:r>
+          </a:p>
+          <a:p>
+            <a:pPr lvl="3"/>
+            <a:r>
+              <a:rPr lang="en-US" smtClean="0"/>
+              <a:t>Fourth level</a:t>
+            </a:r>
+          </a:p>
+          <a:p>
+            <a:pPr lvl="4"/>
+            <a:r>
+              <a:rPr lang="en-US" smtClean="0"/>
+              <a:t>Fifth level</a:t>
+            </a:r>
+            <a:endParaRPr lang="en-SG"/>
+          </a:p>
+        </p:txBody>
+      </p:sp>
+      <p:sp>
+        <p:nvSpPr>
+          <p:cNvPr id="6" name="Footer Placeholder 5"/>
+          <p:cNvSpPr>
+            <a:spLocks noGrp="1"/>
+          </p:cNvSpPr>
+          <p:nvPr>
+            <p:ph type="ftr" sz="quarter" idx="4"/>
+          </p:nvPr>
+        </p:nvSpPr>
+        <p:spPr>
+          <a:xfrm>
+            <a:off x="0" y="8685213"/>
+            <a:ext cx="2971800" cy="457200"/>
+          </a:xfrm>
+          <a:prstGeom prst="rect">
+            <a:avLst/>
+          </a:prstGeom>
+        </p:spPr>
+        <p:txBody>
+          <a:bodyPr vert="horz" lIns="91440" tIns="45720" rIns="91440" bIns="45720" rtlCol="0" anchor="b"/>
+          <a:lstStyle>
+            <a:lvl1pPr algn="l">
+              <a:defRPr sz="1200"/>
+            </a:lvl1pPr>
+          </a:lstStyle>
+          <a:p>
+            <a:endParaRPr lang="en-SG"/>
+          </a:p>
+        </p:txBody>
+      </p:sp>
+      <p:sp>
+        <p:nvSpPr>
+          <p:cNvPr id="7" name="Slide Number Placeholder 6"/>
+          <p:cNvSpPr>
+            <a:spLocks noGrp="1"/>
+          </p:cNvSpPr>
+          <p:nvPr>
+            <p:ph type="sldNum" sz="quarter" idx="5"/>
+          </p:nvPr>
+        </p:nvSpPr>
+        <p:spPr>
+          <a:xfrm>
+            <a:off x="3884613" y="8685213"/>
+            <a:ext cx="2971800" cy="457200"/>
+          </a:xfrm>
+          <a:prstGeom prst="rect">
+            <a:avLst/>
+          </a:prstGeom>
+        </p:spPr>
+        <p:txBody>
+          <a:bodyPr vert="horz" lIns="91440" tIns="45720" rIns="91440" bIns="45720" rtlCol="0" anchor="b"/>
+          <a:lstStyle>
+            <a:lvl1pPr algn="r">
+              <a:defRPr sz="1200"/>
+            </a:lvl1pPr>
+          </a:lstStyle>
+          <a:p>
+            <a:fld id="{BCFEC804-3273-418F-950F-96BC7147C182}" type="slidenum">
+              <a:rPr lang="en-SG" smtClean="0"/>
+              <a:t>‹#›</a:t>
+            </a:fld>
+            <a:endParaRPr lang="en-SG"/>
+          </a:p>
+        </p:txBody>
+      </p:sp>
+    </p:spTree>
+    <p:extLst>
+      <p:ext uri="{BB962C8B-B14F-4D97-AF65-F5344CB8AC3E}">
+        <p14:creationId xmlns:p14="http://schemas.microsoft.com/office/powerpoint/2010/main" val="4242919054"/>
+      </p:ext>
+    </p:extLst>
+  </p:cSld>
+  <p:clrMap bg1="lt1" tx1="dk1" bg2="lt2" tx2="dk2" accent1="accent1" accent2="accent2" accent3="accent3" accent4="accent4" accent5="accent5" accent6="accent6" hlink="hlink" folHlink="folHlink"/>
+  <p:notesStyle>
+    <a:lvl1pPr marL="0" algn="l" defTabSz="914400" rtl="0" eaLnBrk="1" latinLnBrk="0" hangingPunct="1">
+      <a:defRPr sz="1200" kern="1200">
+        <a:solidFill>
+          <a:schemeClr val="tx1"/>
+        </a:solidFill>
+        <a:latin typeface="+mn-lt"/>
+        <a:ea typeface="+mn-ea"/>
+        <a:cs typeface="+mn-cs"/>
+      </a:defRPr>
+    </a:lvl1pPr>
+    <a:lvl2pPr marL="457200" algn="l" defTabSz="914400" rtl="0" eaLnBrk="1" latinLnBrk="0" hangingPunct="1">
+      <a:defRPr sz="1200" kern="1200">
+        <a:solidFill>
+          <a:schemeClr val="tx1"/>
+        </a:solidFill>
+        <a:latin typeface="+mn-lt"/>
+        <a:ea typeface="+mn-ea"/>
+        <a:cs typeface="+mn-cs"/>
+      </a:defRPr>
+    </a:lvl2pPr>
+    <a:lvl3pPr marL="914400" algn="l" defTabSz="914400" rtl="0" eaLnBrk="1" latinLnBrk="0" hangingPunct="1">
+      <a:defRPr sz="1200" kern="1200">
+        <a:solidFill>
+          <a:schemeClr val="tx1"/>
+        </a:solidFill>
+        <a:latin typeface="+mn-lt"/>
+        <a:ea typeface="+mn-ea"/>
+        <a:cs typeface="+mn-cs"/>
+      </a:defRPr>
+    </a:lvl3pPr>
+    <a:lvl4pPr marL="1371600" algn="l" defTabSz="914400" rtl="0" eaLnBrk="1" latinLnBrk="0" hangingPunct="1">
+      <a:defRPr sz="1200" kern="1200">
+        <a:solidFill>
+          <a:schemeClr val="tx1"/>
+        </a:solidFill>
+        <a:latin typeface="+mn-lt"/>
+        <a:ea typeface="+mn-ea"/>
+        <a:cs typeface="+mn-cs"/>
+      </a:defRPr>
+    </a:lvl4pPr>
+    <a:lvl5pPr marL="1828800" algn="l" defTabSz="914400" rtl="0" eaLnBrk="1" latinLnBrk="0" hangingPunct="1">
+      <a:defRPr sz="1200" kern="1200">
+        <a:solidFill>
+          <a:schemeClr val="tx1"/>
+        </a:solidFill>
+        <a:latin typeface="+mn-lt"/>
+        <a:ea typeface="+mn-ea"/>
+        <a:cs typeface="+mn-cs"/>
+      </a:defRPr>
+    </a:lvl5pPr>
+    <a:lvl6pPr marL="2286000" algn="l" defTabSz="914400" rtl="0" eaLnBrk="1" latinLnBrk="0" hangingPunct="1">
+      <a:defRPr sz="1200" kern="1200">
+        <a:solidFill>
+          <a:schemeClr val="tx1"/>
+        </a:solidFill>
+        <a:latin typeface="+mn-lt"/>
+        <a:ea typeface="+mn-ea"/>
+        <a:cs typeface="+mn-cs"/>
+      </a:defRPr>
+    </a:lvl6pPr>
+    <a:lvl7pPr marL="2743200" algn="l" defTabSz="914400" rtl="0" eaLnBrk="1" latinLnBrk="0" hangingPunct="1">
+      <a:defRPr sz="1200" kern="1200">
+        <a:solidFill>
+          <a:schemeClr val="tx1"/>
+        </a:solidFill>
+        <a:latin typeface="+mn-lt"/>
+        <a:ea typeface="+mn-ea"/>
+        <a:cs typeface="+mn-cs"/>
+      </a:defRPr>
+    </a:lvl7pPr>
+    <a:lvl8pPr marL="3200400" algn="l" defTabSz="914400" rtl="0" eaLnBrk="1" latinLnBrk="0" hangingPunct="1">
+      <a:defRPr sz="1200" kern="1200">
+        <a:solidFill>
+          <a:schemeClr val="tx1"/>
+        </a:solidFill>
+        <a:latin typeface="+mn-lt"/>
+        <a:ea typeface="+mn-ea"/>
+        <a:cs typeface="+mn-cs"/>
+      </a:defRPr>
+    </a:lvl8pPr>
+    <a:lvl9pPr marL="3657600" algn="l" defTabSz="914400" rtl="0" eaLnBrk="1" latinLnBrk="0" hangingPunct="1">
+      <a:defRPr sz="1200" kern="1200">
+        <a:solidFill>
+          <a:schemeClr val="tx1"/>
+        </a:solidFill>
+        <a:latin typeface="+mn-lt"/>
+        <a:ea typeface="+mn-ea"/>
+        <a:cs typeface="+mn-cs"/>
+      </a:defRPr>
+    </a:lvl9pPr>
+  </p:notesStyle>
+</p:notesMaster>
+</file>
+
+<file path=ppt/notesSlides/notesSlide1.xml><?xml version="1.0" encoding="utf-8"?>
+<p:notes xmlns:a="http://schemas.openxmlformats.org/drawingml/2006/main" xmlns:r="http://schemas.openxmlformats.org/officeDocument/2006/relationships" xmlns:p="http://schemas.openxmlformats.org/presentationml/2006/main">
+  <p:cSld>
+    <p:spTree>
+      <p:nvGrpSpPr>
+        <p:cNvPr id="1" name=""/>
+        <p:cNvGrpSpPr/>
+        <p:nvPr/>
+      </p:nvGrpSpPr>
+      <p:grpSpPr>
+        <a:xfrm>
+          <a:off x="0" y="0"/>
+          <a:ext cx="0" cy="0"/>
+          <a:chOff x="0" y="0"/>
+          <a:chExt cx="0" cy="0"/>
+        </a:xfrm>
+      </p:grpSpPr>
+      <p:sp>
+        <p:nvSpPr>
+          <p:cNvPr id="2" name="Slide Image Placeholder 1"/>
+          <p:cNvSpPr>
+            <a:spLocks noGrp="1" noRot="1" noChangeAspect="1"/>
+          </p:cNvSpPr>
+          <p:nvPr>
+            <p:ph type="sldImg"/>
+          </p:nvPr>
+        </p:nvSpPr>
+        <p:spPr/>
+      </p:sp>
+      <p:sp>
+        <p:nvSpPr>
+          <p:cNvPr id="3" name="Notes Placeholder 2"/>
+          <p:cNvSpPr>
+            <a:spLocks noGrp="1"/>
+          </p:cNvSpPr>
+          <p:nvPr>
+            <p:ph type="body" idx="1"/>
+          </p:nvPr>
+        </p:nvSpPr>
+        <p:spPr/>
+        <p:txBody>
+          <a:bodyPr>
+            <a:normAutofit/>
+          </a:bodyPr>
+          <a:lstStyle/>
+          <a:p>
+            <a:endParaRPr lang="en-US"/>
+          </a:p>
+        </p:txBody>
+      </p:sp>
+      <p:sp>
+        <p:nvSpPr>
+          <p:cNvPr id="4" name="Slide Number Placeholder 3"/>
+          <p:cNvSpPr>
+            <a:spLocks noGrp="1"/>
+          </p:cNvSpPr>
+          <p:nvPr>
+            <p:ph type="sldNum" sz="quarter" idx="10"/>
+          </p:nvPr>
+        </p:nvSpPr>
+        <p:spPr/>
+        <p:txBody>
+          <a:bodyPr/>
+          <a:lstStyle/>
+          <a:p>
+            <a:fld id="{8B263312-38AA-4E1E-B2B5-0F8F122B24FE}" type="slidenum">
+              <a:rPr lang="en-US" smtClean="0"/>
+              <a:pPr/>
+              <a:t>6</a:t>
+            </a:fld>
+            <a:endParaRPr lang="en-US" dirty="0"/>
+          </a:p>
+        </p:txBody>
+      </p:sp>
+    </p:spTree>
+  </p:cSld>
+  <p:clrMapOvr>
+    <a:masterClrMapping/>
+  </p:clrMapOvr>
+</p:notes>
 </file>
 
 <file path=ppt/slideLayouts/slideLayout1.xml><?xml version="1.0" encoding="utf-8"?>
@@ -292,7 +728,7 @@
           <a:p>
             <a:fld id="{D182CCF5-22E8-4193-B0D2-1DB9465CE9C7}" type="datetimeFigureOut">
               <a:rPr lang="en-US" smtClean="0"/>
-              <a:t>22/10/2012</a:t>
+              <a:t>10/22/2012</a:t>
             </a:fld>
             <a:endParaRPr lang="en-US"/>
           </a:p>
@@ -462,7 +898,7 @@
           <a:p>
             <a:fld id="{D182CCF5-22E8-4193-B0D2-1DB9465CE9C7}" type="datetimeFigureOut">
               <a:rPr lang="en-US" smtClean="0"/>
-              <a:t>22/10/2012</a:t>
+              <a:t>10/22/2012</a:t>
             </a:fld>
             <a:endParaRPr lang="en-US"/>
           </a:p>
@@ -642,7 +1078,7 @@
           <a:p>
             <a:fld id="{D182CCF5-22E8-4193-B0D2-1DB9465CE9C7}" type="datetimeFigureOut">
               <a:rPr lang="en-US" smtClean="0"/>
-              <a:t>22/10/2012</a:t>
+              <a:t>10/22/2012</a:t>
             </a:fld>
             <a:endParaRPr lang="en-US"/>
           </a:p>
@@ -812,7 +1248,7 @@
           <a:p>
             <a:fld id="{D182CCF5-22E8-4193-B0D2-1DB9465CE9C7}" type="datetimeFigureOut">
               <a:rPr lang="en-US" smtClean="0"/>
-              <a:t>22/10/2012</a:t>
+              <a:t>10/22/2012</a:t>
             </a:fld>
             <a:endParaRPr lang="en-US"/>
           </a:p>
@@ -1058,7 +1494,7 @@
           <a:p>
             <a:fld id="{D182CCF5-22E8-4193-B0D2-1DB9465CE9C7}" type="datetimeFigureOut">
               <a:rPr lang="en-US" smtClean="0"/>
-              <a:t>22/10/2012</a:t>
+              <a:t>10/22/2012</a:t>
             </a:fld>
             <a:endParaRPr lang="en-US"/>
           </a:p>
@@ -1346,7 +1782,7 @@
           <a:p>
             <a:fld id="{D182CCF5-22E8-4193-B0D2-1DB9465CE9C7}" type="datetimeFigureOut">
               <a:rPr lang="en-US" smtClean="0"/>
-              <a:t>22/10/2012</a:t>
+              <a:t>10/22/2012</a:t>
             </a:fld>
             <a:endParaRPr lang="en-US"/>
           </a:p>
@@ -1768,7 +2204,7 @@
           <a:p>
             <a:fld id="{D182CCF5-22E8-4193-B0D2-1DB9465CE9C7}" type="datetimeFigureOut">
               <a:rPr lang="en-US" smtClean="0"/>
-              <a:t>22/10/2012</a:t>
+              <a:t>10/22/2012</a:t>
             </a:fld>
             <a:endParaRPr lang="en-US"/>
           </a:p>
@@ -1886,7 +2322,7 @@
           <a:p>
             <a:fld id="{D182CCF5-22E8-4193-B0D2-1DB9465CE9C7}" type="datetimeFigureOut">
               <a:rPr lang="en-US" smtClean="0"/>
-              <a:t>22/10/2012</a:t>
+              <a:t>10/22/2012</a:t>
             </a:fld>
             <a:endParaRPr lang="en-US"/>
           </a:p>
@@ -1981,7 +2417,7 @@
           <a:p>
             <a:fld id="{D182CCF5-22E8-4193-B0D2-1DB9465CE9C7}" type="datetimeFigureOut">
               <a:rPr lang="en-US" smtClean="0"/>
-              <a:t>22/10/2012</a:t>
+              <a:t>10/22/2012</a:t>
             </a:fld>
             <a:endParaRPr lang="en-US"/>
           </a:p>
@@ -2258,7 +2694,7 @@
           <a:p>
             <a:fld id="{D182CCF5-22E8-4193-B0D2-1DB9465CE9C7}" type="datetimeFigureOut">
               <a:rPr lang="en-US" smtClean="0"/>
-              <a:t>22/10/2012</a:t>
+              <a:t>10/22/2012</a:t>
             </a:fld>
             <a:endParaRPr lang="en-US"/>
           </a:p>
@@ -2511,7 +2947,7 @@
           <a:p>
             <a:fld id="{D182CCF5-22E8-4193-B0D2-1DB9465CE9C7}" type="datetimeFigureOut">
               <a:rPr lang="en-US" smtClean="0"/>
-              <a:t>22/10/2012</a:t>
+              <a:t>10/22/2012</a:t>
             </a:fld>
             <a:endParaRPr lang="en-US"/>
           </a:p>
@@ -2724,7 +3160,7 @@
           <a:p>
             <a:fld id="{D182CCF5-22E8-4193-B0D2-1DB9465CE9C7}" type="datetimeFigureOut">
               <a:rPr lang="en-US" smtClean="0"/>
-              <a:t>22/10/2012</a:t>
+              <a:t>10/22/2012</a:t>
             </a:fld>
             <a:endParaRPr lang="en-US"/>
           </a:p>
@@ -3477,13 +3913,8 @@
           <a:p>
             <a:r>
               <a:rPr lang="en-US" dirty="0" smtClean="0"/>
-              <a:t>Data model: Object Table (OT</a:t>
+              <a:t>Data model: Object Table (OT) – Account Table, Blob Table, Entity Table, Message Table</a:t>
             </a:r>
-            <a:r>
-              <a:rPr lang="en-US" dirty="0" smtClean="0"/>
-              <a:t>) – Account Table, Blob Table, Entity Table, Message Table</a:t>
-            </a:r>
-            <a:endParaRPr lang="en-US" dirty="0" smtClean="0"/>
           </a:p>
           <a:p>
             <a:r>
@@ -3658,6 +4089,6920 @@
         <p:cTn id="1" dur="indefinite" restart="never" nodeType="tmRoot"/>
       </p:par>
     </p:tnLst>
+  </p:timing>
+</p:sld>
+</file>
+
+<file path=ppt/slides/slide6.xml><?xml version="1.0" encoding="utf-8"?>
+<p:sld xmlns:a="http://schemas.openxmlformats.org/drawingml/2006/main" xmlns:r="http://schemas.openxmlformats.org/officeDocument/2006/relationships" xmlns:p="http://schemas.openxmlformats.org/presentationml/2006/main">
+  <p:cSld>
+    <p:spTree>
+      <p:nvGrpSpPr>
+        <p:cNvPr id="1" name=""/>
+        <p:cNvGrpSpPr/>
+        <p:nvPr/>
+      </p:nvGrpSpPr>
+      <p:grpSpPr>
+        <a:xfrm>
+          <a:off x="0" y="0"/>
+          <a:ext cx="0" cy="0"/>
+          <a:chOff x="0" y="0"/>
+          <a:chExt cx="0" cy="0"/>
+        </a:xfrm>
+      </p:grpSpPr>
+      <p:graphicFrame>
+        <p:nvGraphicFramePr>
+          <p:cNvPr id="52" name="Table 51"/>
+          <p:cNvGraphicFramePr>
+            <a:graphicFrameLocks noGrp="1"/>
+          </p:cNvGraphicFramePr>
+          <p:nvPr>
+            <p:extLst>
+              <p:ext uri="{D42A27DB-BD31-4B8C-83A1-F6EECF244321}">
+                <p14:modId xmlns:p14="http://schemas.microsoft.com/office/powerpoint/2010/main" val="2424346731"/>
+              </p:ext>
+            </p:extLst>
+          </p:nvPr>
+        </p:nvGraphicFramePr>
+        <p:xfrm>
+          <a:off x="3568496" y="1481063"/>
+          <a:ext cx="1799381" cy="4783952"/>
+        </p:xfrm>
+        <a:graphic>
+          <a:graphicData uri="http://schemas.openxmlformats.org/drawingml/2006/table">
+            <a:tbl>
+              <a:tblPr firstRow="1">
+                <a:effectLst>
+                  <a:innerShdw blurRad="63500" dist="50800" dir="8100000">
+                    <a:prstClr val="black">
+                      <a:alpha val="50000"/>
+                    </a:prstClr>
+                  </a:innerShdw>
+                </a:effectLst>
+                <a:tableStyleId>{284E427A-3D55-4303-BF80-6455036E1DE7}</a:tableStyleId>
+              </a:tblPr>
+              <a:tblGrid>
+                <a:gridCol w="585282"/>
+                <a:gridCol w="633653"/>
+                <a:gridCol w="580446"/>
+              </a:tblGrid>
+              <a:tr h="377082">
+                <a:tc>
+                  <a:txBody>
+                    <a:bodyPr/>
+                    <a:lstStyle/>
+                    <a:p>
+                      <a:pPr algn="ctr"/>
+                      <a:r>
+                        <a:rPr lang="en-US" sz="1200" dirty="0" smtClean="0">
+                          <a:solidFill>
+                            <a:srgbClr val="FFFF00"/>
+                          </a:solidFill>
+                          <a:latin typeface="Calibri" pitchFamily="34" charset="0"/>
+                          <a:cs typeface="Calibri" pitchFamily="34" charset="0"/>
+                        </a:rPr>
+                        <a:t>Account</a:t>
+                      </a:r>
+                      <a:br>
+                        <a:rPr lang="en-US" sz="1200" dirty="0" smtClean="0">
+                          <a:solidFill>
+                            <a:srgbClr val="FFFF00"/>
+                          </a:solidFill>
+                          <a:latin typeface="Calibri" pitchFamily="34" charset="0"/>
+                          <a:cs typeface="Calibri" pitchFamily="34" charset="0"/>
+                        </a:rPr>
+                      </a:br>
+                      <a:r>
+                        <a:rPr lang="en-US" sz="1200" dirty="0" smtClean="0">
+                          <a:solidFill>
+                            <a:srgbClr val="FFFF00"/>
+                          </a:solidFill>
+                          <a:latin typeface="Calibri" pitchFamily="34" charset="0"/>
+                          <a:cs typeface="Calibri" pitchFamily="34" charset="0"/>
+                        </a:rPr>
+                        <a:t>Name</a:t>
+                      </a:r>
+                      <a:endParaRPr lang="en-US" sz="1200" b="1" dirty="0">
+                        <a:solidFill>
+                          <a:srgbClr val="FFFF00"/>
+                        </a:solidFill>
+                        <a:latin typeface="Calibri" pitchFamily="34" charset="0"/>
+                        <a:cs typeface="Calibri" pitchFamily="34" charset="0"/>
+                      </a:endParaRPr>
+                    </a:p>
+                  </a:txBody>
+                  <a:tcPr marL="68598" marR="68598">
+                    <a:lnR w="28575" cap="flat" cmpd="sng" algn="ctr">
+                      <a:solidFill>
+                        <a:srgbClr val="FFFFFF"/>
+                      </a:solidFill>
+                      <a:prstDash val="solid"/>
+                      <a:round/>
+                      <a:headEnd type="none" w="med" len="med"/>
+                      <a:tailEnd type="none" w="med" len="med"/>
+                    </a:lnR>
+                    <a:lnB w="28575" cap="flat" cmpd="sng" algn="ctr">
+                      <a:solidFill>
+                        <a:srgbClr val="FFFFFF"/>
+                      </a:solidFill>
+                      <a:prstDash val="solid"/>
+                      <a:round/>
+                      <a:headEnd type="none" w="med" len="med"/>
+                      <a:tailEnd type="none" w="med" len="med"/>
+                    </a:lnB>
+                    <a:solidFill>
+                      <a:schemeClr val="accent2">
+                        <a:lumMod val="75000"/>
+                      </a:schemeClr>
+                    </a:solidFill>
+                  </a:tcPr>
+                </a:tc>
+                <a:tc>
+                  <a:txBody>
+                    <a:bodyPr/>
+                    <a:lstStyle/>
+                    <a:p>
+                      <a:pPr algn="ctr"/>
+                      <a:r>
+                        <a:rPr lang="en-US" sz="1200" dirty="0" smtClean="0">
+                          <a:solidFill>
+                            <a:srgbClr val="FFFF00"/>
+                          </a:solidFill>
+                          <a:latin typeface="Calibri" pitchFamily="34" charset="0"/>
+                          <a:cs typeface="Calibri" pitchFamily="34" charset="0"/>
+                        </a:rPr>
+                        <a:t>Container</a:t>
+                      </a:r>
+                      <a:br>
+                        <a:rPr lang="en-US" sz="1200" dirty="0" smtClean="0">
+                          <a:solidFill>
+                            <a:srgbClr val="FFFF00"/>
+                          </a:solidFill>
+                          <a:latin typeface="Calibri" pitchFamily="34" charset="0"/>
+                          <a:cs typeface="Calibri" pitchFamily="34" charset="0"/>
+                        </a:rPr>
+                      </a:br>
+                      <a:r>
+                        <a:rPr lang="en-US" sz="1200" dirty="0" smtClean="0">
+                          <a:solidFill>
+                            <a:srgbClr val="FFFF00"/>
+                          </a:solidFill>
+                          <a:latin typeface="Calibri" pitchFamily="34" charset="0"/>
+                          <a:cs typeface="Calibri" pitchFamily="34" charset="0"/>
+                        </a:rPr>
+                        <a:t>Name</a:t>
+                      </a:r>
+                      <a:endParaRPr lang="en-US" sz="1200" b="1" dirty="0">
+                        <a:solidFill>
+                          <a:srgbClr val="FFFF00"/>
+                        </a:solidFill>
+                        <a:latin typeface="Calibri" pitchFamily="34" charset="0"/>
+                        <a:cs typeface="Calibri" pitchFamily="34" charset="0"/>
+                      </a:endParaRPr>
+                    </a:p>
+                  </a:txBody>
+                  <a:tcPr marL="68598" marR="68598">
+                    <a:lnL w="28575" cap="flat" cmpd="sng" algn="ctr">
+                      <a:solidFill>
+                        <a:srgbClr val="FFFFFF"/>
+                      </a:solidFill>
+                      <a:prstDash val="solid"/>
+                      <a:round/>
+                      <a:headEnd type="none" w="med" len="med"/>
+                      <a:tailEnd type="none" w="med" len="med"/>
+                    </a:lnL>
+                    <a:lnR w="28575" cap="flat" cmpd="sng" algn="ctr">
+                      <a:solidFill>
+                        <a:srgbClr val="FFFFFF"/>
+                      </a:solidFill>
+                      <a:prstDash val="solid"/>
+                      <a:round/>
+                      <a:headEnd type="none" w="med" len="med"/>
+                      <a:tailEnd type="none" w="med" len="med"/>
+                    </a:lnR>
+                    <a:lnB w="28575" cap="flat" cmpd="sng" algn="ctr">
+                      <a:solidFill>
+                        <a:srgbClr val="FFFFFF"/>
+                      </a:solidFill>
+                      <a:prstDash val="solid"/>
+                      <a:round/>
+                      <a:headEnd type="none" w="med" len="med"/>
+                      <a:tailEnd type="none" w="med" len="med"/>
+                    </a:lnB>
+                    <a:solidFill>
+                      <a:schemeClr val="accent2">
+                        <a:lumMod val="75000"/>
+                      </a:schemeClr>
+                    </a:solidFill>
+                  </a:tcPr>
+                </a:tc>
+                <a:tc>
+                  <a:txBody>
+                    <a:bodyPr/>
+                    <a:lstStyle/>
+                    <a:p>
+                      <a:pPr marL="0" marR="0" indent="0" algn="ctr" defTabSz="914363" rtl="0" eaLnBrk="1" fontAlgn="auto" latinLnBrk="0" hangingPunct="1">
+                        <a:lnSpc>
+                          <a:spcPct val="100000"/>
+                        </a:lnSpc>
+                        <a:spcBef>
+                          <a:spcPts val="0"/>
+                        </a:spcBef>
+                        <a:spcAft>
+                          <a:spcPts val="0"/>
+                        </a:spcAft>
+                        <a:buClrTx/>
+                        <a:buSzTx/>
+                        <a:buFontTx/>
+                        <a:buNone/>
+                        <a:tabLst/>
+                        <a:defRPr/>
+                      </a:pPr>
+                      <a:r>
+                        <a:rPr lang="en-US" sz="1200" dirty="0" smtClean="0">
+                          <a:solidFill>
+                            <a:srgbClr val="FFFF00"/>
+                          </a:solidFill>
+                          <a:latin typeface="Calibri" pitchFamily="34" charset="0"/>
+                          <a:cs typeface="Calibri" pitchFamily="34" charset="0"/>
+                        </a:rPr>
+                        <a:t>Blob</a:t>
+                      </a:r>
+                      <a:br>
+                        <a:rPr lang="en-US" sz="1200" dirty="0" smtClean="0">
+                          <a:solidFill>
+                            <a:srgbClr val="FFFF00"/>
+                          </a:solidFill>
+                          <a:latin typeface="Calibri" pitchFamily="34" charset="0"/>
+                          <a:cs typeface="Calibri" pitchFamily="34" charset="0"/>
+                        </a:rPr>
+                      </a:br>
+                      <a:r>
+                        <a:rPr lang="en-US" sz="1200" dirty="0" smtClean="0">
+                          <a:solidFill>
+                            <a:srgbClr val="FFFF00"/>
+                          </a:solidFill>
+                          <a:latin typeface="Calibri" pitchFamily="34" charset="0"/>
+                          <a:cs typeface="Calibri" pitchFamily="34" charset="0"/>
+                        </a:rPr>
+                        <a:t>Name</a:t>
+                      </a:r>
+                      <a:endParaRPr lang="en-US" sz="1200" b="1" dirty="0" smtClean="0">
+                        <a:solidFill>
+                          <a:srgbClr val="FFFF00"/>
+                        </a:solidFill>
+                        <a:latin typeface="Calibri" pitchFamily="34" charset="0"/>
+                        <a:cs typeface="Calibri" pitchFamily="34" charset="0"/>
+                      </a:endParaRPr>
+                    </a:p>
+                  </a:txBody>
+                  <a:tcPr marL="68598" marR="68598">
+                    <a:lnL w="28575" cap="flat" cmpd="sng" algn="ctr">
+                      <a:solidFill>
+                        <a:srgbClr val="FFFFFF"/>
+                      </a:solidFill>
+                      <a:prstDash val="solid"/>
+                      <a:round/>
+                      <a:headEnd type="none" w="med" len="med"/>
+                      <a:tailEnd type="none" w="med" len="med"/>
+                    </a:lnL>
+                    <a:lnB w="28575" cap="flat" cmpd="sng" algn="ctr">
+                      <a:solidFill>
+                        <a:srgbClr val="FFFFFF"/>
+                      </a:solidFill>
+                      <a:prstDash val="solid"/>
+                      <a:round/>
+                      <a:headEnd type="none" w="med" len="med"/>
+                      <a:tailEnd type="none" w="med" len="med"/>
+                    </a:lnB>
+                    <a:solidFill>
+                      <a:schemeClr val="accent2">
+                        <a:lumMod val="75000"/>
+                      </a:schemeClr>
+                    </a:solidFill>
+                  </a:tcPr>
+                </a:tc>
+              </a:tr>
+              <a:tr h="332388">
+                <a:tc>
+                  <a:txBody>
+                    <a:bodyPr/>
+                    <a:lstStyle/>
+                    <a:p>
+                      <a:pPr algn="ctr"/>
+                      <a:r>
+                        <a:rPr lang="en-US" sz="1200" b="1" dirty="0" err="1" smtClean="0">
+                          <a:latin typeface="Calibri" pitchFamily="34" charset="0"/>
+                          <a:cs typeface="Calibri" pitchFamily="34" charset="0"/>
+                        </a:rPr>
+                        <a:t>aaaa</a:t>
+                      </a:r>
+                      <a:endParaRPr lang="en-US" sz="1200" b="1" dirty="0">
+                        <a:latin typeface="Calibri" pitchFamily="34" charset="0"/>
+                        <a:cs typeface="Calibri" pitchFamily="34" charset="0"/>
+                      </a:endParaRPr>
+                    </a:p>
+                  </a:txBody>
+                  <a:tcPr marL="68598" marR="68598">
+                    <a:lnT w="28575" cap="flat" cmpd="sng" algn="ctr">
+                      <a:solidFill>
+                        <a:srgbClr val="FFFFFF"/>
+                      </a:solidFill>
+                      <a:prstDash val="solid"/>
+                      <a:round/>
+                      <a:headEnd type="none" w="med" len="med"/>
+                      <a:tailEnd type="none" w="med" len="med"/>
+                    </a:lnT>
+                  </a:tcPr>
+                </a:tc>
+                <a:tc>
+                  <a:txBody>
+                    <a:bodyPr/>
+                    <a:lstStyle/>
+                    <a:p>
+                      <a:pPr algn="ctr"/>
+                      <a:r>
+                        <a:rPr lang="en-US" sz="1200" b="1" dirty="0" err="1" smtClean="0">
+                          <a:latin typeface="Calibri" pitchFamily="34" charset="0"/>
+                          <a:cs typeface="Calibri" pitchFamily="34" charset="0"/>
+                        </a:rPr>
+                        <a:t>aaaa</a:t>
+                      </a:r>
+                      <a:endParaRPr lang="en-US" sz="1200" b="1" dirty="0">
+                        <a:latin typeface="Calibri" pitchFamily="34" charset="0"/>
+                        <a:cs typeface="Calibri" pitchFamily="34" charset="0"/>
+                      </a:endParaRPr>
+                    </a:p>
+                  </a:txBody>
+                  <a:tcPr marL="68598" marR="68598">
+                    <a:lnT w="28575" cap="flat" cmpd="sng" algn="ctr">
+                      <a:solidFill>
+                        <a:srgbClr val="FFFFFF"/>
+                      </a:solidFill>
+                      <a:prstDash val="solid"/>
+                      <a:round/>
+                      <a:headEnd type="none" w="med" len="med"/>
+                      <a:tailEnd type="none" w="med" len="med"/>
+                    </a:lnT>
+                  </a:tcPr>
+                </a:tc>
+                <a:tc>
+                  <a:txBody>
+                    <a:bodyPr/>
+                    <a:lstStyle/>
+                    <a:p>
+                      <a:pPr algn="ctr"/>
+                      <a:r>
+                        <a:rPr lang="en-US" sz="1200" b="1" dirty="0" err="1" smtClean="0">
+                          <a:latin typeface="Calibri" pitchFamily="34" charset="0"/>
+                          <a:cs typeface="Calibri" pitchFamily="34" charset="0"/>
+                        </a:rPr>
+                        <a:t>aaaaa</a:t>
+                      </a:r>
+                      <a:endParaRPr lang="en-US" sz="1200" b="1" dirty="0">
+                        <a:latin typeface="Calibri" pitchFamily="34" charset="0"/>
+                        <a:cs typeface="Calibri" pitchFamily="34" charset="0"/>
+                      </a:endParaRPr>
+                    </a:p>
+                  </a:txBody>
+                  <a:tcPr marL="68598" marR="68598">
+                    <a:lnT w="28575" cap="flat" cmpd="sng" algn="ctr">
+                      <a:solidFill>
+                        <a:srgbClr val="FFFFFF"/>
+                      </a:solidFill>
+                      <a:prstDash val="solid"/>
+                      <a:round/>
+                      <a:headEnd type="none" w="med" len="med"/>
+                      <a:tailEnd type="none" w="med" len="med"/>
+                    </a:lnT>
+                  </a:tcPr>
+                </a:tc>
+              </a:tr>
+              <a:tr h="310437">
+                <a:tc>
+                  <a:txBody>
+                    <a:bodyPr/>
+                    <a:lstStyle/>
+                    <a:p>
+                      <a:pPr algn="ctr"/>
+                      <a:r>
+                        <a:rPr lang="en-US" sz="1200" b="1" dirty="0" smtClean="0">
+                          <a:latin typeface="Calibri" pitchFamily="34" charset="0"/>
+                          <a:cs typeface="Calibri" pitchFamily="34" charset="0"/>
+                        </a:rPr>
+                        <a:t>……..</a:t>
+                      </a:r>
+                      <a:endParaRPr lang="en-US" sz="1200" b="1" dirty="0">
+                        <a:latin typeface="Calibri" pitchFamily="34" charset="0"/>
+                        <a:cs typeface="Calibri" pitchFamily="34" charset="0"/>
+                      </a:endParaRPr>
+                    </a:p>
+                  </a:txBody>
+                  <a:tcPr marL="68598" marR="68598"/>
+                </a:tc>
+                <a:tc>
+                  <a:txBody>
+                    <a:bodyPr/>
+                    <a:lstStyle/>
+                    <a:p>
+                      <a:pPr algn="ctr"/>
+                      <a:r>
+                        <a:rPr lang="en-US" sz="1200" b="1" dirty="0" smtClean="0">
+                          <a:latin typeface="Calibri" pitchFamily="34" charset="0"/>
+                          <a:cs typeface="Calibri" pitchFamily="34" charset="0"/>
+                        </a:rPr>
+                        <a:t>……..</a:t>
+                      </a:r>
+                      <a:endParaRPr lang="en-US" sz="1200" b="1" dirty="0">
+                        <a:latin typeface="Calibri" pitchFamily="34" charset="0"/>
+                        <a:cs typeface="Calibri" pitchFamily="34" charset="0"/>
+                      </a:endParaRPr>
+                    </a:p>
+                  </a:txBody>
+                  <a:tcPr marL="68598" marR="68598"/>
+                </a:tc>
+                <a:tc>
+                  <a:txBody>
+                    <a:bodyPr/>
+                    <a:lstStyle/>
+                    <a:p>
+                      <a:pPr algn="ctr"/>
+                      <a:r>
+                        <a:rPr lang="en-US" sz="1200" b="1" dirty="0" smtClean="0">
+                          <a:latin typeface="Calibri" pitchFamily="34" charset="0"/>
+                          <a:cs typeface="Calibri" pitchFamily="34" charset="0"/>
+                        </a:rPr>
+                        <a:t>……..</a:t>
+                      </a:r>
+                      <a:endParaRPr lang="en-US" sz="1200" b="1" dirty="0">
+                        <a:latin typeface="Calibri" pitchFamily="34" charset="0"/>
+                        <a:cs typeface="Calibri" pitchFamily="34" charset="0"/>
+                      </a:endParaRPr>
+                    </a:p>
+                  </a:txBody>
+                  <a:tcPr marL="68598" marR="68598"/>
+                </a:tc>
+              </a:tr>
+              <a:tr h="318277">
+                <a:tc>
+                  <a:txBody>
+                    <a:bodyPr/>
+                    <a:lstStyle/>
+                    <a:p>
+                      <a:pPr marL="0" marR="0" indent="0" algn="ctr" defTabSz="914363" rtl="0" eaLnBrk="1" fontAlgn="auto" latinLnBrk="0" hangingPunct="1">
+                        <a:lnSpc>
+                          <a:spcPct val="100000"/>
+                        </a:lnSpc>
+                        <a:spcBef>
+                          <a:spcPts val="0"/>
+                        </a:spcBef>
+                        <a:spcAft>
+                          <a:spcPts val="0"/>
+                        </a:spcAft>
+                        <a:buClrTx/>
+                        <a:buSzTx/>
+                        <a:buFontTx/>
+                        <a:buNone/>
+                        <a:tabLst/>
+                        <a:defRPr/>
+                      </a:pPr>
+                      <a:r>
+                        <a:rPr lang="en-US" sz="1200" b="1" dirty="0" smtClean="0">
+                          <a:latin typeface="Calibri" pitchFamily="34" charset="0"/>
+                          <a:cs typeface="Calibri" pitchFamily="34" charset="0"/>
+                        </a:rPr>
+                        <a:t>……..</a:t>
+                      </a:r>
+                    </a:p>
+                  </a:txBody>
+                  <a:tcPr marL="68598" marR="68598"/>
+                </a:tc>
+                <a:tc>
+                  <a:txBody>
+                    <a:bodyPr/>
+                    <a:lstStyle/>
+                    <a:p>
+                      <a:pPr marL="0" marR="0" indent="0" algn="ctr" defTabSz="914363" rtl="0" eaLnBrk="1" fontAlgn="auto" latinLnBrk="0" hangingPunct="1">
+                        <a:lnSpc>
+                          <a:spcPct val="100000"/>
+                        </a:lnSpc>
+                        <a:spcBef>
+                          <a:spcPts val="0"/>
+                        </a:spcBef>
+                        <a:spcAft>
+                          <a:spcPts val="0"/>
+                        </a:spcAft>
+                        <a:buClrTx/>
+                        <a:buSzTx/>
+                        <a:buFontTx/>
+                        <a:buNone/>
+                        <a:tabLst/>
+                        <a:defRPr/>
+                      </a:pPr>
+                      <a:r>
+                        <a:rPr lang="en-US" sz="1200" b="1" dirty="0" smtClean="0">
+                          <a:latin typeface="Calibri" pitchFamily="34" charset="0"/>
+                          <a:cs typeface="Calibri" pitchFamily="34" charset="0"/>
+                        </a:rPr>
+                        <a:t>……..</a:t>
+                      </a:r>
+                    </a:p>
+                  </a:txBody>
+                  <a:tcPr marL="68598" marR="68598"/>
+                </a:tc>
+                <a:tc>
+                  <a:txBody>
+                    <a:bodyPr/>
+                    <a:lstStyle/>
+                    <a:p>
+                      <a:pPr marL="0" marR="0" indent="0" algn="ctr" defTabSz="914363" rtl="0" eaLnBrk="1" fontAlgn="auto" latinLnBrk="0" hangingPunct="1">
+                        <a:lnSpc>
+                          <a:spcPct val="100000"/>
+                        </a:lnSpc>
+                        <a:spcBef>
+                          <a:spcPts val="0"/>
+                        </a:spcBef>
+                        <a:spcAft>
+                          <a:spcPts val="0"/>
+                        </a:spcAft>
+                        <a:buClrTx/>
+                        <a:buSzTx/>
+                        <a:buFontTx/>
+                        <a:buNone/>
+                        <a:tabLst/>
+                        <a:defRPr/>
+                      </a:pPr>
+                      <a:r>
+                        <a:rPr lang="en-US" sz="1200" b="1" dirty="0" smtClean="0">
+                          <a:latin typeface="Calibri" pitchFamily="34" charset="0"/>
+                          <a:cs typeface="Calibri" pitchFamily="34" charset="0"/>
+                        </a:rPr>
+                        <a:t>……..</a:t>
+                      </a:r>
+                    </a:p>
+                  </a:txBody>
+                  <a:tcPr marL="68598" marR="68598"/>
+                </a:tc>
+              </a:tr>
+              <a:tr h="318277">
+                <a:tc>
+                  <a:txBody>
+                    <a:bodyPr/>
+                    <a:lstStyle/>
+                    <a:p>
+                      <a:pPr marL="0" marR="0" indent="0" algn="ctr" defTabSz="914363" rtl="0" eaLnBrk="1" fontAlgn="auto" latinLnBrk="0" hangingPunct="1">
+                        <a:lnSpc>
+                          <a:spcPct val="100000"/>
+                        </a:lnSpc>
+                        <a:spcBef>
+                          <a:spcPts val="0"/>
+                        </a:spcBef>
+                        <a:spcAft>
+                          <a:spcPts val="0"/>
+                        </a:spcAft>
+                        <a:buClrTx/>
+                        <a:buSzTx/>
+                        <a:buFontTx/>
+                        <a:buNone/>
+                        <a:tabLst/>
+                        <a:defRPr/>
+                      </a:pPr>
+                      <a:r>
+                        <a:rPr lang="en-US" sz="1200" b="1" dirty="0" smtClean="0">
+                          <a:latin typeface="Calibri" pitchFamily="34" charset="0"/>
+                          <a:cs typeface="Calibri" pitchFamily="34" charset="0"/>
+                        </a:rPr>
+                        <a:t>……..</a:t>
+                      </a:r>
+                    </a:p>
+                  </a:txBody>
+                  <a:tcPr marL="68598" marR="68598"/>
+                </a:tc>
+                <a:tc>
+                  <a:txBody>
+                    <a:bodyPr/>
+                    <a:lstStyle/>
+                    <a:p>
+                      <a:pPr marL="0" marR="0" indent="0" algn="ctr" defTabSz="914363" rtl="0" eaLnBrk="1" fontAlgn="auto" latinLnBrk="0" hangingPunct="1">
+                        <a:lnSpc>
+                          <a:spcPct val="100000"/>
+                        </a:lnSpc>
+                        <a:spcBef>
+                          <a:spcPts val="0"/>
+                        </a:spcBef>
+                        <a:spcAft>
+                          <a:spcPts val="0"/>
+                        </a:spcAft>
+                        <a:buClrTx/>
+                        <a:buSzTx/>
+                        <a:buFontTx/>
+                        <a:buNone/>
+                        <a:tabLst/>
+                        <a:defRPr/>
+                      </a:pPr>
+                      <a:r>
+                        <a:rPr lang="en-US" sz="1200" b="1" dirty="0" smtClean="0">
+                          <a:latin typeface="Calibri" pitchFamily="34" charset="0"/>
+                          <a:cs typeface="Calibri" pitchFamily="34" charset="0"/>
+                        </a:rPr>
+                        <a:t>……..</a:t>
+                      </a:r>
+                    </a:p>
+                  </a:txBody>
+                  <a:tcPr marL="68598" marR="68598"/>
+                </a:tc>
+                <a:tc>
+                  <a:txBody>
+                    <a:bodyPr/>
+                    <a:lstStyle/>
+                    <a:p>
+                      <a:pPr marL="0" marR="0" indent="0" algn="ctr" defTabSz="914363" rtl="0" eaLnBrk="1" fontAlgn="auto" latinLnBrk="0" hangingPunct="1">
+                        <a:lnSpc>
+                          <a:spcPct val="100000"/>
+                        </a:lnSpc>
+                        <a:spcBef>
+                          <a:spcPts val="0"/>
+                        </a:spcBef>
+                        <a:spcAft>
+                          <a:spcPts val="0"/>
+                        </a:spcAft>
+                        <a:buClrTx/>
+                        <a:buSzTx/>
+                        <a:buFontTx/>
+                        <a:buNone/>
+                        <a:tabLst/>
+                        <a:defRPr/>
+                      </a:pPr>
+                      <a:r>
+                        <a:rPr lang="en-US" sz="1200" b="1" dirty="0" smtClean="0">
+                          <a:latin typeface="Calibri" pitchFamily="34" charset="0"/>
+                          <a:cs typeface="Calibri" pitchFamily="34" charset="0"/>
+                        </a:rPr>
+                        <a:t>……..</a:t>
+                      </a:r>
+                    </a:p>
+                  </a:txBody>
+                  <a:tcPr marL="68598" marR="68598"/>
+                </a:tc>
+              </a:tr>
+              <a:tr h="318277">
+                <a:tc>
+                  <a:txBody>
+                    <a:bodyPr/>
+                    <a:lstStyle/>
+                    <a:p>
+                      <a:pPr marL="0" marR="0" indent="0" algn="ctr" defTabSz="914363" rtl="0" eaLnBrk="1" fontAlgn="auto" latinLnBrk="0" hangingPunct="1">
+                        <a:lnSpc>
+                          <a:spcPct val="100000"/>
+                        </a:lnSpc>
+                        <a:spcBef>
+                          <a:spcPts val="0"/>
+                        </a:spcBef>
+                        <a:spcAft>
+                          <a:spcPts val="0"/>
+                        </a:spcAft>
+                        <a:buClrTx/>
+                        <a:buSzTx/>
+                        <a:buFontTx/>
+                        <a:buNone/>
+                        <a:tabLst/>
+                        <a:defRPr/>
+                      </a:pPr>
+                      <a:r>
+                        <a:rPr lang="en-US" sz="1200" b="1" dirty="0" smtClean="0">
+                          <a:latin typeface="Calibri" pitchFamily="34" charset="0"/>
+                          <a:cs typeface="Calibri" pitchFamily="34" charset="0"/>
+                        </a:rPr>
+                        <a:t>……..</a:t>
+                      </a:r>
+                    </a:p>
+                  </a:txBody>
+                  <a:tcPr marL="68598" marR="68598"/>
+                </a:tc>
+                <a:tc>
+                  <a:txBody>
+                    <a:bodyPr/>
+                    <a:lstStyle/>
+                    <a:p>
+                      <a:pPr marL="0" marR="0" indent="0" algn="ctr" defTabSz="914363" rtl="0" eaLnBrk="1" fontAlgn="auto" latinLnBrk="0" hangingPunct="1">
+                        <a:lnSpc>
+                          <a:spcPct val="100000"/>
+                        </a:lnSpc>
+                        <a:spcBef>
+                          <a:spcPts val="0"/>
+                        </a:spcBef>
+                        <a:spcAft>
+                          <a:spcPts val="0"/>
+                        </a:spcAft>
+                        <a:buClrTx/>
+                        <a:buSzTx/>
+                        <a:buFontTx/>
+                        <a:buNone/>
+                        <a:tabLst/>
+                        <a:defRPr/>
+                      </a:pPr>
+                      <a:r>
+                        <a:rPr lang="en-US" sz="1200" b="1" dirty="0" smtClean="0">
+                          <a:latin typeface="Calibri" pitchFamily="34" charset="0"/>
+                          <a:cs typeface="Calibri" pitchFamily="34" charset="0"/>
+                        </a:rPr>
+                        <a:t>……..</a:t>
+                      </a:r>
+                    </a:p>
+                  </a:txBody>
+                  <a:tcPr marL="68598" marR="68598"/>
+                </a:tc>
+                <a:tc>
+                  <a:txBody>
+                    <a:bodyPr/>
+                    <a:lstStyle/>
+                    <a:p>
+                      <a:pPr marL="0" marR="0" indent="0" algn="ctr" defTabSz="914363" rtl="0" eaLnBrk="1" fontAlgn="auto" latinLnBrk="0" hangingPunct="1">
+                        <a:lnSpc>
+                          <a:spcPct val="100000"/>
+                        </a:lnSpc>
+                        <a:spcBef>
+                          <a:spcPts val="0"/>
+                        </a:spcBef>
+                        <a:spcAft>
+                          <a:spcPts val="0"/>
+                        </a:spcAft>
+                        <a:buClrTx/>
+                        <a:buSzTx/>
+                        <a:buFontTx/>
+                        <a:buNone/>
+                        <a:tabLst/>
+                        <a:defRPr/>
+                      </a:pPr>
+                      <a:r>
+                        <a:rPr lang="en-US" sz="1200" b="1" dirty="0" smtClean="0">
+                          <a:latin typeface="Calibri" pitchFamily="34" charset="0"/>
+                          <a:cs typeface="Calibri" pitchFamily="34" charset="0"/>
+                        </a:rPr>
+                        <a:t>……..</a:t>
+                      </a:r>
+                    </a:p>
+                  </a:txBody>
+                  <a:tcPr marL="68598" marR="68598"/>
+                </a:tc>
+              </a:tr>
+              <a:tr h="318277">
+                <a:tc>
+                  <a:txBody>
+                    <a:bodyPr/>
+                    <a:lstStyle/>
+                    <a:p>
+                      <a:pPr marL="0" marR="0" indent="0" algn="ctr" defTabSz="914363" rtl="0" eaLnBrk="1" fontAlgn="auto" latinLnBrk="0" hangingPunct="1">
+                        <a:lnSpc>
+                          <a:spcPct val="100000"/>
+                        </a:lnSpc>
+                        <a:spcBef>
+                          <a:spcPts val="0"/>
+                        </a:spcBef>
+                        <a:spcAft>
+                          <a:spcPts val="0"/>
+                        </a:spcAft>
+                        <a:buClrTx/>
+                        <a:buSzTx/>
+                        <a:buFontTx/>
+                        <a:buNone/>
+                        <a:tabLst/>
+                        <a:defRPr/>
+                      </a:pPr>
+                      <a:r>
+                        <a:rPr lang="en-US" sz="1200" b="1" dirty="0" smtClean="0">
+                          <a:latin typeface="Calibri" pitchFamily="34" charset="0"/>
+                          <a:cs typeface="Calibri" pitchFamily="34" charset="0"/>
+                        </a:rPr>
+                        <a:t>……..</a:t>
+                      </a:r>
+                    </a:p>
+                  </a:txBody>
+                  <a:tcPr marL="68598" marR="68598"/>
+                </a:tc>
+                <a:tc>
+                  <a:txBody>
+                    <a:bodyPr/>
+                    <a:lstStyle/>
+                    <a:p>
+                      <a:pPr marL="0" marR="0" indent="0" algn="ctr" defTabSz="914363" rtl="0" eaLnBrk="1" fontAlgn="auto" latinLnBrk="0" hangingPunct="1">
+                        <a:lnSpc>
+                          <a:spcPct val="100000"/>
+                        </a:lnSpc>
+                        <a:spcBef>
+                          <a:spcPts val="0"/>
+                        </a:spcBef>
+                        <a:spcAft>
+                          <a:spcPts val="0"/>
+                        </a:spcAft>
+                        <a:buClrTx/>
+                        <a:buSzTx/>
+                        <a:buFontTx/>
+                        <a:buNone/>
+                        <a:tabLst/>
+                        <a:defRPr/>
+                      </a:pPr>
+                      <a:r>
+                        <a:rPr lang="en-US" sz="1200" b="1" dirty="0" smtClean="0">
+                          <a:latin typeface="Calibri" pitchFamily="34" charset="0"/>
+                          <a:cs typeface="Calibri" pitchFamily="34" charset="0"/>
+                        </a:rPr>
+                        <a:t>……..</a:t>
+                      </a:r>
+                    </a:p>
+                  </a:txBody>
+                  <a:tcPr marL="68598" marR="68598"/>
+                </a:tc>
+                <a:tc>
+                  <a:txBody>
+                    <a:bodyPr/>
+                    <a:lstStyle/>
+                    <a:p>
+                      <a:pPr marL="0" marR="0" indent="0" algn="ctr" defTabSz="914363" rtl="0" eaLnBrk="1" fontAlgn="auto" latinLnBrk="0" hangingPunct="1">
+                        <a:lnSpc>
+                          <a:spcPct val="100000"/>
+                        </a:lnSpc>
+                        <a:spcBef>
+                          <a:spcPts val="0"/>
+                        </a:spcBef>
+                        <a:spcAft>
+                          <a:spcPts val="0"/>
+                        </a:spcAft>
+                        <a:buClrTx/>
+                        <a:buSzTx/>
+                        <a:buFontTx/>
+                        <a:buNone/>
+                        <a:tabLst/>
+                        <a:defRPr/>
+                      </a:pPr>
+                      <a:r>
+                        <a:rPr lang="en-US" sz="1200" b="1" dirty="0" smtClean="0">
+                          <a:latin typeface="Calibri" pitchFamily="34" charset="0"/>
+                          <a:cs typeface="Calibri" pitchFamily="34" charset="0"/>
+                        </a:rPr>
+                        <a:t>……..</a:t>
+                      </a:r>
+                    </a:p>
+                  </a:txBody>
+                  <a:tcPr marL="68598" marR="68598"/>
+                </a:tc>
+              </a:tr>
+              <a:tr h="318277">
+                <a:tc>
+                  <a:txBody>
+                    <a:bodyPr/>
+                    <a:lstStyle/>
+                    <a:p>
+                      <a:pPr marL="0" marR="0" indent="0" algn="ctr" defTabSz="914363" rtl="0" eaLnBrk="1" fontAlgn="auto" latinLnBrk="0" hangingPunct="1">
+                        <a:lnSpc>
+                          <a:spcPct val="100000"/>
+                        </a:lnSpc>
+                        <a:spcBef>
+                          <a:spcPts val="0"/>
+                        </a:spcBef>
+                        <a:spcAft>
+                          <a:spcPts val="0"/>
+                        </a:spcAft>
+                        <a:buClrTx/>
+                        <a:buSzTx/>
+                        <a:buFontTx/>
+                        <a:buNone/>
+                        <a:tabLst/>
+                        <a:defRPr/>
+                      </a:pPr>
+                      <a:r>
+                        <a:rPr lang="en-US" sz="1200" b="1" dirty="0" smtClean="0">
+                          <a:latin typeface="Calibri" pitchFamily="34" charset="0"/>
+                          <a:cs typeface="Calibri" pitchFamily="34" charset="0"/>
+                        </a:rPr>
+                        <a:t>……..</a:t>
+                      </a:r>
+                    </a:p>
+                  </a:txBody>
+                  <a:tcPr marL="68598" marR="68598"/>
+                </a:tc>
+                <a:tc>
+                  <a:txBody>
+                    <a:bodyPr/>
+                    <a:lstStyle/>
+                    <a:p>
+                      <a:pPr marL="0" marR="0" indent="0" algn="ctr" defTabSz="914363" rtl="0" eaLnBrk="1" fontAlgn="auto" latinLnBrk="0" hangingPunct="1">
+                        <a:lnSpc>
+                          <a:spcPct val="100000"/>
+                        </a:lnSpc>
+                        <a:spcBef>
+                          <a:spcPts val="0"/>
+                        </a:spcBef>
+                        <a:spcAft>
+                          <a:spcPts val="0"/>
+                        </a:spcAft>
+                        <a:buClrTx/>
+                        <a:buSzTx/>
+                        <a:buFontTx/>
+                        <a:buNone/>
+                        <a:tabLst/>
+                        <a:defRPr/>
+                      </a:pPr>
+                      <a:r>
+                        <a:rPr lang="en-US" sz="1200" b="1" dirty="0" smtClean="0">
+                          <a:latin typeface="Calibri" pitchFamily="34" charset="0"/>
+                          <a:cs typeface="Calibri" pitchFamily="34" charset="0"/>
+                        </a:rPr>
+                        <a:t>……..</a:t>
+                      </a:r>
+                    </a:p>
+                  </a:txBody>
+                  <a:tcPr marL="68598" marR="68598"/>
+                </a:tc>
+                <a:tc>
+                  <a:txBody>
+                    <a:bodyPr/>
+                    <a:lstStyle/>
+                    <a:p>
+                      <a:pPr marL="0" marR="0" indent="0" algn="ctr" defTabSz="914363" rtl="0" eaLnBrk="1" fontAlgn="auto" latinLnBrk="0" hangingPunct="1">
+                        <a:lnSpc>
+                          <a:spcPct val="100000"/>
+                        </a:lnSpc>
+                        <a:spcBef>
+                          <a:spcPts val="0"/>
+                        </a:spcBef>
+                        <a:spcAft>
+                          <a:spcPts val="0"/>
+                        </a:spcAft>
+                        <a:buClrTx/>
+                        <a:buSzTx/>
+                        <a:buFontTx/>
+                        <a:buNone/>
+                        <a:tabLst/>
+                        <a:defRPr/>
+                      </a:pPr>
+                      <a:r>
+                        <a:rPr lang="en-US" sz="1200" b="1" dirty="0" smtClean="0">
+                          <a:latin typeface="Calibri" pitchFamily="34" charset="0"/>
+                          <a:cs typeface="Calibri" pitchFamily="34" charset="0"/>
+                        </a:rPr>
+                        <a:t>……..</a:t>
+                      </a:r>
+                    </a:p>
+                  </a:txBody>
+                  <a:tcPr marL="68598" marR="68598"/>
+                </a:tc>
+              </a:tr>
+              <a:tr h="318277">
+                <a:tc>
+                  <a:txBody>
+                    <a:bodyPr/>
+                    <a:lstStyle/>
+                    <a:p>
+                      <a:pPr marL="0" marR="0" indent="0" algn="ctr" defTabSz="914363" rtl="0" eaLnBrk="1" fontAlgn="auto" latinLnBrk="0" hangingPunct="1">
+                        <a:lnSpc>
+                          <a:spcPct val="100000"/>
+                        </a:lnSpc>
+                        <a:spcBef>
+                          <a:spcPts val="0"/>
+                        </a:spcBef>
+                        <a:spcAft>
+                          <a:spcPts val="0"/>
+                        </a:spcAft>
+                        <a:buClrTx/>
+                        <a:buSzTx/>
+                        <a:buFontTx/>
+                        <a:buNone/>
+                        <a:tabLst/>
+                        <a:defRPr/>
+                      </a:pPr>
+                      <a:r>
+                        <a:rPr lang="en-US" sz="1200" b="1" dirty="0" smtClean="0">
+                          <a:latin typeface="Calibri" pitchFamily="34" charset="0"/>
+                          <a:cs typeface="Calibri" pitchFamily="34" charset="0"/>
+                        </a:rPr>
+                        <a:t>……..</a:t>
+                      </a:r>
+                    </a:p>
+                  </a:txBody>
+                  <a:tcPr marL="68598" marR="68598"/>
+                </a:tc>
+                <a:tc>
+                  <a:txBody>
+                    <a:bodyPr/>
+                    <a:lstStyle/>
+                    <a:p>
+                      <a:pPr marL="0" marR="0" indent="0" algn="ctr" defTabSz="914363" rtl="0" eaLnBrk="1" fontAlgn="auto" latinLnBrk="0" hangingPunct="1">
+                        <a:lnSpc>
+                          <a:spcPct val="100000"/>
+                        </a:lnSpc>
+                        <a:spcBef>
+                          <a:spcPts val="0"/>
+                        </a:spcBef>
+                        <a:spcAft>
+                          <a:spcPts val="0"/>
+                        </a:spcAft>
+                        <a:buClrTx/>
+                        <a:buSzTx/>
+                        <a:buFontTx/>
+                        <a:buNone/>
+                        <a:tabLst/>
+                        <a:defRPr/>
+                      </a:pPr>
+                      <a:r>
+                        <a:rPr lang="en-US" sz="1200" b="1" dirty="0" smtClean="0">
+                          <a:latin typeface="Calibri" pitchFamily="34" charset="0"/>
+                          <a:cs typeface="Calibri" pitchFamily="34" charset="0"/>
+                        </a:rPr>
+                        <a:t>……..</a:t>
+                      </a:r>
+                    </a:p>
+                  </a:txBody>
+                  <a:tcPr marL="68598" marR="68598"/>
+                </a:tc>
+                <a:tc>
+                  <a:txBody>
+                    <a:bodyPr/>
+                    <a:lstStyle/>
+                    <a:p>
+                      <a:pPr marL="0" marR="0" indent="0" algn="ctr" defTabSz="914363" rtl="0" eaLnBrk="1" fontAlgn="auto" latinLnBrk="0" hangingPunct="1">
+                        <a:lnSpc>
+                          <a:spcPct val="100000"/>
+                        </a:lnSpc>
+                        <a:spcBef>
+                          <a:spcPts val="0"/>
+                        </a:spcBef>
+                        <a:spcAft>
+                          <a:spcPts val="0"/>
+                        </a:spcAft>
+                        <a:buClrTx/>
+                        <a:buSzTx/>
+                        <a:buFontTx/>
+                        <a:buNone/>
+                        <a:tabLst/>
+                        <a:defRPr/>
+                      </a:pPr>
+                      <a:r>
+                        <a:rPr lang="en-US" sz="1200" b="1" dirty="0" smtClean="0">
+                          <a:latin typeface="Calibri" pitchFamily="34" charset="0"/>
+                          <a:cs typeface="Calibri" pitchFamily="34" charset="0"/>
+                        </a:rPr>
+                        <a:t>……..</a:t>
+                      </a:r>
+                    </a:p>
+                  </a:txBody>
+                  <a:tcPr marL="68598" marR="68598"/>
+                </a:tc>
+              </a:tr>
+              <a:tr h="318277">
+                <a:tc>
+                  <a:txBody>
+                    <a:bodyPr/>
+                    <a:lstStyle/>
+                    <a:p>
+                      <a:pPr marL="0" marR="0" indent="0" algn="ctr" defTabSz="914363" rtl="0" eaLnBrk="1" fontAlgn="auto" latinLnBrk="0" hangingPunct="1">
+                        <a:lnSpc>
+                          <a:spcPct val="100000"/>
+                        </a:lnSpc>
+                        <a:spcBef>
+                          <a:spcPts val="0"/>
+                        </a:spcBef>
+                        <a:spcAft>
+                          <a:spcPts val="0"/>
+                        </a:spcAft>
+                        <a:buClrTx/>
+                        <a:buSzTx/>
+                        <a:buFontTx/>
+                        <a:buNone/>
+                        <a:tabLst/>
+                        <a:defRPr/>
+                      </a:pPr>
+                      <a:r>
+                        <a:rPr lang="en-US" sz="1200" b="1" dirty="0" smtClean="0">
+                          <a:latin typeface="Calibri" pitchFamily="34" charset="0"/>
+                          <a:cs typeface="Calibri" pitchFamily="34" charset="0"/>
+                        </a:rPr>
+                        <a:t>……..</a:t>
+                      </a:r>
+                    </a:p>
+                  </a:txBody>
+                  <a:tcPr marL="68598" marR="68598"/>
+                </a:tc>
+                <a:tc>
+                  <a:txBody>
+                    <a:bodyPr/>
+                    <a:lstStyle/>
+                    <a:p>
+                      <a:pPr marL="0" marR="0" indent="0" algn="ctr" defTabSz="914363" rtl="0" eaLnBrk="1" fontAlgn="auto" latinLnBrk="0" hangingPunct="1">
+                        <a:lnSpc>
+                          <a:spcPct val="100000"/>
+                        </a:lnSpc>
+                        <a:spcBef>
+                          <a:spcPts val="0"/>
+                        </a:spcBef>
+                        <a:spcAft>
+                          <a:spcPts val="0"/>
+                        </a:spcAft>
+                        <a:buClrTx/>
+                        <a:buSzTx/>
+                        <a:buFontTx/>
+                        <a:buNone/>
+                        <a:tabLst/>
+                        <a:defRPr/>
+                      </a:pPr>
+                      <a:r>
+                        <a:rPr lang="en-US" sz="1200" b="1" dirty="0" smtClean="0">
+                          <a:latin typeface="Calibri" pitchFamily="34" charset="0"/>
+                          <a:cs typeface="Calibri" pitchFamily="34" charset="0"/>
+                        </a:rPr>
+                        <a:t>……..</a:t>
+                      </a:r>
+                    </a:p>
+                  </a:txBody>
+                  <a:tcPr marL="68598" marR="68598"/>
+                </a:tc>
+                <a:tc>
+                  <a:txBody>
+                    <a:bodyPr/>
+                    <a:lstStyle/>
+                    <a:p>
+                      <a:pPr marL="0" marR="0" indent="0" algn="ctr" defTabSz="914363" rtl="0" eaLnBrk="1" fontAlgn="auto" latinLnBrk="0" hangingPunct="1">
+                        <a:lnSpc>
+                          <a:spcPct val="100000"/>
+                        </a:lnSpc>
+                        <a:spcBef>
+                          <a:spcPts val="0"/>
+                        </a:spcBef>
+                        <a:spcAft>
+                          <a:spcPts val="0"/>
+                        </a:spcAft>
+                        <a:buClrTx/>
+                        <a:buSzTx/>
+                        <a:buFontTx/>
+                        <a:buNone/>
+                        <a:tabLst/>
+                        <a:defRPr/>
+                      </a:pPr>
+                      <a:r>
+                        <a:rPr lang="en-US" sz="1200" b="1" dirty="0" smtClean="0">
+                          <a:latin typeface="Calibri" pitchFamily="34" charset="0"/>
+                          <a:cs typeface="Calibri" pitchFamily="34" charset="0"/>
+                        </a:rPr>
+                        <a:t>……..</a:t>
+                      </a:r>
+                    </a:p>
+                  </a:txBody>
+                  <a:tcPr marL="68598" marR="68598"/>
+                </a:tc>
+              </a:tr>
+              <a:tr h="318277">
+                <a:tc>
+                  <a:txBody>
+                    <a:bodyPr/>
+                    <a:lstStyle/>
+                    <a:p>
+                      <a:pPr marL="0" marR="0" indent="0" algn="ctr" defTabSz="914363" rtl="0" eaLnBrk="1" fontAlgn="auto" latinLnBrk="0" hangingPunct="1">
+                        <a:lnSpc>
+                          <a:spcPct val="100000"/>
+                        </a:lnSpc>
+                        <a:spcBef>
+                          <a:spcPts val="0"/>
+                        </a:spcBef>
+                        <a:spcAft>
+                          <a:spcPts val="0"/>
+                        </a:spcAft>
+                        <a:buClrTx/>
+                        <a:buSzTx/>
+                        <a:buFontTx/>
+                        <a:buNone/>
+                        <a:tabLst/>
+                        <a:defRPr/>
+                      </a:pPr>
+                      <a:r>
+                        <a:rPr lang="en-US" sz="1200" b="1" dirty="0" smtClean="0">
+                          <a:latin typeface="Calibri" pitchFamily="34" charset="0"/>
+                          <a:cs typeface="Calibri" pitchFamily="34" charset="0"/>
+                        </a:rPr>
+                        <a:t>……..</a:t>
+                      </a:r>
+                    </a:p>
+                  </a:txBody>
+                  <a:tcPr marL="68598" marR="68598"/>
+                </a:tc>
+                <a:tc>
+                  <a:txBody>
+                    <a:bodyPr/>
+                    <a:lstStyle/>
+                    <a:p>
+                      <a:pPr marL="0" marR="0" indent="0" algn="ctr" defTabSz="914363" rtl="0" eaLnBrk="1" fontAlgn="auto" latinLnBrk="0" hangingPunct="1">
+                        <a:lnSpc>
+                          <a:spcPct val="100000"/>
+                        </a:lnSpc>
+                        <a:spcBef>
+                          <a:spcPts val="0"/>
+                        </a:spcBef>
+                        <a:spcAft>
+                          <a:spcPts val="0"/>
+                        </a:spcAft>
+                        <a:buClrTx/>
+                        <a:buSzTx/>
+                        <a:buFontTx/>
+                        <a:buNone/>
+                        <a:tabLst/>
+                        <a:defRPr/>
+                      </a:pPr>
+                      <a:r>
+                        <a:rPr lang="en-US" sz="1200" b="1" dirty="0" smtClean="0">
+                          <a:latin typeface="Calibri" pitchFamily="34" charset="0"/>
+                          <a:cs typeface="Calibri" pitchFamily="34" charset="0"/>
+                        </a:rPr>
+                        <a:t>……..</a:t>
+                      </a:r>
+                    </a:p>
+                  </a:txBody>
+                  <a:tcPr marL="68598" marR="68598"/>
+                </a:tc>
+                <a:tc>
+                  <a:txBody>
+                    <a:bodyPr/>
+                    <a:lstStyle/>
+                    <a:p>
+                      <a:pPr marL="0" marR="0" indent="0" algn="ctr" defTabSz="914363" rtl="0" eaLnBrk="1" fontAlgn="auto" latinLnBrk="0" hangingPunct="1">
+                        <a:lnSpc>
+                          <a:spcPct val="100000"/>
+                        </a:lnSpc>
+                        <a:spcBef>
+                          <a:spcPts val="0"/>
+                        </a:spcBef>
+                        <a:spcAft>
+                          <a:spcPts val="0"/>
+                        </a:spcAft>
+                        <a:buClrTx/>
+                        <a:buSzTx/>
+                        <a:buFontTx/>
+                        <a:buNone/>
+                        <a:tabLst/>
+                        <a:defRPr/>
+                      </a:pPr>
+                      <a:r>
+                        <a:rPr lang="en-US" sz="1200" b="1" dirty="0" smtClean="0">
+                          <a:latin typeface="Calibri" pitchFamily="34" charset="0"/>
+                          <a:cs typeface="Calibri" pitchFamily="34" charset="0"/>
+                        </a:rPr>
+                        <a:t>……..</a:t>
+                      </a:r>
+                    </a:p>
+                  </a:txBody>
+                  <a:tcPr marL="68598" marR="68598"/>
+                </a:tc>
+              </a:tr>
+              <a:tr h="318277">
+                <a:tc>
+                  <a:txBody>
+                    <a:bodyPr/>
+                    <a:lstStyle/>
+                    <a:p>
+                      <a:pPr marL="0" marR="0" indent="0" algn="ctr" defTabSz="914363" rtl="0" eaLnBrk="1" fontAlgn="auto" latinLnBrk="0" hangingPunct="1">
+                        <a:lnSpc>
+                          <a:spcPct val="100000"/>
+                        </a:lnSpc>
+                        <a:spcBef>
+                          <a:spcPts val="0"/>
+                        </a:spcBef>
+                        <a:spcAft>
+                          <a:spcPts val="0"/>
+                        </a:spcAft>
+                        <a:buClrTx/>
+                        <a:buSzTx/>
+                        <a:buFontTx/>
+                        <a:buNone/>
+                        <a:tabLst/>
+                        <a:defRPr/>
+                      </a:pPr>
+                      <a:r>
+                        <a:rPr lang="en-US" sz="1200" b="1" dirty="0" smtClean="0">
+                          <a:latin typeface="Calibri" pitchFamily="34" charset="0"/>
+                          <a:cs typeface="Calibri" pitchFamily="34" charset="0"/>
+                        </a:rPr>
+                        <a:t>……..</a:t>
+                      </a:r>
+                    </a:p>
+                  </a:txBody>
+                  <a:tcPr marL="68598" marR="68598"/>
+                </a:tc>
+                <a:tc>
+                  <a:txBody>
+                    <a:bodyPr/>
+                    <a:lstStyle/>
+                    <a:p>
+                      <a:pPr marL="0" marR="0" indent="0" algn="ctr" defTabSz="914363" rtl="0" eaLnBrk="1" fontAlgn="auto" latinLnBrk="0" hangingPunct="1">
+                        <a:lnSpc>
+                          <a:spcPct val="100000"/>
+                        </a:lnSpc>
+                        <a:spcBef>
+                          <a:spcPts val="0"/>
+                        </a:spcBef>
+                        <a:spcAft>
+                          <a:spcPts val="0"/>
+                        </a:spcAft>
+                        <a:buClrTx/>
+                        <a:buSzTx/>
+                        <a:buFontTx/>
+                        <a:buNone/>
+                        <a:tabLst/>
+                        <a:defRPr/>
+                      </a:pPr>
+                      <a:r>
+                        <a:rPr lang="en-US" sz="1200" b="1" dirty="0" smtClean="0">
+                          <a:latin typeface="Calibri" pitchFamily="34" charset="0"/>
+                          <a:cs typeface="Calibri" pitchFamily="34" charset="0"/>
+                        </a:rPr>
+                        <a:t>……..</a:t>
+                      </a:r>
+                    </a:p>
+                  </a:txBody>
+                  <a:tcPr marL="68598" marR="68598"/>
+                </a:tc>
+                <a:tc>
+                  <a:txBody>
+                    <a:bodyPr/>
+                    <a:lstStyle/>
+                    <a:p>
+                      <a:pPr marL="0" marR="0" indent="0" algn="ctr" defTabSz="914363" rtl="0" eaLnBrk="1" fontAlgn="auto" latinLnBrk="0" hangingPunct="1">
+                        <a:lnSpc>
+                          <a:spcPct val="100000"/>
+                        </a:lnSpc>
+                        <a:spcBef>
+                          <a:spcPts val="0"/>
+                        </a:spcBef>
+                        <a:spcAft>
+                          <a:spcPts val="0"/>
+                        </a:spcAft>
+                        <a:buClrTx/>
+                        <a:buSzTx/>
+                        <a:buFontTx/>
+                        <a:buNone/>
+                        <a:tabLst/>
+                        <a:defRPr/>
+                      </a:pPr>
+                      <a:r>
+                        <a:rPr lang="en-US" sz="1200" b="1" dirty="0" smtClean="0">
+                          <a:latin typeface="Calibri" pitchFamily="34" charset="0"/>
+                          <a:cs typeface="Calibri" pitchFamily="34" charset="0"/>
+                        </a:rPr>
+                        <a:t>……..</a:t>
+                      </a:r>
+                    </a:p>
+                  </a:txBody>
+                  <a:tcPr marL="68598" marR="68598"/>
+                </a:tc>
+              </a:tr>
+              <a:tr h="318277">
+                <a:tc>
+                  <a:txBody>
+                    <a:bodyPr/>
+                    <a:lstStyle/>
+                    <a:p>
+                      <a:pPr marL="0" marR="0" indent="0" algn="ctr" defTabSz="914363" rtl="0" eaLnBrk="1" fontAlgn="auto" latinLnBrk="0" hangingPunct="1">
+                        <a:lnSpc>
+                          <a:spcPct val="100000"/>
+                        </a:lnSpc>
+                        <a:spcBef>
+                          <a:spcPts val="0"/>
+                        </a:spcBef>
+                        <a:spcAft>
+                          <a:spcPts val="0"/>
+                        </a:spcAft>
+                        <a:buClrTx/>
+                        <a:buSzTx/>
+                        <a:buFontTx/>
+                        <a:buNone/>
+                        <a:tabLst/>
+                        <a:defRPr/>
+                      </a:pPr>
+                      <a:r>
+                        <a:rPr lang="en-US" sz="1200" b="1" dirty="0" smtClean="0">
+                          <a:latin typeface="Calibri" pitchFamily="34" charset="0"/>
+                          <a:cs typeface="Calibri" pitchFamily="34" charset="0"/>
+                        </a:rPr>
+                        <a:t>……..</a:t>
+                      </a:r>
+                    </a:p>
+                  </a:txBody>
+                  <a:tcPr marL="68598" marR="68598"/>
+                </a:tc>
+                <a:tc>
+                  <a:txBody>
+                    <a:bodyPr/>
+                    <a:lstStyle/>
+                    <a:p>
+                      <a:pPr marL="0" marR="0" indent="0" algn="ctr" defTabSz="914363" rtl="0" eaLnBrk="1" fontAlgn="auto" latinLnBrk="0" hangingPunct="1">
+                        <a:lnSpc>
+                          <a:spcPct val="100000"/>
+                        </a:lnSpc>
+                        <a:spcBef>
+                          <a:spcPts val="0"/>
+                        </a:spcBef>
+                        <a:spcAft>
+                          <a:spcPts val="0"/>
+                        </a:spcAft>
+                        <a:buClrTx/>
+                        <a:buSzTx/>
+                        <a:buFontTx/>
+                        <a:buNone/>
+                        <a:tabLst/>
+                        <a:defRPr/>
+                      </a:pPr>
+                      <a:r>
+                        <a:rPr lang="en-US" sz="1200" b="1" dirty="0" smtClean="0">
+                          <a:latin typeface="Calibri" pitchFamily="34" charset="0"/>
+                          <a:cs typeface="Calibri" pitchFamily="34" charset="0"/>
+                        </a:rPr>
+                        <a:t>……..</a:t>
+                      </a:r>
+                    </a:p>
+                  </a:txBody>
+                  <a:tcPr marL="68598" marR="68598"/>
+                </a:tc>
+                <a:tc>
+                  <a:txBody>
+                    <a:bodyPr/>
+                    <a:lstStyle/>
+                    <a:p>
+                      <a:pPr marL="0" marR="0" indent="0" algn="ctr" defTabSz="914363" rtl="0" eaLnBrk="1" fontAlgn="auto" latinLnBrk="0" hangingPunct="1">
+                        <a:lnSpc>
+                          <a:spcPct val="100000"/>
+                        </a:lnSpc>
+                        <a:spcBef>
+                          <a:spcPts val="0"/>
+                        </a:spcBef>
+                        <a:spcAft>
+                          <a:spcPts val="0"/>
+                        </a:spcAft>
+                        <a:buClrTx/>
+                        <a:buSzTx/>
+                        <a:buFontTx/>
+                        <a:buNone/>
+                        <a:tabLst/>
+                        <a:defRPr/>
+                      </a:pPr>
+                      <a:r>
+                        <a:rPr lang="en-US" sz="1200" b="1" dirty="0" smtClean="0">
+                          <a:latin typeface="Calibri" pitchFamily="34" charset="0"/>
+                          <a:cs typeface="Calibri" pitchFamily="34" charset="0"/>
+                        </a:rPr>
+                        <a:t>……..</a:t>
+                      </a:r>
+                    </a:p>
+                  </a:txBody>
+                  <a:tcPr marL="68598" marR="68598"/>
+                </a:tc>
+              </a:tr>
+              <a:tr h="318277">
+                <a:tc>
+                  <a:txBody>
+                    <a:bodyPr/>
+                    <a:lstStyle/>
+                    <a:p>
+                      <a:pPr algn="ctr"/>
+                      <a:r>
+                        <a:rPr lang="en-US" sz="1200" b="1" dirty="0" smtClean="0">
+                          <a:latin typeface="Calibri" pitchFamily="34" charset="0"/>
+                          <a:cs typeface="Calibri" pitchFamily="34" charset="0"/>
+                        </a:rPr>
+                        <a:t>zzzz</a:t>
+                      </a:r>
+                      <a:endParaRPr lang="en-US" sz="1200" b="1" dirty="0">
+                        <a:latin typeface="Calibri" pitchFamily="34" charset="0"/>
+                        <a:cs typeface="Calibri" pitchFamily="34" charset="0"/>
+                      </a:endParaRPr>
+                    </a:p>
+                  </a:txBody>
+                  <a:tcPr marL="68598" marR="68598"/>
+                </a:tc>
+                <a:tc>
+                  <a:txBody>
+                    <a:bodyPr/>
+                    <a:lstStyle/>
+                    <a:p>
+                      <a:pPr algn="ctr"/>
+                      <a:r>
+                        <a:rPr lang="en-US" sz="1200" b="1" dirty="0" smtClean="0">
+                          <a:latin typeface="Calibri" pitchFamily="34" charset="0"/>
+                          <a:cs typeface="Calibri" pitchFamily="34" charset="0"/>
+                        </a:rPr>
+                        <a:t>zzzz</a:t>
+                      </a:r>
+                      <a:endParaRPr lang="en-US" sz="1200" b="1" dirty="0">
+                        <a:latin typeface="Calibri" pitchFamily="34" charset="0"/>
+                        <a:cs typeface="Calibri" pitchFamily="34" charset="0"/>
+                      </a:endParaRPr>
+                    </a:p>
+                  </a:txBody>
+                  <a:tcPr marL="68598" marR="68598"/>
+                </a:tc>
+                <a:tc>
+                  <a:txBody>
+                    <a:bodyPr/>
+                    <a:lstStyle/>
+                    <a:p>
+                      <a:pPr algn="ctr"/>
+                      <a:r>
+                        <a:rPr lang="en-US" sz="1200" b="1" dirty="0" err="1" smtClean="0">
+                          <a:latin typeface="Calibri" pitchFamily="34" charset="0"/>
+                          <a:cs typeface="Calibri" pitchFamily="34" charset="0"/>
+                        </a:rPr>
+                        <a:t>zzzzz</a:t>
+                      </a:r>
+                      <a:endParaRPr lang="en-US" sz="1200" b="1" dirty="0">
+                        <a:latin typeface="Calibri" pitchFamily="34" charset="0"/>
+                        <a:cs typeface="Calibri" pitchFamily="34" charset="0"/>
+                      </a:endParaRPr>
+                    </a:p>
+                  </a:txBody>
+                  <a:tcPr marL="68598" marR="68598"/>
+                </a:tc>
+              </a:tr>
+            </a:tbl>
+          </a:graphicData>
+        </a:graphic>
+      </p:graphicFrame>
+      <p:sp>
+        <p:nvSpPr>
+          <p:cNvPr id="53" name="Text Placeholder 5"/>
+          <p:cNvSpPr txBox="1">
+            <a:spLocks/>
+          </p:cNvSpPr>
+          <p:nvPr/>
+        </p:nvSpPr>
+        <p:spPr>
+          <a:xfrm>
+            <a:off x="415" y="1020812"/>
+            <a:ext cx="3643379" cy="2777464"/>
+          </a:xfrm>
+          <a:prstGeom prst="rect">
+            <a:avLst/>
+          </a:prstGeom>
+        </p:spPr>
+        <p:txBody>
+          <a:bodyPr/>
+          <a:lstStyle>
+            <a:lvl1pPr marL="460375" indent="-460375" algn="l" defTabSz="914363" rtl="0" eaLnBrk="1" latinLnBrk="0" hangingPunct="1">
+              <a:lnSpc>
+                <a:spcPct val="90000"/>
+              </a:lnSpc>
+              <a:spcBef>
+                <a:spcPct val="20000"/>
+              </a:spcBef>
+              <a:buSzPct val="90000"/>
+              <a:buFont typeface="Arial" pitchFamily="34" charset="0"/>
+              <a:buChar char="•"/>
+              <a:defRPr sz="3200" kern="1200">
+                <a:gradFill>
+                  <a:gsLst>
+                    <a:gs pos="0">
+                      <a:schemeClr val="tx1"/>
+                    </a:gs>
+                    <a:gs pos="86000">
+                      <a:schemeClr val="tx1"/>
+                    </a:gs>
+                  </a:gsLst>
+                  <a:lin ang="5400000" scaled="0"/>
+                </a:gradFill>
+                <a:latin typeface="+mn-lt"/>
+                <a:ea typeface="+mn-ea"/>
+                <a:cs typeface="+mn-cs"/>
+              </a:defRPr>
+            </a:lvl1pPr>
+            <a:lvl2pPr marL="855663" indent="-395288" algn="l" defTabSz="914363" rtl="0" eaLnBrk="1" latinLnBrk="0" hangingPunct="1">
+              <a:lnSpc>
+                <a:spcPct val="90000"/>
+              </a:lnSpc>
+              <a:spcBef>
+                <a:spcPct val="20000"/>
+              </a:spcBef>
+              <a:buSzPct val="90000"/>
+              <a:buFont typeface="Arial" pitchFamily="34" charset="0"/>
+              <a:buChar char="•"/>
+              <a:defRPr sz="2800" kern="1200">
+                <a:gradFill>
+                  <a:gsLst>
+                    <a:gs pos="0">
+                      <a:schemeClr val="tx1"/>
+                    </a:gs>
+                    <a:gs pos="86000">
+                      <a:schemeClr val="tx1"/>
+                    </a:gs>
+                  </a:gsLst>
+                  <a:lin ang="5400000" scaled="0"/>
+                </a:gradFill>
+                <a:latin typeface="+mn-lt"/>
+                <a:ea typeface="+mn-ea"/>
+                <a:cs typeface="+mn-cs"/>
+              </a:defRPr>
+            </a:lvl2pPr>
+            <a:lvl3pPr marL="1258888" indent="-403225" algn="l" defTabSz="914363" rtl="0" eaLnBrk="1" latinLnBrk="0" hangingPunct="1">
+              <a:lnSpc>
+                <a:spcPct val="90000"/>
+              </a:lnSpc>
+              <a:spcBef>
+                <a:spcPct val="20000"/>
+              </a:spcBef>
+              <a:buSzPct val="90000"/>
+              <a:buFont typeface="Arial" pitchFamily="34" charset="0"/>
+              <a:buChar char="•"/>
+              <a:defRPr sz="2400" kern="1200">
+                <a:gradFill>
+                  <a:gsLst>
+                    <a:gs pos="0">
+                      <a:schemeClr val="tx1"/>
+                    </a:gs>
+                    <a:gs pos="86000">
+                      <a:schemeClr val="tx1"/>
+                    </a:gs>
+                  </a:gsLst>
+                  <a:lin ang="5400000" scaled="0"/>
+                </a:gradFill>
+                <a:latin typeface="+mn-lt"/>
+                <a:ea typeface="+mn-ea"/>
+                <a:cs typeface="+mn-cs"/>
+              </a:defRPr>
+            </a:lvl3pPr>
+            <a:lvl4pPr marL="1604963" indent="-346075" algn="l" defTabSz="914363" rtl="0" eaLnBrk="1" latinLnBrk="0" hangingPunct="1">
+              <a:lnSpc>
+                <a:spcPct val="90000"/>
+              </a:lnSpc>
+              <a:spcBef>
+                <a:spcPct val="20000"/>
+              </a:spcBef>
+              <a:buSzPct val="90000"/>
+              <a:buFont typeface="Arial" pitchFamily="34" charset="0"/>
+              <a:buChar char="•"/>
+              <a:defRPr sz="2000" kern="1200">
+                <a:gradFill>
+                  <a:gsLst>
+                    <a:gs pos="0">
+                      <a:schemeClr val="tx1"/>
+                    </a:gs>
+                    <a:gs pos="86000">
+                      <a:schemeClr val="tx1"/>
+                    </a:gs>
+                  </a:gsLst>
+                  <a:lin ang="5400000" scaled="0"/>
+                </a:gradFill>
+                <a:latin typeface="+mn-lt"/>
+                <a:ea typeface="+mn-ea"/>
+                <a:cs typeface="+mn-cs"/>
+              </a:defRPr>
+            </a:lvl4pPr>
+            <a:lvl5pPr marL="1941513" indent="-336550" algn="l" defTabSz="914363" rtl="0" eaLnBrk="1" latinLnBrk="0" hangingPunct="1">
+              <a:lnSpc>
+                <a:spcPct val="90000"/>
+              </a:lnSpc>
+              <a:spcBef>
+                <a:spcPct val="20000"/>
+              </a:spcBef>
+              <a:buSzPct val="90000"/>
+              <a:buFont typeface="Arial" pitchFamily="34" charset="0"/>
+              <a:buChar char="•"/>
+              <a:defRPr sz="2000" kern="1200">
+                <a:gradFill>
+                  <a:gsLst>
+                    <a:gs pos="0">
+                      <a:schemeClr val="tx1"/>
+                    </a:gs>
+                    <a:gs pos="86000">
+                      <a:schemeClr val="tx1"/>
+                    </a:gs>
+                  </a:gsLst>
+                  <a:lin ang="5400000" scaled="0"/>
+                </a:gradFill>
+                <a:latin typeface="+mn-lt"/>
+                <a:ea typeface="+mn-ea"/>
+                <a:cs typeface="+mn-cs"/>
+              </a:defRPr>
+            </a:lvl5pPr>
+            <a:lvl6pPr marL="2514499" indent="-228591" algn="l" defTabSz="914363" rtl="0" eaLnBrk="1" latinLnBrk="0" hangingPunct="1">
+              <a:spcBef>
+                <a:spcPct val="20000"/>
+              </a:spcBef>
+              <a:buFont typeface="Arial" pitchFamily="34" charset="0"/>
+              <a:buChar char="•"/>
+              <a:defRPr sz="2000" kern="1200">
+                <a:solidFill>
+                  <a:schemeClr val="tx1"/>
+                </a:solidFill>
+                <a:latin typeface="+mn-lt"/>
+                <a:ea typeface="+mn-ea"/>
+                <a:cs typeface="+mn-cs"/>
+              </a:defRPr>
+            </a:lvl6pPr>
+            <a:lvl7pPr marL="2971681" indent="-228591" algn="l" defTabSz="914363" rtl="0" eaLnBrk="1" latinLnBrk="0" hangingPunct="1">
+              <a:spcBef>
+                <a:spcPct val="20000"/>
+              </a:spcBef>
+              <a:buFont typeface="Arial" pitchFamily="34" charset="0"/>
+              <a:buChar char="•"/>
+              <a:defRPr sz="2000" kern="1200">
+                <a:solidFill>
+                  <a:schemeClr val="tx1"/>
+                </a:solidFill>
+                <a:latin typeface="+mn-lt"/>
+                <a:ea typeface="+mn-ea"/>
+                <a:cs typeface="+mn-cs"/>
+              </a:defRPr>
+            </a:lvl7pPr>
+            <a:lvl8pPr marL="3428863" indent="-228591" algn="l" defTabSz="914363" rtl="0" eaLnBrk="1" latinLnBrk="0" hangingPunct="1">
+              <a:spcBef>
+                <a:spcPct val="20000"/>
+              </a:spcBef>
+              <a:buFont typeface="Arial" pitchFamily="34" charset="0"/>
+              <a:buChar char="•"/>
+              <a:defRPr sz="2000" kern="1200">
+                <a:solidFill>
+                  <a:schemeClr val="tx1"/>
+                </a:solidFill>
+                <a:latin typeface="+mn-lt"/>
+                <a:ea typeface="+mn-ea"/>
+                <a:cs typeface="+mn-cs"/>
+              </a:defRPr>
+            </a:lvl8pPr>
+            <a:lvl9pPr marL="3886045" indent="-228591" algn="l" defTabSz="914363" rtl="0" eaLnBrk="1" latinLnBrk="0" hangingPunct="1">
+              <a:spcBef>
+                <a:spcPct val="20000"/>
+              </a:spcBef>
+              <a:buFont typeface="Arial" pitchFamily="34" charset="0"/>
+              <a:buChar char="•"/>
+              <a:defRPr sz="2000" kern="1200">
+                <a:solidFill>
+                  <a:schemeClr val="tx1"/>
+                </a:solidFill>
+                <a:latin typeface="+mn-lt"/>
+                <a:ea typeface="+mn-ea"/>
+                <a:cs typeface="+mn-cs"/>
+              </a:defRPr>
+            </a:lvl9pPr>
+          </a:lstStyle>
+          <a:p>
+            <a:r>
+              <a:rPr lang="en-US" sz="2400" dirty="0" smtClean="0">
+                <a:latin typeface="Segoe UI" pitchFamily="34" charset="0"/>
+                <a:ea typeface="Segoe UI" pitchFamily="34" charset="0"/>
+                <a:cs typeface="Segoe UI" pitchFamily="34" charset="0"/>
+              </a:rPr>
+              <a:t>Split index into RangePartitions based on load </a:t>
+            </a:r>
+          </a:p>
+          <a:p>
+            <a:r>
+              <a:rPr lang="en-US" sz="2400" dirty="0" smtClean="0">
+                <a:latin typeface="Segoe UI" pitchFamily="34" charset="0"/>
+                <a:ea typeface="Segoe UI" pitchFamily="34" charset="0"/>
+                <a:cs typeface="Segoe UI" pitchFamily="34" charset="0"/>
+              </a:rPr>
+              <a:t>Split at </a:t>
+            </a:r>
+            <a:r>
+              <a:rPr lang="en-US" sz="2400" dirty="0" err="1" smtClean="0">
+                <a:latin typeface="Segoe UI" pitchFamily="34" charset="0"/>
+                <a:ea typeface="Segoe UI" pitchFamily="34" charset="0"/>
+                <a:cs typeface="Segoe UI" pitchFamily="34" charset="0"/>
+              </a:rPr>
+              <a:t>PartitionKey</a:t>
+            </a:r>
+            <a:r>
+              <a:rPr lang="en-US" sz="2400" dirty="0" smtClean="0">
+                <a:latin typeface="Segoe UI" pitchFamily="34" charset="0"/>
+                <a:ea typeface="Segoe UI" pitchFamily="34" charset="0"/>
+                <a:cs typeface="Segoe UI" pitchFamily="34" charset="0"/>
+              </a:rPr>
+              <a:t> boundaries</a:t>
+            </a:r>
+          </a:p>
+          <a:p>
+            <a:r>
+              <a:rPr lang="en-US" sz="2400" dirty="0" err="1" smtClean="0">
+                <a:latin typeface="Segoe UI" pitchFamily="34" charset="0"/>
+                <a:ea typeface="Segoe UI" pitchFamily="34" charset="0"/>
+                <a:cs typeface="Segoe UI" pitchFamily="34" charset="0"/>
+              </a:rPr>
+              <a:t>PartitionMap</a:t>
+            </a:r>
+            <a:r>
+              <a:rPr lang="en-US" sz="2400" dirty="0" smtClean="0">
+                <a:latin typeface="Segoe UI" pitchFamily="34" charset="0"/>
+                <a:ea typeface="Segoe UI" pitchFamily="34" charset="0"/>
+                <a:cs typeface="Segoe UI" pitchFamily="34" charset="0"/>
+              </a:rPr>
+              <a:t> tracks Index RangePartition assignment to partition servers</a:t>
+            </a:r>
+            <a:endParaRPr lang="en-US" sz="2000" dirty="0" smtClean="0">
+              <a:latin typeface="Segoe UI" pitchFamily="34" charset="0"/>
+              <a:ea typeface="Segoe UI" pitchFamily="34" charset="0"/>
+              <a:cs typeface="Segoe UI" pitchFamily="34" charset="0"/>
+            </a:endParaRPr>
+          </a:p>
+          <a:p>
+            <a:r>
+              <a:rPr lang="en-US" sz="2400" dirty="0" smtClean="0">
+                <a:latin typeface="Segoe UI" pitchFamily="34" charset="0"/>
+                <a:ea typeface="Segoe UI" pitchFamily="34" charset="0"/>
+                <a:cs typeface="Segoe UI" pitchFamily="34" charset="0"/>
+              </a:rPr>
+              <a:t>Front-End caches the </a:t>
+            </a:r>
+            <a:r>
+              <a:rPr lang="en-US" sz="2400" dirty="0" err="1" smtClean="0">
+                <a:latin typeface="Segoe UI" pitchFamily="34" charset="0"/>
+                <a:ea typeface="Segoe UI" pitchFamily="34" charset="0"/>
+                <a:cs typeface="Segoe UI" pitchFamily="34" charset="0"/>
+              </a:rPr>
+              <a:t>PartitionMap</a:t>
+            </a:r>
+            <a:r>
+              <a:rPr lang="en-US" sz="2400" dirty="0" smtClean="0">
+                <a:latin typeface="Segoe UI" pitchFamily="34" charset="0"/>
+                <a:ea typeface="Segoe UI" pitchFamily="34" charset="0"/>
+                <a:cs typeface="Segoe UI" pitchFamily="34" charset="0"/>
+              </a:rPr>
+              <a:t> to route user requests</a:t>
+            </a:r>
+          </a:p>
+          <a:p>
+            <a:r>
+              <a:rPr lang="en-US" sz="2400" dirty="0" smtClean="0">
+                <a:latin typeface="Segoe UI" pitchFamily="34" charset="0"/>
+                <a:ea typeface="Segoe UI" pitchFamily="34" charset="0"/>
+                <a:cs typeface="Segoe UI" pitchFamily="34" charset="0"/>
+              </a:rPr>
+              <a:t>Each part of the index is assigned to only one Partition Server at a time</a:t>
+            </a:r>
+          </a:p>
+        </p:txBody>
+      </p:sp>
+      <p:sp>
+        <p:nvSpPr>
+          <p:cNvPr id="10" name="Rectangle 9"/>
+          <p:cNvSpPr/>
+          <p:nvPr/>
+        </p:nvSpPr>
+        <p:spPr bwMode="auto">
+          <a:xfrm>
+            <a:off x="5419830" y="1648101"/>
+            <a:ext cx="3628727" cy="4010439"/>
+          </a:xfrm>
+          <a:prstGeom prst="rect">
+            <a:avLst/>
+          </a:prstGeom>
+          <a:solidFill>
+            <a:schemeClr val="accent2">
+              <a:lumMod val="20000"/>
+              <a:lumOff val="80000"/>
+              <a:alpha val="24000"/>
+            </a:schemeClr>
+          </a:solidFill>
+          <a:ln w="25400" cap="flat" cmpd="sng" algn="ctr">
+            <a:solidFill>
+              <a:schemeClr val="tx1"/>
+            </a:solidFill>
+            <a:prstDash val="sysDot"/>
+            <a:round/>
+            <a:headEnd type="none" w="med" len="med"/>
+            <a:tailEnd type="none" w="med" len="med"/>
+          </a:ln>
+          <a:effectLst/>
+        </p:spPr>
+        <p:txBody>
+          <a:bodyPr/>
+          <a:lstStyle/>
+          <a:p>
+            <a:pPr>
+              <a:defRPr/>
+            </a:pPr>
+            <a:r>
+              <a:rPr lang="en-US" b="1" dirty="0" smtClean="0">
+                <a:latin typeface="Segoe UI" pitchFamily="34" charset="0"/>
+                <a:ea typeface="Segoe UI" pitchFamily="34" charset="0"/>
+                <a:cs typeface="Segoe UI" pitchFamily="34" charset="0"/>
+              </a:rPr>
+              <a:t>Storage Stamp</a:t>
+            </a:r>
+            <a:endParaRPr lang="en-US" b="1" dirty="0">
+              <a:latin typeface="Segoe UI" pitchFamily="34" charset="0"/>
+              <a:ea typeface="Segoe UI" pitchFamily="34" charset="0"/>
+              <a:cs typeface="Segoe UI" pitchFamily="34" charset="0"/>
+            </a:endParaRPr>
+          </a:p>
+        </p:txBody>
+      </p:sp>
+      <p:sp>
+        <p:nvSpPr>
+          <p:cNvPr id="51" name="Rounded Rectangle 50"/>
+          <p:cNvSpPr/>
+          <p:nvPr/>
+        </p:nvSpPr>
+        <p:spPr bwMode="auto">
+          <a:xfrm>
+            <a:off x="7703049" y="4007518"/>
+            <a:ext cx="1038100" cy="1021556"/>
+          </a:xfrm>
+          <a:prstGeom prst="roundRect">
+            <a:avLst/>
+          </a:prstGeom>
+          <a:ln>
+            <a:headEnd type="none" w="med" len="med"/>
+            <a:tailEnd type="none" w="med" len="med"/>
+          </a:ln>
+        </p:spPr>
+        <p:style>
+          <a:lnRef idx="0">
+            <a:schemeClr val="accent2"/>
+          </a:lnRef>
+          <a:fillRef idx="3">
+            <a:schemeClr val="accent2"/>
+          </a:fillRef>
+          <a:effectRef idx="3">
+            <a:schemeClr val="accent2"/>
+          </a:effectRef>
+          <a:fontRef idx="minor">
+            <a:schemeClr val="lt1"/>
+          </a:fontRef>
+        </p:style>
+        <p:txBody>
+          <a:bodyPr wrap="square">
+            <a:spAutoFit/>
+          </a:bodyPr>
+          <a:lstStyle/>
+          <a:p>
+            <a:pPr marL="0" marR="0" lvl="0" indent="0" algn="ctr" defTabSz="914400" eaLnBrk="1" fontAlgn="auto" latinLnBrk="0" hangingPunct="1">
+              <a:lnSpc>
+                <a:spcPct val="100000"/>
+              </a:lnSpc>
+              <a:spcBef>
+                <a:spcPts val="0"/>
+              </a:spcBef>
+              <a:spcAft>
+                <a:spcPts val="0"/>
+              </a:spcAft>
+              <a:buClrTx/>
+              <a:buSzTx/>
+              <a:buFontTx/>
+              <a:buNone/>
+              <a:tabLst/>
+              <a:defRPr/>
+            </a:pPr>
+            <a:r>
+              <a:rPr kumimoji="0" lang="en-US" sz="1800" b="1" i="0" u="none" strike="noStrike" kern="0" cap="none" spc="0" normalizeH="0" baseline="0" noProof="0" dirty="0" smtClean="0">
+                <a:ln>
+                  <a:noFill/>
+                </a:ln>
+                <a:solidFill>
+                  <a:schemeClr val="bg2"/>
+                </a:solidFill>
+                <a:effectLst>
+                  <a:outerShdw blurRad="38100" dist="38100" dir="2700000" algn="tl">
+                    <a:srgbClr val="000000">
+                      <a:alpha val="43137"/>
+                    </a:srgbClr>
+                  </a:outerShdw>
+                </a:effectLst>
+                <a:uLnTx/>
+                <a:uFillTx/>
+                <a:latin typeface="Segoe UI" pitchFamily="34" charset="0"/>
+                <a:ea typeface="Segoe UI" pitchFamily="34" charset="0"/>
+                <a:cs typeface="Segoe UI" pitchFamily="34" charset="0"/>
+              </a:rPr>
+              <a:t>Partition</a:t>
+            </a:r>
+          </a:p>
+          <a:p>
+            <a:pPr marL="0" marR="0" lvl="0" indent="0" algn="ctr" defTabSz="914400" eaLnBrk="1" fontAlgn="auto" latinLnBrk="0" hangingPunct="1">
+              <a:lnSpc>
+                <a:spcPct val="100000"/>
+              </a:lnSpc>
+              <a:spcBef>
+                <a:spcPts val="0"/>
+              </a:spcBef>
+              <a:spcAft>
+                <a:spcPts val="0"/>
+              </a:spcAft>
+              <a:buClrTx/>
+              <a:buSzTx/>
+              <a:buFontTx/>
+              <a:buNone/>
+              <a:tabLst/>
+              <a:defRPr/>
+            </a:pPr>
+            <a:r>
+              <a:rPr kumimoji="0" lang="en-US" sz="1800" b="1" i="0" u="none" strike="noStrike" kern="0" cap="none" spc="0" normalizeH="0" baseline="0" noProof="0" dirty="0" smtClean="0">
+                <a:ln>
+                  <a:noFill/>
+                </a:ln>
+                <a:solidFill>
+                  <a:schemeClr val="bg2"/>
+                </a:solidFill>
+                <a:effectLst>
+                  <a:outerShdw blurRad="38100" dist="38100" dir="2700000" algn="tl">
+                    <a:srgbClr val="000000">
+                      <a:alpha val="43137"/>
+                    </a:srgbClr>
+                  </a:outerShdw>
+                </a:effectLst>
+                <a:uLnTx/>
+                <a:uFillTx/>
+                <a:latin typeface="Segoe UI" pitchFamily="34" charset="0"/>
+                <a:ea typeface="Segoe UI" pitchFamily="34" charset="0"/>
+                <a:cs typeface="Segoe UI" pitchFamily="34" charset="0"/>
+              </a:rPr>
+              <a:t>Server</a:t>
+            </a:r>
+            <a:endParaRPr kumimoji="0" lang="en-US" sz="1800" b="1" i="0" u="none" strike="noStrike" kern="0" cap="none" spc="0" normalizeH="0" baseline="0" noProof="0" dirty="0">
+              <a:ln>
+                <a:noFill/>
+              </a:ln>
+              <a:solidFill>
+                <a:schemeClr val="bg2"/>
+              </a:solidFill>
+              <a:effectLst>
+                <a:outerShdw blurRad="38100" dist="38100" dir="2700000" algn="tl">
+                  <a:srgbClr val="000000">
+                    <a:alpha val="43137"/>
+                  </a:srgbClr>
+                </a:outerShdw>
+              </a:effectLst>
+              <a:uLnTx/>
+              <a:uFillTx/>
+              <a:latin typeface="Segoe UI" pitchFamily="34" charset="0"/>
+              <a:ea typeface="Segoe UI" pitchFamily="34" charset="0"/>
+              <a:cs typeface="Segoe UI" pitchFamily="34" charset="0"/>
+            </a:endParaRPr>
+          </a:p>
+        </p:txBody>
+      </p:sp>
+      <p:sp>
+        <p:nvSpPr>
+          <p:cNvPr id="42" name="Rounded Rectangle 41"/>
+          <p:cNvSpPr/>
+          <p:nvPr/>
+        </p:nvSpPr>
+        <p:spPr bwMode="auto">
+          <a:xfrm>
+            <a:off x="6294095" y="4033437"/>
+            <a:ext cx="1038100" cy="1021556"/>
+          </a:xfrm>
+          <a:prstGeom prst="roundRect">
+            <a:avLst/>
+          </a:prstGeom>
+          <a:ln>
+            <a:headEnd type="none" w="med" len="med"/>
+            <a:tailEnd type="none" w="med" len="med"/>
+          </a:ln>
+        </p:spPr>
+        <p:style>
+          <a:lnRef idx="0">
+            <a:schemeClr val="accent2"/>
+          </a:lnRef>
+          <a:fillRef idx="3">
+            <a:schemeClr val="accent2"/>
+          </a:fillRef>
+          <a:effectRef idx="3">
+            <a:schemeClr val="accent2"/>
+          </a:effectRef>
+          <a:fontRef idx="minor">
+            <a:schemeClr val="lt1"/>
+          </a:fontRef>
+        </p:style>
+        <p:txBody>
+          <a:bodyPr wrap="square">
+            <a:spAutoFit/>
+          </a:bodyPr>
+          <a:lstStyle/>
+          <a:p>
+            <a:pPr marL="0" marR="0" lvl="0" indent="0" algn="ctr" defTabSz="914400" eaLnBrk="1" fontAlgn="auto" latinLnBrk="0" hangingPunct="1">
+              <a:lnSpc>
+                <a:spcPct val="100000"/>
+              </a:lnSpc>
+              <a:spcBef>
+                <a:spcPts val="0"/>
+              </a:spcBef>
+              <a:spcAft>
+                <a:spcPts val="0"/>
+              </a:spcAft>
+              <a:buClrTx/>
+              <a:buSzTx/>
+              <a:buFontTx/>
+              <a:buNone/>
+              <a:tabLst/>
+              <a:defRPr/>
+            </a:pPr>
+            <a:r>
+              <a:rPr kumimoji="0" lang="en-US" sz="1800" b="1" i="0" u="none" strike="noStrike" kern="0" cap="none" spc="0" normalizeH="0" baseline="0" noProof="0" dirty="0" smtClean="0">
+                <a:ln>
+                  <a:noFill/>
+                </a:ln>
+                <a:solidFill>
+                  <a:schemeClr val="bg2"/>
+                </a:solidFill>
+                <a:effectLst>
+                  <a:outerShdw blurRad="38100" dist="38100" dir="2700000" algn="tl">
+                    <a:srgbClr val="000000">
+                      <a:alpha val="43137"/>
+                    </a:srgbClr>
+                  </a:outerShdw>
+                </a:effectLst>
+                <a:uLnTx/>
+                <a:uFillTx/>
+                <a:latin typeface="Segoe UI" pitchFamily="34" charset="0"/>
+                <a:ea typeface="Segoe UI" pitchFamily="34" charset="0"/>
+                <a:cs typeface="Segoe UI" pitchFamily="34" charset="0"/>
+              </a:rPr>
+              <a:t>Partition</a:t>
+            </a:r>
+          </a:p>
+          <a:p>
+            <a:pPr marL="0" marR="0" lvl="0" indent="0" algn="ctr" defTabSz="914400" eaLnBrk="1" fontAlgn="auto" latinLnBrk="0" hangingPunct="1">
+              <a:lnSpc>
+                <a:spcPct val="100000"/>
+              </a:lnSpc>
+              <a:spcBef>
+                <a:spcPts val="0"/>
+              </a:spcBef>
+              <a:spcAft>
+                <a:spcPts val="0"/>
+              </a:spcAft>
+              <a:buClrTx/>
+              <a:buSzTx/>
+              <a:buFontTx/>
+              <a:buNone/>
+              <a:tabLst/>
+              <a:defRPr/>
+            </a:pPr>
+            <a:r>
+              <a:rPr kumimoji="0" lang="en-US" sz="1800" b="1" i="0" u="none" strike="noStrike" kern="0" cap="none" spc="0" normalizeH="0" baseline="0" noProof="0" dirty="0" smtClean="0">
+                <a:ln>
+                  <a:noFill/>
+                </a:ln>
+                <a:solidFill>
+                  <a:schemeClr val="bg2"/>
+                </a:solidFill>
+                <a:effectLst>
+                  <a:outerShdw blurRad="38100" dist="38100" dir="2700000" algn="tl">
+                    <a:srgbClr val="000000">
+                      <a:alpha val="43137"/>
+                    </a:srgbClr>
+                  </a:outerShdw>
+                </a:effectLst>
+                <a:uLnTx/>
+                <a:uFillTx/>
+                <a:latin typeface="Segoe UI" pitchFamily="34" charset="0"/>
+                <a:ea typeface="Segoe UI" pitchFamily="34" charset="0"/>
+                <a:cs typeface="Segoe UI" pitchFamily="34" charset="0"/>
+              </a:rPr>
+              <a:t>Server</a:t>
+            </a:r>
+            <a:endParaRPr kumimoji="0" lang="en-US" sz="1800" b="1" i="0" u="none" strike="noStrike" kern="0" cap="none" spc="0" normalizeH="0" baseline="0" noProof="0" dirty="0">
+              <a:ln>
+                <a:noFill/>
+              </a:ln>
+              <a:solidFill>
+                <a:schemeClr val="bg2"/>
+              </a:solidFill>
+              <a:effectLst>
+                <a:outerShdw blurRad="38100" dist="38100" dir="2700000" algn="tl">
+                  <a:srgbClr val="000000">
+                    <a:alpha val="43137"/>
+                  </a:srgbClr>
+                </a:outerShdw>
+              </a:effectLst>
+              <a:uLnTx/>
+              <a:uFillTx/>
+              <a:latin typeface="Segoe UI" pitchFamily="34" charset="0"/>
+              <a:ea typeface="Segoe UI" pitchFamily="34" charset="0"/>
+              <a:cs typeface="Segoe UI" pitchFamily="34" charset="0"/>
+            </a:endParaRPr>
+          </a:p>
+        </p:txBody>
+      </p:sp>
+      <p:graphicFrame>
+        <p:nvGraphicFramePr>
+          <p:cNvPr id="56" name="Table 55"/>
+          <p:cNvGraphicFramePr>
+            <a:graphicFrameLocks noGrp="1"/>
+          </p:cNvGraphicFramePr>
+          <p:nvPr>
+            <p:extLst>
+              <p:ext uri="{D42A27DB-BD31-4B8C-83A1-F6EECF244321}">
+                <p14:modId xmlns:p14="http://schemas.microsoft.com/office/powerpoint/2010/main" val="986147339"/>
+              </p:ext>
+            </p:extLst>
+          </p:nvPr>
+        </p:nvGraphicFramePr>
+        <p:xfrm>
+          <a:off x="3573781" y="4221820"/>
+          <a:ext cx="1794097" cy="2101213"/>
+        </p:xfrm>
+        <a:graphic>
+          <a:graphicData uri="http://schemas.openxmlformats.org/drawingml/2006/table">
+            <a:tbl>
+              <a:tblPr firstRow="1">
+                <a:effectLst>
+                  <a:innerShdw blurRad="63500" dist="50800" dir="8100000">
+                    <a:prstClr val="black">
+                      <a:alpha val="50000"/>
+                    </a:prstClr>
+                  </a:innerShdw>
+                </a:effectLst>
+                <a:tableStyleId>{284E427A-3D55-4303-BF80-6455036E1DE7}</a:tableStyleId>
+              </a:tblPr>
+              <a:tblGrid>
+                <a:gridCol w="583564"/>
+                <a:gridCol w="631792"/>
+                <a:gridCol w="578741"/>
+              </a:tblGrid>
+              <a:tr h="399755">
+                <a:tc>
+                  <a:txBody>
+                    <a:bodyPr/>
+                    <a:lstStyle/>
+                    <a:p>
+                      <a:pPr algn="ctr"/>
+                      <a:r>
+                        <a:rPr lang="en-US" sz="1200" dirty="0" smtClean="0">
+                          <a:solidFill>
+                            <a:srgbClr val="FFFF00"/>
+                          </a:solidFill>
+                          <a:latin typeface="Calibri" pitchFamily="34" charset="0"/>
+                          <a:cs typeface="Calibri" pitchFamily="34" charset="0"/>
+                        </a:rPr>
+                        <a:t>Account</a:t>
+                      </a:r>
+                      <a:br>
+                        <a:rPr lang="en-US" sz="1200" dirty="0" smtClean="0">
+                          <a:solidFill>
+                            <a:srgbClr val="FFFF00"/>
+                          </a:solidFill>
+                          <a:latin typeface="Calibri" pitchFamily="34" charset="0"/>
+                          <a:cs typeface="Calibri" pitchFamily="34" charset="0"/>
+                        </a:rPr>
+                      </a:br>
+                      <a:r>
+                        <a:rPr lang="en-US" sz="1200" dirty="0" smtClean="0">
+                          <a:solidFill>
+                            <a:srgbClr val="FFFF00"/>
+                          </a:solidFill>
+                          <a:latin typeface="Calibri" pitchFamily="34" charset="0"/>
+                          <a:cs typeface="Calibri" pitchFamily="34" charset="0"/>
+                        </a:rPr>
+                        <a:t>Name</a:t>
+                      </a:r>
+                      <a:endParaRPr lang="en-US" sz="1200" b="1" dirty="0">
+                        <a:solidFill>
+                          <a:srgbClr val="FFFF00"/>
+                        </a:solidFill>
+                        <a:latin typeface="Calibri" pitchFamily="34" charset="0"/>
+                        <a:cs typeface="Calibri" pitchFamily="34" charset="0"/>
+                      </a:endParaRPr>
+                    </a:p>
+                  </a:txBody>
+                  <a:tcPr marL="68598" marR="68598">
+                    <a:lnR w="28575" cap="flat" cmpd="sng" algn="ctr">
+                      <a:solidFill>
+                        <a:srgbClr val="FFFFFF"/>
+                      </a:solidFill>
+                      <a:prstDash val="solid"/>
+                      <a:round/>
+                      <a:headEnd type="none" w="med" len="med"/>
+                      <a:tailEnd type="none" w="med" len="med"/>
+                    </a:lnR>
+                    <a:lnB w="28575" cap="flat" cmpd="sng" algn="ctr">
+                      <a:solidFill>
+                        <a:srgbClr val="FFFFFF"/>
+                      </a:solidFill>
+                      <a:prstDash val="solid"/>
+                      <a:round/>
+                      <a:headEnd type="none" w="med" len="med"/>
+                      <a:tailEnd type="none" w="med" len="med"/>
+                    </a:lnB>
+                    <a:solidFill>
+                      <a:schemeClr val="accent2">
+                        <a:lumMod val="75000"/>
+                      </a:schemeClr>
+                    </a:solidFill>
+                  </a:tcPr>
+                </a:tc>
+                <a:tc>
+                  <a:txBody>
+                    <a:bodyPr/>
+                    <a:lstStyle/>
+                    <a:p>
+                      <a:pPr algn="ctr"/>
+                      <a:r>
+                        <a:rPr lang="en-US" sz="1200" dirty="0" smtClean="0">
+                          <a:solidFill>
+                            <a:srgbClr val="FFFF00"/>
+                          </a:solidFill>
+                          <a:latin typeface="Calibri" pitchFamily="34" charset="0"/>
+                          <a:cs typeface="Calibri" pitchFamily="34" charset="0"/>
+                        </a:rPr>
+                        <a:t>Container</a:t>
+                      </a:r>
+                      <a:br>
+                        <a:rPr lang="en-US" sz="1200" dirty="0" smtClean="0">
+                          <a:solidFill>
+                            <a:srgbClr val="FFFF00"/>
+                          </a:solidFill>
+                          <a:latin typeface="Calibri" pitchFamily="34" charset="0"/>
+                          <a:cs typeface="Calibri" pitchFamily="34" charset="0"/>
+                        </a:rPr>
+                      </a:br>
+                      <a:r>
+                        <a:rPr lang="en-US" sz="1200" dirty="0" smtClean="0">
+                          <a:solidFill>
+                            <a:srgbClr val="FFFF00"/>
+                          </a:solidFill>
+                          <a:latin typeface="Calibri" pitchFamily="34" charset="0"/>
+                          <a:cs typeface="Calibri" pitchFamily="34" charset="0"/>
+                        </a:rPr>
+                        <a:t>Name</a:t>
+                      </a:r>
+                      <a:endParaRPr lang="en-US" sz="1200" b="1" dirty="0">
+                        <a:solidFill>
+                          <a:srgbClr val="FFFF00"/>
+                        </a:solidFill>
+                        <a:latin typeface="Calibri" pitchFamily="34" charset="0"/>
+                        <a:cs typeface="Calibri" pitchFamily="34" charset="0"/>
+                      </a:endParaRPr>
+                    </a:p>
+                  </a:txBody>
+                  <a:tcPr marL="68598" marR="68598">
+                    <a:lnL w="28575" cap="flat" cmpd="sng" algn="ctr">
+                      <a:solidFill>
+                        <a:srgbClr val="FFFFFF"/>
+                      </a:solidFill>
+                      <a:prstDash val="solid"/>
+                      <a:round/>
+                      <a:headEnd type="none" w="med" len="med"/>
+                      <a:tailEnd type="none" w="med" len="med"/>
+                    </a:lnL>
+                    <a:lnR w="28575" cap="flat" cmpd="sng" algn="ctr">
+                      <a:solidFill>
+                        <a:srgbClr val="FFFFFF"/>
+                      </a:solidFill>
+                      <a:prstDash val="solid"/>
+                      <a:round/>
+                      <a:headEnd type="none" w="med" len="med"/>
+                      <a:tailEnd type="none" w="med" len="med"/>
+                    </a:lnR>
+                    <a:lnB w="28575" cap="flat" cmpd="sng" algn="ctr">
+                      <a:solidFill>
+                        <a:srgbClr val="FFFFFF"/>
+                      </a:solidFill>
+                      <a:prstDash val="solid"/>
+                      <a:round/>
+                      <a:headEnd type="none" w="med" len="med"/>
+                      <a:tailEnd type="none" w="med" len="med"/>
+                    </a:lnB>
+                    <a:solidFill>
+                      <a:schemeClr val="accent2">
+                        <a:lumMod val="75000"/>
+                      </a:schemeClr>
+                    </a:solidFill>
+                  </a:tcPr>
+                </a:tc>
+                <a:tc>
+                  <a:txBody>
+                    <a:bodyPr/>
+                    <a:lstStyle/>
+                    <a:p>
+                      <a:pPr marL="0" marR="0" indent="0" algn="ctr" defTabSz="914363" rtl="0" eaLnBrk="1" fontAlgn="auto" latinLnBrk="0" hangingPunct="1">
+                        <a:lnSpc>
+                          <a:spcPct val="100000"/>
+                        </a:lnSpc>
+                        <a:spcBef>
+                          <a:spcPts val="0"/>
+                        </a:spcBef>
+                        <a:spcAft>
+                          <a:spcPts val="0"/>
+                        </a:spcAft>
+                        <a:buClrTx/>
+                        <a:buSzTx/>
+                        <a:buFontTx/>
+                        <a:buNone/>
+                        <a:tabLst/>
+                        <a:defRPr/>
+                      </a:pPr>
+                      <a:r>
+                        <a:rPr lang="en-US" sz="1200" dirty="0" smtClean="0">
+                          <a:solidFill>
+                            <a:srgbClr val="FFFF00"/>
+                          </a:solidFill>
+                          <a:latin typeface="Calibri" pitchFamily="34" charset="0"/>
+                          <a:cs typeface="Calibri" pitchFamily="34" charset="0"/>
+                        </a:rPr>
+                        <a:t>Blob</a:t>
+                      </a:r>
+                      <a:br>
+                        <a:rPr lang="en-US" sz="1200" dirty="0" smtClean="0">
+                          <a:solidFill>
+                            <a:srgbClr val="FFFF00"/>
+                          </a:solidFill>
+                          <a:latin typeface="Calibri" pitchFamily="34" charset="0"/>
+                          <a:cs typeface="Calibri" pitchFamily="34" charset="0"/>
+                        </a:rPr>
+                      </a:br>
+                      <a:r>
+                        <a:rPr lang="en-US" sz="1200" dirty="0" smtClean="0">
+                          <a:solidFill>
+                            <a:srgbClr val="FFFF00"/>
+                          </a:solidFill>
+                          <a:latin typeface="Calibri" pitchFamily="34" charset="0"/>
+                          <a:cs typeface="Calibri" pitchFamily="34" charset="0"/>
+                        </a:rPr>
+                        <a:t>Name</a:t>
+                      </a:r>
+                      <a:endParaRPr lang="en-US" sz="1200" b="1" dirty="0" smtClean="0">
+                        <a:solidFill>
+                          <a:srgbClr val="FFFF00"/>
+                        </a:solidFill>
+                        <a:latin typeface="Calibri" pitchFamily="34" charset="0"/>
+                        <a:cs typeface="Calibri" pitchFamily="34" charset="0"/>
+                      </a:endParaRPr>
+                    </a:p>
+                  </a:txBody>
+                  <a:tcPr marL="68598" marR="68598">
+                    <a:lnL w="28575" cap="flat" cmpd="sng" algn="ctr">
+                      <a:solidFill>
+                        <a:srgbClr val="FFFFFF"/>
+                      </a:solidFill>
+                      <a:prstDash val="solid"/>
+                      <a:round/>
+                      <a:headEnd type="none" w="med" len="med"/>
+                      <a:tailEnd type="none" w="med" len="med"/>
+                    </a:lnL>
+                    <a:lnB w="28575" cap="flat" cmpd="sng" algn="ctr">
+                      <a:solidFill>
+                        <a:srgbClr val="FFFFFF"/>
+                      </a:solidFill>
+                      <a:prstDash val="solid"/>
+                      <a:round/>
+                      <a:headEnd type="none" w="med" len="med"/>
+                      <a:tailEnd type="none" w="med" len="med"/>
+                    </a:lnB>
+                    <a:solidFill>
+                      <a:schemeClr val="accent2">
+                        <a:lumMod val="75000"/>
+                      </a:schemeClr>
+                    </a:solidFill>
+                  </a:tcPr>
+                </a:tc>
+              </a:tr>
+              <a:tr h="352374">
+                <a:tc>
+                  <a:txBody>
+                    <a:bodyPr/>
+                    <a:lstStyle/>
+                    <a:p>
+                      <a:pPr algn="ctr"/>
+                      <a:r>
+                        <a:rPr lang="en-US" sz="1200" b="1" dirty="0" err="1" smtClean="0">
+                          <a:latin typeface="Calibri" pitchFamily="34" charset="0"/>
+                          <a:cs typeface="Calibri" pitchFamily="34" charset="0"/>
+                        </a:rPr>
+                        <a:t>richard</a:t>
+                      </a:r>
+                      <a:endParaRPr lang="en-US" sz="1200" b="1" dirty="0">
+                        <a:latin typeface="Calibri" pitchFamily="34" charset="0"/>
+                        <a:cs typeface="Calibri" pitchFamily="34" charset="0"/>
+                      </a:endParaRPr>
+                    </a:p>
+                  </a:txBody>
+                  <a:tcPr marL="68598" marR="68598">
+                    <a:lnT w="28575" cap="flat" cmpd="sng" algn="ctr">
+                      <a:solidFill>
+                        <a:srgbClr val="FFFFFF"/>
+                      </a:solidFill>
+                      <a:prstDash val="solid"/>
+                      <a:round/>
+                      <a:headEnd type="none" w="med" len="med"/>
+                      <a:tailEnd type="none" w="med" len="med"/>
+                    </a:lnT>
+                  </a:tcPr>
+                </a:tc>
+                <a:tc>
+                  <a:txBody>
+                    <a:bodyPr/>
+                    <a:lstStyle/>
+                    <a:p>
+                      <a:pPr algn="ctr"/>
+                      <a:r>
+                        <a:rPr lang="en-US" sz="1200" b="1" dirty="0" smtClean="0">
+                          <a:latin typeface="Calibri" pitchFamily="34" charset="0"/>
+                          <a:cs typeface="Calibri" pitchFamily="34" charset="0"/>
+                        </a:rPr>
+                        <a:t>videos</a:t>
+                      </a:r>
+                      <a:endParaRPr lang="en-US" sz="1200" b="1" dirty="0">
+                        <a:latin typeface="Calibri" pitchFamily="34" charset="0"/>
+                        <a:cs typeface="Calibri" pitchFamily="34" charset="0"/>
+                      </a:endParaRPr>
+                    </a:p>
+                  </a:txBody>
+                  <a:tcPr marL="68598" marR="68598">
+                    <a:lnT w="28575" cap="flat" cmpd="sng" algn="ctr">
+                      <a:solidFill>
+                        <a:srgbClr val="FFFFFF"/>
+                      </a:solidFill>
+                      <a:prstDash val="solid"/>
+                      <a:round/>
+                      <a:headEnd type="none" w="med" len="med"/>
+                      <a:tailEnd type="none" w="med" len="med"/>
+                    </a:lnT>
+                  </a:tcPr>
+                </a:tc>
+                <a:tc>
+                  <a:txBody>
+                    <a:bodyPr/>
+                    <a:lstStyle/>
+                    <a:p>
+                      <a:pPr algn="ctr"/>
+                      <a:r>
+                        <a:rPr lang="en-US" sz="1200" b="1" dirty="0" smtClean="0">
+                          <a:latin typeface="Calibri" pitchFamily="34" charset="0"/>
+                          <a:cs typeface="Calibri" pitchFamily="34" charset="0"/>
+                        </a:rPr>
+                        <a:t>tennis</a:t>
+                      </a:r>
+                      <a:endParaRPr lang="en-US" sz="1200" b="1" dirty="0">
+                        <a:latin typeface="Calibri" pitchFamily="34" charset="0"/>
+                        <a:cs typeface="Calibri" pitchFamily="34" charset="0"/>
+                      </a:endParaRPr>
+                    </a:p>
+                  </a:txBody>
+                  <a:tcPr marL="68598" marR="68598">
+                    <a:lnT w="28575" cap="flat" cmpd="sng" algn="ctr">
+                      <a:solidFill>
+                        <a:srgbClr val="FFFFFF"/>
+                      </a:solidFill>
+                      <a:prstDash val="solid"/>
+                      <a:round/>
+                      <a:headEnd type="none" w="med" len="med"/>
+                      <a:tailEnd type="none" w="med" len="med"/>
+                    </a:lnT>
+                  </a:tcPr>
+                </a:tc>
+              </a:tr>
+              <a:tr h="329103">
+                <a:tc>
+                  <a:txBody>
+                    <a:bodyPr/>
+                    <a:lstStyle/>
+                    <a:p>
+                      <a:pPr algn="ctr"/>
+                      <a:r>
+                        <a:rPr lang="en-US" sz="1200" b="1" dirty="0" smtClean="0">
+                          <a:latin typeface="Calibri" pitchFamily="34" charset="0"/>
+                          <a:cs typeface="Calibri" pitchFamily="34" charset="0"/>
+                        </a:rPr>
+                        <a:t>………</a:t>
+                      </a:r>
+                      <a:endParaRPr lang="en-US" sz="1200" b="1" dirty="0">
+                        <a:latin typeface="Calibri" pitchFamily="34" charset="0"/>
+                        <a:cs typeface="Calibri" pitchFamily="34" charset="0"/>
+                      </a:endParaRPr>
+                    </a:p>
+                  </a:txBody>
+                  <a:tcPr marL="68598" marR="68598"/>
+                </a:tc>
+                <a:tc>
+                  <a:txBody>
+                    <a:bodyPr/>
+                    <a:lstStyle/>
+                    <a:p>
+                      <a:pPr algn="ctr"/>
+                      <a:r>
+                        <a:rPr lang="en-US" sz="1200" b="1" dirty="0" smtClean="0">
+                          <a:latin typeface="Calibri" pitchFamily="34" charset="0"/>
+                          <a:cs typeface="Calibri" pitchFamily="34" charset="0"/>
+                        </a:rPr>
+                        <a:t>………</a:t>
+                      </a:r>
+                      <a:endParaRPr lang="en-US" sz="1200" b="1" dirty="0">
+                        <a:latin typeface="Calibri" pitchFamily="34" charset="0"/>
+                        <a:cs typeface="Calibri" pitchFamily="34" charset="0"/>
+                      </a:endParaRPr>
+                    </a:p>
+                  </a:txBody>
+                  <a:tcPr marL="68598" marR="68598"/>
+                </a:tc>
+                <a:tc>
+                  <a:txBody>
+                    <a:bodyPr/>
+                    <a:lstStyle/>
+                    <a:p>
+                      <a:pPr algn="ctr"/>
+                      <a:r>
+                        <a:rPr lang="en-US" sz="1200" b="1" dirty="0" smtClean="0">
+                          <a:latin typeface="Calibri" pitchFamily="34" charset="0"/>
+                          <a:cs typeface="Calibri" pitchFamily="34" charset="0"/>
+                        </a:rPr>
+                        <a:t>………</a:t>
+                      </a:r>
+                      <a:endParaRPr lang="en-US" sz="1200" b="1" dirty="0">
+                        <a:latin typeface="Calibri" pitchFamily="34" charset="0"/>
+                        <a:cs typeface="Calibri" pitchFamily="34" charset="0"/>
+                      </a:endParaRPr>
+                    </a:p>
+                  </a:txBody>
+                  <a:tcPr marL="68598" marR="68598"/>
+                </a:tc>
+              </a:tr>
+              <a:tr h="337415">
+                <a:tc>
+                  <a:txBody>
+                    <a:bodyPr/>
+                    <a:lstStyle/>
+                    <a:p>
+                      <a:pPr algn="ctr"/>
+                      <a:r>
+                        <a:rPr lang="en-US" sz="1200" b="1" dirty="0" smtClean="0">
+                          <a:latin typeface="Calibri" pitchFamily="34" charset="0"/>
+                          <a:cs typeface="Calibri" pitchFamily="34" charset="0"/>
+                        </a:rPr>
+                        <a:t>………</a:t>
+                      </a:r>
+                      <a:endParaRPr lang="en-US" sz="1200" b="1" dirty="0">
+                        <a:latin typeface="Calibri" pitchFamily="34" charset="0"/>
+                        <a:cs typeface="Calibri" pitchFamily="34" charset="0"/>
+                      </a:endParaRPr>
+                    </a:p>
+                  </a:txBody>
+                  <a:tcPr marL="68598" marR="68598"/>
+                </a:tc>
+                <a:tc>
+                  <a:txBody>
+                    <a:bodyPr/>
+                    <a:lstStyle/>
+                    <a:p>
+                      <a:pPr algn="ctr"/>
+                      <a:r>
+                        <a:rPr lang="en-US" sz="1200" b="1" dirty="0" smtClean="0">
+                          <a:latin typeface="Calibri" pitchFamily="34" charset="0"/>
+                          <a:cs typeface="Calibri" pitchFamily="34" charset="0"/>
+                        </a:rPr>
+                        <a:t>………</a:t>
+                      </a:r>
+                      <a:endParaRPr lang="en-US" sz="1200" b="1" dirty="0">
+                        <a:latin typeface="Calibri" pitchFamily="34" charset="0"/>
+                        <a:cs typeface="Calibri" pitchFamily="34" charset="0"/>
+                      </a:endParaRPr>
+                    </a:p>
+                  </a:txBody>
+                  <a:tcPr marL="68598" marR="68598"/>
+                </a:tc>
+                <a:tc>
+                  <a:txBody>
+                    <a:bodyPr/>
+                    <a:lstStyle/>
+                    <a:p>
+                      <a:pPr algn="ctr"/>
+                      <a:r>
+                        <a:rPr lang="en-US" sz="1200" b="1" dirty="0" smtClean="0">
+                          <a:latin typeface="Calibri" pitchFamily="34" charset="0"/>
+                          <a:cs typeface="Calibri" pitchFamily="34" charset="0"/>
+                        </a:rPr>
+                        <a:t>………</a:t>
+                      </a:r>
+                      <a:endParaRPr lang="en-US" sz="1200" b="1" dirty="0">
+                        <a:latin typeface="Calibri" pitchFamily="34" charset="0"/>
+                        <a:cs typeface="Calibri" pitchFamily="34" charset="0"/>
+                      </a:endParaRPr>
+                    </a:p>
+                  </a:txBody>
+                  <a:tcPr marL="68598" marR="68598"/>
+                </a:tc>
+              </a:tr>
+              <a:tr h="337415">
+                <a:tc>
+                  <a:txBody>
+                    <a:bodyPr/>
+                    <a:lstStyle/>
+                    <a:p>
+                      <a:pPr algn="ctr"/>
+                      <a:r>
+                        <a:rPr lang="en-US" sz="1200" b="1" dirty="0" smtClean="0">
+                          <a:latin typeface="Calibri" pitchFamily="34" charset="0"/>
+                          <a:cs typeface="Calibri" pitchFamily="34" charset="0"/>
+                        </a:rPr>
+                        <a:t>zzzz</a:t>
+                      </a:r>
+                      <a:endParaRPr lang="en-US" sz="1200" b="1" dirty="0">
+                        <a:latin typeface="Calibri" pitchFamily="34" charset="0"/>
+                        <a:cs typeface="Calibri" pitchFamily="34" charset="0"/>
+                      </a:endParaRPr>
+                    </a:p>
+                  </a:txBody>
+                  <a:tcPr marL="68598" marR="68598"/>
+                </a:tc>
+                <a:tc>
+                  <a:txBody>
+                    <a:bodyPr/>
+                    <a:lstStyle/>
+                    <a:p>
+                      <a:pPr algn="ctr"/>
+                      <a:r>
+                        <a:rPr lang="en-US" sz="1200" b="1" dirty="0" smtClean="0">
+                          <a:latin typeface="Calibri" pitchFamily="34" charset="0"/>
+                          <a:cs typeface="Calibri" pitchFamily="34" charset="0"/>
+                        </a:rPr>
+                        <a:t>zzzz</a:t>
+                      </a:r>
+                      <a:endParaRPr lang="en-US" sz="1200" b="1" dirty="0">
+                        <a:latin typeface="Calibri" pitchFamily="34" charset="0"/>
+                        <a:cs typeface="Calibri" pitchFamily="34" charset="0"/>
+                      </a:endParaRPr>
+                    </a:p>
+                  </a:txBody>
+                  <a:tcPr marL="68598" marR="68598"/>
+                </a:tc>
+                <a:tc>
+                  <a:txBody>
+                    <a:bodyPr/>
+                    <a:lstStyle/>
+                    <a:p>
+                      <a:pPr algn="ctr"/>
+                      <a:r>
+                        <a:rPr lang="en-US" sz="1200" b="1" dirty="0" err="1" smtClean="0">
+                          <a:latin typeface="Calibri" pitchFamily="34" charset="0"/>
+                          <a:cs typeface="Calibri" pitchFamily="34" charset="0"/>
+                        </a:rPr>
+                        <a:t>zzzzz</a:t>
+                      </a:r>
+                      <a:endParaRPr lang="en-US" sz="1200" b="1" dirty="0">
+                        <a:latin typeface="Calibri" pitchFamily="34" charset="0"/>
+                        <a:cs typeface="Calibri" pitchFamily="34" charset="0"/>
+                      </a:endParaRPr>
+                    </a:p>
+                  </a:txBody>
+                  <a:tcPr marL="68598" marR="68598"/>
+                </a:tc>
+              </a:tr>
+            </a:tbl>
+          </a:graphicData>
+        </a:graphic>
+      </p:graphicFrame>
+      <p:graphicFrame>
+        <p:nvGraphicFramePr>
+          <p:cNvPr id="55" name="Table 54"/>
+          <p:cNvGraphicFramePr>
+            <a:graphicFrameLocks noGrp="1"/>
+          </p:cNvGraphicFramePr>
+          <p:nvPr>
+            <p:extLst>
+              <p:ext uri="{D42A27DB-BD31-4B8C-83A1-F6EECF244321}">
+                <p14:modId xmlns:p14="http://schemas.microsoft.com/office/powerpoint/2010/main" val="3241864913"/>
+              </p:ext>
+            </p:extLst>
+          </p:nvPr>
+        </p:nvGraphicFramePr>
+        <p:xfrm>
+          <a:off x="3573781" y="2911750"/>
+          <a:ext cx="1794097" cy="2220998"/>
+        </p:xfrm>
+        <a:graphic>
+          <a:graphicData uri="http://schemas.openxmlformats.org/drawingml/2006/table">
+            <a:tbl>
+              <a:tblPr firstRow="1">
+                <a:effectLst>
+                  <a:innerShdw blurRad="63500" dist="50800" dir="8100000">
+                    <a:prstClr val="black">
+                      <a:alpha val="50000"/>
+                    </a:prstClr>
+                  </a:innerShdw>
+                </a:effectLst>
+                <a:tableStyleId>{284E427A-3D55-4303-BF80-6455036E1DE7}</a:tableStyleId>
+              </a:tblPr>
+              <a:tblGrid>
+                <a:gridCol w="583564"/>
+                <a:gridCol w="631792"/>
+                <a:gridCol w="578741"/>
+              </a:tblGrid>
+              <a:tr h="399755">
+                <a:tc>
+                  <a:txBody>
+                    <a:bodyPr/>
+                    <a:lstStyle/>
+                    <a:p>
+                      <a:pPr algn="ctr"/>
+                      <a:r>
+                        <a:rPr lang="en-US" sz="1200" dirty="0" smtClean="0">
+                          <a:solidFill>
+                            <a:srgbClr val="FFFF00"/>
+                          </a:solidFill>
+                          <a:latin typeface="Calibri" pitchFamily="34" charset="0"/>
+                          <a:cs typeface="Calibri" pitchFamily="34" charset="0"/>
+                        </a:rPr>
+                        <a:t>Account</a:t>
+                      </a:r>
+                      <a:br>
+                        <a:rPr lang="en-US" sz="1200" dirty="0" smtClean="0">
+                          <a:solidFill>
+                            <a:srgbClr val="FFFF00"/>
+                          </a:solidFill>
+                          <a:latin typeface="Calibri" pitchFamily="34" charset="0"/>
+                          <a:cs typeface="Calibri" pitchFamily="34" charset="0"/>
+                        </a:rPr>
+                      </a:br>
+                      <a:r>
+                        <a:rPr lang="en-US" sz="1200" dirty="0" smtClean="0">
+                          <a:solidFill>
+                            <a:srgbClr val="FFFF00"/>
+                          </a:solidFill>
+                          <a:latin typeface="Calibri" pitchFamily="34" charset="0"/>
+                          <a:cs typeface="Calibri" pitchFamily="34" charset="0"/>
+                        </a:rPr>
+                        <a:t>Name</a:t>
+                      </a:r>
+                      <a:endParaRPr lang="en-US" sz="1200" b="1" dirty="0">
+                        <a:solidFill>
+                          <a:srgbClr val="FFFF00"/>
+                        </a:solidFill>
+                        <a:latin typeface="Calibri" pitchFamily="34" charset="0"/>
+                        <a:cs typeface="Calibri" pitchFamily="34" charset="0"/>
+                      </a:endParaRPr>
+                    </a:p>
+                  </a:txBody>
+                  <a:tcPr marL="68598" marR="68598">
+                    <a:lnR w="28575" cap="flat" cmpd="sng" algn="ctr">
+                      <a:solidFill>
+                        <a:srgbClr val="FFFFFF"/>
+                      </a:solidFill>
+                      <a:prstDash val="solid"/>
+                      <a:round/>
+                      <a:headEnd type="none" w="med" len="med"/>
+                      <a:tailEnd type="none" w="med" len="med"/>
+                    </a:lnR>
+                    <a:lnB w="28575" cap="flat" cmpd="sng" algn="ctr">
+                      <a:solidFill>
+                        <a:srgbClr val="FFFFFF"/>
+                      </a:solidFill>
+                      <a:prstDash val="solid"/>
+                      <a:round/>
+                      <a:headEnd type="none" w="med" len="med"/>
+                      <a:tailEnd type="none" w="med" len="med"/>
+                    </a:lnB>
+                    <a:solidFill>
+                      <a:schemeClr val="accent2">
+                        <a:lumMod val="75000"/>
+                      </a:schemeClr>
+                    </a:solidFill>
+                  </a:tcPr>
+                </a:tc>
+                <a:tc>
+                  <a:txBody>
+                    <a:bodyPr/>
+                    <a:lstStyle/>
+                    <a:p>
+                      <a:pPr algn="ctr"/>
+                      <a:r>
+                        <a:rPr lang="en-US" sz="1200" dirty="0" smtClean="0">
+                          <a:solidFill>
+                            <a:srgbClr val="FFFF00"/>
+                          </a:solidFill>
+                          <a:latin typeface="Calibri" pitchFamily="34" charset="0"/>
+                          <a:cs typeface="Calibri" pitchFamily="34" charset="0"/>
+                        </a:rPr>
+                        <a:t>Container</a:t>
+                      </a:r>
+                      <a:br>
+                        <a:rPr lang="en-US" sz="1200" dirty="0" smtClean="0">
+                          <a:solidFill>
+                            <a:srgbClr val="FFFF00"/>
+                          </a:solidFill>
+                          <a:latin typeface="Calibri" pitchFamily="34" charset="0"/>
+                          <a:cs typeface="Calibri" pitchFamily="34" charset="0"/>
+                        </a:rPr>
+                      </a:br>
+                      <a:r>
+                        <a:rPr lang="en-US" sz="1200" dirty="0" smtClean="0">
+                          <a:solidFill>
+                            <a:srgbClr val="FFFF00"/>
+                          </a:solidFill>
+                          <a:latin typeface="Calibri" pitchFamily="34" charset="0"/>
+                          <a:cs typeface="Calibri" pitchFamily="34" charset="0"/>
+                        </a:rPr>
+                        <a:t>Name</a:t>
+                      </a:r>
+                      <a:endParaRPr lang="en-US" sz="1200" b="1" dirty="0">
+                        <a:solidFill>
+                          <a:srgbClr val="FFFF00"/>
+                        </a:solidFill>
+                        <a:latin typeface="Calibri" pitchFamily="34" charset="0"/>
+                        <a:cs typeface="Calibri" pitchFamily="34" charset="0"/>
+                      </a:endParaRPr>
+                    </a:p>
+                  </a:txBody>
+                  <a:tcPr marL="68598" marR="68598">
+                    <a:lnL w="28575" cap="flat" cmpd="sng" algn="ctr">
+                      <a:solidFill>
+                        <a:srgbClr val="FFFFFF"/>
+                      </a:solidFill>
+                      <a:prstDash val="solid"/>
+                      <a:round/>
+                      <a:headEnd type="none" w="med" len="med"/>
+                      <a:tailEnd type="none" w="med" len="med"/>
+                    </a:lnL>
+                    <a:lnR w="28575" cap="flat" cmpd="sng" algn="ctr">
+                      <a:solidFill>
+                        <a:srgbClr val="FFFFFF"/>
+                      </a:solidFill>
+                      <a:prstDash val="solid"/>
+                      <a:round/>
+                      <a:headEnd type="none" w="med" len="med"/>
+                      <a:tailEnd type="none" w="med" len="med"/>
+                    </a:lnR>
+                    <a:lnB w="28575" cap="flat" cmpd="sng" algn="ctr">
+                      <a:solidFill>
+                        <a:srgbClr val="FFFFFF"/>
+                      </a:solidFill>
+                      <a:prstDash val="solid"/>
+                      <a:round/>
+                      <a:headEnd type="none" w="med" len="med"/>
+                      <a:tailEnd type="none" w="med" len="med"/>
+                    </a:lnB>
+                    <a:solidFill>
+                      <a:schemeClr val="accent2">
+                        <a:lumMod val="75000"/>
+                      </a:schemeClr>
+                    </a:solidFill>
+                  </a:tcPr>
+                </a:tc>
+                <a:tc>
+                  <a:txBody>
+                    <a:bodyPr/>
+                    <a:lstStyle/>
+                    <a:p>
+                      <a:pPr marL="0" marR="0" indent="0" algn="ctr" defTabSz="914363" rtl="0" eaLnBrk="1" fontAlgn="auto" latinLnBrk="0" hangingPunct="1">
+                        <a:lnSpc>
+                          <a:spcPct val="100000"/>
+                        </a:lnSpc>
+                        <a:spcBef>
+                          <a:spcPts val="0"/>
+                        </a:spcBef>
+                        <a:spcAft>
+                          <a:spcPts val="0"/>
+                        </a:spcAft>
+                        <a:buClrTx/>
+                        <a:buSzTx/>
+                        <a:buFontTx/>
+                        <a:buNone/>
+                        <a:tabLst/>
+                        <a:defRPr/>
+                      </a:pPr>
+                      <a:r>
+                        <a:rPr lang="en-US" sz="1200" dirty="0" smtClean="0">
+                          <a:solidFill>
+                            <a:srgbClr val="FFFF00"/>
+                          </a:solidFill>
+                          <a:latin typeface="Calibri" pitchFamily="34" charset="0"/>
+                          <a:cs typeface="Calibri" pitchFamily="34" charset="0"/>
+                        </a:rPr>
+                        <a:t>Blob</a:t>
+                      </a:r>
+                      <a:br>
+                        <a:rPr lang="en-US" sz="1200" dirty="0" smtClean="0">
+                          <a:solidFill>
+                            <a:srgbClr val="FFFF00"/>
+                          </a:solidFill>
+                          <a:latin typeface="Calibri" pitchFamily="34" charset="0"/>
+                          <a:cs typeface="Calibri" pitchFamily="34" charset="0"/>
+                        </a:rPr>
+                      </a:br>
+                      <a:r>
+                        <a:rPr lang="en-US" sz="1200" dirty="0" smtClean="0">
+                          <a:solidFill>
+                            <a:srgbClr val="FFFF00"/>
+                          </a:solidFill>
+                          <a:latin typeface="Calibri" pitchFamily="34" charset="0"/>
+                          <a:cs typeface="Calibri" pitchFamily="34" charset="0"/>
+                        </a:rPr>
+                        <a:t>Name</a:t>
+                      </a:r>
+                      <a:endParaRPr lang="en-US" sz="1200" b="1" dirty="0" smtClean="0">
+                        <a:solidFill>
+                          <a:srgbClr val="FFFF00"/>
+                        </a:solidFill>
+                        <a:latin typeface="Calibri" pitchFamily="34" charset="0"/>
+                        <a:cs typeface="Calibri" pitchFamily="34" charset="0"/>
+                      </a:endParaRPr>
+                    </a:p>
+                  </a:txBody>
+                  <a:tcPr marL="68598" marR="68598">
+                    <a:lnL w="28575" cap="flat" cmpd="sng" algn="ctr">
+                      <a:solidFill>
+                        <a:srgbClr val="FFFFFF"/>
+                      </a:solidFill>
+                      <a:prstDash val="solid"/>
+                      <a:round/>
+                      <a:headEnd type="none" w="med" len="med"/>
+                      <a:tailEnd type="none" w="med" len="med"/>
+                    </a:lnL>
+                    <a:lnB w="28575" cap="flat" cmpd="sng" algn="ctr">
+                      <a:solidFill>
+                        <a:srgbClr val="FFFFFF"/>
+                      </a:solidFill>
+                      <a:prstDash val="solid"/>
+                      <a:round/>
+                      <a:headEnd type="none" w="med" len="med"/>
+                      <a:tailEnd type="none" w="med" len="med"/>
+                    </a:lnB>
+                    <a:solidFill>
+                      <a:schemeClr val="accent2">
+                        <a:lumMod val="75000"/>
+                      </a:schemeClr>
+                    </a:solidFill>
+                  </a:tcPr>
+                </a:tc>
+              </a:tr>
+              <a:tr h="352374">
+                <a:tc>
+                  <a:txBody>
+                    <a:bodyPr/>
+                    <a:lstStyle/>
+                    <a:p>
+                      <a:pPr algn="ctr"/>
+                      <a:r>
+                        <a:rPr lang="en-US" sz="1200" b="1" dirty="0" smtClean="0">
+                          <a:latin typeface="Calibri" pitchFamily="34" charset="0"/>
+                          <a:cs typeface="Calibri" pitchFamily="34" charset="0"/>
+                        </a:rPr>
+                        <a:t>harry</a:t>
+                      </a:r>
+                      <a:endParaRPr lang="en-US" sz="1200" b="1" dirty="0">
+                        <a:latin typeface="Calibri" pitchFamily="34" charset="0"/>
+                        <a:cs typeface="Calibri" pitchFamily="34" charset="0"/>
+                      </a:endParaRPr>
+                    </a:p>
+                  </a:txBody>
+                  <a:tcPr marL="68598" marR="68598">
+                    <a:lnT w="28575" cap="flat" cmpd="sng" algn="ctr">
+                      <a:solidFill>
+                        <a:srgbClr val="FFFFFF"/>
+                      </a:solidFill>
+                      <a:prstDash val="solid"/>
+                      <a:round/>
+                      <a:headEnd type="none" w="med" len="med"/>
+                      <a:tailEnd type="none" w="med" len="med"/>
+                    </a:lnT>
+                  </a:tcPr>
+                </a:tc>
+                <a:tc>
+                  <a:txBody>
+                    <a:bodyPr/>
+                    <a:lstStyle/>
+                    <a:p>
+                      <a:pPr algn="ctr"/>
+                      <a:r>
+                        <a:rPr lang="en-US" sz="1200" b="1" dirty="0" smtClean="0">
+                          <a:latin typeface="Calibri" pitchFamily="34" charset="0"/>
+                          <a:cs typeface="Calibri" pitchFamily="34" charset="0"/>
+                        </a:rPr>
+                        <a:t>pictures</a:t>
+                      </a:r>
+                      <a:endParaRPr lang="en-US" sz="1200" b="1" dirty="0">
+                        <a:latin typeface="Calibri" pitchFamily="34" charset="0"/>
+                        <a:cs typeface="Calibri" pitchFamily="34" charset="0"/>
+                      </a:endParaRPr>
+                    </a:p>
+                  </a:txBody>
+                  <a:tcPr marL="68598" marR="68598">
+                    <a:lnT w="28575" cap="flat" cmpd="sng" algn="ctr">
+                      <a:solidFill>
+                        <a:srgbClr val="FFFFFF"/>
+                      </a:solidFill>
+                      <a:prstDash val="solid"/>
+                      <a:round/>
+                      <a:headEnd type="none" w="med" len="med"/>
+                      <a:tailEnd type="none" w="med" len="med"/>
+                    </a:lnT>
+                  </a:tcPr>
+                </a:tc>
+                <a:tc>
+                  <a:txBody>
+                    <a:bodyPr/>
+                    <a:lstStyle/>
+                    <a:p>
+                      <a:pPr algn="ctr"/>
+                      <a:r>
+                        <a:rPr lang="en-US" sz="1200" b="1" dirty="0" smtClean="0">
+                          <a:latin typeface="Calibri" pitchFamily="34" charset="0"/>
+                          <a:cs typeface="Calibri" pitchFamily="34" charset="0"/>
+                        </a:rPr>
+                        <a:t>sunset</a:t>
+                      </a:r>
+                      <a:endParaRPr lang="en-US" sz="1200" b="1" dirty="0">
+                        <a:latin typeface="Calibri" pitchFamily="34" charset="0"/>
+                        <a:cs typeface="Calibri" pitchFamily="34" charset="0"/>
+                      </a:endParaRPr>
+                    </a:p>
+                  </a:txBody>
+                  <a:tcPr marL="68598" marR="68598">
+                    <a:lnT w="28575" cap="flat" cmpd="sng" algn="ctr">
+                      <a:solidFill>
+                        <a:srgbClr val="FFFFFF"/>
+                      </a:solidFill>
+                      <a:prstDash val="solid"/>
+                      <a:round/>
+                      <a:headEnd type="none" w="med" len="med"/>
+                      <a:tailEnd type="none" w="med" len="med"/>
+                    </a:lnT>
+                  </a:tcPr>
+                </a:tc>
+              </a:tr>
+              <a:tr h="329103">
+                <a:tc>
+                  <a:txBody>
+                    <a:bodyPr/>
+                    <a:lstStyle/>
+                    <a:p>
+                      <a:pPr algn="ctr"/>
+                      <a:r>
+                        <a:rPr lang="en-US" sz="1200" b="1" dirty="0" smtClean="0">
+                          <a:latin typeface="Calibri" pitchFamily="34" charset="0"/>
+                          <a:cs typeface="Calibri" pitchFamily="34" charset="0"/>
+                        </a:rPr>
+                        <a:t>………</a:t>
+                      </a:r>
+                      <a:endParaRPr lang="en-US" sz="1200" b="1" dirty="0">
+                        <a:latin typeface="Calibri" pitchFamily="34" charset="0"/>
+                        <a:cs typeface="Calibri" pitchFamily="34" charset="0"/>
+                      </a:endParaRPr>
+                    </a:p>
+                  </a:txBody>
+                  <a:tcPr marL="68598" marR="68598"/>
+                </a:tc>
+                <a:tc>
+                  <a:txBody>
+                    <a:bodyPr/>
+                    <a:lstStyle/>
+                    <a:p>
+                      <a:pPr algn="ctr"/>
+                      <a:r>
+                        <a:rPr lang="en-US" sz="1200" b="1" dirty="0" smtClean="0">
+                          <a:latin typeface="Calibri" pitchFamily="34" charset="0"/>
+                          <a:cs typeface="Calibri" pitchFamily="34" charset="0"/>
+                        </a:rPr>
+                        <a:t>………</a:t>
+                      </a:r>
+                      <a:endParaRPr lang="en-US" sz="1200" b="1" dirty="0">
+                        <a:latin typeface="Calibri" pitchFamily="34" charset="0"/>
+                        <a:cs typeface="Calibri" pitchFamily="34" charset="0"/>
+                      </a:endParaRPr>
+                    </a:p>
+                  </a:txBody>
+                  <a:tcPr marL="68598" marR="68598"/>
+                </a:tc>
+                <a:tc>
+                  <a:txBody>
+                    <a:bodyPr/>
+                    <a:lstStyle/>
+                    <a:p>
+                      <a:pPr algn="ctr"/>
+                      <a:r>
+                        <a:rPr lang="en-US" sz="1200" b="1" dirty="0" smtClean="0">
+                          <a:latin typeface="Calibri" pitchFamily="34" charset="0"/>
+                          <a:cs typeface="Calibri" pitchFamily="34" charset="0"/>
+                        </a:rPr>
+                        <a:t>………</a:t>
+                      </a:r>
+                      <a:endParaRPr lang="en-US" sz="1200" b="1" dirty="0">
+                        <a:latin typeface="Calibri" pitchFamily="34" charset="0"/>
+                        <a:cs typeface="Calibri" pitchFamily="34" charset="0"/>
+                      </a:endParaRPr>
+                    </a:p>
+                  </a:txBody>
+                  <a:tcPr marL="68598" marR="68598"/>
+                </a:tc>
+              </a:tr>
+              <a:tr h="337415">
+                <a:tc>
+                  <a:txBody>
+                    <a:bodyPr/>
+                    <a:lstStyle/>
+                    <a:p>
+                      <a:pPr algn="ctr"/>
+                      <a:r>
+                        <a:rPr lang="en-US" sz="1200" b="1" dirty="0" smtClean="0">
+                          <a:latin typeface="Calibri" pitchFamily="34" charset="0"/>
+                          <a:cs typeface="Calibri" pitchFamily="34" charset="0"/>
+                        </a:rPr>
+                        <a:t>………</a:t>
+                      </a:r>
+                      <a:endParaRPr lang="en-US" sz="1200" b="1" dirty="0">
+                        <a:latin typeface="Calibri" pitchFamily="34" charset="0"/>
+                        <a:cs typeface="Calibri" pitchFamily="34" charset="0"/>
+                      </a:endParaRPr>
+                    </a:p>
+                  </a:txBody>
+                  <a:tcPr marL="68598" marR="68598"/>
+                </a:tc>
+                <a:tc>
+                  <a:txBody>
+                    <a:bodyPr/>
+                    <a:lstStyle/>
+                    <a:p>
+                      <a:pPr algn="ctr"/>
+                      <a:r>
+                        <a:rPr lang="en-US" sz="1200" b="1" dirty="0" smtClean="0">
+                          <a:latin typeface="Calibri" pitchFamily="34" charset="0"/>
+                          <a:cs typeface="Calibri" pitchFamily="34" charset="0"/>
+                        </a:rPr>
+                        <a:t>………</a:t>
+                      </a:r>
+                      <a:endParaRPr lang="en-US" sz="1200" b="1" dirty="0">
+                        <a:latin typeface="Calibri" pitchFamily="34" charset="0"/>
+                        <a:cs typeface="Calibri" pitchFamily="34" charset="0"/>
+                      </a:endParaRPr>
+                    </a:p>
+                  </a:txBody>
+                  <a:tcPr marL="68598" marR="68598"/>
+                </a:tc>
+                <a:tc>
+                  <a:txBody>
+                    <a:bodyPr/>
+                    <a:lstStyle/>
+                    <a:p>
+                      <a:pPr algn="ctr"/>
+                      <a:r>
+                        <a:rPr lang="en-US" sz="1200" b="1" dirty="0" smtClean="0">
+                          <a:latin typeface="Calibri" pitchFamily="34" charset="0"/>
+                          <a:cs typeface="Calibri" pitchFamily="34" charset="0"/>
+                        </a:rPr>
+                        <a:t>………</a:t>
+                      </a:r>
+                      <a:endParaRPr lang="en-US" sz="1200" b="1" dirty="0">
+                        <a:latin typeface="Calibri" pitchFamily="34" charset="0"/>
+                        <a:cs typeface="Calibri" pitchFamily="34" charset="0"/>
+                      </a:endParaRPr>
+                    </a:p>
+                  </a:txBody>
+                  <a:tcPr marL="68598" marR="68598"/>
+                </a:tc>
+              </a:tr>
+              <a:tr h="337415">
+                <a:tc>
+                  <a:txBody>
+                    <a:bodyPr/>
+                    <a:lstStyle/>
+                    <a:p>
+                      <a:pPr algn="ctr"/>
+                      <a:r>
+                        <a:rPr lang="en-US" sz="1200" b="1" dirty="0" err="1" smtClean="0">
+                          <a:latin typeface="Calibri" pitchFamily="34" charset="0"/>
+                          <a:cs typeface="Calibri" pitchFamily="34" charset="0"/>
+                        </a:rPr>
+                        <a:t>richard</a:t>
+                      </a:r>
+                      <a:endParaRPr lang="en-US" sz="1200" b="1" dirty="0">
+                        <a:latin typeface="Calibri" pitchFamily="34" charset="0"/>
+                        <a:cs typeface="Calibri" pitchFamily="34" charset="0"/>
+                      </a:endParaRPr>
+                    </a:p>
+                  </a:txBody>
+                  <a:tcPr marL="68598" marR="68598"/>
+                </a:tc>
+                <a:tc>
+                  <a:txBody>
+                    <a:bodyPr/>
+                    <a:lstStyle/>
+                    <a:p>
+                      <a:pPr algn="ctr"/>
+                      <a:r>
+                        <a:rPr lang="en-US" sz="1200" b="1" dirty="0" smtClean="0">
+                          <a:latin typeface="Calibri" pitchFamily="34" charset="0"/>
+                          <a:cs typeface="Calibri" pitchFamily="34" charset="0"/>
+                        </a:rPr>
+                        <a:t>videos</a:t>
+                      </a:r>
+                      <a:endParaRPr lang="en-US" sz="1200" b="1" dirty="0">
+                        <a:latin typeface="Calibri" pitchFamily="34" charset="0"/>
+                        <a:cs typeface="Calibri" pitchFamily="34" charset="0"/>
+                      </a:endParaRPr>
+                    </a:p>
+                  </a:txBody>
+                  <a:tcPr marL="68598" marR="68598"/>
+                </a:tc>
+                <a:tc>
+                  <a:txBody>
+                    <a:bodyPr/>
+                    <a:lstStyle/>
+                    <a:p>
+                      <a:pPr algn="ctr"/>
+                      <a:r>
+                        <a:rPr lang="en-US" sz="1200" b="1" dirty="0" smtClean="0">
+                          <a:latin typeface="Calibri" pitchFamily="34" charset="0"/>
+                          <a:cs typeface="Calibri" pitchFamily="34" charset="0"/>
+                        </a:rPr>
+                        <a:t>soccer</a:t>
+                      </a:r>
+                      <a:endParaRPr lang="en-US" sz="1200" b="1" dirty="0">
+                        <a:latin typeface="Calibri" pitchFamily="34" charset="0"/>
+                        <a:cs typeface="Calibri" pitchFamily="34" charset="0"/>
+                      </a:endParaRPr>
+                    </a:p>
+                  </a:txBody>
+                  <a:tcPr marL="68598" marR="68598"/>
+                </a:tc>
+              </a:tr>
+            </a:tbl>
+          </a:graphicData>
+        </a:graphic>
+      </p:graphicFrame>
+      <p:sp>
+        <p:nvSpPr>
+          <p:cNvPr id="43" name="Rounded Rectangle 42"/>
+          <p:cNvSpPr/>
+          <p:nvPr/>
+        </p:nvSpPr>
+        <p:spPr bwMode="auto">
+          <a:xfrm>
+            <a:off x="6550459" y="2748112"/>
+            <a:ext cx="1038100" cy="1021556"/>
+          </a:xfrm>
+          <a:prstGeom prst="roundRect">
+            <a:avLst/>
+          </a:prstGeom>
+          <a:ln>
+            <a:headEnd type="none" w="med" len="med"/>
+            <a:tailEnd type="none" w="med" len="med"/>
+          </a:ln>
+        </p:spPr>
+        <p:style>
+          <a:lnRef idx="0">
+            <a:schemeClr val="accent2"/>
+          </a:lnRef>
+          <a:fillRef idx="3">
+            <a:schemeClr val="accent2"/>
+          </a:fillRef>
+          <a:effectRef idx="3">
+            <a:schemeClr val="accent2"/>
+          </a:effectRef>
+          <a:fontRef idx="minor">
+            <a:schemeClr val="lt1"/>
+          </a:fontRef>
+        </p:style>
+        <p:txBody>
+          <a:bodyPr wrap="square">
+            <a:spAutoFit/>
+          </a:bodyPr>
+          <a:lstStyle/>
+          <a:p>
+            <a:pPr marL="0" marR="0" lvl="0" indent="0" algn="ctr" defTabSz="914400" eaLnBrk="1" fontAlgn="auto" latinLnBrk="0" hangingPunct="1">
+              <a:lnSpc>
+                <a:spcPct val="100000"/>
+              </a:lnSpc>
+              <a:spcBef>
+                <a:spcPts val="0"/>
+              </a:spcBef>
+              <a:spcAft>
+                <a:spcPts val="0"/>
+              </a:spcAft>
+              <a:buClrTx/>
+              <a:buSzTx/>
+              <a:buFontTx/>
+              <a:buNone/>
+              <a:tabLst/>
+              <a:defRPr/>
+            </a:pPr>
+            <a:r>
+              <a:rPr kumimoji="0" lang="en-US" sz="1800" b="1" i="0" u="none" strike="noStrike" kern="0" cap="none" spc="0" normalizeH="0" baseline="0" noProof="0" dirty="0" smtClean="0">
+                <a:ln>
+                  <a:noFill/>
+                </a:ln>
+                <a:solidFill>
+                  <a:schemeClr val="bg2"/>
+                </a:solidFill>
+                <a:effectLst>
+                  <a:outerShdw blurRad="38100" dist="38100" dir="2700000" algn="tl">
+                    <a:srgbClr val="000000">
+                      <a:alpha val="43137"/>
+                    </a:srgbClr>
+                  </a:outerShdw>
+                </a:effectLst>
+                <a:uLnTx/>
+                <a:uFillTx/>
+                <a:latin typeface="Segoe UI" pitchFamily="34" charset="0"/>
+                <a:ea typeface="Segoe UI" pitchFamily="34" charset="0"/>
+                <a:cs typeface="Segoe UI" pitchFamily="34" charset="0"/>
+              </a:rPr>
+              <a:t>Partition</a:t>
+            </a:r>
+          </a:p>
+          <a:p>
+            <a:pPr marL="0" marR="0" lvl="0" indent="0" algn="ctr" defTabSz="914400" eaLnBrk="1" fontAlgn="auto" latinLnBrk="0" hangingPunct="1">
+              <a:lnSpc>
+                <a:spcPct val="100000"/>
+              </a:lnSpc>
+              <a:spcBef>
+                <a:spcPts val="0"/>
+              </a:spcBef>
+              <a:spcAft>
+                <a:spcPts val="0"/>
+              </a:spcAft>
+              <a:buClrTx/>
+              <a:buSzTx/>
+              <a:buFontTx/>
+              <a:buNone/>
+              <a:tabLst/>
+              <a:defRPr/>
+            </a:pPr>
+            <a:r>
+              <a:rPr kumimoji="0" lang="en-US" sz="1800" b="1" i="0" u="none" strike="noStrike" kern="0" cap="none" spc="0" normalizeH="0" baseline="0" noProof="0" dirty="0" smtClean="0">
+                <a:ln>
+                  <a:noFill/>
+                </a:ln>
+                <a:solidFill>
+                  <a:schemeClr val="bg2"/>
+                </a:solidFill>
+                <a:effectLst>
+                  <a:outerShdw blurRad="38100" dist="38100" dir="2700000" algn="tl">
+                    <a:srgbClr val="000000">
+                      <a:alpha val="43137"/>
+                    </a:srgbClr>
+                  </a:outerShdw>
+                </a:effectLst>
+                <a:uLnTx/>
+                <a:uFillTx/>
+                <a:latin typeface="Segoe UI" pitchFamily="34" charset="0"/>
+                <a:ea typeface="Segoe UI" pitchFamily="34" charset="0"/>
+                <a:cs typeface="Segoe UI" pitchFamily="34" charset="0"/>
+              </a:rPr>
+              <a:t>Server</a:t>
+            </a:r>
+            <a:endParaRPr kumimoji="0" lang="en-US" sz="1800" b="1" i="0" u="none" strike="noStrike" kern="0" cap="none" spc="0" normalizeH="0" baseline="0" noProof="0" dirty="0">
+              <a:ln>
+                <a:noFill/>
+              </a:ln>
+              <a:solidFill>
+                <a:schemeClr val="bg2"/>
+              </a:solidFill>
+              <a:effectLst>
+                <a:outerShdw blurRad="38100" dist="38100" dir="2700000" algn="tl">
+                  <a:srgbClr val="000000">
+                    <a:alpha val="43137"/>
+                  </a:srgbClr>
+                </a:outerShdw>
+              </a:effectLst>
+              <a:uLnTx/>
+              <a:uFillTx/>
+              <a:latin typeface="Segoe UI" pitchFamily="34" charset="0"/>
+              <a:ea typeface="Segoe UI" pitchFamily="34" charset="0"/>
+              <a:cs typeface="Segoe UI" pitchFamily="34" charset="0"/>
+            </a:endParaRPr>
+          </a:p>
+        </p:txBody>
+      </p:sp>
+      <p:sp>
+        <p:nvSpPr>
+          <p:cNvPr id="49" name="Rounded Rectangle 48"/>
+          <p:cNvSpPr/>
+          <p:nvPr/>
+        </p:nvSpPr>
+        <p:spPr bwMode="auto">
+          <a:xfrm>
+            <a:off x="7794560" y="2070194"/>
+            <a:ext cx="1038100" cy="1021556"/>
+          </a:xfrm>
+          <a:prstGeom prst="roundRect">
+            <a:avLst/>
+          </a:prstGeom>
+          <a:ln>
+            <a:headEnd type="none" w="med" len="med"/>
+            <a:tailEnd type="none" w="med" len="med"/>
+          </a:ln>
+        </p:spPr>
+        <p:style>
+          <a:lnRef idx="0">
+            <a:schemeClr val="accent2"/>
+          </a:lnRef>
+          <a:fillRef idx="3">
+            <a:schemeClr val="accent2"/>
+          </a:fillRef>
+          <a:effectRef idx="3">
+            <a:schemeClr val="accent2"/>
+          </a:effectRef>
+          <a:fontRef idx="minor">
+            <a:schemeClr val="lt1"/>
+          </a:fontRef>
+        </p:style>
+        <p:txBody>
+          <a:bodyPr wrap="square">
+            <a:spAutoFit/>
+          </a:bodyPr>
+          <a:lstStyle/>
+          <a:p>
+            <a:pPr marL="0" marR="0" lvl="0" indent="0" algn="ctr" defTabSz="914400" eaLnBrk="1" fontAlgn="auto" latinLnBrk="0" hangingPunct="1">
+              <a:lnSpc>
+                <a:spcPct val="100000"/>
+              </a:lnSpc>
+              <a:spcBef>
+                <a:spcPts val="0"/>
+              </a:spcBef>
+              <a:spcAft>
+                <a:spcPts val="0"/>
+              </a:spcAft>
+              <a:buClrTx/>
+              <a:buSzTx/>
+              <a:buFontTx/>
+              <a:buNone/>
+              <a:tabLst/>
+              <a:defRPr/>
+            </a:pPr>
+            <a:r>
+              <a:rPr lang="en-US" b="1" kern="0" dirty="0" smtClean="0">
+                <a:solidFill>
+                  <a:schemeClr val="bg2"/>
+                </a:solidFill>
+                <a:effectLst>
+                  <a:outerShdw blurRad="38100" dist="38100" dir="2700000" algn="tl">
+                    <a:srgbClr val="000000">
+                      <a:alpha val="43137"/>
+                    </a:srgbClr>
+                  </a:outerShdw>
+                </a:effectLst>
+                <a:latin typeface="Segoe UI" pitchFamily="34" charset="0"/>
+                <a:ea typeface="Segoe UI" pitchFamily="34" charset="0"/>
+                <a:cs typeface="Segoe UI" pitchFamily="34" charset="0"/>
+              </a:rPr>
+              <a:t>Partition Master</a:t>
+            </a:r>
+            <a:endParaRPr kumimoji="0" lang="en-US" sz="1800" b="1" i="0" u="none" strike="noStrike" kern="0" cap="none" spc="0" normalizeH="0" baseline="0" noProof="0" dirty="0" smtClean="0">
+              <a:ln>
+                <a:noFill/>
+              </a:ln>
+              <a:solidFill>
+                <a:schemeClr val="bg2"/>
+              </a:solidFill>
+              <a:effectLst>
+                <a:outerShdw blurRad="38100" dist="38100" dir="2700000" algn="tl">
+                  <a:srgbClr val="000000">
+                    <a:alpha val="43137"/>
+                  </a:srgbClr>
+                </a:outerShdw>
+              </a:effectLst>
+              <a:uLnTx/>
+              <a:uFillTx/>
+              <a:latin typeface="Segoe UI" pitchFamily="34" charset="0"/>
+              <a:ea typeface="Segoe UI" pitchFamily="34" charset="0"/>
+              <a:cs typeface="Segoe UI" pitchFamily="34" charset="0"/>
+            </a:endParaRPr>
+          </a:p>
+        </p:txBody>
+      </p:sp>
+      <p:sp>
+        <p:nvSpPr>
+          <p:cNvPr id="2" name="Title 1"/>
+          <p:cNvSpPr>
+            <a:spLocks noGrp="1"/>
+          </p:cNvSpPr>
+          <p:nvPr>
+            <p:ph type="title"/>
+          </p:nvPr>
+        </p:nvSpPr>
+        <p:spPr/>
+        <p:txBody>
+          <a:bodyPr/>
+          <a:lstStyle/>
+          <a:p>
+            <a:r>
+              <a:rPr lang="en-US" dirty="0" smtClean="0"/>
+              <a:t>Partition Layer – Index Range Partitioning</a:t>
+            </a:r>
+            <a:endParaRPr lang="en-US" dirty="0">
+              <a:solidFill>
+                <a:srgbClr val="FFFF00"/>
+              </a:solidFill>
+            </a:endParaRPr>
+          </a:p>
+        </p:txBody>
+      </p:sp>
+      <p:sp>
+        <p:nvSpPr>
+          <p:cNvPr id="11" name="Rounded Rectangle 10"/>
+          <p:cNvSpPr/>
+          <p:nvPr/>
+        </p:nvSpPr>
+        <p:spPr bwMode="auto">
+          <a:xfrm>
+            <a:off x="3771097" y="3123981"/>
+            <a:ext cx="968895" cy="1801214"/>
+          </a:xfrm>
+          <a:prstGeom prst="roundRect">
+            <a:avLst/>
+          </a:prstGeom>
+          <a:solidFill>
+            <a:srgbClr val="7030A0"/>
+          </a:solidFill>
+          <a:ln>
+            <a:headEnd type="none" w="med" len="med"/>
+            <a:tailEnd type="none" w="med" len="med"/>
+          </a:ln>
+        </p:spPr>
+        <p:style>
+          <a:lnRef idx="2">
+            <a:schemeClr val="accent1">
+              <a:shade val="50000"/>
+            </a:schemeClr>
+          </a:lnRef>
+          <a:fillRef idx="1">
+            <a:schemeClr val="accent1"/>
+          </a:fillRef>
+          <a:effectRef idx="0">
+            <a:schemeClr val="accent1"/>
+          </a:effectRef>
+          <a:fontRef idx="minor">
+            <a:schemeClr val="lt1"/>
+          </a:fontRef>
+        </p:style>
+        <p:txBody>
+          <a:bodyPr wrap="none"/>
+          <a:lstStyle/>
+          <a:p>
+            <a:pPr algn="ctr">
+              <a:defRPr/>
+            </a:pPr>
+            <a:r>
+              <a:rPr lang="en-US" b="1" dirty="0" smtClean="0">
+                <a:solidFill>
+                  <a:schemeClr val="bg2"/>
+                </a:solidFill>
+              </a:rPr>
+              <a:t>Front-End</a:t>
+            </a:r>
+          </a:p>
+          <a:p>
+            <a:pPr algn="ctr">
+              <a:defRPr/>
+            </a:pPr>
+            <a:r>
+              <a:rPr lang="en-US" b="1" dirty="0" smtClean="0">
+                <a:solidFill>
+                  <a:schemeClr val="bg2"/>
+                </a:solidFill>
+              </a:rPr>
+              <a:t>Server</a:t>
+            </a:r>
+            <a:endParaRPr lang="en-US" b="1" dirty="0">
+              <a:solidFill>
+                <a:schemeClr val="bg2"/>
+              </a:solidFill>
+            </a:endParaRPr>
+          </a:p>
+        </p:txBody>
+      </p:sp>
+      <p:sp>
+        <p:nvSpPr>
+          <p:cNvPr id="15" name="TextBox 14"/>
+          <p:cNvSpPr txBox="1"/>
+          <p:nvPr/>
+        </p:nvSpPr>
+        <p:spPr>
+          <a:xfrm>
+            <a:off x="5934716" y="4725257"/>
+            <a:ext cx="778207" cy="307777"/>
+          </a:xfrm>
+          <a:prstGeom prst="rect">
+            <a:avLst/>
+          </a:prstGeom>
+          <a:noFill/>
+        </p:spPr>
+        <p:txBody>
+          <a:bodyPr wrap="square" rtlCol="0">
+            <a:spAutoFit/>
+          </a:bodyPr>
+          <a:lstStyle/>
+          <a:p>
+            <a:pPr algn="ctr"/>
+            <a:r>
+              <a:rPr lang="en-US" sz="1400" b="1" dirty="0" smtClean="0">
+                <a:solidFill>
+                  <a:schemeClr val="accent2">
+                    <a:lumMod val="75000"/>
+                  </a:schemeClr>
+                </a:solidFill>
+                <a:latin typeface="Segoe UI" pitchFamily="34" charset="0"/>
+                <a:ea typeface="Segoe UI" pitchFamily="34" charset="0"/>
+                <a:cs typeface="Segoe UI" pitchFamily="34" charset="0"/>
+              </a:rPr>
+              <a:t>PS 2</a:t>
+            </a:r>
+            <a:endParaRPr lang="en-US" sz="1400" b="1" dirty="0">
+              <a:solidFill>
+                <a:schemeClr val="accent2">
+                  <a:lumMod val="75000"/>
+                </a:schemeClr>
+              </a:solidFill>
+              <a:latin typeface="Segoe UI" pitchFamily="34" charset="0"/>
+              <a:ea typeface="Segoe UI" pitchFamily="34" charset="0"/>
+              <a:cs typeface="Segoe UI" pitchFamily="34" charset="0"/>
+            </a:endParaRPr>
+          </a:p>
+        </p:txBody>
+      </p:sp>
+      <p:sp>
+        <p:nvSpPr>
+          <p:cNvPr id="16" name="TextBox 15"/>
+          <p:cNvSpPr txBox="1"/>
+          <p:nvPr/>
+        </p:nvSpPr>
+        <p:spPr>
+          <a:xfrm>
+            <a:off x="8515427" y="4651279"/>
+            <a:ext cx="778207" cy="307777"/>
+          </a:xfrm>
+          <a:prstGeom prst="rect">
+            <a:avLst/>
+          </a:prstGeom>
+          <a:noFill/>
+        </p:spPr>
+        <p:txBody>
+          <a:bodyPr wrap="square" rtlCol="0">
+            <a:spAutoFit/>
+          </a:bodyPr>
+          <a:lstStyle/>
+          <a:p>
+            <a:pPr algn="ctr"/>
+            <a:r>
+              <a:rPr lang="en-US" sz="1400" b="1" dirty="0" smtClean="0">
+                <a:solidFill>
+                  <a:schemeClr val="accent2">
+                    <a:lumMod val="75000"/>
+                  </a:schemeClr>
+                </a:solidFill>
+                <a:latin typeface="Segoe UI" pitchFamily="34" charset="0"/>
+                <a:ea typeface="Segoe UI" pitchFamily="34" charset="0"/>
+                <a:cs typeface="Segoe UI" pitchFamily="34" charset="0"/>
+              </a:rPr>
+              <a:t>PS 3</a:t>
+            </a:r>
+            <a:endParaRPr lang="en-US" sz="1400" b="1" dirty="0">
+              <a:solidFill>
+                <a:schemeClr val="accent2">
+                  <a:lumMod val="75000"/>
+                </a:schemeClr>
+              </a:solidFill>
+              <a:latin typeface="Segoe UI" pitchFamily="34" charset="0"/>
+              <a:ea typeface="Segoe UI" pitchFamily="34" charset="0"/>
+              <a:cs typeface="Segoe UI" pitchFamily="34" charset="0"/>
+            </a:endParaRPr>
+          </a:p>
+        </p:txBody>
+      </p:sp>
+      <p:sp>
+        <p:nvSpPr>
+          <p:cNvPr id="17" name="TextBox 16"/>
+          <p:cNvSpPr txBox="1"/>
+          <p:nvPr/>
+        </p:nvSpPr>
+        <p:spPr>
+          <a:xfrm>
+            <a:off x="5980450" y="3252015"/>
+            <a:ext cx="778207" cy="307777"/>
+          </a:xfrm>
+          <a:prstGeom prst="rect">
+            <a:avLst/>
+          </a:prstGeom>
+          <a:noFill/>
+        </p:spPr>
+        <p:txBody>
+          <a:bodyPr wrap="square" rtlCol="0">
+            <a:spAutoFit/>
+          </a:bodyPr>
+          <a:lstStyle/>
+          <a:p>
+            <a:pPr algn="ctr"/>
+            <a:r>
+              <a:rPr lang="en-US" sz="1400" b="1" dirty="0" smtClean="0">
+                <a:solidFill>
+                  <a:schemeClr val="accent2">
+                    <a:lumMod val="75000"/>
+                  </a:schemeClr>
+                </a:solidFill>
+                <a:latin typeface="Segoe UI" pitchFamily="34" charset="0"/>
+                <a:ea typeface="Segoe UI" pitchFamily="34" charset="0"/>
+                <a:cs typeface="Segoe UI" pitchFamily="34" charset="0"/>
+              </a:rPr>
+              <a:t>PS 1</a:t>
+            </a:r>
+            <a:endParaRPr lang="en-US" sz="1400" b="1" dirty="0">
+              <a:solidFill>
+                <a:schemeClr val="accent2">
+                  <a:lumMod val="75000"/>
+                </a:schemeClr>
+              </a:solidFill>
+              <a:latin typeface="Segoe UI" pitchFamily="34" charset="0"/>
+              <a:ea typeface="Segoe UI" pitchFamily="34" charset="0"/>
+              <a:cs typeface="Segoe UI" pitchFamily="34" charset="0"/>
+            </a:endParaRPr>
+          </a:p>
+        </p:txBody>
+      </p:sp>
+      <p:grpSp>
+        <p:nvGrpSpPr>
+          <p:cNvPr id="4" name="Group 51"/>
+          <p:cNvGrpSpPr>
+            <a:grpSpLocks/>
+          </p:cNvGrpSpPr>
+          <p:nvPr/>
+        </p:nvGrpSpPr>
+        <p:grpSpPr bwMode="auto">
+          <a:xfrm>
+            <a:off x="3946296" y="3921363"/>
+            <a:ext cx="958917" cy="839788"/>
+            <a:chOff x="6598834" y="2590800"/>
+            <a:chExt cx="904027" cy="515901"/>
+          </a:xfrm>
+        </p:grpSpPr>
+        <p:pic>
+          <p:nvPicPr>
+            <p:cNvPr id="33" name="Picture 3" descr="C:\Users\jwan\AppData\Local\Microsoft\Windows\Temporary Internet Files\Content.IE5\11J3FAO3\MCSG00099_0000[1].wmf"/>
+            <p:cNvPicPr>
+              <a:picLocks noChangeAspect="1" noChangeArrowheads="1"/>
+            </p:cNvPicPr>
+            <p:nvPr/>
+          </p:nvPicPr>
+          <p:blipFill>
+            <a:blip r:embed="rId3"/>
+            <a:srcRect/>
+            <a:stretch>
+              <a:fillRect/>
+            </a:stretch>
+          </p:blipFill>
+          <p:spPr bwMode="auto">
+            <a:xfrm>
+              <a:off x="6629400" y="2590800"/>
+              <a:ext cx="838200" cy="502752"/>
+            </a:xfrm>
+            <a:prstGeom prst="rect">
+              <a:avLst/>
+            </a:prstGeom>
+            <a:noFill/>
+            <a:ln w="9525">
+              <a:noFill/>
+              <a:miter lim="800000"/>
+              <a:headEnd/>
+              <a:tailEnd/>
+            </a:ln>
+          </p:spPr>
+        </p:pic>
+        <p:sp>
+          <p:nvSpPr>
+            <p:cNvPr id="34" name="TextBox 50"/>
+            <p:cNvSpPr txBox="1">
+              <a:spLocks noChangeArrowheads="1"/>
+            </p:cNvSpPr>
+            <p:nvPr/>
+          </p:nvSpPr>
+          <p:spPr bwMode="auto">
+            <a:xfrm>
+              <a:off x="6598834" y="2596201"/>
+              <a:ext cx="904027" cy="510500"/>
+            </a:xfrm>
+            <a:prstGeom prst="rect">
+              <a:avLst/>
+            </a:prstGeom>
+            <a:noFill/>
+            <a:ln w="9525">
+              <a:noFill/>
+              <a:miter lim="800000"/>
+              <a:headEnd/>
+              <a:tailEnd/>
+            </a:ln>
+          </p:spPr>
+          <p:txBody>
+            <a:bodyPr wrap="none">
+              <a:spAutoFit/>
+            </a:bodyPr>
+            <a:lstStyle/>
+            <a:p>
+              <a:pPr algn="ctr"/>
+              <a:r>
+                <a:rPr lang="en-US" sz="1600" b="1" dirty="0">
+                  <a:solidFill>
+                    <a:srgbClr val="FF0000"/>
+                  </a:solidFill>
+                  <a:latin typeface="Calibri" pitchFamily="34" charset="0"/>
+                  <a:cs typeface="Calibri" pitchFamily="34" charset="0"/>
+                </a:rPr>
+                <a:t>A-H: </a:t>
+              </a:r>
+              <a:r>
+                <a:rPr lang="en-US" sz="1600" b="1" dirty="0" smtClean="0">
+                  <a:solidFill>
+                    <a:srgbClr val="FF0000"/>
+                  </a:solidFill>
+                  <a:latin typeface="Calibri" pitchFamily="34" charset="0"/>
+                  <a:cs typeface="Calibri" pitchFamily="34" charset="0"/>
+                </a:rPr>
+                <a:t>PS1</a:t>
+              </a:r>
+              <a:endParaRPr lang="en-US" sz="1600" b="1" dirty="0">
+                <a:solidFill>
+                  <a:srgbClr val="FF0000"/>
+                </a:solidFill>
+                <a:latin typeface="Calibri" pitchFamily="34" charset="0"/>
+                <a:cs typeface="Calibri" pitchFamily="34" charset="0"/>
+              </a:endParaRPr>
+            </a:p>
+            <a:p>
+              <a:pPr algn="ctr"/>
+              <a:r>
+                <a:rPr lang="en-US" sz="1600" b="1" dirty="0" smtClean="0">
+                  <a:solidFill>
+                    <a:srgbClr val="FF0000"/>
+                  </a:solidFill>
+                  <a:latin typeface="Calibri" pitchFamily="34" charset="0"/>
+                  <a:cs typeface="Calibri" pitchFamily="34" charset="0"/>
+                </a:rPr>
+                <a:t>H’-R: PS2</a:t>
+              </a:r>
+              <a:endParaRPr lang="en-US" sz="1600" b="1" dirty="0">
+                <a:solidFill>
+                  <a:srgbClr val="FF0000"/>
+                </a:solidFill>
+                <a:latin typeface="Calibri" pitchFamily="34" charset="0"/>
+                <a:cs typeface="Calibri" pitchFamily="34" charset="0"/>
+              </a:endParaRPr>
+            </a:p>
+            <a:p>
+              <a:pPr algn="ctr"/>
+              <a:r>
+                <a:rPr lang="en-US" sz="1600" b="1" dirty="0" smtClean="0">
+                  <a:solidFill>
+                    <a:srgbClr val="FF0000"/>
+                  </a:solidFill>
+                  <a:latin typeface="Calibri" pitchFamily="34" charset="0"/>
+                  <a:cs typeface="Calibri" pitchFamily="34" charset="0"/>
+                </a:rPr>
+                <a:t>R’-</a:t>
+              </a:r>
+              <a:r>
+                <a:rPr lang="en-US" sz="1600" b="1" dirty="0">
+                  <a:solidFill>
+                    <a:srgbClr val="FF0000"/>
+                  </a:solidFill>
+                  <a:latin typeface="Calibri" pitchFamily="34" charset="0"/>
+                  <a:cs typeface="Calibri" pitchFamily="34" charset="0"/>
+                </a:rPr>
+                <a:t>Z: </a:t>
+              </a:r>
+              <a:r>
+                <a:rPr lang="en-US" sz="1600" b="1" dirty="0" smtClean="0">
+                  <a:solidFill>
+                    <a:srgbClr val="FF0000"/>
+                  </a:solidFill>
+                  <a:latin typeface="Calibri" pitchFamily="34" charset="0"/>
+                  <a:cs typeface="Calibri" pitchFamily="34" charset="0"/>
+                </a:rPr>
+                <a:t>PS3</a:t>
+              </a:r>
+              <a:endParaRPr lang="en-US" b="1" dirty="0">
+                <a:solidFill>
+                  <a:srgbClr val="FF0000"/>
+                </a:solidFill>
+                <a:latin typeface="Calibri" pitchFamily="34" charset="0"/>
+                <a:cs typeface="Calibri" pitchFamily="34" charset="0"/>
+              </a:endParaRPr>
+            </a:p>
+          </p:txBody>
+        </p:sp>
+      </p:grpSp>
+      <p:grpSp>
+        <p:nvGrpSpPr>
+          <p:cNvPr id="5" name="Group 51"/>
+          <p:cNvGrpSpPr>
+            <a:grpSpLocks/>
+          </p:cNvGrpSpPr>
+          <p:nvPr/>
+        </p:nvGrpSpPr>
+        <p:grpSpPr bwMode="auto">
+          <a:xfrm>
+            <a:off x="7860539" y="1802411"/>
+            <a:ext cx="1056701" cy="960148"/>
+            <a:chOff x="6623840" y="2590800"/>
+            <a:chExt cx="854030" cy="502752"/>
+          </a:xfrm>
+        </p:grpSpPr>
+        <p:pic>
+          <p:nvPicPr>
+            <p:cNvPr id="38" name="Picture 3" descr="C:\Users\jwan\AppData\Local\Microsoft\Windows\Temporary Internet Files\Content.IE5\11J3FAO3\MCSG00099_0000[1].wmf"/>
+            <p:cNvPicPr>
+              <a:picLocks noChangeAspect="1" noChangeArrowheads="1"/>
+            </p:cNvPicPr>
+            <p:nvPr/>
+          </p:nvPicPr>
+          <p:blipFill>
+            <a:blip r:embed="rId3"/>
+            <a:srcRect/>
+            <a:stretch>
+              <a:fillRect/>
+            </a:stretch>
+          </p:blipFill>
+          <p:spPr bwMode="auto">
+            <a:xfrm>
+              <a:off x="6629400" y="2590800"/>
+              <a:ext cx="838200" cy="502752"/>
+            </a:xfrm>
+            <a:prstGeom prst="rect">
+              <a:avLst/>
+            </a:prstGeom>
+            <a:noFill/>
+            <a:ln w="9525">
+              <a:noFill/>
+              <a:miter lim="800000"/>
+              <a:headEnd/>
+              <a:tailEnd/>
+            </a:ln>
+          </p:spPr>
+        </p:pic>
+        <p:sp>
+          <p:nvSpPr>
+            <p:cNvPr id="39" name="TextBox 50"/>
+            <p:cNvSpPr txBox="1">
+              <a:spLocks noChangeArrowheads="1"/>
+            </p:cNvSpPr>
+            <p:nvPr/>
+          </p:nvSpPr>
+          <p:spPr bwMode="auto">
+            <a:xfrm>
+              <a:off x="6623840" y="2610079"/>
+              <a:ext cx="854030" cy="483473"/>
+            </a:xfrm>
+            <a:prstGeom prst="rect">
+              <a:avLst/>
+            </a:prstGeom>
+            <a:noFill/>
+            <a:ln w="9525">
+              <a:noFill/>
+              <a:miter lim="800000"/>
+              <a:headEnd/>
+              <a:tailEnd/>
+            </a:ln>
+          </p:spPr>
+          <p:txBody>
+            <a:bodyPr wrap="none" anchor="ctr">
+              <a:spAutoFit/>
+            </a:bodyPr>
+            <a:lstStyle/>
+            <a:p>
+              <a:pPr algn="ctr"/>
+              <a:r>
+                <a:rPr lang="en-US" b="1" dirty="0">
+                  <a:solidFill>
+                    <a:srgbClr val="FF0000"/>
+                  </a:solidFill>
+                  <a:latin typeface="Calibri" pitchFamily="34" charset="0"/>
+                  <a:cs typeface="Calibri" pitchFamily="34" charset="0"/>
+                </a:rPr>
+                <a:t>A-H: </a:t>
+              </a:r>
+              <a:r>
+                <a:rPr lang="en-US" b="1" dirty="0" smtClean="0">
+                  <a:solidFill>
+                    <a:srgbClr val="FF0000"/>
+                  </a:solidFill>
+                  <a:latin typeface="Calibri" pitchFamily="34" charset="0"/>
+                  <a:cs typeface="Calibri" pitchFamily="34" charset="0"/>
+                </a:rPr>
+                <a:t>PS1</a:t>
+              </a:r>
+              <a:endParaRPr lang="en-US" b="1" dirty="0">
+                <a:solidFill>
+                  <a:srgbClr val="FF0000"/>
+                </a:solidFill>
+                <a:latin typeface="Calibri" pitchFamily="34" charset="0"/>
+                <a:cs typeface="Calibri" pitchFamily="34" charset="0"/>
+              </a:endParaRPr>
+            </a:p>
+            <a:p>
+              <a:pPr algn="ctr"/>
+              <a:r>
+                <a:rPr lang="en-US" b="1" dirty="0" smtClean="0">
+                  <a:solidFill>
+                    <a:srgbClr val="FF0000"/>
+                  </a:solidFill>
+                  <a:latin typeface="Calibri" pitchFamily="34" charset="0"/>
+                  <a:cs typeface="Calibri" pitchFamily="34" charset="0"/>
+                </a:rPr>
+                <a:t>H’-R: PS2</a:t>
+              </a:r>
+              <a:endParaRPr lang="en-US" b="1" dirty="0">
+                <a:solidFill>
+                  <a:srgbClr val="FF0000"/>
+                </a:solidFill>
+                <a:latin typeface="Calibri" pitchFamily="34" charset="0"/>
+                <a:cs typeface="Calibri" pitchFamily="34" charset="0"/>
+              </a:endParaRPr>
+            </a:p>
+            <a:p>
+              <a:pPr algn="ctr"/>
+              <a:r>
+                <a:rPr lang="en-US" b="1" dirty="0" smtClean="0">
+                  <a:solidFill>
+                    <a:srgbClr val="FF0000"/>
+                  </a:solidFill>
+                  <a:latin typeface="Calibri" pitchFamily="34" charset="0"/>
+                  <a:cs typeface="Calibri" pitchFamily="34" charset="0"/>
+                </a:rPr>
+                <a:t>R’-</a:t>
+              </a:r>
+              <a:r>
+                <a:rPr lang="en-US" b="1" dirty="0">
+                  <a:solidFill>
+                    <a:srgbClr val="FF0000"/>
+                  </a:solidFill>
+                  <a:latin typeface="Calibri" pitchFamily="34" charset="0"/>
+                  <a:cs typeface="Calibri" pitchFamily="34" charset="0"/>
+                </a:rPr>
+                <a:t>Z: </a:t>
+              </a:r>
+              <a:r>
+                <a:rPr lang="en-US" b="1" dirty="0" smtClean="0">
+                  <a:solidFill>
+                    <a:srgbClr val="FF0000"/>
+                  </a:solidFill>
+                  <a:latin typeface="Calibri" pitchFamily="34" charset="0"/>
+                  <a:cs typeface="Calibri" pitchFamily="34" charset="0"/>
+                </a:rPr>
+                <a:t>PS3</a:t>
+              </a:r>
+              <a:endParaRPr lang="en-US" sz="2000" b="1" dirty="0">
+                <a:solidFill>
+                  <a:srgbClr val="FF0000"/>
+                </a:solidFill>
+                <a:latin typeface="Calibri" pitchFamily="34" charset="0"/>
+                <a:cs typeface="Calibri" pitchFamily="34" charset="0"/>
+              </a:endParaRPr>
+            </a:p>
+          </p:txBody>
+        </p:sp>
+      </p:grpSp>
+      <p:cxnSp>
+        <p:nvCxnSpPr>
+          <p:cNvPr id="41" name="Straight Arrow Connector 40"/>
+          <p:cNvCxnSpPr>
+            <a:endCxn id="43" idx="1"/>
+          </p:cNvCxnSpPr>
+          <p:nvPr/>
+        </p:nvCxnSpPr>
+        <p:spPr bwMode="auto">
+          <a:xfrm flipV="1">
+            <a:off x="4916180" y="3258890"/>
+            <a:ext cx="1634279" cy="808032"/>
+          </a:xfrm>
+          <a:prstGeom prst="straightConnector1">
+            <a:avLst/>
+          </a:prstGeom>
+          <a:solidFill>
+            <a:srgbClr val="FFCC99"/>
+          </a:solidFill>
+          <a:ln w="50800" cap="flat" cmpd="sng" algn="ctr">
+            <a:solidFill>
+              <a:schemeClr val="accent2">
+                <a:lumMod val="75000"/>
+              </a:schemeClr>
+            </a:solidFill>
+            <a:prstDash val="solid"/>
+            <a:round/>
+            <a:headEnd type="none" w="med" len="med"/>
+            <a:tailEnd type="arrow"/>
+          </a:ln>
+          <a:effectLst/>
+        </p:spPr>
+      </p:cxnSp>
+      <p:sp>
+        <p:nvSpPr>
+          <p:cNvPr id="44" name="TextBox 43"/>
+          <p:cNvSpPr txBox="1"/>
+          <p:nvPr/>
+        </p:nvSpPr>
+        <p:spPr>
+          <a:xfrm>
+            <a:off x="3862455" y="4841826"/>
+            <a:ext cx="813259" cy="830997"/>
+          </a:xfrm>
+          <a:prstGeom prst="rect">
+            <a:avLst/>
+          </a:prstGeom>
+          <a:noFill/>
+        </p:spPr>
+        <p:txBody>
+          <a:bodyPr wrap="square" rtlCol="0">
+            <a:spAutoFit/>
+          </a:bodyPr>
+          <a:lstStyle/>
+          <a:p>
+            <a:pPr algn="ctr"/>
+            <a:r>
+              <a:rPr lang="en-US" sz="1600" b="1" dirty="0" smtClean="0">
+                <a:solidFill>
+                  <a:schemeClr val="accent2">
+                    <a:lumMod val="50000"/>
+                  </a:schemeClr>
+                </a:solidFill>
+              </a:rPr>
+              <a:t>Partition</a:t>
+            </a:r>
+          </a:p>
+          <a:p>
+            <a:pPr algn="ctr"/>
+            <a:r>
+              <a:rPr lang="en-US" sz="1600" b="1" dirty="0" smtClean="0">
+                <a:solidFill>
+                  <a:schemeClr val="accent2">
+                    <a:lumMod val="50000"/>
+                  </a:schemeClr>
+                </a:solidFill>
+              </a:rPr>
+              <a:t>Map</a:t>
+            </a:r>
+            <a:endParaRPr lang="en-US" sz="1600" b="1" dirty="0">
+              <a:solidFill>
+                <a:schemeClr val="accent2">
+                  <a:lumMod val="50000"/>
+                </a:schemeClr>
+              </a:solidFill>
+            </a:endParaRPr>
+          </a:p>
+        </p:txBody>
+      </p:sp>
+      <p:sp>
+        <p:nvSpPr>
+          <p:cNvPr id="47" name="TextBox 33"/>
+          <p:cNvSpPr txBox="1">
+            <a:spLocks noChangeArrowheads="1"/>
+          </p:cNvSpPr>
+          <p:nvPr/>
+        </p:nvSpPr>
+        <p:spPr bwMode="auto">
+          <a:xfrm>
+            <a:off x="3508754" y="1077981"/>
+            <a:ext cx="1979081" cy="338555"/>
+          </a:xfrm>
+          <a:prstGeom prst="rect">
+            <a:avLst/>
+          </a:prstGeom>
+          <a:noFill/>
+          <a:ln w="9525">
+            <a:noFill/>
+            <a:miter lim="800000"/>
+            <a:headEnd/>
+            <a:tailEnd/>
+          </a:ln>
+        </p:spPr>
+        <p:txBody>
+          <a:bodyPr wrap="square">
+            <a:spAutoFit/>
+          </a:bodyPr>
+          <a:lstStyle/>
+          <a:p>
+            <a:r>
+              <a:rPr lang="en-US" sz="1600" b="1" dirty="0" smtClean="0">
+                <a:latin typeface="Segoe UI" pitchFamily="34" charset="0"/>
+                <a:ea typeface="Segoe UI" pitchFamily="34" charset="0"/>
+                <a:cs typeface="Segoe UI" pitchFamily="34" charset="0"/>
+              </a:rPr>
+              <a:t>Blob Index </a:t>
+            </a:r>
+            <a:endParaRPr lang="en-US" sz="1600" b="1" dirty="0">
+              <a:latin typeface="Segoe UI" pitchFamily="34" charset="0"/>
+              <a:ea typeface="Segoe UI" pitchFamily="34" charset="0"/>
+              <a:cs typeface="Segoe UI" pitchFamily="34" charset="0"/>
+            </a:endParaRPr>
+          </a:p>
+        </p:txBody>
+      </p:sp>
+      <p:sp>
+        <p:nvSpPr>
+          <p:cNvPr id="48" name="Rounded Rectangle 47"/>
+          <p:cNvSpPr>
+            <a:spLocks noChangeArrowheads="1"/>
+          </p:cNvSpPr>
+          <p:nvPr/>
+        </p:nvSpPr>
+        <p:spPr bwMode="auto">
+          <a:xfrm>
+            <a:off x="4094095" y="3976199"/>
+            <a:ext cx="692067" cy="245620"/>
+          </a:xfrm>
+          <a:prstGeom prst="roundRect">
+            <a:avLst>
+              <a:gd name="adj" fmla="val 16667"/>
+            </a:avLst>
+          </a:prstGeom>
+          <a:noFill/>
+          <a:ln w="25400" algn="ctr">
+            <a:solidFill>
+              <a:srgbClr val="FF0000"/>
+            </a:solidFill>
+            <a:round/>
+            <a:headEnd/>
+            <a:tailEnd/>
+          </a:ln>
+        </p:spPr>
+        <p:txBody>
+          <a:bodyPr wrap="none"/>
+          <a:lstStyle/>
+          <a:p>
+            <a:endParaRPr lang="en-US" dirty="0"/>
+          </a:p>
+        </p:txBody>
+      </p:sp>
+      <p:sp>
+        <p:nvSpPr>
+          <p:cNvPr id="50" name="TextBox 49"/>
+          <p:cNvSpPr txBox="1"/>
+          <p:nvPr/>
+        </p:nvSpPr>
+        <p:spPr>
+          <a:xfrm>
+            <a:off x="8222100" y="2728794"/>
+            <a:ext cx="778207" cy="738664"/>
+          </a:xfrm>
+          <a:prstGeom prst="rect">
+            <a:avLst/>
+          </a:prstGeom>
+          <a:noFill/>
+        </p:spPr>
+        <p:txBody>
+          <a:bodyPr wrap="square" rtlCol="0">
+            <a:spAutoFit/>
+          </a:bodyPr>
+          <a:lstStyle/>
+          <a:p>
+            <a:pPr algn="ctr"/>
+            <a:r>
+              <a:rPr lang="en-US" sz="1400" b="1" dirty="0" smtClean="0">
+                <a:solidFill>
+                  <a:schemeClr val="accent2">
+                    <a:lumMod val="75000"/>
+                  </a:schemeClr>
+                </a:solidFill>
+                <a:latin typeface="Segoe UI" pitchFamily="34" charset="0"/>
+                <a:ea typeface="Segoe UI" pitchFamily="34" charset="0"/>
+                <a:cs typeface="Segoe UI" pitchFamily="34" charset="0"/>
+              </a:rPr>
+              <a:t>Partition Map</a:t>
+            </a:r>
+            <a:endParaRPr lang="en-US" sz="1400" b="1" dirty="0">
+              <a:solidFill>
+                <a:schemeClr val="accent2">
+                  <a:lumMod val="75000"/>
+                </a:schemeClr>
+              </a:solidFill>
+              <a:latin typeface="Segoe UI" pitchFamily="34" charset="0"/>
+              <a:ea typeface="Segoe UI" pitchFamily="34" charset="0"/>
+              <a:cs typeface="Segoe UI" pitchFamily="34" charset="0"/>
+            </a:endParaRPr>
+          </a:p>
+        </p:txBody>
+      </p:sp>
+      <p:sp>
+        <p:nvSpPr>
+          <p:cNvPr id="3" name="Freeform 2"/>
+          <p:cNvSpPr/>
+          <p:nvPr/>
+        </p:nvSpPr>
+        <p:spPr>
+          <a:xfrm>
+            <a:off x="3560053" y="3158413"/>
+            <a:ext cx="1807825" cy="243961"/>
+          </a:xfrm>
+          <a:custGeom>
+            <a:avLst/>
+            <a:gdLst>
+              <a:gd name="connsiteX0" fmla="*/ 0 w 1698172"/>
+              <a:gd name="connsiteY0" fmla="*/ 144709 h 313699"/>
+              <a:gd name="connsiteX1" fmla="*/ 548640 w 1698172"/>
+              <a:gd name="connsiteY1" fmla="*/ 5372 h 313699"/>
+              <a:gd name="connsiteX2" fmla="*/ 1175657 w 1698172"/>
+              <a:gd name="connsiteY2" fmla="*/ 310172 h 313699"/>
+              <a:gd name="connsiteX3" fmla="*/ 1698172 w 1698172"/>
+              <a:gd name="connsiteY3" fmla="*/ 179543 h 313699"/>
+            </a:gdLst>
+            <a:ahLst/>
+            <a:cxnLst>
+              <a:cxn ang="0">
+                <a:pos x="connsiteX0" y="connsiteY0"/>
+              </a:cxn>
+              <a:cxn ang="0">
+                <a:pos x="connsiteX1" y="connsiteY1"/>
+              </a:cxn>
+              <a:cxn ang="0">
+                <a:pos x="connsiteX2" y="connsiteY2"/>
+              </a:cxn>
+              <a:cxn ang="0">
+                <a:pos x="connsiteX3" y="connsiteY3"/>
+              </a:cxn>
+            </a:cxnLst>
+            <a:rect l="l" t="t" r="r" b="b"/>
+            <a:pathLst>
+              <a:path w="1698172" h="313699">
+                <a:moveTo>
+                  <a:pt x="0" y="144709"/>
+                </a:moveTo>
+                <a:cubicBezTo>
+                  <a:pt x="176348" y="61252"/>
+                  <a:pt x="352697" y="-22205"/>
+                  <a:pt x="548640" y="5372"/>
+                </a:cubicBezTo>
+                <a:cubicBezTo>
+                  <a:pt x="744583" y="32949"/>
+                  <a:pt x="984068" y="281143"/>
+                  <a:pt x="1175657" y="310172"/>
+                </a:cubicBezTo>
+                <a:cubicBezTo>
+                  <a:pt x="1367246" y="339201"/>
+                  <a:pt x="1698172" y="179543"/>
+                  <a:pt x="1698172" y="179543"/>
+                </a:cubicBezTo>
+              </a:path>
+            </a:pathLst>
+          </a:custGeom>
+          <a:ln w="38100">
+            <a:solidFill>
+              <a:schemeClr val="accent2">
+                <a:lumMod val="50000"/>
+              </a:schemeClr>
+            </a:solidFill>
+          </a:ln>
+        </p:spPr>
+        <p:style>
+          <a:lnRef idx="1">
+            <a:schemeClr val="accent1"/>
+          </a:lnRef>
+          <a:fillRef idx="0">
+            <a:schemeClr val="accent1"/>
+          </a:fillRef>
+          <a:effectRef idx="0">
+            <a:schemeClr val="accent1"/>
+          </a:effectRef>
+          <a:fontRef idx="minor">
+            <a:schemeClr val="tx1"/>
+          </a:fontRef>
+        </p:style>
+        <p:txBody>
+          <a:bodyPr rtlCol="0" anchor="ctr"/>
+          <a:lstStyle/>
+          <a:p>
+            <a:pPr algn="ctr"/>
+            <a:endParaRPr lang="en-US"/>
+          </a:p>
+        </p:txBody>
+      </p:sp>
+      <p:sp>
+        <p:nvSpPr>
+          <p:cNvPr id="57" name="Freeform 56"/>
+          <p:cNvSpPr/>
+          <p:nvPr/>
+        </p:nvSpPr>
+        <p:spPr>
+          <a:xfrm>
+            <a:off x="3569848" y="4425565"/>
+            <a:ext cx="1798030" cy="243961"/>
+          </a:xfrm>
+          <a:custGeom>
+            <a:avLst/>
+            <a:gdLst>
+              <a:gd name="connsiteX0" fmla="*/ 0 w 1698172"/>
+              <a:gd name="connsiteY0" fmla="*/ 144709 h 313699"/>
+              <a:gd name="connsiteX1" fmla="*/ 548640 w 1698172"/>
+              <a:gd name="connsiteY1" fmla="*/ 5372 h 313699"/>
+              <a:gd name="connsiteX2" fmla="*/ 1175657 w 1698172"/>
+              <a:gd name="connsiteY2" fmla="*/ 310172 h 313699"/>
+              <a:gd name="connsiteX3" fmla="*/ 1698172 w 1698172"/>
+              <a:gd name="connsiteY3" fmla="*/ 179543 h 313699"/>
+            </a:gdLst>
+            <a:ahLst/>
+            <a:cxnLst>
+              <a:cxn ang="0">
+                <a:pos x="connsiteX0" y="connsiteY0"/>
+              </a:cxn>
+              <a:cxn ang="0">
+                <a:pos x="connsiteX1" y="connsiteY1"/>
+              </a:cxn>
+              <a:cxn ang="0">
+                <a:pos x="connsiteX2" y="connsiteY2"/>
+              </a:cxn>
+              <a:cxn ang="0">
+                <a:pos x="connsiteX3" y="connsiteY3"/>
+              </a:cxn>
+            </a:cxnLst>
+            <a:rect l="l" t="t" r="r" b="b"/>
+            <a:pathLst>
+              <a:path w="1698172" h="313699">
+                <a:moveTo>
+                  <a:pt x="0" y="144709"/>
+                </a:moveTo>
+                <a:cubicBezTo>
+                  <a:pt x="176348" y="61252"/>
+                  <a:pt x="352697" y="-22205"/>
+                  <a:pt x="548640" y="5372"/>
+                </a:cubicBezTo>
+                <a:cubicBezTo>
+                  <a:pt x="744583" y="32949"/>
+                  <a:pt x="984068" y="281143"/>
+                  <a:pt x="1175657" y="310172"/>
+                </a:cubicBezTo>
+                <a:cubicBezTo>
+                  <a:pt x="1367246" y="339201"/>
+                  <a:pt x="1698172" y="179543"/>
+                  <a:pt x="1698172" y="179543"/>
+                </a:cubicBezTo>
+              </a:path>
+            </a:pathLst>
+          </a:custGeom>
+          <a:ln w="38100">
+            <a:solidFill>
+              <a:schemeClr val="accent2">
+                <a:lumMod val="50000"/>
+              </a:schemeClr>
+            </a:solidFill>
+          </a:ln>
+        </p:spPr>
+        <p:style>
+          <a:lnRef idx="1">
+            <a:schemeClr val="accent1"/>
+          </a:lnRef>
+          <a:fillRef idx="0">
+            <a:schemeClr val="accent1"/>
+          </a:fillRef>
+          <a:effectRef idx="0">
+            <a:schemeClr val="accent1"/>
+          </a:effectRef>
+          <a:fontRef idx="minor">
+            <a:schemeClr val="tx1"/>
+          </a:fontRef>
+        </p:style>
+        <p:txBody>
+          <a:bodyPr rtlCol="0" anchor="ctr"/>
+          <a:lstStyle/>
+          <a:p>
+            <a:pPr algn="ctr"/>
+            <a:endParaRPr lang="en-US"/>
+          </a:p>
+        </p:txBody>
+      </p:sp>
+      <p:graphicFrame>
+        <p:nvGraphicFramePr>
+          <p:cNvPr id="54" name="Table 53"/>
+          <p:cNvGraphicFramePr>
+            <a:graphicFrameLocks noGrp="1"/>
+          </p:cNvGraphicFramePr>
+          <p:nvPr>
+            <p:extLst>
+              <p:ext uri="{D42A27DB-BD31-4B8C-83A1-F6EECF244321}">
+                <p14:modId xmlns:p14="http://schemas.microsoft.com/office/powerpoint/2010/main" val="283430010"/>
+              </p:ext>
+            </p:extLst>
+          </p:nvPr>
+        </p:nvGraphicFramePr>
+        <p:xfrm>
+          <a:off x="3550248" y="1481064"/>
+          <a:ext cx="1794097" cy="2116172"/>
+        </p:xfrm>
+        <a:graphic>
+          <a:graphicData uri="http://schemas.openxmlformats.org/drawingml/2006/table">
+            <a:tbl>
+              <a:tblPr firstRow="1">
+                <a:effectLst>
+                  <a:innerShdw blurRad="63500" dist="50800" dir="8100000">
+                    <a:prstClr val="black">
+                      <a:alpha val="50000"/>
+                    </a:prstClr>
+                  </a:innerShdw>
+                </a:effectLst>
+                <a:tableStyleId>{284E427A-3D55-4303-BF80-6455036E1DE7}</a:tableStyleId>
+              </a:tblPr>
+              <a:tblGrid>
+                <a:gridCol w="583564"/>
+                <a:gridCol w="631792"/>
+                <a:gridCol w="578741"/>
+              </a:tblGrid>
+              <a:tr h="399755">
+                <a:tc>
+                  <a:txBody>
+                    <a:bodyPr/>
+                    <a:lstStyle/>
+                    <a:p>
+                      <a:pPr algn="ctr"/>
+                      <a:r>
+                        <a:rPr lang="en-US" sz="1200" dirty="0" smtClean="0">
+                          <a:solidFill>
+                            <a:srgbClr val="FFFF00"/>
+                          </a:solidFill>
+                          <a:latin typeface="Calibri" pitchFamily="34" charset="0"/>
+                          <a:cs typeface="Calibri" pitchFamily="34" charset="0"/>
+                        </a:rPr>
+                        <a:t>Account</a:t>
+                      </a:r>
+                      <a:br>
+                        <a:rPr lang="en-US" sz="1200" dirty="0" smtClean="0">
+                          <a:solidFill>
+                            <a:srgbClr val="FFFF00"/>
+                          </a:solidFill>
+                          <a:latin typeface="Calibri" pitchFamily="34" charset="0"/>
+                          <a:cs typeface="Calibri" pitchFamily="34" charset="0"/>
+                        </a:rPr>
+                      </a:br>
+                      <a:r>
+                        <a:rPr lang="en-US" sz="1200" dirty="0" smtClean="0">
+                          <a:solidFill>
+                            <a:srgbClr val="FFFF00"/>
+                          </a:solidFill>
+                          <a:latin typeface="Calibri" pitchFamily="34" charset="0"/>
+                          <a:cs typeface="Calibri" pitchFamily="34" charset="0"/>
+                        </a:rPr>
+                        <a:t>Name</a:t>
+                      </a:r>
+                      <a:endParaRPr lang="en-US" sz="1200" b="1" dirty="0">
+                        <a:solidFill>
+                          <a:srgbClr val="FFFF00"/>
+                        </a:solidFill>
+                        <a:latin typeface="Calibri" pitchFamily="34" charset="0"/>
+                        <a:cs typeface="Calibri" pitchFamily="34" charset="0"/>
+                      </a:endParaRPr>
+                    </a:p>
+                  </a:txBody>
+                  <a:tcPr marL="68598" marR="68598">
+                    <a:lnR w="28575" cap="flat" cmpd="sng" algn="ctr">
+                      <a:solidFill>
+                        <a:srgbClr val="FFFFFF"/>
+                      </a:solidFill>
+                      <a:prstDash val="solid"/>
+                      <a:round/>
+                      <a:headEnd type="none" w="med" len="med"/>
+                      <a:tailEnd type="none" w="med" len="med"/>
+                    </a:lnR>
+                    <a:lnB w="28575" cap="flat" cmpd="sng" algn="ctr">
+                      <a:solidFill>
+                        <a:srgbClr val="FFFFFF"/>
+                      </a:solidFill>
+                      <a:prstDash val="solid"/>
+                      <a:round/>
+                      <a:headEnd type="none" w="med" len="med"/>
+                      <a:tailEnd type="none" w="med" len="med"/>
+                    </a:lnB>
+                    <a:solidFill>
+                      <a:schemeClr val="accent2">
+                        <a:lumMod val="75000"/>
+                      </a:schemeClr>
+                    </a:solidFill>
+                  </a:tcPr>
+                </a:tc>
+                <a:tc>
+                  <a:txBody>
+                    <a:bodyPr/>
+                    <a:lstStyle/>
+                    <a:p>
+                      <a:pPr algn="ctr"/>
+                      <a:r>
+                        <a:rPr lang="en-US" sz="1200" dirty="0" smtClean="0">
+                          <a:solidFill>
+                            <a:srgbClr val="FFFF00"/>
+                          </a:solidFill>
+                          <a:latin typeface="Calibri" pitchFamily="34" charset="0"/>
+                          <a:cs typeface="Calibri" pitchFamily="34" charset="0"/>
+                        </a:rPr>
+                        <a:t>Container</a:t>
+                      </a:r>
+                      <a:br>
+                        <a:rPr lang="en-US" sz="1200" dirty="0" smtClean="0">
+                          <a:solidFill>
+                            <a:srgbClr val="FFFF00"/>
+                          </a:solidFill>
+                          <a:latin typeface="Calibri" pitchFamily="34" charset="0"/>
+                          <a:cs typeface="Calibri" pitchFamily="34" charset="0"/>
+                        </a:rPr>
+                      </a:br>
+                      <a:r>
+                        <a:rPr lang="en-US" sz="1200" dirty="0" smtClean="0">
+                          <a:solidFill>
+                            <a:srgbClr val="FFFF00"/>
+                          </a:solidFill>
+                          <a:latin typeface="Calibri" pitchFamily="34" charset="0"/>
+                          <a:cs typeface="Calibri" pitchFamily="34" charset="0"/>
+                        </a:rPr>
+                        <a:t>Name</a:t>
+                      </a:r>
+                      <a:endParaRPr lang="en-US" sz="1200" b="1" dirty="0">
+                        <a:solidFill>
+                          <a:srgbClr val="FFFF00"/>
+                        </a:solidFill>
+                        <a:latin typeface="Calibri" pitchFamily="34" charset="0"/>
+                        <a:cs typeface="Calibri" pitchFamily="34" charset="0"/>
+                      </a:endParaRPr>
+                    </a:p>
+                  </a:txBody>
+                  <a:tcPr marL="68598" marR="68598">
+                    <a:lnL w="28575" cap="flat" cmpd="sng" algn="ctr">
+                      <a:solidFill>
+                        <a:srgbClr val="FFFFFF"/>
+                      </a:solidFill>
+                      <a:prstDash val="solid"/>
+                      <a:round/>
+                      <a:headEnd type="none" w="med" len="med"/>
+                      <a:tailEnd type="none" w="med" len="med"/>
+                    </a:lnL>
+                    <a:lnR w="28575" cap="flat" cmpd="sng" algn="ctr">
+                      <a:solidFill>
+                        <a:srgbClr val="FFFFFF"/>
+                      </a:solidFill>
+                      <a:prstDash val="solid"/>
+                      <a:round/>
+                      <a:headEnd type="none" w="med" len="med"/>
+                      <a:tailEnd type="none" w="med" len="med"/>
+                    </a:lnR>
+                    <a:lnB w="28575" cap="flat" cmpd="sng" algn="ctr">
+                      <a:solidFill>
+                        <a:srgbClr val="FFFFFF"/>
+                      </a:solidFill>
+                      <a:prstDash val="solid"/>
+                      <a:round/>
+                      <a:headEnd type="none" w="med" len="med"/>
+                      <a:tailEnd type="none" w="med" len="med"/>
+                    </a:lnB>
+                    <a:solidFill>
+                      <a:schemeClr val="accent2">
+                        <a:lumMod val="75000"/>
+                      </a:schemeClr>
+                    </a:solidFill>
+                  </a:tcPr>
+                </a:tc>
+                <a:tc>
+                  <a:txBody>
+                    <a:bodyPr/>
+                    <a:lstStyle/>
+                    <a:p>
+                      <a:pPr marL="0" marR="0" indent="0" algn="ctr" defTabSz="914363" rtl="0" eaLnBrk="1" fontAlgn="auto" latinLnBrk="0" hangingPunct="1">
+                        <a:lnSpc>
+                          <a:spcPct val="100000"/>
+                        </a:lnSpc>
+                        <a:spcBef>
+                          <a:spcPts val="0"/>
+                        </a:spcBef>
+                        <a:spcAft>
+                          <a:spcPts val="0"/>
+                        </a:spcAft>
+                        <a:buClrTx/>
+                        <a:buSzTx/>
+                        <a:buFontTx/>
+                        <a:buNone/>
+                        <a:tabLst/>
+                        <a:defRPr/>
+                      </a:pPr>
+                      <a:r>
+                        <a:rPr lang="en-US" sz="1200" dirty="0" smtClean="0">
+                          <a:solidFill>
+                            <a:srgbClr val="FFFF00"/>
+                          </a:solidFill>
+                          <a:latin typeface="Calibri" pitchFamily="34" charset="0"/>
+                          <a:cs typeface="Calibri" pitchFamily="34" charset="0"/>
+                        </a:rPr>
+                        <a:t>Blob</a:t>
+                      </a:r>
+                      <a:br>
+                        <a:rPr lang="en-US" sz="1200" dirty="0" smtClean="0">
+                          <a:solidFill>
+                            <a:srgbClr val="FFFF00"/>
+                          </a:solidFill>
+                          <a:latin typeface="Calibri" pitchFamily="34" charset="0"/>
+                          <a:cs typeface="Calibri" pitchFamily="34" charset="0"/>
+                        </a:rPr>
+                      </a:br>
+                      <a:r>
+                        <a:rPr lang="en-US" sz="1200" dirty="0" smtClean="0">
+                          <a:solidFill>
+                            <a:srgbClr val="FFFF00"/>
+                          </a:solidFill>
+                          <a:latin typeface="Calibri" pitchFamily="34" charset="0"/>
+                          <a:cs typeface="Calibri" pitchFamily="34" charset="0"/>
+                        </a:rPr>
+                        <a:t>Name</a:t>
+                      </a:r>
+                      <a:endParaRPr lang="en-US" sz="1200" b="1" dirty="0" smtClean="0">
+                        <a:solidFill>
+                          <a:srgbClr val="FFFF00"/>
+                        </a:solidFill>
+                        <a:latin typeface="Calibri" pitchFamily="34" charset="0"/>
+                        <a:cs typeface="Calibri" pitchFamily="34" charset="0"/>
+                      </a:endParaRPr>
+                    </a:p>
+                  </a:txBody>
+                  <a:tcPr marL="68598" marR="68598">
+                    <a:lnL w="28575" cap="flat" cmpd="sng" algn="ctr">
+                      <a:solidFill>
+                        <a:srgbClr val="FFFFFF"/>
+                      </a:solidFill>
+                      <a:prstDash val="solid"/>
+                      <a:round/>
+                      <a:headEnd type="none" w="med" len="med"/>
+                      <a:tailEnd type="none" w="med" len="med"/>
+                    </a:lnL>
+                    <a:lnB w="28575" cap="flat" cmpd="sng" algn="ctr">
+                      <a:solidFill>
+                        <a:srgbClr val="FFFFFF"/>
+                      </a:solidFill>
+                      <a:prstDash val="solid"/>
+                      <a:round/>
+                      <a:headEnd type="none" w="med" len="med"/>
+                      <a:tailEnd type="none" w="med" len="med"/>
+                    </a:lnB>
+                    <a:solidFill>
+                      <a:schemeClr val="accent2">
+                        <a:lumMod val="75000"/>
+                      </a:schemeClr>
+                    </a:solidFill>
+                  </a:tcPr>
+                </a:tc>
+              </a:tr>
+              <a:tr h="352374">
+                <a:tc>
+                  <a:txBody>
+                    <a:bodyPr/>
+                    <a:lstStyle/>
+                    <a:p>
+                      <a:pPr algn="ctr"/>
+                      <a:r>
+                        <a:rPr lang="en-US" sz="1200" b="1" dirty="0" err="1" smtClean="0">
+                          <a:latin typeface="Calibri" pitchFamily="34" charset="0"/>
+                          <a:cs typeface="Calibri" pitchFamily="34" charset="0"/>
+                        </a:rPr>
+                        <a:t>aaaa</a:t>
+                      </a:r>
+                      <a:endParaRPr lang="en-US" sz="1200" b="1" dirty="0">
+                        <a:latin typeface="Calibri" pitchFamily="34" charset="0"/>
+                        <a:cs typeface="Calibri" pitchFamily="34" charset="0"/>
+                      </a:endParaRPr>
+                    </a:p>
+                  </a:txBody>
+                  <a:tcPr marL="68598" marR="68598">
+                    <a:lnT w="28575" cap="flat" cmpd="sng" algn="ctr">
+                      <a:solidFill>
+                        <a:srgbClr val="FFFFFF"/>
+                      </a:solidFill>
+                      <a:prstDash val="solid"/>
+                      <a:round/>
+                      <a:headEnd type="none" w="med" len="med"/>
+                      <a:tailEnd type="none" w="med" len="med"/>
+                    </a:lnT>
+                  </a:tcPr>
+                </a:tc>
+                <a:tc>
+                  <a:txBody>
+                    <a:bodyPr/>
+                    <a:lstStyle/>
+                    <a:p>
+                      <a:pPr algn="ctr"/>
+                      <a:r>
+                        <a:rPr lang="en-US" sz="1200" b="1" dirty="0" err="1" smtClean="0">
+                          <a:latin typeface="Calibri" pitchFamily="34" charset="0"/>
+                          <a:cs typeface="Calibri" pitchFamily="34" charset="0"/>
+                        </a:rPr>
+                        <a:t>aaaa</a:t>
+                      </a:r>
+                      <a:endParaRPr lang="en-US" sz="1200" b="1" dirty="0">
+                        <a:latin typeface="Calibri" pitchFamily="34" charset="0"/>
+                        <a:cs typeface="Calibri" pitchFamily="34" charset="0"/>
+                      </a:endParaRPr>
+                    </a:p>
+                  </a:txBody>
+                  <a:tcPr marL="68598" marR="68598">
+                    <a:lnT w="28575" cap="flat" cmpd="sng" algn="ctr">
+                      <a:solidFill>
+                        <a:srgbClr val="FFFFFF"/>
+                      </a:solidFill>
+                      <a:prstDash val="solid"/>
+                      <a:round/>
+                      <a:headEnd type="none" w="med" len="med"/>
+                      <a:tailEnd type="none" w="med" len="med"/>
+                    </a:lnT>
+                  </a:tcPr>
+                </a:tc>
+                <a:tc>
+                  <a:txBody>
+                    <a:bodyPr/>
+                    <a:lstStyle/>
+                    <a:p>
+                      <a:pPr algn="ctr"/>
+                      <a:r>
+                        <a:rPr lang="en-US" sz="1200" b="1" dirty="0" err="1" smtClean="0">
+                          <a:latin typeface="Calibri" pitchFamily="34" charset="0"/>
+                          <a:cs typeface="Calibri" pitchFamily="34" charset="0"/>
+                        </a:rPr>
+                        <a:t>aaaaa</a:t>
+                      </a:r>
+                      <a:endParaRPr lang="en-US" sz="1200" b="1" dirty="0">
+                        <a:latin typeface="Calibri" pitchFamily="34" charset="0"/>
+                        <a:cs typeface="Calibri" pitchFamily="34" charset="0"/>
+                      </a:endParaRPr>
+                    </a:p>
+                  </a:txBody>
+                  <a:tcPr marL="68598" marR="68598">
+                    <a:lnT w="28575" cap="flat" cmpd="sng" algn="ctr">
+                      <a:solidFill>
+                        <a:srgbClr val="FFFFFF"/>
+                      </a:solidFill>
+                      <a:prstDash val="solid"/>
+                      <a:round/>
+                      <a:headEnd type="none" w="med" len="med"/>
+                      <a:tailEnd type="none" w="med" len="med"/>
+                    </a:lnT>
+                  </a:tcPr>
+                </a:tc>
+              </a:tr>
+              <a:tr h="329103">
+                <a:tc>
+                  <a:txBody>
+                    <a:bodyPr/>
+                    <a:lstStyle/>
+                    <a:p>
+                      <a:pPr algn="ctr"/>
+                      <a:r>
+                        <a:rPr lang="en-US" sz="1200" b="1" dirty="0" smtClean="0">
+                          <a:latin typeface="Calibri" pitchFamily="34" charset="0"/>
+                          <a:cs typeface="Calibri" pitchFamily="34" charset="0"/>
+                        </a:rPr>
+                        <a:t>………</a:t>
+                      </a:r>
+                      <a:endParaRPr lang="en-US" sz="1200" b="1" dirty="0">
+                        <a:latin typeface="Calibri" pitchFamily="34" charset="0"/>
+                        <a:cs typeface="Calibri" pitchFamily="34" charset="0"/>
+                      </a:endParaRPr>
+                    </a:p>
+                  </a:txBody>
+                  <a:tcPr marL="68598" marR="68598"/>
+                </a:tc>
+                <a:tc>
+                  <a:txBody>
+                    <a:bodyPr/>
+                    <a:lstStyle/>
+                    <a:p>
+                      <a:pPr algn="ctr"/>
+                      <a:r>
+                        <a:rPr lang="en-US" sz="1200" b="1" dirty="0" smtClean="0">
+                          <a:latin typeface="Calibri" pitchFamily="34" charset="0"/>
+                          <a:cs typeface="Calibri" pitchFamily="34" charset="0"/>
+                        </a:rPr>
+                        <a:t>………</a:t>
+                      </a:r>
+                      <a:endParaRPr lang="en-US" sz="1200" b="1" dirty="0">
+                        <a:latin typeface="Calibri" pitchFamily="34" charset="0"/>
+                        <a:cs typeface="Calibri" pitchFamily="34" charset="0"/>
+                      </a:endParaRPr>
+                    </a:p>
+                  </a:txBody>
+                  <a:tcPr marL="68598" marR="68598"/>
+                </a:tc>
+                <a:tc>
+                  <a:txBody>
+                    <a:bodyPr/>
+                    <a:lstStyle/>
+                    <a:p>
+                      <a:pPr algn="ctr"/>
+                      <a:r>
+                        <a:rPr lang="en-US" sz="1200" b="1" dirty="0" smtClean="0">
+                          <a:latin typeface="Calibri" pitchFamily="34" charset="0"/>
+                          <a:cs typeface="Calibri" pitchFamily="34" charset="0"/>
+                        </a:rPr>
+                        <a:t>………</a:t>
+                      </a:r>
+                      <a:endParaRPr lang="en-US" sz="1200" b="1" dirty="0">
+                        <a:latin typeface="Calibri" pitchFamily="34" charset="0"/>
+                        <a:cs typeface="Calibri" pitchFamily="34" charset="0"/>
+                      </a:endParaRPr>
+                    </a:p>
+                  </a:txBody>
+                  <a:tcPr marL="68598" marR="68598"/>
+                </a:tc>
+              </a:tr>
+              <a:tr h="337415">
+                <a:tc>
+                  <a:txBody>
+                    <a:bodyPr/>
+                    <a:lstStyle/>
+                    <a:p>
+                      <a:pPr algn="ctr"/>
+                      <a:r>
+                        <a:rPr lang="en-US" sz="1200" b="1" dirty="0" smtClean="0">
+                          <a:latin typeface="Calibri" pitchFamily="34" charset="0"/>
+                          <a:cs typeface="Calibri" pitchFamily="34" charset="0"/>
+                        </a:rPr>
+                        <a:t>………</a:t>
+                      </a:r>
+                      <a:endParaRPr lang="en-US" sz="1200" b="1" dirty="0">
+                        <a:latin typeface="Calibri" pitchFamily="34" charset="0"/>
+                        <a:cs typeface="Calibri" pitchFamily="34" charset="0"/>
+                      </a:endParaRPr>
+                    </a:p>
+                  </a:txBody>
+                  <a:tcPr marL="68598" marR="68598"/>
+                </a:tc>
+                <a:tc>
+                  <a:txBody>
+                    <a:bodyPr/>
+                    <a:lstStyle/>
+                    <a:p>
+                      <a:pPr algn="ctr"/>
+                      <a:r>
+                        <a:rPr lang="en-US" sz="1200" b="1" dirty="0" smtClean="0">
+                          <a:latin typeface="Calibri" pitchFamily="34" charset="0"/>
+                          <a:cs typeface="Calibri" pitchFamily="34" charset="0"/>
+                        </a:rPr>
+                        <a:t>………</a:t>
+                      </a:r>
+                      <a:endParaRPr lang="en-US" sz="1200" b="1" dirty="0">
+                        <a:latin typeface="Calibri" pitchFamily="34" charset="0"/>
+                        <a:cs typeface="Calibri" pitchFamily="34" charset="0"/>
+                      </a:endParaRPr>
+                    </a:p>
+                  </a:txBody>
+                  <a:tcPr marL="68598" marR="68598"/>
+                </a:tc>
+                <a:tc>
+                  <a:txBody>
+                    <a:bodyPr/>
+                    <a:lstStyle/>
+                    <a:p>
+                      <a:pPr algn="ctr"/>
+                      <a:r>
+                        <a:rPr lang="en-US" sz="1200" b="1" dirty="0" smtClean="0">
+                          <a:latin typeface="Calibri" pitchFamily="34" charset="0"/>
+                          <a:cs typeface="Calibri" pitchFamily="34" charset="0"/>
+                        </a:rPr>
+                        <a:t>………</a:t>
+                      </a:r>
+                      <a:endParaRPr lang="en-US" sz="1200" b="1" dirty="0">
+                        <a:latin typeface="Calibri" pitchFamily="34" charset="0"/>
+                        <a:cs typeface="Calibri" pitchFamily="34" charset="0"/>
+                      </a:endParaRPr>
+                    </a:p>
+                  </a:txBody>
+                  <a:tcPr marL="68598" marR="68598"/>
+                </a:tc>
+              </a:tr>
+              <a:tr h="337415">
+                <a:tc>
+                  <a:txBody>
+                    <a:bodyPr/>
+                    <a:lstStyle/>
+                    <a:p>
+                      <a:pPr algn="ctr"/>
+                      <a:r>
+                        <a:rPr lang="en-US" sz="1200" b="1" dirty="0" smtClean="0">
+                          <a:latin typeface="Calibri" pitchFamily="34" charset="0"/>
+                          <a:cs typeface="Calibri" pitchFamily="34" charset="0"/>
+                        </a:rPr>
+                        <a:t>harry</a:t>
+                      </a:r>
+                      <a:endParaRPr lang="en-US" sz="1200" b="1" dirty="0">
+                        <a:latin typeface="Calibri" pitchFamily="34" charset="0"/>
+                        <a:cs typeface="Calibri" pitchFamily="34" charset="0"/>
+                      </a:endParaRPr>
+                    </a:p>
+                  </a:txBody>
+                  <a:tcPr marL="68598" marR="68598"/>
+                </a:tc>
+                <a:tc>
+                  <a:txBody>
+                    <a:bodyPr/>
+                    <a:lstStyle/>
+                    <a:p>
+                      <a:pPr algn="ctr"/>
+                      <a:r>
+                        <a:rPr lang="en-US" sz="1200" b="1" dirty="0" smtClean="0">
+                          <a:latin typeface="Calibri" pitchFamily="34" charset="0"/>
+                          <a:cs typeface="Calibri" pitchFamily="34" charset="0"/>
+                        </a:rPr>
+                        <a:t>pictures</a:t>
+                      </a:r>
+                      <a:endParaRPr lang="en-US" sz="1200" b="1" dirty="0">
+                        <a:latin typeface="Calibri" pitchFamily="34" charset="0"/>
+                        <a:cs typeface="Calibri" pitchFamily="34" charset="0"/>
+                      </a:endParaRPr>
+                    </a:p>
+                  </a:txBody>
+                  <a:tcPr marL="68598" marR="68598"/>
+                </a:tc>
+                <a:tc>
+                  <a:txBody>
+                    <a:bodyPr/>
+                    <a:lstStyle/>
+                    <a:p>
+                      <a:pPr algn="ctr"/>
+                      <a:r>
+                        <a:rPr lang="en-US" sz="1200" b="1" dirty="0" smtClean="0">
+                          <a:latin typeface="Calibri" pitchFamily="34" charset="0"/>
+                          <a:cs typeface="Calibri" pitchFamily="34" charset="0"/>
+                        </a:rPr>
+                        <a:t>sunrise</a:t>
+                      </a:r>
+                      <a:endParaRPr lang="en-US" sz="1200" b="1" dirty="0">
+                        <a:latin typeface="Calibri" pitchFamily="34" charset="0"/>
+                        <a:cs typeface="Calibri" pitchFamily="34" charset="0"/>
+                      </a:endParaRPr>
+                    </a:p>
+                  </a:txBody>
+                  <a:tcPr marL="68598" marR="68598"/>
+                </a:tc>
+              </a:tr>
+            </a:tbl>
+          </a:graphicData>
+        </a:graphic>
+      </p:graphicFrame>
+      <p:sp>
+        <p:nvSpPr>
+          <p:cNvPr id="46" name="Text Placeholder 5"/>
+          <p:cNvSpPr txBox="1">
+            <a:spLocks/>
+          </p:cNvSpPr>
+          <p:nvPr/>
+        </p:nvSpPr>
+        <p:spPr>
+          <a:xfrm>
+            <a:off x="415" y="4767672"/>
+            <a:ext cx="3472422" cy="2032328"/>
+          </a:xfrm>
+          <a:prstGeom prst="rect">
+            <a:avLst/>
+          </a:prstGeom>
+        </p:spPr>
+        <p:txBody>
+          <a:bodyPr/>
+          <a:lstStyle>
+            <a:lvl1pPr marL="460375" indent="-460375" algn="l" defTabSz="914363" rtl="0" eaLnBrk="1" latinLnBrk="0" hangingPunct="1">
+              <a:lnSpc>
+                <a:spcPct val="90000"/>
+              </a:lnSpc>
+              <a:spcBef>
+                <a:spcPct val="20000"/>
+              </a:spcBef>
+              <a:buSzPct val="90000"/>
+              <a:buFont typeface="Arial" pitchFamily="34" charset="0"/>
+              <a:buChar char="•"/>
+              <a:defRPr sz="3200" kern="1200">
+                <a:gradFill>
+                  <a:gsLst>
+                    <a:gs pos="0">
+                      <a:schemeClr val="tx1"/>
+                    </a:gs>
+                    <a:gs pos="86000">
+                      <a:schemeClr val="tx1"/>
+                    </a:gs>
+                  </a:gsLst>
+                  <a:lin ang="5400000" scaled="0"/>
+                </a:gradFill>
+                <a:latin typeface="+mn-lt"/>
+                <a:ea typeface="+mn-ea"/>
+                <a:cs typeface="+mn-cs"/>
+              </a:defRPr>
+            </a:lvl1pPr>
+            <a:lvl2pPr marL="855663" indent="-395288" algn="l" defTabSz="914363" rtl="0" eaLnBrk="1" latinLnBrk="0" hangingPunct="1">
+              <a:lnSpc>
+                <a:spcPct val="90000"/>
+              </a:lnSpc>
+              <a:spcBef>
+                <a:spcPct val="20000"/>
+              </a:spcBef>
+              <a:buSzPct val="90000"/>
+              <a:buFont typeface="Arial" pitchFamily="34" charset="0"/>
+              <a:buChar char="•"/>
+              <a:defRPr sz="2800" kern="1200">
+                <a:gradFill>
+                  <a:gsLst>
+                    <a:gs pos="0">
+                      <a:schemeClr val="tx1"/>
+                    </a:gs>
+                    <a:gs pos="86000">
+                      <a:schemeClr val="tx1"/>
+                    </a:gs>
+                  </a:gsLst>
+                  <a:lin ang="5400000" scaled="0"/>
+                </a:gradFill>
+                <a:latin typeface="+mn-lt"/>
+                <a:ea typeface="+mn-ea"/>
+                <a:cs typeface="+mn-cs"/>
+              </a:defRPr>
+            </a:lvl2pPr>
+            <a:lvl3pPr marL="1258888" indent="-403225" algn="l" defTabSz="914363" rtl="0" eaLnBrk="1" latinLnBrk="0" hangingPunct="1">
+              <a:lnSpc>
+                <a:spcPct val="90000"/>
+              </a:lnSpc>
+              <a:spcBef>
+                <a:spcPct val="20000"/>
+              </a:spcBef>
+              <a:buSzPct val="90000"/>
+              <a:buFont typeface="Arial" pitchFamily="34" charset="0"/>
+              <a:buChar char="•"/>
+              <a:defRPr sz="2400" kern="1200">
+                <a:gradFill>
+                  <a:gsLst>
+                    <a:gs pos="0">
+                      <a:schemeClr val="tx1"/>
+                    </a:gs>
+                    <a:gs pos="86000">
+                      <a:schemeClr val="tx1"/>
+                    </a:gs>
+                  </a:gsLst>
+                  <a:lin ang="5400000" scaled="0"/>
+                </a:gradFill>
+                <a:latin typeface="+mn-lt"/>
+                <a:ea typeface="+mn-ea"/>
+                <a:cs typeface="+mn-cs"/>
+              </a:defRPr>
+            </a:lvl3pPr>
+            <a:lvl4pPr marL="1604963" indent="-346075" algn="l" defTabSz="914363" rtl="0" eaLnBrk="1" latinLnBrk="0" hangingPunct="1">
+              <a:lnSpc>
+                <a:spcPct val="90000"/>
+              </a:lnSpc>
+              <a:spcBef>
+                <a:spcPct val="20000"/>
+              </a:spcBef>
+              <a:buSzPct val="90000"/>
+              <a:buFont typeface="Arial" pitchFamily="34" charset="0"/>
+              <a:buChar char="•"/>
+              <a:defRPr sz="2000" kern="1200">
+                <a:gradFill>
+                  <a:gsLst>
+                    <a:gs pos="0">
+                      <a:schemeClr val="tx1"/>
+                    </a:gs>
+                    <a:gs pos="86000">
+                      <a:schemeClr val="tx1"/>
+                    </a:gs>
+                  </a:gsLst>
+                  <a:lin ang="5400000" scaled="0"/>
+                </a:gradFill>
+                <a:latin typeface="+mn-lt"/>
+                <a:ea typeface="+mn-ea"/>
+                <a:cs typeface="+mn-cs"/>
+              </a:defRPr>
+            </a:lvl4pPr>
+            <a:lvl5pPr marL="1941513" indent="-336550" algn="l" defTabSz="914363" rtl="0" eaLnBrk="1" latinLnBrk="0" hangingPunct="1">
+              <a:lnSpc>
+                <a:spcPct val="90000"/>
+              </a:lnSpc>
+              <a:spcBef>
+                <a:spcPct val="20000"/>
+              </a:spcBef>
+              <a:buSzPct val="90000"/>
+              <a:buFont typeface="Arial" pitchFamily="34" charset="0"/>
+              <a:buChar char="•"/>
+              <a:defRPr sz="2000" kern="1200">
+                <a:gradFill>
+                  <a:gsLst>
+                    <a:gs pos="0">
+                      <a:schemeClr val="tx1"/>
+                    </a:gs>
+                    <a:gs pos="86000">
+                      <a:schemeClr val="tx1"/>
+                    </a:gs>
+                  </a:gsLst>
+                  <a:lin ang="5400000" scaled="0"/>
+                </a:gradFill>
+                <a:latin typeface="+mn-lt"/>
+                <a:ea typeface="+mn-ea"/>
+                <a:cs typeface="+mn-cs"/>
+              </a:defRPr>
+            </a:lvl5pPr>
+            <a:lvl6pPr marL="2514499" indent="-228591" algn="l" defTabSz="914363" rtl="0" eaLnBrk="1" latinLnBrk="0" hangingPunct="1">
+              <a:spcBef>
+                <a:spcPct val="20000"/>
+              </a:spcBef>
+              <a:buFont typeface="Arial" pitchFamily="34" charset="0"/>
+              <a:buChar char="•"/>
+              <a:defRPr sz="2000" kern="1200">
+                <a:solidFill>
+                  <a:schemeClr val="tx1"/>
+                </a:solidFill>
+                <a:latin typeface="+mn-lt"/>
+                <a:ea typeface="+mn-ea"/>
+                <a:cs typeface="+mn-cs"/>
+              </a:defRPr>
+            </a:lvl6pPr>
+            <a:lvl7pPr marL="2971681" indent="-228591" algn="l" defTabSz="914363" rtl="0" eaLnBrk="1" latinLnBrk="0" hangingPunct="1">
+              <a:spcBef>
+                <a:spcPct val="20000"/>
+              </a:spcBef>
+              <a:buFont typeface="Arial" pitchFamily="34" charset="0"/>
+              <a:buChar char="•"/>
+              <a:defRPr sz="2000" kern="1200">
+                <a:solidFill>
+                  <a:schemeClr val="tx1"/>
+                </a:solidFill>
+                <a:latin typeface="+mn-lt"/>
+                <a:ea typeface="+mn-ea"/>
+                <a:cs typeface="+mn-cs"/>
+              </a:defRPr>
+            </a:lvl7pPr>
+            <a:lvl8pPr marL="3428863" indent="-228591" algn="l" defTabSz="914363" rtl="0" eaLnBrk="1" latinLnBrk="0" hangingPunct="1">
+              <a:spcBef>
+                <a:spcPct val="20000"/>
+              </a:spcBef>
+              <a:buFont typeface="Arial" pitchFamily="34" charset="0"/>
+              <a:buChar char="•"/>
+              <a:defRPr sz="2000" kern="1200">
+                <a:solidFill>
+                  <a:schemeClr val="tx1"/>
+                </a:solidFill>
+                <a:latin typeface="+mn-lt"/>
+                <a:ea typeface="+mn-ea"/>
+                <a:cs typeface="+mn-cs"/>
+              </a:defRPr>
+            </a:lvl8pPr>
+            <a:lvl9pPr marL="3886045" indent="-228591" algn="l" defTabSz="914363" rtl="0" eaLnBrk="1" latinLnBrk="0" hangingPunct="1">
+              <a:spcBef>
+                <a:spcPct val="20000"/>
+              </a:spcBef>
+              <a:buFont typeface="Arial" pitchFamily="34" charset="0"/>
+              <a:buChar char="•"/>
+              <a:defRPr sz="2000" kern="1200">
+                <a:solidFill>
+                  <a:schemeClr val="tx1"/>
+                </a:solidFill>
+                <a:latin typeface="+mn-lt"/>
+                <a:ea typeface="+mn-ea"/>
+                <a:cs typeface="+mn-cs"/>
+              </a:defRPr>
+            </a:lvl9pPr>
+          </a:lstStyle>
+          <a:p>
+            <a:endParaRPr lang="en-US" sz="2400" dirty="0" smtClean="0">
+              <a:latin typeface="Segoe UI" pitchFamily="34" charset="0"/>
+              <a:ea typeface="Segoe UI" pitchFamily="34" charset="0"/>
+              <a:cs typeface="Segoe UI" pitchFamily="34" charset="0"/>
+            </a:endParaRPr>
+          </a:p>
+        </p:txBody>
+      </p:sp>
+      <p:sp>
+        <p:nvSpPr>
+          <p:cNvPr id="9" name="Flowchart: Document 8"/>
+          <p:cNvSpPr/>
+          <p:nvPr/>
+        </p:nvSpPr>
+        <p:spPr bwMode="auto">
+          <a:xfrm>
+            <a:off x="6876600" y="3017417"/>
+            <a:ext cx="633541" cy="554306"/>
+          </a:xfrm>
+          <a:prstGeom prst="flowChartDocument">
+            <a:avLst/>
+          </a:prstGeom>
+          <a:solidFill>
+            <a:schemeClr val="accent2">
+              <a:lumMod val="50000"/>
+            </a:schemeClr>
+          </a:solidFill>
+          <a:ln w="31750">
+            <a:solidFill>
+              <a:schemeClr val="accent2">
+                <a:lumMod val="50000"/>
+              </a:schemeClr>
+            </a:solidFill>
+            <a:headEnd type="none" w="med" len="med"/>
+            <a:tailEnd type="none" w="med" len="med"/>
+          </a:ln>
+          <a:effectLst>
+            <a:outerShdw blurRad="50800" dist="38100" dir="2700000" algn="tl" rotWithShape="0">
+              <a:prstClr val="black">
+                <a:alpha val="40000"/>
+              </a:prstClr>
+            </a:outerShdw>
+          </a:effectLst>
+        </p:spPr>
+        <p:style>
+          <a:lnRef idx="1">
+            <a:schemeClr val="accent2"/>
+          </a:lnRef>
+          <a:fillRef idx="3">
+            <a:schemeClr val="accent2"/>
+          </a:fillRef>
+          <a:effectRef idx="2">
+            <a:schemeClr val="accent2"/>
+          </a:effectRef>
+          <a:fontRef idx="minor">
+            <a:schemeClr val="lt1"/>
+          </a:fontRef>
+        </p:style>
+        <p:txBody>
+          <a:bodyPr vert="horz" wrap="square" lIns="91436" tIns="45718" rIns="91436" bIns="45718" numCol="1" rtlCol="0" anchor="ctr" anchorCtr="0" compatLnSpc="1">
+            <a:prstTxWarp prst="textNoShape">
+              <a:avLst/>
+            </a:prstTxWarp>
+          </a:bodyPr>
+          <a:lstStyle/>
+          <a:p>
+            <a:pPr algn="ctr" defTabSz="914099" fontAlgn="base">
+              <a:spcBef>
+                <a:spcPct val="0"/>
+              </a:spcBef>
+              <a:spcAft>
+                <a:spcPct val="0"/>
+              </a:spcAft>
+            </a:pPr>
+            <a:r>
+              <a:rPr lang="en-US" sz="2000" b="1" dirty="0" smtClean="0">
+                <a:solidFill>
+                  <a:schemeClr val="bg2"/>
+                </a:solidFill>
+                <a:latin typeface="Segoe UI" pitchFamily="34" charset="0"/>
+                <a:ea typeface="Segoe UI" pitchFamily="34" charset="0"/>
+                <a:cs typeface="Segoe UI" pitchFamily="34" charset="0"/>
+              </a:rPr>
+              <a:t>A-H</a:t>
+            </a:r>
+          </a:p>
+        </p:txBody>
+      </p:sp>
+      <p:sp>
+        <p:nvSpPr>
+          <p:cNvPr id="45" name="Flowchart: Document 44"/>
+          <p:cNvSpPr/>
+          <p:nvPr/>
+        </p:nvSpPr>
+        <p:spPr bwMode="auto">
+          <a:xfrm>
+            <a:off x="8042449" y="4348464"/>
+            <a:ext cx="633541" cy="554306"/>
+          </a:xfrm>
+          <a:prstGeom prst="flowChartDocument">
+            <a:avLst/>
+          </a:prstGeom>
+          <a:solidFill>
+            <a:schemeClr val="accent2">
+              <a:lumMod val="50000"/>
+            </a:schemeClr>
+          </a:solidFill>
+          <a:ln w="31750">
+            <a:solidFill>
+              <a:schemeClr val="accent2">
+                <a:lumMod val="50000"/>
+              </a:schemeClr>
+            </a:solidFill>
+            <a:headEnd type="none" w="med" len="med"/>
+            <a:tailEnd type="none" w="med" len="med"/>
+          </a:ln>
+          <a:effectLst>
+            <a:outerShdw blurRad="50800" dist="38100" dir="2700000" algn="tl" rotWithShape="0">
+              <a:prstClr val="black">
+                <a:alpha val="40000"/>
+              </a:prstClr>
+            </a:outerShdw>
+          </a:effectLst>
+        </p:spPr>
+        <p:style>
+          <a:lnRef idx="1">
+            <a:schemeClr val="accent2"/>
+          </a:lnRef>
+          <a:fillRef idx="3">
+            <a:schemeClr val="accent2"/>
+          </a:fillRef>
+          <a:effectRef idx="2">
+            <a:schemeClr val="accent2"/>
+          </a:effectRef>
+          <a:fontRef idx="minor">
+            <a:schemeClr val="lt1"/>
+          </a:fontRef>
+        </p:style>
+        <p:txBody>
+          <a:bodyPr vert="horz" wrap="square" lIns="91436" tIns="45718" rIns="91436" bIns="45718" numCol="1" rtlCol="0" anchor="ctr" anchorCtr="0" compatLnSpc="1">
+            <a:prstTxWarp prst="textNoShape">
+              <a:avLst/>
+            </a:prstTxWarp>
+          </a:bodyPr>
+          <a:lstStyle/>
+          <a:p>
+            <a:pPr algn="ctr" defTabSz="914099" fontAlgn="base">
+              <a:spcBef>
+                <a:spcPct val="0"/>
+              </a:spcBef>
+              <a:spcAft>
+                <a:spcPct val="0"/>
+              </a:spcAft>
+            </a:pPr>
+            <a:r>
+              <a:rPr lang="en-US" sz="2000" b="1" dirty="0" smtClean="0">
+                <a:solidFill>
+                  <a:schemeClr val="bg2"/>
+                </a:solidFill>
+                <a:latin typeface="Segoe UI" pitchFamily="34" charset="0"/>
+                <a:ea typeface="Segoe UI" pitchFamily="34" charset="0"/>
+                <a:cs typeface="Segoe UI" pitchFamily="34" charset="0"/>
+              </a:rPr>
+              <a:t>R’-Z</a:t>
+            </a:r>
+          </a:p>
+        </p:txBody>
+      </p:sp>
+      <p:sp>
+        <p:nvSpPr>
+          <p:cNvPr id="58" name="Flowchart: Document 57"/>
+          <p:cNvSpPr/>
+          <p:nvPr/>
+        </p:nvSpPr>
+        <p:spPr bwMode="auto">
+          <a:xfrm>
+            <a:off x="6540455" y="4392372"/>
+            <a:ext cx="633541" cy="554306"/>
+          </a:xfrm>
+          <a:prstGeom prst="flowChartDocument">
+            <a:avLst/>
+          </a:prstGeom>
+          <a:solidFill>
+            <a:schemeClr val="accent2">
+              <a:lumMod val="50000"/>
+            </a:schemeClr>
+          </a:solidFill>
+          <a:ln w="31750">
+            <a:solidFill>
+              <a:schemeClr val="accent2">
+                <a:lumMod val="50000"/>
+              </a:schemeClr>
+            </a:solidFill>
+            <a:headEnd type="none" w="med" len="med"/>
+            <a:tailEnd type="none" w="med" len="med"/>
+          </a:ln>
+          <a:effectLst>
+            <a:outerShdw blurRad="50800" dist="38100" dir="2700000" algn="tl" rotWithShape="0">
+              <a:prstClr val="black">
+                <a:alpha val="40000"/>
+              </a:prstClr>
+            </a:outerShdw>
+          </a:effectLst>
+        </p:spPr>
+        <p:style>
+          <a:lnRef idx="1">
+            <a:schemeClr val="accent2"/>
+          </a:lnRef>
+          <a:fillRef idx="3">
+            <a:schemeClr val="accent2"/>
+          </a:fillRef>
+          <a:effectRef idx="2">
+            <a:schemeClr val="accent2"/>
+          </a:effectRef>
+          <a:fontRef idx="minor">
+            <a:schemeClr val="lt1"/>
+          </a:fontRef>
+        </p:style>
+        <p:txBody>
+          <a:bodyPr vert="horz" wrap="square" lIns="91436" tIns="45718" rIns="91436" bIns="45718" numCol="1" rtlCol="0" anchor="ctr" anchorCtr="0" compatLnSpc="1">
+            <a:prstTxWarp prst="textNoShape">
+              <a:avLst/>
+            </a:prstTxWarp>
+          </a:bodyPr>
+          <a:lstStyle/>
+          <a:p>
+            <a:pPr algn="ctr" defTabSz="914099" fontAlgn="base">
+              <a:spcBef>
+                <a:spcPct val="0"/>
+              </a:spcBef>
+              <a:spcAft>
+                <a:spcPct val="0"/>
+              </a:spcAft>
+            </a:pPr>
+            <a:r>
+              <a:rPr lang="en-US" sz="2000" b="1" dirty="0" smtClean="0">
+                <a:solidFill>
+                  <a:schemeClr val="bg2"/>
+                </a:solidFill>
+                <a:latin typeface="Segoe UI" pitchFamily="34" charset="0"/>
+                <a:ea typeface="Segoe UI" pitchFamily="34" charset="0"/>
+                <a:cs typeface="Segoe UI" pitchFamily="34" charset="0"/>
+              </a:rPr>
+              <a:t>H’-R</a:t>
+            </a:r>
+          </a:p>
+        </p:txBody>
+      </p:sp>
+    </p:spTree>
+    <p:extLst>
+      <p:ext uri="{BB962C8B-B14F-4D97-AF65-F5344CB8AC3E}">
+        <p14:creationId xmlns:p14="http://schemas.microsoft.com/office/powerpoint/2010/main" val="661874181"/>
+      </p:ext>
+    </p:extLst>
+  </p:cSld>
+  <p:clrMapOvr>
+    <a:masterClrMapping/>
+  </p:clrMapOvr>
+  <mc:AlternateContent xmlns:mc="http://schemas.openxmlformats.org/markup-compatibility/2006">
+    <mc:Choice xmlns:p14="http://schemas.microsoft.com/office/powerpoint/2010/main" Requires="p14">
+      <p:transition spd="slow" p14:dur="2000"/>
+    </mc:Choice>
+    <mc:Fallback>
+      <p:transition spd="slow"/>
+    </mc:Fallback>
+  </mc:AlternateContent>
+  <p:timing>
+    <p:tnLst>
+      <p:par>
+        <p:cTn id="1" dur="indefinite" restart="never" nodeType="tmRoot">
+          <p:childTnLst>
+            <p:seq concurrent="1" nextAc="seek">
+              <p:cTn id="2" dur="indefinite" nodeType="mainSeq">
+                <p:childTnLst>
+                  <p:par>
+                    <p:cTn id="3" fill="hold">
+                      <p:stCondLst>
+                        <p:cond delay="indefinite"/>
+                      </p:stCondLst>
+                      <p:childTnLst>
+                        <p:par>
+                          <p:cTn id="4" fill="hold">
+                            <p:stCondLst>
+                              <p:cond delay="0"/>
+                            </p:stCondLst>
+                            <p:childTnLst>
+                              <p:par>
+                                <p:cTn id="5" presetID="3" presetClass="entr" presetSubtype="10" fill="hold" nodeType="clickEffect">
+                                  <p:stCondLst>
+                                    <p:cond delay="0"/>
+                                  </p:stCondLst>
+                                  <p:childTnLst>
+                                    <p:set>
+                                      <p:cBhvr>
+                                        <p:cTn id="6" dur="1" fill="hold">
+                                          <p:stCondLst>
+                                            <p:cond delay="0"/>
+                                          </p:stCondLst>
+                                        </p:cTn>
+                                        <p:tgtEl>
+                                          <p:spTgt spid="53">
+                                            <p:txEl>
+                                              <p:pRg st="0" end="0"/>
+                                            </p:txEl>
+                                          </p:spTgt>
+                                        </p:tgtEl>
+                                        <p:attrNameLst>
+                                          <p:attrName>style.visibility</p:attrName>
+                                        </p:attrNameLst>
+                                      </p:cBhvr>
+                                      <p:to>
+                                        <p:strVal val="visible"/>
+                                      </p:to>
+                                    </p:set>
+                                    <p:animEffect transition="in" filter="blinds(horizontal)">
+                                      <p:cBhvr>
+                                        <p:cTn id="7" dur="500"/>
+                                        <p:tgtEl>
+                                          <p:spTgt spid="53">
+                                            <p:txEl>
+                                              <p:pRg st="0" end="0"/>
+                                            </p:txEl>
+                                          </p:spTgt>
+                                        </p:tgtEl>
+                                      </p:cBhvr>
+                                    </p:animEffect>
+                                  </p:childTnLst>
+                                </p:cTn>
+                              </p:par>
+                              <p:par>
+                                <p:cTn id="8" presetID="3" presetClass="entr" presetSubtype="10" fill="hold" nodeType="withEffect">
+                                  <p:stCondLst>
+                                    <p:cond delay="0"/>
+                                  </p:stCondLst>
+                                  <p:childTnLst>
+                                    <p:set>
+                                      <p:cBhvr>
+                                        <p:cTn id="9" dur="1" fill="hold">
+                                          <p:stCondLst>
+                                            <p:cond delay="0"/>
+                                          </p:stCondLst>
+                                        </p:cTn>
+                                        <p:tgtEl>
+                                          <p:spTgt spid="53">
+                                            <p:txEl>
+                                              <p:pRg st="1" end="1"/>
+                                            </p:txEl>
+                                          </p:spTgt>
+                                        </p:tgtEl>
+                                        <p:attrNameLst>
+                                          <p:attrName>style.visibility</p:attrName>
+                                        </p:attrNameLst>
+                                      </p:cBhvr>
+                                      <p:to>
+                                        <p:strVal val="visible"/>
+                                      </p:to>
+                                    </p:set>
+                                    <p:animEffect transition="in" filter="blinds(horizontal)">
+                                      <p:cBhvr>
+                                        <p:cTn id="10" dur="500"/>
+                                        <p:tgtEl>
+                                          <p:spTgt spid="53">
+                                            <p:txEl>
+                                              <p:pRg st="1" end="1"/>
+                                            </p:txEl>
+                                          </p:spTgt>
+                                        </p:tgtEl>
+                                      </p:cBhvr>
+                                    </p:animEffect>
+                                  </p:childTnLst>
+                                </p:cTn>
+                              </p:par>
+                              <p:par>
+                                <p:cTn id="11" presetID="16" presetClass="entr" presetSubtype="37" fill="hold" grpId="0" nodeType="withEffect">
+                                  <p:stCondLst>
+                                    <p:cond delay="0"/>
+                                  </p:stCondLst>
+                                  <p:childTnLst>
+                                    <p:set>
+                                      <p:cBhvr>
+                                        <p:cTn id="12" dur="1" fill="hold">
+                                          <p:stCondLst>
+                                            <p:cond delay="0"/>
+                                          </p:stCondLst>
+                                        </p:cTn>
+                                        <p:tgtEl>
+                                          <p:spTgt spid="3"/>
+                                        </p:tgtEl>
+                                        <p:attrNameLst>
+                                          <p:attrName>style.visibility</p:attrName>
+                                        </p:attrNameLst>
+                                      </p:cBhvr>
+                                      <p:to>
+                                        <p:strVal val="visible"/>
+                                      </p:to>
+                                    </p:set>
+                                    <p:animEffect transition="in" filter="barn(outVertical)">
+                                      <p:cBhvr>
+                                        <p:cTn id="13" dur="1000"/>
+                                        <p:tgtEl>
+                                          <p:spTgt spid="3"/>
+                                        </p:tgtEl>
+                                      </p:cBhvr>
+                                    </p:animEffect>
+                                  </p:childTnLst>
+                                </p:cTn>
+                              </p:par>
+                              <p:par>
+                                <p:cTn id="14" presetID="16" presetClass="entr" presetSubtype="37" fill="hold" grpId="0" nodeType="withEffect">
+                                  <p:stCondLst>
+                                    <p:cond delay="0"/>
+                                  </p:stCondLst>
+                                  <p:childTnLst>
+                                    <p:set>
+                                      <p:cBhvr>
+                                        <p:cTn id="15" dur="1" fill="hold">
+                                          <p:stCondLst>
+                                            <p:cond delay="0"/>
+                                          </p:stCondLst>
+                                        </p:cTn>
+                                        <p:tgtEl>
+                                          <p:spTgt spid="57"/>
+                                        </p:tgtEl>
+                                        <p:attrNameLst>
+                                          <p:attrName>style.visibility</p:attrName>
+                                        </p:attrNameLst>
+                                      </p:cBhvr>
+                                      <p:to>
+                                        <p:strVal val="visible"/>
+                                      </p:to>
+                                    </p:set>
+                                    <p:animEffect transition="in" filter="barn(outVertical)">
+                                      <p:cBhvr>
+                                        <p:cTn id="16" dur="1000"/>
+                                        <p:tgtEl>
+                                          <p:spTgt spid="57"/>
+                                        </p:tgtEl>
+                                      </p:cBhvr>
+                                    </p:animEffect>
+                                  </p:childTnLst>
+                                </p:cTn>
+                              </p:par>
+                            </p:childTnLst>
+                          </p:cTn>
+                        </p:par>
+                        <p:par>
+                          <p:cTn id="17" fill="hold">
+                            <p:stCondLst>
+                              <p:cond delay="1000"/>
+                            </p:stCondLst>
+                            <p:childTnLst>
+                              <p:par>
+                                <p:cTn id="18" presetID="10" presetClass="entr" presetSubtype="0" fill="hold" nodeType="afterEffect">
+                                  <p:stCondLst>
+                                    <p:cond delay="250"/>
+                                  </p:stCondLst>
+                                  <p:childTnLst>
+                                    <p:set>
+                                      <p:cBhvr>
+                                        <p:cTn id="19" dur="1" fill="hold">
+                                          <p:stCondLst>
+                                            <p:cond delay="0"/>
+                                          </p:stCondLst>
+                                        </p:cTn>
+                                        <p:tgtEl>
+                                          <p:spTgt spid="56"/>
+                                        </p:tgtEl>
+                                        <p:attrNameLst>
+                                          <p:attrName>style.visibility</p:attrName>
+                                        </p:attrNameLst>
+                                      </p:cBhvr>
+                                      <p:to>
+                                        <p:strVal val="visible"/>
+                                      </p:to>
+                                    </p:set>
+                                    <p:animEffect transition="in" filter="fade">
+                                      <p:cBhvr>
+                                        <p:cTn id="20" dur="500"/>
+                                        <p:tgtEl>
+                                          <p:spTgt spid="56"/>
+                                        </p:tgtEl>
+                                      </p:cBhvr>
+                                    </p:animEffect>
+                                  </p:childTnLst>
+                                </p:cTn>
+                              </p:par>
+                              <p:par>
+                                <p:cTn id="21" presetID="10" presetClass="entr" presetSubtype="0" fill="hold" nodeType="withEffect">
+                                  <p:stCondLst>
+                                    <p:cond delay="250"/>
+                                  </p:stCondLst>
+                                  <p:childTnLst>
+                                    <p:set>
+                                      <p:cBhvr>
+                                        <p:cTn id="22" dur="1" fill="hold">
+                                          <p:stCondLst>
+                                            <p:cond delay="0"/>
+                                          </p:stCondLst>
+                                        </p:cTn>
+                                        <p:tgtEl>
+                                          <p:spTgt spid="55"/>
+                                        </p:tgtEl>
+                                        <p:attrNameLst>
+                                          <p:attrName>style.visibility</p:attrName>
+                                        </p:attrNameLst>
+                                      </p:cBhvr>
+                                      <p:to>
+                                        <p:strVal val="visible"/>
+                                      </p:to>
+                                    </p:set>
+                                    <p:animEffect transition="in" filter="fade">
+                                      <p:cBhvr>
+                                        <p:cTn id="23" dur="500"/>
+                                        <p:tgtEl>
+                                          <p:spTgt spid="55"/>
+                                        </p:tgtEl>
+                                      </p:cBhvr>
+                                    </p:animEffect>
+                                  </p:childTnLst>
+                                </p:cTn>
+                              </p:par>
+                              <p:par>
+                                <p:cTn id="24" presetID="10" presetClass="entr" presetSubtype="0" fill="hold" nodeType="withEffect">
+                                  <p:stCondLst>
+                                    <p:cond delay="250"/>
+                                  </p:stCondLst>
+                                  <p:childTnLst>
+                                    <p:set>
+                                      <p:cBhvr>
+                                        <p:cTn id="25" dur="1" fill="hold">
+                                          <p:stCondLst>
+                                            <p:cond delay="0"/>
+                                          </p:stCondLst>
+                                        </p:cTn>
+                                        <p:tgtEl>
+                                          <p:spTgt spid="54"/>
+                                        </p:tgtEl>
+                                        <p:attrNameLst>
+                                          <p:attrName>style.visibility</p:attrName>
+                                        </p:attrNameLst>
+                                      </p:cBhvr>
+                                      <p:to>
+                                        <p:strVal val="visible"/>
+                                      </p:to>
+                                    </p:set>
+                                    <p:animEffect transition="in" filter="fade">
+                                      <p:cBhvr>
+                                        <p:cTn id="26" dur="500"/>
+                                        <p:tgtEl>
+                                          <p:spTgt spid="54"/>
+                                        </p:tgtEl>
+                                      </p:cBhvr>
+                                    </p:animEffect>
+                                  </p:childTnLst>
+                                </p:cTn>
+                              </p:par>
+                            </p:childTnLst>
+                          </p:cTn>
+                        </p:par>
+                        <p:par>
+                          <p:cTn id="27" fill="hold">
+                            <p:stCondLst>
+                              <p:cond delay="1750"/>
+                            </p:stCondLst>
+                            <p:childTnLst>
+                              <p:par>
+                                <p:cTn id="28" presetID="42" presetClass="path" presetSubtype="0" accel="50000" decel="50000" fill="hold" nodeType="afterEffect">
+                                  <p:stCondLst>
+                                    <p:cond delay="500"/>
+                                  </p:stCondLst>
+                                  <p:childTnLst>
+                                    <p:animMotion origin="layout" path="M -1.00052E-6 -0.00231 L -1.00052E-6 0.09815 " pathEditMode="relative" rAng="0" ptsTypes="AA">
+                                      <p:cBhvr>
+                                        <p:cTn id="29" dur="2000" fill="hold"/>
+                                        <p:tgtEl>
+                                          <p:spTgt spid="56"/>
+                                        </p:tgtEl>
+                                        <p:attrNameLst>
+                                          <p:attrName>ppt_x</p:attrName>
+                                          <p:attrName>ppt_y</p:attrName>
+                                        </p:attrNameLst>
+                                      </p:cBhvr>
+                                      <p:rCtr x="0" y="5023"/>
+                                    </p:animMotion>
+                                  </p:childTnLst>
+                                </p:cTn>
+                              </p:par>
+                              <p:par>
+                                <p:cTn id="30" presetID="42" presetClass="path" presetSubtype="0" accel="50000" decel="50000" fill="hold" nodeType="withEffect">
+                                  <p:stCondLst>
+                                    <p:cond delay="500"/>
+                                  </p:stCondLst>
+                                  <p:childTnLst>
+                                    <p:animMotion origin="layout" path="M -1.27671E-6 0.0125 L 0.00065 -0.10162 " pathEditMode="relative" rAng="0" ptsTypes="AA">
+                                      <p:cBhvr>
+                                        <p:cTn id="31" dur="2000" fill="hold"/>
+                                        <p:tgtEl>
+                                          <p:spTgt spid="54"/>
+                                        </p:tgtEl>
+                                        <p:attrNameLst>
+                                          <p:attrName>ppt_x</p:attrName>
+                                          <p:attrName>ppt_y</p:attrName>
+                                        </p:attrNameLst>
+                                      </p:cBhvr>
+                                      <p:rCtr x="26" y="-5718"/>
+                                    </p:animMotion>
+                                  </p:childTnLst>
+                                </p:cTn>
+                              </p:par>
+                              <p:par>
+                                <p:cTn id="32" presetID="1" presetClass="exit" presetSubtype="0" fill="hold" grpId="1" nodeType="withEffect">
+                                  <p:stCondLst>
+                                    <p:cond delay="0"/>
+                                  </p:stCondLst>
+                                  <p:childTnLst>
+                                    <p:set>
+                                      <p:cBhvr>
+                                        <p:cTn id="33" dur="1" fill="hold">
+                                          <p:stCondLst>
+                                            <p:cond delay="0"/>
+                                          </p:stCondLst>
+                                        </p:cTn>
+                                        <p:tgtEl>
+                                          <p:spTgt spid="3"/>
+                                        </p:tgtEl>
+                                        <p:attrNameLst>
+                                          <p:attrName>style.visibility</p:attrName>
+                                        </p:attrNameLst>
+                                      </p:cBhvr>
+                                      <p:to>
+                                        <p:strVal val="hidden"/>
+                                      </p:to>
+                                    </p:set>
+                                  </p:childTnLst>
+                                </p:cTn>
+                              </p:par>
+                              <p:par>
+                                <p:cTn id="34" presetID="1" presetClass="exit" presetSubtype="0" fill="hold" grpId="1" nodeType="withEffect">
+                                  <p:stCondLst>
+                                    <p:cond delay="0"/>
+                                  </p:stCondLst>
+                                  <p:childTnLst>
+                                    <p:set>
+                                      <p:cBhvr>
+                                        <p:cTn id="35" dur="1" fill="hold">
+                                          <p:stCondLst>
+                                            <p:cond delay="0"/>
+                                          </p:stCondLst>
+                                        </p:cTn>
+                                        <p:tgtEl>
+                                          <p:spTgt spid="57"/>
+                                        </p:tgtEl>
+                                        <p:attrNameLst>
+                                          <p:attrName>style.visibility</p:attrName>
+                                        </p:attrNameLst>
+                                      </p:cBhvr>
+                                      <p:to>
+                                        <p:strVal val="hidden"/>
+                                      </p:to>
+                                    </p:set>
+                                  </p:childTnLst>
+                                </p:cTn>
+                              </p:par>
+                              <p:par>
+                                <p:cTn id="36" presetID="10" presetClass="exit" presetSubtype="0" fill="hold" nodeType="withEffect">
+                                  <p:stCondLst>
+                                    <p:cond delay="0"/>
+                                  </p:stCondLst>
+                                  <p:childTnLst>
+                                    <p:animEffect transition="out" filter="fade">
+                                      <p:cBhvr>
+                                        <p:cTn id="37" dur="500"/>
+                                        <p:tgtEl>
+                                          <p:spTgt spid="52"/>
+                                        </p:tgtEl>
+                                      </p:cBhvr>
+                                    </p:animEffect>
+                                    <p:set>
+                                      <p:cBhvr>
+                                        <p:cTn id="38" dur="1" fill="hold">
+                                          <p:stCondLst>
+                                            <p:cond delay="499"/>
+                                          </p:stCondLst>
+                                        </p:cTn>
+                                        <p:tgtEl>
+                                          <p:spTgt spid="52"/>
+                                        </p:tgtEl>
+                                        <p:attrNameLst>
+                                          <p:attrName>style.visibility</p:attrName>
+                                        </p:attrNameLst>
+                                      </p:cBhvr>
+                                      <p:to>
+                                        <p:strVal val="hidden"/>
+                                      </p:to>
+                                    </p:set>
+                                  </p:childTnLst>
+                                </p:cTn>
+                              </p:par>
+                            </p:childTnLst>
+                          </p:cTn>
+                        </p:par>
+                      </p:childTnLst>
+                    </p:cTn>
+                  </p:par>
+                  <p:par>
+                    <p:cTn id="39" fill="hold">
+                      <p:stCondLst>
+                        <p:cond delay="indefinite"/>
+                      </p:stCondLst>
+                      <p:childTnLst>
+                        <p:par>
+                          <p:cTn id="40" fill="hold">
+                            <p:stCondLst>
+                              <p:cond delay="0"/>
+                            </p:stCondLst>
+                            <p:childTnLst>
+                              <p:par>
+                                <p:cTn id="41" presetID="37" presetClass="path" presetSubtype="0" accel="50000" decel="50000" fill="hold" nodeType="clickEffect">
+                                  <p:stCondLst>
+                                    <p:cond delay="0"/>
+                                  </p:stCondLst>
+                                  <p:childTnLst>
+                                    <p:animMotion origin="layout" path="M 0.00143 -0.09491 L 0.08351 -0.11366 C 0.10005 -0.11482 0.12337 -0.10972 0.14565 -0.09306 C 0.17158 -0.07523 0.1919 -0.06065 0.20349 -0.03611 L 0.26316 0.05995 " pathEditMode="relative" rAng="1148995" ptsTypes="FffFF">
+                                      <p:cBhvr>
+                                        <p:cTn id="42" dur="2000" fill="hold"/>
+                                        <p:tgtEl>
+                                          <p:spTgt spid="54"/>
+                                        </p:tgtEl>
+                                        <p:attrNameLst>
+                                          <p:attrName>ppt_x</p:attrName>
+                                          <p:attrName>ppt_y</p:attrName>
+                                        </p:attrNameLst>
+                                      </p:cBhvr>
+                                      <p:rCtr x="13809" y="4005"/>
+                                    </p:animMotion>
+                                  </p:childTnLst>
+                                </p:cTn>
+                              </p:par>
+                              <p:par>
+                                <p:cTn id="43" presetID="6" presetClass="emph" presetSubtype="0" fill="hold" nodeType="withEffect">
+                                  <p:stCondLst>
+                                    <p:cond delay="0"/>
+                                  </p:stCondLst>
+                                  <p:childTnLst>
+                                    <p:animScale>
+                                      <p:cBhvr>
+                                        <p:cTn id="44" dur="2000" fill="hold"/>
+                                        <p:tgtEl>
+                                          <p:spTgt spid="54"/>
+                                        </p:tgtEl>
+                                      </p:cBhvr>
+                                      <p:by x="25000" y="25000"/>
+                                    </p:animScale>
+                                  </p:childTnLst>
+                                </p:cTn>
+                              </p:par>
+                              <p:par>
+                                <p:cTn id="45" presetID="42" presetClass="path" presetSubtype="0" accel="50000" decel="50000" fill="hold" nodeType="withEffect">
+                                  <p:stCondLst>
+                                    <p:cond delay="0"/>
+                                  </p:stCondLst>
+                                  <p:childTnLst>
+                                    <p:animMotion origin="layout" path="M 9.32777E-7 3.33333E-6 L 0.3068 0.11643 " pathEditMode="relative" rAng="0" ptsTypes="AA">
+                                      <p:cBhvr>
+                                        <p:cTn id="46" dur="2000" fill="hold"/>
+                                        <p:tgtEl>
+                                          <p:spTgt spid="55"/>
+                                        </p:tgtEl>
+                                        <p:attrNameLst>
+                                          <p:attrName>ppt_x</p:attrName>
+                                          <p:attrName>ppt_y</p:attrName>
+                                        </p:attrNameLst>
+                                      </p:cBhvr>
+                                      <p:rCtr x="15334" y="5810"/>
+                                    </p:animMotion>
+                                  </p:childTnLst>
+                                </p:cTn>
+                              </p:par>
+                              <p:par>
+                                <p:cTn id="47" presetID="6" presetClass="emph" presetSubtype="0" fill="hold" nodeType="withEffect">
+                                  <p:stCondLst>
+                                    <p:cond delay="0"/>
+                                  </p:stCondLst>
+                                  <p:childTnLst>
+                                    <p:animScale>
+                                      <p:cBhvr>
+                                        <p:cTn id="48" dur="2000" fill="hold"/>
+                                        <p:tgtEl>
+                                          <p:spTgt spid="55"/>
+                                        </p:tgtEl>
+                                      </p:cBhvr>
+                                      <p:by x="25000" y="25000"/>
+                                    </p:animScale>
+                                  </p:childTnLst>
+                                </p:cTn>
+                              </p:par>
+                              <p:par>
+                                <p:cTn id="49" presetID="37" presetClass="path" presetSubtype="0" accel="50000" decel="50000" fill="hold" nodeType="withEffect">
+                                  <p:stCondLst>
+                                    <p:cond delay="0"/>
+                                  </p:stCondLst>
+                                  <p:childTnLst>
+                                    <p:animMotion origin="layout" path="M -2.65763E-6 0.09815 L 0.11399 0.13403 C 0.1381 0.14653 0.17158 0.14074 0.20441 0.12199 C 0.24166 0.10487 0.27137 0.0794 0.28935 0.05162 L 0.37859 -0.08078 " pathEditMode="relative" rAng="-895908" ptsTypes="FffFF">
+                                      <p:cBhvr>
+                                        <p:cTn id="50" dur="2000" fill="hold"/>
+                                        <p:tgtEl>
+                                          <p:spTgt spid="56"/>
+                                        </p:tgtEl>
+                                        <p:attrNameLst>
+                                          <p:attrName>ppt_x</p:attrName>
+                                          <p:attrName>ppt_y</p:attrName>
+                                        </p:attrNameLst>
+                                      </p:cBhvr>
+                                      <p:rCtr x="19789" y="-3194"/>
+                                    </p:animMotion>
+                                  </p:childTnLst>
+                                </p:cTn>
+                              </p:par>
+                              <p:par>
+                                <p:cTn id="51" presetID="6" presetClass="emph" presetSubtype="0" fill="hold" nodeType="withEffect">
+                                  <p:stCondLst>
+                                    <p:cond delay="0"/>
+                                  </p:stCondLst>
+                                  <p:childTnLst>
+                                    <p:animScale>
+                                      <p:cBhvr>
+                                        <p:cTn id="52" dur="2000" fill="hold"/>
+                                        <p:tgtEl>
+                                          <p:spTgt spid="56"/>
+                                        </p:tgtEl>
+                                      </p:cBhvr>
+                                      <p:by x="25000" y="25000"/>
+                                    </p:animScale>
+                                  </p:childTnLst>
+                                </p:cTn>
+                              </p:par>
+                              <p:par>
+                                <p:cTn id="53" presetID="3" presetClass="exit" presetSubtype="10" fill="hold" grpId="0" nodeType="withEffect">
+                                  <p:stCondLst>
+                                    <p:cond delay="0"/>
+                                  </p:stCondLst>
+                                  <p:childTnLst>
+                                    <p:animEffect transition="out" filter="blinds(horizontal)">
+                                      <p:cBhvr>
+                                        <p:cTn id="54" dur="500"/>
+                                        <p:tgtEl>
+                                          <p:spTgt spid="47"/>
+                                        </p:tgtEl>
+                                      </p:cBhvr>
+                                    </p:animEffect>
+                                    <p:set>
+                                      <p:cBhvr>
+                                        <p:cTn id="55" dur="1" fill="hold">
+                                          <p:stCondLst>
+                                            <p:cond delay="499"/>
+                                          </p:stCondLst>
+                                        </p:cTn>
+                                        <p:tgtEl>
+                                          <p:spTgt spid="47"/>
+                                        </p:tgtEl>
+                                        <p:attrNameLst>
+                                          <p:attrName>style.visibility</p:attrName>
+                                        </p:attrNameLst>
+                                      </p:cBhvr>
+                                      <p:to>
+                                        <p:strVal val="hidden"/>
+                                      </p:to>
+                                    </p:set>
+                                  </p:childTnLst>
+                                </p:cTn>
+                              </p:par>
+                            </p:childTnLst>
+                          </p:cTn>
+                        </p:par>
+                        <p:par>
+                          <p:cTn id="56" fill="hold">
+                            <p:stCondLst>
+                              <p:cond delay="2000"/>
+                            </p:stCondLst>
+                            <p:childTnLst>
+                              <p:par>
+                                <p:cTn id="57" presetID="22" presetClass="entr" presetSubtype="4" fill="hold" grpId="0" nodeType="afterEffect">
+                                  <p:stCondLst>
+                                    <p:cond delay="0"/>
+                                  </p:stCondLst>
+                                  <p:childTnLst>
+                                    <p:set>
+                                      <p:cBhvr>
+                                        <p:cTn id="58" dur="1" fill="hold">
+                                          <p:stCondLst>
+                                            <p:cond delay="0"/>
+                                          </p:stCondLst>
+                                        </p:cTn>
+                                        <p:tgtEl>
+                                          <p:spTgt spid="9"/>
+                                        </p:tgtEl>
+                                        <p:attrNameLst>
+                                          <p:attrName>style.visibility</p:attrName>
+                                        </p:attrNameLst>
+                                      </p:cBhvr>
+                                      <p:to>
+                                        <p:strVal val="visible"/>
+                                      </p:to>
+                                    </p:set>
+                                    <p:animEffect transition="in" filter="wipe(down)">
+                                      <p:cBhvr>
+                                        <p:cTn id="59" dur="500"/>
+                                        <p:tgtEl>
+                                          <p:spTgt spid="9"/>
+                                        </p:tgtEl>
+                                      </p:cBhvr>
+                                    </p:animEffect>
+                                  </p:childTnLst>
+                                </p:cTn>
+                              </p:par>
+                              <p:par>
+                                <p:cTn id="60" presetID="22" presetClass="entr" presetSubtype="4" fill="hold" grpId="0" nodeType="withEffect">
+                                  <p:stCondLst>
+                                    <p:cond delay="0"/>
+                                  </p:stCondLst>
+                                  <p:childTnLst>
+                                    <p:set>
+                                      <p:cBhvr>
+                                        <p:cTn id="61" dur="1" fill="hold">
+                                          <p:stCondLst>
+                                            <p:cond delay="0"/>
+                                          </p:stCondLst>
+                                        </p:cTn>
+                                        <p:tgtEl>
+                                          <p:spTgt spid="45"/>
+                                        </p:tgtEl>
+                                        <p:attrNameLst>
+                                          <p:attrName>style.visibility</p:attrName>
+                                        </p:attrNameLst>
+                                      </p:cBhvr>
+                                      <p:to>
+                                        <p:strVal val="visible"/>
+                                      </p:to>
+                                    </p:set>
+                                    <p:animEffect transition="in" filter="wipe(down)">
+                                      <p:cBhvr>
+                                        <p:cTn id="62" dur="500"/>
+                                        <p:tgtEl>
+                                          <p:spTgt spid="45"/>
+                                        </p:tgtEl>
+                                      </p:cBhvr>
+                                    </p:animEffect>
+                                  </p:childTnLst>
+                                </p:cTn>
+                              </p:par>
+                              <p:par>
+                                <p:cTn id="63" presetID="22" presetClass="entr" presetSubtype="4" fill="hold" grpId="0" nodeType="withEffect">
+                                  <p:stCondLst>
+                                    <p:cond delay="0"/>
+                                  </p:stCondLst>
+                                  <p:childTnLst>
+                                    <p:set>
+                                      <p:cBhvr>
+                                        <p:cTn id="64" dur="1" fill="hold">
+                                          <p:stCondLst>
+                                            <p:cond delay="0"/>
+                                          </p:stCondLst>
+                                        </p:cTn>
+                                        <p:tgtEl>
+                                          <p:spTgt spid="58"/>
+                                        </p:tgtEl>
+                                        <p:attrNameLst>
+                                          <p:attrName>style.visibility</p:attrName>
+                                        </p:attrNameLst>
+                                      </p:cBhvr>
+                                      <p:to>
+                                        <p:strVal val="visible"/>
+                                      </p:to>
+                                    </p:set>
+                                    <p:animEffect transition="in" filter="wipe(down)">
+                                      <p:cBhvr>
+                                        <p:cTn id="65" dur="500"/>
+                                        <p:tgtEl>
+                                          <p:spTgt spid="58"/>
+                                        </p:tgtEl>
+                                      </p:cBhvr>
+                                    </p:animEffect>
+                                  </p:childTnLst>
+                                </p:cTn>
+                              </p:par>
+                            </p:childTnLst>
+                          </p:cTn>
+                        </p:par>
+                      </p:childTnLst>
+                    </p:cTn>
+                  </p:par>
+                  <p:par>
+                    <p:cTn id="66" fill="hold">
+                      <p:stCondLst>
+                        <p:cond delay="indefinite"/>
+                      </p:stCondLst>
+                      <p:childTnLst>
+                        <p:par>
+                          <p:cTn id="67" fill="hold">
+                            <p:stCondLst>
+                              <p:cond delay="0"/>
+                            </p:stCondLst>
+                            <p:childTnLst>
+                              <p:par>
+                                <p:cTn id="68" presetID="3" presetClass="entr" presetSubtype="10" fill="hold" nodeType="clickEffect">
+                                  <p:stCondLst>
+                                    <p:cond delay="0"/>
+                                  </p:stCondLst>
+                                  <p:childTnLst>
+                                    <p:set>
+                                      <p:cBhvr>
+                                        <p:cTn id="69" dur="1" fill="hold">
+                                          <p:stCondLst>
+                                            <p:cond delay="0"/>
+                                          </p:stCondLst>
+                                        </p:cTn>
+                                        <p:tgtEl>
+                                          <p:spTgt spid="5"/>
+                                        </p:tgtEl>
+                                        <p:attrNameLst>
+                                          <p:attrName>style.visibility</p:attrName>
+                                        </p:attrNameLst>
+                                      </p:cBhvr>
+                                      <p:to>
+                                        <p:strVal val="visible"/>
+                                      </p:to>
+                                    </p:set>
+                                    <p:animEffect transition="in" filter="blinds(horizontal)">
+                                      <p:cBhvr>
+                                        <p:cTn id="70" dur="500"/>
+                                        <p:tgtEl>
+                                          <p:spTgt spid="5"/>
+                                        </p:tgtEl>
+                                      </p:cBhvr>
+                                    </p:animEffect>
+                                  </p:childTnLst>
+                                </p:cTn>
+                              </p:par>
+                              <p:par>
+                                <p:cTn id="71" presetID="3" presetClass="entr" presetSubtype="10" fill="hold" nodeType="withEffect">
+                                  <p:stCondLst>
+                                    <p:cond delay="0"/>
+                                  </p:stCondLst>
+                                  <p:childTnLst>
+                                    <p:set>
+                                      <p:cBhvr>
+                                        <p:cTn id="72" dur="1" fill="hold">
+                                          <p:stCondLst>
+                                            <p:cond delay="0"/>
+                                          </p:stCondLst>
+                                        </p:cTn>
+                                        <p:tgtEl>
+                                          <p:spTgt spid="53">
+                                            <p:txEl>
+                                              <p:pRg st="2" end="2"/>
+                                            </p:txEl>
+                                          </p:spTgt>
+                                        </p:tgtEl>
+                                        <p:attrNameLst>
+                                          <p:attrName>style.visibility</p:attrName>
+                                        </p:attrNameLst>
+                                      </p:cBhvr>
+                                      <p:to>
+                                        <p:strVal val="visible"/>
+                                      </p:to>
+                                    </p:set>
+                                    <p:animEffect transition="in" filter="blinds(horizontal)">
+                                      <p:cBhvr>
+                                        <p:cTn id="73" dur="500"/>
+                                        <p:tgtEl>
+                                          <p:spTgt spid="53">
+                                            <p:txEl>
+                                              <p:pRg st="2" end="2"/>
+                                            </p:txEl>
+                                          </p:spTgt>
+                                        </p:tgtEl>
+                                      </p:cBhvr>
+                                    </p:animEffect>
+                                  </p:childTnLst>
+                                </p:cTn>
+                              </p:par>
+                              <p:par>
+                                <p:cTn id="74" presetID="1" presetClass="entr" presetSubtype="0" fill="hold" grpId="0" nodeType="withEffect">
+                                  <p:stCondLst>
+                                    <p:cond delay="0"/>
+                                  </p:stCondLst>
+                                  <p:childTnLst>
+                                    <p:set>
+                                      <p:cBhvr>
+                                        <p:cTn id="75" dur="1" fill="hold">
+                                          <p:stCondLst>
+                                            <p:cond delay="0"/>
+                                          </p:stCondLst>
+                                        </p:cTn>
+                                        <p:tgtEl>
+                                          <p:spTgt spid="50"/>
+                                        </p:tgtEl>
+                                        <p:attrNameLst>
+                                          <p:attrName>style.visibility</p:attrName>
+                                        </p:attrNameLst>
+                                      </p:cBhvr>
+                                      <p:to>
+                                        <p:strVal val="visible"/>
+                                      </p:to>
+                                    </p:set>
+                                  </p:childTnLst>
+                                </p:cTn>
+                              </p:par>
+                            </p:childTnLst>
+                          </p:cTn>
+                        </p:par>
+                      </p:childTnLst>
+                    </p:cTn>
+                  </p:par>
+                  <p:par>
+                    <p:cTn id="76" fill="hold">
+                      <p:stCondLst>
+                        <p:cond delay="indefinite"/>
+                      </p:stCondLst>
+                      <p:childTnLst>
+                        <p:par>
+                          <p:cTn id="77" fill="hold">
+                            <p:stCondLst>
+                              <p:cond delay="0"/>
+                            </p:stCondLst>
+                            <p:childTnLst>
+                              <p:par>
+                                <p:cTn id="78" presetID="1" presetClass="entr" presetSubtype="0" fill="hold" grpId="0" nodeType="clickEffect">
+                                  <p:stCondLst>
+                                    <p:cond delay="0"/>
+                                  </p:stCondLst>
+                                  <p:childTnLst>
+                                    <p:set>
+                                      <p:cBhvr>
+                                        <p:cTn id="79" dur="1" fill="hold">
+                                          <p:stCondLst>
+                                            <p:cond delay="0"/>
+                                          </p:stCondLst>
+                                        </p:cTn>
+                                        <p:tgtEl>
+                                          <p:spTgt spid="11"/>
+                                        </p:tgtEl>
+                                        <p:attrNameLst>
+                                          <p:attrName>style.visibility</p:attrName>
+                                        </p:attrNameLst>
+                                      </p:cBhvr>
+                                      <p:to>
+                                        <p:strVal val="visible"/>
+                                      </p:to>
+                                    </p:set>
+                                  </p:childTnLst>
+                                </p:cTn>
+                              </p:par>
+                            </p:childTnLst>
+                          </p:cTn>
+                        </p:par>
+                      </p:childTnLst>
+                    </p:cTn>
+                  </p:par>
+                  <p:par>
+                    <p:cTn id="80" fill="hold">
+                      <p:stCondLst>
+                        <p:cond delay="indefinite"/>
+                      </p:stCondLst>
+                      <p:childTnLst>
+                        <p:par>
+                          <p:cTn id="81" fill="hold">
+                            <p:stCondLst>
+                              <p:cond delay="0"/>
+                            </p:stCondLst>
+                            <p:childTnLst>
+                              <p:par>
+                                <p:cTn id="82" presetID="1" presetClass="entr" presetSubtype="0" fill="hold" nodeType="clickEffect">
+                                  <p:stCondLst>
+                                    <p:cond delay="0"/>
+                                  </p:stCondLst>
+                                  <p:childTnLst>
+                                    <p:set>
+                                      <p:cBhvr>
+                                        <p:cTn id="83" dur="1" fill="hold">
+                                          <p:stCondLst>
+                                            <p:cond delay="0"/>
+                                          </p:stCondLst>
+                                        </p:cTn>
+                                        <p:tgtEl>
+                                          <p:spTgt spid="4"/>
+                                        </p:tgtEl>
+                                        <p:attrNameLst>
+                                          <p:attrName>style.visibility</p:attrName>
+                                        </p:attrNameLst>
+                                      </p:cBhvr>
+                                      <p:to>
+                                        <p:strVal val="visible"/>
+                                      </p:to>
+                                    </p:set>
+                                  </p:childTnLst>
+                                </p:cTn>
+                              </p:par>
+                              <p:par>
+                                <p:cTn id="84" presetID="3" presetClass="entr" presetSubtype="10" fill="hold" nodeType="withEffect">
+                                  <p:stCondLst>
+                                    <p:cond delay="0"/>
+                                  </p:stCondLst>
+                                  <p:childTnLst>
+                                    <p:set>
+                                      <p:cBhvr>
+                                        <p:cTn id="85" dur="1" fill="hold">
+                                          <p:stCondLst>
+                                            <p:cond delay="0"/>
+                                          </p:stCondLst>
+                                        </p:cTn>
+                                        <p:tgtEl>
+                                          <p:spTgt spid="53">
+                                            <p:txEl>
+                                              <p:pRg st="3" end="3"/>
+                                            </p:txEl>
+                                          </p:spTgt>
+                                        </p:tgtEl>
+                                        <p:attrNameLst>
+                                          <p:attrName>style.visibility</p:attrName>
+                                        </p:attrNameLst>
+                                      </p:cBhvr>
+                                      <p:to>
+                                        <p:strVal val="visible"/>
+                                      </p:to>
+                                    </p:set>
+                                    <p:animEffect transition="in" filter="blinds(horizontal)">
+                                      <p:cBhvr>
+                                        <p:cTn id="86" dur="500"/>
+                                        <p:tgtEl>
+                                          <p:spTgt spid="53">
+                                            <p:txEl>
+                                              <p:pRg st="3" end="3"/>
+                                            </p:txEl>
+                                          </p:spTgt>
+                                        </p:tgtEl>
+                                      </p:cBhvr>
+                                    </p:animEffect>
+                                  </p:childTnLst>
+                                </p:cTn>
+                              </p:par>
+                              <p:par>
+                                <p:cTn id="87" presetID="0" presetClass="path" presetSubtype="0" accel="50000" decel="50000" fill="hold" nodeType="withEffect">
+                                  <p:stCondLst>
+                                    <p:cond delay="0"/>
+                                  </p:stCondLst>
+                                  <p:childTnLst>
+                                    <p:animMotion origin="layout" path="M 0.42813 -0.27961 L -4.16667E-6 3.79278E-6 " pathEditMode="relative" rAng="0" ptsTypes="AA">
+                                      <p:cBhvr>
+                                        <p:cTn id="88" dur="2000" fill="hold"/>
+                                        <p:tgtEl>
+                                          <p:spTgt spid="4"/>
+                                        </p:tgtEl>
+                                        <p:attrNameLst>
+                                          <p:attrName>ppt_x</p:attrName>
+                                          <p:attrName>ppt_y</p:attrName>
+                                        </p:attrNameLst>
+                                      </p:cBhvr>
+                                      <p:rCtr x="-21406" y="13969"/>
+                                    </p:animMotion>
+                                  </p:childTnLst>
+                                </p:cTn>
+                              </p:par>
+                              <p:par>
+                                <p:cTn id="89" presetID="3" presetClass="entr" presetSubtype="10" fill="hold" grpId="0" nodeType="withEffect">
+                                  <p:stCondLst>
+                                    <p:cond delay="0"/>
+                                  </p:stCondLst>
+                                  <p:childTnLst>
+                                    <p:set>
+                                      <p:cBhvr>
+                                        <p:cTn id="90" dur="1" fill="hold">
+                                          <p:stCondLst>
+                                            <p:cond delay="0"/>
+                                          </p:stCondLst>
+                                        </p:cTn>
+                                        <p:tgtEl>
+                                          <p:spTgt spid="44"/>
+                                        </p:tgtEl>
+                                        <p:attrNameLst>
+                                          <p:attrName>style.visibility</p:attrName>
+                                        </p:attrNameLst>
+                                      </p:cBhvr>
+                                      <p:to>
+                                        <p:strVal val="visible"/>
+                                      </p:to>
+                                    </p:set>
+                                    <p:animEffect transition="in" filter="blinds(horizontal)">
+                                      <p:cBhvr>
+                                        <p:cTn id="91" dur="500"/>
+                                        <p:tgtEl>
+                                          <p:spTgt spid="44"/>
+                                        </p:tgtEl>
+                                      </p:cBhvr>
+                                    </p:animEffect>
+                                  </p:childTnLst>
+                                </p:cTn>
+                              </p:par>
+                            </p:childTnLst>
+                          </p:cTn>
+                        </p:par>
+                      </p:childTnLst>
+                    </p:cTn>
+                  </p:par>
+                  <p:par>
+                    <p:cTn id="92" fill="hold">
+                      <p:stCondLst>
+                        <p:cond delay="indefinite"/>
+                      </p:stCondLst>
+                      <p:childTnLst>
+                        <p:par>
+                          <p:cTn id="93" fill="hold">
+                            <p:stCondLst>
+                              <p:cond delay="0"/>
+                            </p:stCondLst>
+                            <p:childTnLst>
+                              <p:par>
+                                <p:cTn id="94" presetID="17" presetClass="entr" presetSubtype="8" fill="hold" nodeType="clickEffect">
+                                  <p:stCondLst>
+                                    <p:cond delay="0"/>
+                                  </p:stCondLst>
+                                  <p:childTnLst>
+                                    <p:set>
+                                      <p:cBhvr>
+                                        <p:cTn id="95" dur="1" fill="hold">
+                                          <p:stCondLst>
+                                            <p:cond delay="0"/>
+                                          </p:stCondLst>
+                                        </p:cTn>
+                                        <p:tgtEl>
+                                          <p:spTgt spid="41"/>
+                                        </p:tgtEl>
+                                        <p:attrNameLst>
+                                          <p:attrName>style.visibility</p:attrName>
+                                        </p:attrNameLst>
+                                      </p:cBhvr>
+                                      <p:to>
+                                        <p:strVal val="visible"/>
+                                      </p:to>
+                                    </p:set>
+                                    <p:anim calcmode="lin" valueType="num">
+                                      <p:cBhvr>
+                                        <p:cTn id="96" dur="500" fill="hold"/>
+                                        <p:tgtEl>
+                                          <p:spTgt spid="41"/>
+                                        </p:tgtEl>
+                                        <p:attrNameLst>
+                                          <p:attrName>ppt_x</p:attrName>
+                                        </p:attrNameLst>
+                                      </p:cBhvr>
+                                      <p:tavLst>
+                                        <p:tav tm="0">
+                                          <p:val>
+                                            <p:strVal val="#ppt_x-#ppt_w/2"/>
+                                          </p:val>
+                                        </p:tav>
+                                        <p:tav tm="100000">
+                                          <p:val>
+                                            <p:strVal val="#ppt_x"/>
+                                          </p:val>
+                                        </p:tav>
+                                      </p:tavLst>
+                                    </p:anim>
+                                    <p:anim calcmode="lin" valueType="num">
+                                      <p:cBhvr>
+                                        <p:cTn id="97" dur="500" fill="hold"/>
+                                        <p:tgtEl>
+                                          <p:spTgt spid="41"/>
+                                        </p:tgtEl>
+                                        <p:attrNameLst>
+                                          <p:attrName>ppt_y</p:attrName>
+                                        </p:attrNameLst>
+                                      </p:cBhvr>
+                                      <p:tavLst>
+                                        <p:tav tm="0">
+                                          <p:val>
+                                            <p:strVal val="#ppt_y"/>
+                                          </p:val>
+                                        </p:tav>
+                                        <p:tav tm="100000">
+                                          <p:val>
+                                            <p:strVal val="#ppt_y"/>
+                                          </p:val>
+                                        </p:tav>
+                                      </p:tavLst>
+                                    </p:anim>
+                                    <p:anim calcmode="lin" valueType="num">
+                                      <p:cBhvr>
+                                        <p:cTn id="98" dur="500" fill="hold"/>
+                                        <p:tgtEl>
+                                          <p:spTgt spid="41"/>
+                                        </p:tgtEl>
+                                        <p:attrNameLst>
+                                          <p:attrName>ppt_w</p:attrName>
+                                        </p:attrNameLst>
+                                      </p:cBhvr>
+                                      <p:tavLst>
+                                        <p:tav tm="0">
+                                          <p:val>
+                                            <p:fltVal val="0"/>
+                                          </p:val>
+                                        </p:tav>
+                                        <p:tav tm="100000">
+                                          <p:val>
+                                            <p:strVal val="#ppt_w"/>
+                                          </p:val>
+                                        </p:tav>
+                                      </p:tavLst>
+                                    </p:anim>
+                                    <p:anim calcmode="lin" valueType="num">
+                                      <p:cBhvr>
+                                        <p:cTn id="99" dur="500" fill="hold"/>
+                                        <p:tgtEl>
+                                          <p:spTgt spid="41"/>
+                                        </p:tgtEl>
+                                        <p:attrNameLst>
+                                          <p:attrName>ppt_h</p:attrName>
+                                        </p:attrNameLst>
+                                      </p:cBhvr>
+                                      <p:tavLst>
+                                        <p:tav tm="0">
+                                          <p:val>
+                                            <p:strVal val="#ppt_h"/>
+                                          </p:val>
+                                        </p:tav>
+                                        <p:tav tm="100000">
+                                          <p:val>
+                                            <p:strVal val="#ppt_h"/>
+                                          </p:val>
+                                        </p:tav>
+                                      </p:tavLst>
+                                    </p:anim>
+                                  </p:childTnLst>
+                                </p:cTn>
+                              </p:par>
+                              <p:par>
+                                <p:cTn id="100" presetID="3" presetClass="entr" presetSubtype="10" fill="hold" grpId="0" nodeType="withEffect">
+                                  <p:stCondLst>
+                                    <p:cond delay="0"/>
+                                  </p:stCondLst>
+                                  <p:childTnLst>
+                                    <p:set>
+                                      <p:cBhvr>
+                                        <p:cTn id="101" dur="1" fill="hold">
+                                          <p:stCondLst>
+                                            <p:cond delay="0"/>
+                                          </p:stCondLst>
+                                        </p:cTn>
+                                        <p:tgtEl>
+                                          <p:spTgt spid="48"/>
+                                        </p:tgtEl>
+                                        <p:attrNameLst>
+                                          <p:attrName>style.visibility</p:attrName>
+                                        </p:attrNameLst>
+                                      </p:cBhvr>
+                                      <p:to>
+                                        <p:strVal val="visible"/>
+                                      </p:to>
+                                    </p:set>
+                                    <p:animEffect transition="in" filter="blinds(horizontal)">
+                                      <p:cBhvr>
+                                        <p:cTn id="102" dur="500"/>
+                                        <p:tgtEl>
+                                          <p:spTgt spid="48"/>
+                                        </p:tgtEl>
+                                      </p:cBhvr>
+                                    </p:animEffect>
+                                  </p:childTnLst>
+                                </p:cTn>
+                              </p:par>
+                            </p:childTnLst>
+                          </p:cTn>
+                        </p:par>
+                      </p:childTnLst>
+                    </p:cTn>
+                  </p:par>
+                  <p:par>
+                    <p:cTn id="103" fill="hold">
+                      <p:stCondLst>
+                        <p:cond delay="indefinite"/>
+                      </p:stCondLst>
+                      <p:childTnLst>
+                        <p:par>
+                          <p:cTn id="104" fill="hold">
+                            <p:stCondLst>
+                              <p:cond delay="0"/>
+                            </p:stCondLst>
+                            <p:childTnLst>
+                              <p:par>
+                                <p:cTn id="105" presetID="3" presetClass="entr" presetSubtype="10" fill="hold" nodeType="clickEffect">
+                                  <p:stCondLst>
+                                    <p:cond delay="0"/>
+                                  </p:stCondLst>
+                                  <p:childTnLst>
+                                    <p:set>
+                                      <p:cBhvr>
+                                        <p:cTn id="106" dur="1" fill="hold">
+                                          <p:stCondLst>
+                                            <p:cond delay="0"/>
+                                          </p:stCondLst>
+                                        </p:cTn>
+                                        <p:tgtEl>
+                                          <p:spTgt spid="53">
+                                            <p:txEl>
+                                              <p:pRg st="4" end="4"/>
+                                            </p:txEl>
+                                          </p:spTgt>
+                                        </p:tgtEl>
+                                        <p:attrNameLst>
+                                          <p:attrName>style.visibility</p:attrName>
+                                        </p:attrNameLst>
+                                      </p:cBhvr>
+                                      <p:to>
+                                        <p:strVal val="visible"/>
+                                      </p:to>
+                                    </p:set>
+                                    <p:animEffect transition="in" filter="blinds(horizontal)">
+                                      <p:cBhvr>
+                                        <p:cTn id="107" dur="500"/>
+                                        <p:tgtEl>
+                                          <p:spTgt spid="53">
+                                            <p:txEl>
+                                              <p:pRg st="4" end="4"/>
+                                            </p:txEl>
+                                          </p:spTgt>
+                                        </p:tgtEl>
+                                      </p:cBhvr>
+                                    </p:animEffect>
+                                  </p:childTnLst>
+                                </p:cTn>
+                              </p:par>
+                            </p:childTnLst>
+                          </p:cTn>
+                        </p:par>
+                      </p:childTnLst>
+                    </p:cTn>
+                  </p:par>
+                </p:childTnLst>
+              </p:cTn>
+              <p:prevCondLst>
+                <p:cond evt="onPrev" delay="0">
+                  <p:tgtEl>
+                    <p:sldTgt/>
+                  </p:tgtEl>
+                </p:cond>
+              </p:prevCondLst>
+              <p:nextCondLst>
+                <p:cond evt="onNext" delay="0">
+                  <p:tgtEl>
+                    <p:sldTgt/>
+                  </p:tgtEl>
+                </p:cond>
+              </p:nextCondLst>
+            </p:seq>
+          </p:childTnLst>
+        </p:cTn>
+      </p:par>
+    </p:tnLst>
+    <p:bldLst>
+      <p:bldP spid="11" grpId="0" animBg="1"/>
+      <p:bldP spid="44" grpId="0"/>
+      <p:bldP spid="47" grpId="0"/>
+      <p:bldP spid="48" grpId="0" animBg="1"/>
+      <p:bldP spid="50" grpId="0"/>
+      <p:bldP spid="3" grpId="0" animBg="1"/>
+      <p:bldP spid="3" grpId="1" animBg="1"/>
+      <p:bldP spid="57" grpId="0" animBg="1"/>
+      <p:bldP spid="57" grpId="1" animBg="1"/>
+      <p:bldP spid="9" grpId="0" animBg="1"/>
+      <p:bldP spid="45" grpId="0" animBg="1"/>
+      <p:bldP spid="58" grpId="0" animBg="1"/>
+    </p:bldLst>
   </p:timing>
 </p:sld>
 </file>
@@ -3945,4 +11290,289 @@
   <a:objectDefaults/>
   <a:extraClrSchemeLst/>
 </a:theme>
+</file>
+
+<file path=ppt/theme/theme2.xml><?xml version="1.0" encoding="utf-8"?>
+<a:theme xmlns:a="http://schemas.openxmlformats.org/drawingml/2006/main" name="Office Theme">
+  <a:themeElements>
+    <a:clrScheme name="Office">
+      <a:dk1>
+        <a:sysClr val="windowText" lastClr="000000"/>
+      </a:dk1>
+      <a:lt1>
+        <a:sysClr val="window" lastClr="FFFFFF"/>
+      </a:lt1>
+      <a:dk2>
+        <a:srgbClr val="1F497D"/>
+      </a:dk2>
+      <a:lt2>
+        <a:srgbClr val="EEECE1"/>
+      </a:lt2>
+      <a:accent1>
+        <a:srgbClr val="4F81BD"/>
+      </a:accent1>
+      <a:accent2>
+        <a:srgbClr val="C0504D"/>
+      </a:accent2>
+      <a:accent3>
+        <a:srgbClr val="9BBB59"/>
+      </a:accent3>
+      <a:accent4>
+        <a:srgbClr val="8064A2"/>
+      </a:accent4>
+      <a:accent5>
+        <a:srgbClr val="4BACC6"/>
+      </a:accent5>
+      <a:accent6>
+        <a:srgbClr val="F79646"/>
+      </a:accent6>
+      <a:hlink>
+        <a:srgbClr val="0000FF"/>
+      </a:hlink>
+      <a:folHlink>
+        <a:srgbClr val="800080"/>
+      </a:folHlink>
+    </a:clrScheme>
+    <a:fontScheme name="Office">
+      <a:majorFont>
+        <a:latin typeface="Calibri"/>
+        <a:ea typeface=""/>
+        <a:cs typeface=""/>
+        <a:font script="Jpan" typeface="ＭＳ Ｐゴシック"/>
+        <a:font script="Hang" typeface="맑은 고딕"/>
+        <a:font script="Hans" typeface="宋体"/>
+        <a:font script="Hant" typeface="新細明體"/>
+        <a:font script="Arab" typeface="Times New Roman"/>
+        <a:font script="Hebr" typeface="Times New Roman"/>
+        <a:font script="Thai" typeface="Angsana New"/>
+        <a:font script="Ethi" typeface="Nyala"/>
+        <a:font script="Beng" typeface="Vrinda"/>
+        <a:font script="Gujr" typeface="Shruti"/>
+        <a:font script="Khmr" typeface="MoolBoran"/>
+        <a:font script="Knda" typeface="Tunga"/>
+        <a:font script="Guru" typeface="Raavi"/>
+        <a:font script="Cans" typeface="Euphemia"/>
+        <a:font script="Cher" typeface="Plantagenet Cherokee"/>
+        <a:font script="Yiii" typeface="Microsoft Yi Baiti"/>
+        <a:font script="Tibt" typeface="Microsoft Himalaya"/>
+        <a:font script="Thaa" typeface="MV Boli"/>
+        <a:font script="Deva" typeface="Mangal"/>
+        <a:font script="Telu" typeface="Gautami"/>
+        <a:font script="Taml" typeface="Latha"/>
+        <a:font script="Syrc" typeface="Estrangelo Edessa"/>
+        <a:font script="Orya" typeface="Kalinga"/>
+        <a:font script="Mlym" typeface="Kartika"/>
+        <a:font script="Laoo" typeface="DokChampa"/>
+        <a:font script="Sinh" typeface="Iskoola Pota"/>
+        <a:font script="Mong" typeface="Mongolian Baiti"/>
+        <a:font script="Viet" typeface="Times New Roman"/>
+        <a:font script="Uigh" typeface="Microsoft Uighur"/>
+        <a:font script="Geor" typeface="Sylfaen"/>
+      </a:majorFont>
+      <a:minorFont>
+        <a:latin typeface="Calibri"/>
+        <a:ea typeface=""/>
+        <a:cs typeface=""/>
+        <a:font script="Jpan" typeface="ＭＳ Ｐゴシック"/>
+        <a:font script="Hang" typeface="맑은 고딕"/>
+        <a:font script="Hans" typeface="宋体"/>
+        <a:font script="Hant" typeface="新細明體"/>
+        <a:font script="Arab" typeface="Arial"/>
+        <a:font script="Hebr" typeface="Arial"/>
+        <a:font script="Thai" typeface="Cordia New"/>
+        <a:font script="Ethi" typeface="Nyala"/>
+        <a:font script="Beng" typeface="Vrinda"/>
+        <a:font script="Gujr" typeface="Shruti"/>
+        <a:font script="Khmr" typeface="DaunPenh"/>
+        <a:font script="Knda" typeface="Tunga"/>
+        <a:font script="Guru" typeface="Raavi"/>
+        <a:font script="Cans" typeface="Euphemia"/>
+        <a:font script="Cher" typeface="Plantagenet Cherokee"/>
+        <a:font script="Yiii" typeface="Microsoft Yi Baiti"/>
+        <a:font script="Tibt" typeface="Microsoft Himalaya"/>
+        <a:font script="Thaa" typeface="MV Boli"/>
+        <a:font script="Deva" typeface="Mangal"/>
+        <a:font script="Telu" typeface="Gautami"/>
+        <a:font script="Taml" typeface="Latha"/>
+        <a:font script="Syrc" typeface="Estrangelo Edessa"/>
+        <a:font script="Orya" typeface="Kalinga"/>
+        <a:font script="Mlym" typeface="Kartika"/>
+        <a:font script="Laoo" typeface="DokChampa"/>
+        <a:font script="Sinh" typeface="Iskoola Pota"/>
+        <a:font script="Mong" typeface="Mongolian Baiti"/>
+        <a:font script="Viet" typeface="Arial"/>
+        <a:font script="Uigh" typeface="Microsoft Uighur"/>
+        <a:font script="Geor" typeface="Sylfaen"/>
+      </a:minorFont>
+    </a:fontScheme>
+    <a:fmtScheme name="Office">
+      <a:fillStyleLst>
+        <a:solidFill>
+          <a:schemeClr val="phClr"/>
+        </a:solidFill>
+        <a:gradFill rotWithShape="1">
+          <a:gsLst>
+            <a:gs pos="0">
+              <a:schemeClr val="phClr">
+                <a:tint val="50000"/>
+                <a:satMod val="300000"/>
+              </a:schemeClr>
+            </a:gs>
+            <a:gs pos="35000">
+              <a:schemeClr val="phClr">
+                <a:tint val="37000"/>
+                <a:satMod val="300000"/>
+              </a:schemeClr>
+            </a:gs>
+            <a:gs pos="100000">
+              <a:schemeClr val="phClr">
+                <a:tint val="15000"/>
+                <a:satMod val="350000"/>
+              </a:schemeClr>
+            </a:gs>
+          </a:gsLst>
+          <a:lin ang="16200000" scaled="1"/>
+        </a:gradFill>
+        <a:gradFill rotWithShape="1">
+          <a:gsLst>
+            <a:gs pos="0">
+              <a:schemeClr val="phClr">
+                <a:shade val="51000"/>
+                <a:satMod val="130000"/>
+              </a:schemeClr>
+            </a:gs>
+            <a:gs pos="80000">
+              <a:schemeClr val="phClr">
+                <a:shade val="93000"/>
+                <a:satMod val="130000"/>
+              </a:schemeClr>
+            </a:gs>
+            <a:gs pos="100000">
+              <a:schemeClr val="phClr">
+                <a:shade val="94000"/>
+                <a:satMod val="135000"/>
+              </a:schemeClr>
+            </a:gs>
+          </a:gsLst>
+          <a:lin ang="16200000" scaled="0"/>
+        </a:gradFill>
+      </a:fillStyleLst>
+      <a:lnStyleLst>
+        <a:ln w="9525" cap="flat" cmpd="sng" algn="ctr">
+          <a:solidFill>
+            <a:schemeClr val="phClr">
+              <a:shade val="95000"/>
+              <a:satMod val="105000"/>
+            </a:schemeClr>
+          </a:solidFill>
+          <a:prstDash val="solid"/>
+        </a:ln>
+        <a:ln w="25400" cap="flat" cmpd="sng" algn="ctr">
+          <a:solidFill>
+            <a:schemeClr val="phClr"/>
+          </a:solidFill>
+          <a:prstDash val="solid"/>
+        </a:ln>
+        <a:ln w="38100" cap="flat" cmpd="sng" algn="ctr">
+          <a:solidFill>
+            <a:schemeClr val="phClr"/>
+          </a:solidFill>
+          <a:prstDash val="solid"/>
+        </a:ln>
+      </a:lnStyleLst>
+      <a:effectStyleLst>
+        <a:effectStyle>
+          <a:effectLst>
+            <a:outerShdw blurRad="40000" dist="20000" dir="5400000" rotWithShape="0">
+              <a:srgbClr val="000000">
+                <a:alpha val="38000"/>
+              </a:srgbClr>
+            </a:outerShdw>
+          </a:effectLst>
+        </a:effectStyle>
+        <a:effectStyle>
+          <a:effectLst>
+            <a:outerShdw blurRad="40000" dist="23000" dir="5400000" rotWithShape="0">
+              <a:srgbClr val="000000">
+                <a:alpha val="35000"/>
+              </a:srgbClr>
+            </a:outerShdw>
+          </a:effectLst>
+        </a:effectStyle>
+        <a:effectStyle>
+          <a:effectLst>
+            <a:outerShdw blurRad="40000" dist="23000" dir="5400000" rotWithShape="0">
+              <a:srgbClr val="000000">
+                <a:alpha val="35000"/>
+              </a:srgbClr>
+            </a:outerShdw>
+          </a:effectLst>
+          <a:scene3d>
+            <a:camera prst="orthographicFront">
+              <a:rot lat="0" lon="0" rev="0"/>
+            </a:camera>
+            <a:lightRig rig="threePt" dir="t">
+              <a:rot lat="0" lon="0" rev="1200000"/>
+            </a:lightRig>
+          </a:scene3d>
+          <a:sp3d>
+            <a:bevelT w="63500" h="25400"/>
+          </a:sp3d>
+        </a:effectStyle>
+      </a:effectStyleLst>
+      <a:bgFillStyleLst>
+        <a:solidFill>
+          <a:schemeClr val="phClr"/>
+        </a:solidFill>
+        <a:gradFill rotWithShape="1">
+          <a:gsLst>
+            <a:gs pos="0">
+              <a:schemeClr val="phClr">
+                <a:tint val="40000"/>
+                <a:satMod val="350000"/>
+              </a:schemeClr>
+            </a:gs>
+            <a:gs pos="40000">
+              <a:schemeClr val="phClr">
+                <a:tint val="45000"/>
+                <a:shade val="99000"/>
+                <a:satMod val="350000"/>
+              </a:schemeClr>
+            </a:gs>
+            <a:gs pos="100000">
+              <a:schemeClr val="phClr">
+                <a:shade val="20000"/>
+                <a:satMod val="255000"/>
+              </a:schemeClr>
+            </a:gs>
+          </a:gsLst>
+          <a:path path="circle">
+            <a:fillToRect l="50000" t="-80000" r="50000" b="180000"/>
+          </a:path>
+        </a:gradFill>
+        <a:gradFill rotWithShape="1">
+          <a:gsLst>
+            <a:gs pos="0">
+              <a:schemeClr val="phClr">
+                <a:tint val="80000"/>
+                <a:satMod val="300000"/>
+              </a:schemeClr>
+            </a:gs>
+            <a:gs pos="100000">
+              <a:schemeClr val="phClr">
+                <a:shade val="30000"/>
+                <a:satMod val="200000"/>
+              </a:schemeClr>
+            </a:gs>
+          </a:gsLst>
+          <a:path path="circle">
+            <a:fillToRect l="50000" t="50000" r="50000" b="50000"/>
+          </a:path>
+        </a:gradFill>
+      </a:bgFillStyleLst>
+    </a:fmtScheme>
+  </a:themeElements>
+  <a:objectDefaults/>
+  <a:extraClrSchemeLst/>
+</a:theme>
 </file>
--- a/trunk/Paper Presentation/Partition layer.pptx
+++ b/trunk/Paper Presentation/Partition layer.pptx
@@ -9,11 +9,11 @@
   </p:notesMasterIdLst>
   <p:sldIdLst>
     <p:sldId id="256" r:id="rId2"/>
-    <p:sldId id="257" r:id="rId3"/>
+    <p:sldId id="262" r:id="rId3"/>
     <p:sldId id="258" r:id="rId4"/>
     <p:sldId id="260" r:id="rId5"/>
-    <p:sldId id="259" r:id="rId6"/>
-    <p:sldId id="261" r:id="rId7"/>
+    <p:sldId id="261" r:id="rId6"/>
+    <p:sldId id="263" r:id="rId7"/>
   </p:sldIdLst>
   <p:sldSz cx="9144000" cy="6858000" type="screen4x3"/>
   <p:notesSz cx="6858000" cy="9144000"/>
@@ -492,6 +492,223 @@
             <p:ph type="sldImg"/>
           </p:nvPr>
         </p:nvSpPr>
+        <p:spPr>
+          <a:xfrm>
+            <a:off x="382588" y="685800"/>
+            <a:ext cx="6092825" cy="3429000"/>
+          </a:xfrm>
+        </p:spPr>
+      </p:sp>
+      <p:sp>
+        <p:nvSpPr>
+          <p:cNvPr id="3" name="Notes Placeholder 2"/>
+          <p:cNvSpPr>
+            <a:spLocks noGrp="1"/>
+          </p:cNvSpPr>
+          <p:nvPr>
+            <p:ph type="body" idx="1"/>
+          </p:nvPr>
+        </p:nvSpPr>
+        <p:spPr/>
+        <p:txBody>
+          <a:bodyPr>
+            <a:normAutofit/>
+          </a:bodyPr>
+          <a:lstStyle/>
+          <a:p>
+            <a:endParaRPr lang="en-US"/>
+          </a:p>
+        </p:txBody>
+      </p:sp>
+      <p:sp>
+        <p:nvSpPr>
+          <p:cNvPr id="4" name="Header Placeholder 3"/>
+          <p:cNvSpPr>
+            <a:spLocks noGrp="1"/>
+          </p:cNvSpPr>
+          <p:nvPr>
+            <p:ph type="hdr" sz="quarter" idx="10"/>
+          </p:nvPr>
+        </p:nvSpPr>
+        <p:spPr/>
+        <p:txBody>
+          <a:bodyPr/>
+          <a:lstStyle/>
+          <a:p>
+            <a:endParaRPr lang="en-US" dirty="0">
+              <a:solidFill>
+                <a:prstClr val="black"/>
+              </a:solidFill>
+            </a:endParaRPr>
+          </a:p>
+        </p:txBody>
+      </p:sp>
+      <p:sp>
+        <p:nvSpPr>
+          <p:cNvPr id="5" name="Date Placeholder 4"/>
+          <p:cNvSpPr>
+            <a:spLocks noGrp="1"/>
+          </p:cNvSpPr>
+          <p:nvPr>
+            <p:ph type="dt" idx="11"/>
+          </p:nvPr>
+        </p:nvSpPr>
+        <p:spPr/>
+        <p:txBody>
+          <a:bodyPr/>
+          <a:lstStyle/>
+          <a:p>
+            <a:fld id="{81331B57-0BE5-4F82-AA58-76F53EFF3ADA}" type="datetime8">
+              <a:rPr lang="en-US" smtClean="0">
+                <a:solidFill>
+                  <a:prstClr val="black"/>
+                </a:solidFill>
+              </a:rPr>
+              <a:pPr/>
+              <a:t>22/10/2012 4:36 PM</a:t>
+            </a:fld>
+            <a:endParaRPr lang="en-US">
+              <a:solidFill>
+                <a:prstClr val="black"/>
+              </a:solidFill>
+            </a:endParaRPr>
+          </a:p>
+        </p:txBody>
+      </p:sp>
+      <p:sp>
+        <p:nvSpPr>
+          <p:cNvPr id="7" name="Slide Number Placeholder 6"/>
+          <p:cNvSpPr>
+            <a:spLocks noGrp="1"/>
+          </p:cNvSpPr>
+          <p:nvPr>
+            <p:ph type="sldNum" sz="quarter" idx="13"/>
+          </p:nvPr>
+        </p:nvSpPr>
+        <p:spPr/>
+        <p:txBody>
+          <a:bodyPr/>
+          <a:lstStyle/>
+          <a:p>
+            <a:fld id="{EC87E0CF-87F6-4B58-B8B8-DCAB2DAAF3CA}" type="slidenum">
+              <a:rPr lang="en-US" smtClean="0">
+                <a:solidFill>
+                  <a:prstClr val="black"/>
+                </a:solidFill>
+              </a:rPr>
+              <a:pPr/>
+              <a:t>2</a:t>
+            </a:fld>
+            <a:endParaRPr lang="en-US" dirty="0">
+              <a:solidFill>
+                <a:prstClr val="black"/>
+              </a:solidFill>
+            </a:endParaRPr>
+          </a:p>
+        </p:txBody>
+      </p:sp>
+      <p:sp>
+        <p:nvSpPr>
+          <p:cNvPr id="8" name="Footer Placeholder 3"/>
+          <p:cNvSpPr>
+            <a:spLocks noGrp="1"/>
+          </p:cNvSpPr>
+          <p:nvPr>
+            <p:ph type="ftr" sz="quarter" idx="4"/>
+          </p:nvPr>
+        </p:nvSpPr>
+        <p:spPr>
+          <a:xfrm>
+            <a:off x="0" y="8685213"/>
+            <a:ext cx="6248400" cy="457200"/>
+          </a:xfrm>
+          <a:prstGeom prst="rect">
+            <a:avLst/>
+          </a:prstGeom>
+        </p:spPr>
+        <p:txBody>
+          <a:bodyPr vert="horz" lIns="91440" tIns="45720" rIns="91440" bIns="45720" rtlCol="0" anchor="b"/>
+          <a:lstStyle>
+            <a:lvl1pPr algn="l">
+              <a:defRPr sz="1200"/>
+            </a:lvl1pPr>
+          </a:lstStyle>
+          <a:p>
+            <a:r>
+              <a:rPr lang="en-US" sz="500" dirty="0" smtClean="0">
+                <a:solidFill>
+                  <a:srgbClr val="000000"/>
+                </a:solidFill>
+                <a:latin typeface="Segoe UI" pitchFamily="34" charset="0"/>
+              </a:rPr>
+              <a:t>© 2010 Microsoft Corporation. All rights reserved. Microsoft, Windows, Windows Vista and other product names are or may be registered trademarks and/or trademarks in the U.S. and/or other countries.</a:t>
+            </a:r>
+          </a:p>
+          <a:p>
+            <a:r>
+              <a:rPr lang="en-US" sz="500" dirty="0" smtClean="0">
+                <a:solidFill>
+                  <a:srgbClr val="000000"/>
+                </a:solidFill>
+                <a:latin typeface="Segoe UI" pitchFamily="34" charset="0"/>
+              </a:rPr>
+              <a:t>The information herein is for informational purposes only and represents the current view of Microsoft Corporation as of the date of this presentation.  Because Microsoft must respond to changing market conditions, it should not be interpreted to be a commitment on the part of Microsoft, and Microsoft cannot guarantee the accuracy of any information provided after the date of this presentation.  </a:t>
+            </a:r>
+            <a:br>
+              <a:rPr lang="en-US" sz="500" dirty="0" smtClean="0">
+                <a:solidFill>
+                  <a:srgbClr val="000000"/>
+                </a:solidFill>
+                <a:latin typeface="Segoe UI" pitchFamily="34" charset="0"/>
+              </a:rPr>
+            </a:br>
+            <a:r>
+              <a:rPr lang="en-US" sz="500" dirty="0" smtClean="0">
+                <a:solidFill>
+                  <a:srgbClr val="000000"/>
+                </a:solidFill>
+                <a:latin typeface="Segoe UI" pitchFamily="34" charset="0"/>
+              </a:rPr>
+              <a:t>MICROSOFT MAKES NO WARRANTIES, EXPRESS, IMPLIED OR STATUTORY, AS TO THE INFORMATION IN THIS PRESENTATION.</a:t>
+            </a:r>
+          </a:p>
+        </p:txBody>
+      </p:sp>
+    </p:spTree>
+  </p:cSld>
+  <p:clrMapOvr>
+    <a:masterClrMapping/>
+  </p:clrMapOvr>
+</p:notes>
+</file>
+
+<file path=ppt/notesSlides/notesSlide2.xml><?xml version="1.0" encoding="utf-8"?>
+<p:notes xmlns:a="http://schemas.openxmlformats.org/drawingml/2006/main" xmlns:r="http://schemas.openxmlformats.org/officeDocument/2006/relationships" xmlns:p="http://schemas.openxmlformats.org/presentationml/2006/main">
+  <p:cSld>
+    <p:spTree>
+      <p:nvGrpSpPr>
+        <p:cNvPr id="1" name=""/>
+        <p:cNvGrpSpPr/>
+        <p:nvPr/>
+      </p:nvGrpSpPr>
+      <p:grpSpPr>
+        <a:xfrm>
+          <a:off x="0" y="0"/>
+          <a:ext cx="0" cy="0"/>
+          <a:chOff x="0" y="0"/>
+          <a:chExt cx="0" cy="0"/>
+        </a:xfrm>
+      </p:grpSpPr>
+      <p:sp>
+        <p:nvSpPr>
+          <p:cNvPr id="2" name="Slide Image Placeholder 1"/>
+          <p:cNvSpPr>
+            <a:spLocks noGrp="1" noRot="1" noChangeAspect="1"/>
+          </p:cNvSpPr>
+          <p:nvPr>
+            <p:ph type="sldImg"/>
+          </p:nvPr>
+        </p:nvSpPr>
         <p:spPr/>
       </p:sp>
       <p:sp>
@@ -533,7 +750,7 @@
             <a:fld id="{8B263312-38AA-4E1E-B2B5-0F8F122B24FE}" type="slidenum">
               <a:rPr lang="en-US" smtClean="0"/>
               <a:pPr/>
-              <a:t>6</a:t>
+              <a:t>5</a:t>
             </a:fld>
             <a:endParaRPr lang="en-US" dirty="0"/>
           </a:p>
@@ -728,7 +945,7 @@
           <a:p>
             <a:fld id="{D182CCF5-22E8-4193-B0D2-1DB9465CE9C7}" type="datetimeFigureOut">
               <a:rPr lang="en-US" smtClean="0"/>
-              <a:t>10/22/2012</a:t>
+              <a:t>22/10/2012</a:t>
             </a:fld>
             <a:endParaRPr lang="en-US"/>
           </a:p>
@@ -898,7 +1115,7 @@
           <a:p>
             <a:fld id="{D182CCF5-22E8-4193-B0D2-1DB9465CE9C7}" type="datetimeFigureOut">
               <a:rPr lang="en-US" smtClean="0"/>
-              <a:t>10/22/2012</a:t>
+              <a:t>22/10/2012</a:t>
             </a:fld>
             <a:endParaRPr lang="en-US"/>
           </a:p>
@@ -1078,7 +1295,7 @@
           <a:p>
             <a:fld id="{D182CCF5-22E8-4193-B0D2-1DB9465CE9C7}" type="datetimeFigureOut">
               <a:rPr lang="en-US" smtClean="0"/>
-              <a:t>10/22/2012</a:t>
+              <a:t>22/10/2012</a:t>
             </a:fld>
             <a:endParaRPr lang="en-US"/>
           </a:p>
@@ -1136,6 +1353,270 @@
   <p:clrMapOvr>
     <a:masterClrMapping/>
   </p:clrMapOvr>
+</p:sldLayout>
+</file>
+
+<file path=ppt/slideLayouts/slideLayout12.xml><?xml version="1.0" encoding="utf-8"?>
+<p:sldLayout xmlns:a="http://schemas.openxmlformats.org/drawingml/2006/main" xmlns:r="http://schemas.openxmlformats.org/officeDocument/2006/relationships" xmlns:p="http://schemas.openxmlformats.org/presentationml/2006/main" showMasterSp="0" userDrawn="1">
+  <p:cSld name="12_Title and Content">
+    <p:spTree>
+      <p:nvGrpSpPr>
+        <p:cNvPr id="1" name=""/>
+        <p:cNvGrpSpPr/>
+        <p:nvPr/>
+      </p:nvGrpSpPr>
+      <p:grpSpPr>
+        <a:xfrm>
+          <a:off x="0" y="0"/>
+          <a:ext cx="0" cy="0"/>
+          <a:chOff x="0" y="0"/>
+          <a:chExt cx="0" cy="0"/>
+        </a:xfrm>
+      </p:grpSpPr>
+      <p:sp>
+        <p:nvSpPr>
+          <p:cNvPr id="2" name="Title 1"/>
+          <p:cNvSpPr>
+            <a:spLocks noGrp="1"/>
+          </p:cNvSpPr>
+          <p:nvPr>
+            <p:ph type="title"/>
+          </p:nvPr>
+        </p:nvSpPr>
+        <p:spPr>
+          <a:xfrm>
+            <a:off x="389436" y="228600"/>
+            <a:ext cx="8363938" cy="609398"/>
+          </a:xfrm>
+        </p:spPr>
+        <p:txBody>
+          <a:bodyPr/>
+          <a:lstStyle>
+            <a:lvl1pPr>
+              <a:defRPr/>
+            </a:lvl1pPr>
+          </a:lstStyle>
+          <a:p>
+            <a:r>
+              <a:rPr lang="en-US" smtClean="0"/>
+              <a:t>Click to edit Master title style</a:t>
+            </a:r>
+            <a:endParaRPr lang="en-US" dirty="0"/>
+          </a:p>
+        </p:txBody>
+      </p:sp>
+      <p:sp>
+        <p:nvSpPr>
+          <p:cNvPr id="7" name="Text Placeholder 6"/>
+          <p:cNvSpPr>
+            <a:spLocks noGrp="1"/>
+          </p:cNvSpPr>
+          <p:nvPr>
+            <p:ph type="body" sz="quarter" idx="10"/>
+          </p:nvPr>
+        </p:nvSpPr>
+        <p:spPr>
+          <a:xfrm>
+            <a:off x="389436" y="1447800"/>
+            <a:ext cx="8363937" cy="2283702"/>
+          </a:xfrm>
+        </p:spPr>
+        <p:txBody>
+          <a:bodyPr>
+            <a:spAutoFit/>
+          </a:bodyPr>
+          <a:lstStyle>
+            <a:lvl1pPr marL="460375" indent="-460375">
+              <a:buFont typeface="Arial" pitchFamily="34" charset="0"/>
+              <a:buChar char="•"/>
+              <a:defRPr/>
+            </a:lvl1pPr>
+            <a:lvl2pPr marL="855663" indent="-395288">
+              <a:buFont typeface="Arial" pitchFamily="34" charset="0"/>
+              <a:buChar char="•"/>
+              <a:defRPr/>
+            </a:lvl2pPr>
+            <a:lvl3pPr marL="1258888" indent="-403225">
+              <a:buFont typeface="Arial" pitchFamily="34" charset="0"/>
+              <a:buChar char="•"/>
+              <a:defRPr/>
+            </a:lvl3pPr>
+            <a:lvl4pPr marL="1604963" indent="-346075">
+              <a:buFont typeface="Arial" pitchFamily="34" charset="0"/>
+              <a:buChar char="•"/>
+              <a:defRPr/>
+            </a:lvl4pPr>
+            <a:lvl5pPr marL="1941513" indent="-336550">
+              <a:buFont typeface="Arial" pitchFamily="34" charset="0"/>
+              <a:buChar char="•"/>
+              <a:defRPr/>
+            </a:lvl5pPr>
+          </a:lstStyle>
+          <a:p>
+            <a:pPr lvl="0"/>
+            <a:r>
+              <a:rPr lang="en-US" dirty="0" smtClean="0"/>
+              <a:t>Click to edit Master text styles</a:t>
+            </a:r>
+          </a:p>
+          <a:p>
+            <a:pPr lvl="1"/>
+            <a:r>
+              <a:rPr lang="en-US" dirty="0" smtClean="0"/>
+              <a:t>Second level</a:t>
+            </a:r>
+          </a:p>
+          <a:p>
+            <a:pPr lvl="2"/>
+            <a:r>
+              <a:rPr lang="en-US" dirty="0" smtClean="0"/>
+              <a:t>Third level</a:t>
+            </a:r>
+          </a:p>
+          <a:p>
+            <a:pPr lvl="3"/>
+            <a:r>
+              <a:rPr lang="en-US" dirty="0" smtClean="0"/>
+              <a:t>Fourth level</a:t>
+            </a:r>
+          </a:p>
+          <a:p>
+            <a:pPr lvl="4"/>
+            <a:r>
+              <a:rPr lang="en-US" dirty="0" smtClean="0"/>
+              <a:t>Fifth level</a:t>
+            </a:r>
+            <a:endParaRPr lang="en-US" dirty="0"/>
+          </a:p>
+        </p:txBody>
+      </p:sp>
+      <p:sp>
+        <p:nvSpPr>
+          <p:cNvPr id="5" name="Rectangle 4"/>
+          <p:cNvSpPr/>
+          <p:nvPr userDrawn="1"/>
+        </p:nvSpPr>
+        <p:spPr>
+          <a:xfrm>
+            <a:off x="0" y="6567339"/>
+            <a:ext cx="1683474" cy="261610"/>
+          </a:xfrm>
+          <a:prstGeom prst="rect">
+            <a:avLst/>
+          </a:prstGeom>
+        </p:spPr>
+        <p:txBody>
+          <a:bodyPr wrap="none">
+            <a:spAutoFit/>
+          </a:bodyPr>
+          <a:lstStyle/>
+          <a:p>
+            <a:r>
+              <a:rPr lang="en-US" sz="1100" dirty="0" smtClean="0">
+                <a:gradFill>
+                  <a:gsLst>
+                    <a:gs pos="0">
+                      <a:srgbClr val="FFFFFF"/>
+                    </a:gs>
+                    <a:gs pos="86000">
+                      <a:srgbClr val="FFFFFF"/>
+                    </a:gs>
+                  </a:gsLst>
+                  <a:lin ang="5400000" scaled="0"/>
+                </a:gradFill>
+                <a:latin typeface="Segoe UI" pitchFamily="34" charset="0"/>
+                <a:ea typeface="Segoe UI" pitchFamily="34" charset="0"/>
+                <a:cs typeface="Segoe UI" pitchFamily="34" charset="0"/>
+              </a:rPr>
+              <a:t>www.buildwindows.com</a:t>
+            </a:r>
+            <a:endParaRPr lang="en-US" sz="1100" dirty="0">
+              <a:gradFill>
+                <a:gsLst>
+                  <a:gs pos="0">
+                    <a:srgbClr val="FFFFFF"/>
+                  </a:gs>
+                  <a:gs pos="86000">
+                    <a:srgbClr val="FFFFFF"/>
+                  </a:gs>
+                </a:gsLst>
+                <a:lin ang="5400000" scaled="0"/>
+              </a:gradFill>
+              <a:latin typeface="Segoe UI" pitchFamily="34" charset="0"/>
+              <a:ea typeface="Segoe UI" pitchFamily="34" charset="0"/>
+              <a:cs typeface="Segoe UI" pitchFamily="34" charset="0"/>
+            </a:endParaRPr>
+          </a:p>
+        </p:txBody>
+      </p:sp>
+      <p:sp>
+        <p:nvSpPr>
+          <p:cNvPr id="3" name="Footer Placeholder 2"/>
+          <p:cNvSpPr>
+            <a:spLocks noGrp="1"/>
+          </p:cNvSpPr>
+          <p:nvPr>
+            <p:ph type="ftr" sz="quarter" idx="11"/>
+          </p:nvPr>
+        </p:nvSpPr>
+        <p:spPr/>
+        <p:txBody>
+          <a:bodyPr/>
+          <a:lstStyle/>
+          <a:p>
+            <a:pPr algn="l"/>
+            <a:r>
+              <a:rPr lang="en-US" smtClean="0"/>
+              <a:t>Microsoft Confidential</a:t>
+            </a:r>
+            <a:endParaRPr lang="en-US" dirty="0"/>
+          </a:p>
+        </p:txBody>
+      </p:sp>
+      <p:sp>
+        <p:nvSpPr>
+          <p:cNvPr id="4" name="Slide Number Placeholder 3"/>
+          <p:cNvSpPr>
+            <a:spLocks noGrp="1"/>
+          </p:cNvSpPr>
+          <p:nvPr>
+            <p:ph type="sldNum" sz="quarter" idx="12"/>
+          </p:nvPr>
+        </p:nvSpPr>
+        <p:spPr/>
+        <p:txBody>
+          <a:bodyPr/>
+          <a:lstStyle/>
+          <a:p>
+            <a:fld id="{42EDC8D7-FF1B-4ADC-94E7-0E5A9DF51F65}" type="slidenum">
+              <a:rPr lang="en-US" smtClean="0"/>
+              <a:pPr/>
+              <a:t>‹#›</a:t>
+            </a:fld>
+            <a:endParaRPr lang="en-US" dirty="0"/>
+          </a:p>
+        </p:txBody>
+      </p:sp>
+    </p:spTree>
+    <p:extLst>
+      <p:ext uri="{BB962C8B-B14F-4D97-AF65-F5344CB8AC3E}">
+        <p14:creationId xmlns:p14="http://schemas.microsoft.com/office/powerpoint/2010/main" val="3741261376"/>
+      </p:ext>
+    </p:extLst>
+  </p:cSld>
+  <p:clrMapOvr>
+    <a:masterClrMapping/>
+  </p:clrMapOvr>
+  <p:transition>
+    <p:fade/>
+  </p:transition>
+  <p:timing>
+    <p:tnLst>
+      <p:par>
+        <p:cTn id="1" dur="indefinite" restart="never" nodeType="tmRoot"/>
+      </p:par>
+    </p:tnLst>
+  </p:timing>
 </p:sldLayout>
 </file>
 
@@ -1248,7 +1729,7 @@
           <a:p>
             <a:fld id="{D182CCF5-22E8-4193-B0D2-1DB9465CE9C7}" type="datetimeFigureOut">
               <a:rPr lang="en-US" smtClean="0"/>
-              <a:t>10/22/2012</a:t>
+              <a:t>22/10/2012</a:t>
             </a:fld>
             <a:endParaRPr lang="en-US"/>
           </a:p>
@@ -1494,7 +1975,7 @@
           <a:p>
             <a:fld id="{D182CCF5-22E8-4193-B0D2-1DB9465CE9C7}" type="datetimeFigureOut">
               <a:rPr lang="en-US" smtClean="0"/>
-              <a:t>10/22/2012</a:t>
+              <a:t>22/10/2012</a:t>
             </a:fld>
             <a:endParaRPr lang="en-US"/>
           </a:p>
@@ -1782,7 +2263,7 @@
           <a:p>
             <a:fld id="{D182CCF5-22E8-4193-B0D2-1DB9465CE9C7}" type="datetimeFigureOut">
               <a:rPr lang="en-US" smtClean="0"/>
-              <a:t>10/22/2012</a:t>
+              <a:t>22/10/2012</a:t>
             </a:fld>
             <a:endParaRPr lang="en-US"/>
           </a:p>
@@ -2204,7 +2685,7 @@
           <a:p>
             <a:fld id="{D182CCF5-22E8-4193-B0D2-1DB9465CE9C7}" type="datetimeFigureOut">
               <a:rPr lang="en-US" smtClean="0"/>
-              <a:t>10/22/2012</a:t>
+              <a:t>22/10/2012</a:t>
             </a:fld>
             <a:endParaRPr lang="en-US"/>
           </a:p>
@@ -2322,7 +2803,7 @@
           <a:p>
             <a:fld id="{D182CCF5-22E8-4193-B0D2-1DB9465CE9C7}" type="datetimeFigureOut">
               <a:rPr lang="en-US" smtClean="0"/>
-              <a:t>10/22/2012</a:t>
+              <a:t>22/10/2012</a:t>
             </a:fld>
             <a:endParaRPr lang="en-US"/>
           </a:p>
@@ -2417,7 +2898,7 @@
           <a:p>
             <a:fld id="{D182CCF5-22E8-4193-B0D2-1DB9465CE9C7}" type="datetimeFigureOut">
               <a:rPr lang="en-US" smtClean="0"/>
-              <a:t>10/22/2012</a:t>
+              <a:t>22/10/2012</a:t>
             </a:fld>
             <a:endParaRPr lang="en-US"/>
           </a:p>
@@ -2694,7 +3175,7 @@
           <a:p>
             <a:fld id="{D182CCF5-22E8-4193-B0D2-1DB9465CE9C7}" type="datetimeFigureOut">
               <a:rPr lang="en-US" smtClean="0"/>
-              <a:t>10/22/2012</a:t>
+              <a:t>22/10/2012</a:t>
             </a:fld>
             <a:endParaRPr lang="en-US"/>
           </a:p>
@@ -2947,7 +3428,7 @@
           <a:p>
             <a:fld id="{D182CCF5-22E8-4193-B0D2-1DB9465CE9C7}" type="datetimeFigureOut">
               <a:rPr lang="en-US" smtClean="0"/>
-              <a:t>10/22/2012</a:t>
+              <a:t>22/10/2012</a:t>
             </a:fld>
             <a:endParaRPr lang="en-US"/>
           </a:p>
@@ -3160,7 +3641,7 @@
           <a:p>
             <a:fld id="{D182CCF5-22E8-4193-B0D2-1DB9465CE9C7}" type="datetimeFigureOut">
               <a:rPr lang="en-US" smtClean="0"/>
-              <a:t>10/22/2012</a:t>
+              <a:t>22/10/2012</a:t>
             </a:fld>
             <a:endParaRPr lang="en-US"/>
           </a:p>
@@ -3264,6 +3745,7 @@
     <p:sldLayoutId id="2147483657" r:id="rId9"/>
     <p:sldLayoutId id="2147483658" r:id="rId10"/>
     <p:sldLayoutId id="2147483659" r:id="rId11"/>
+    <p:sldLayoutId id="2147483660" r:id="rId12"/>
   </p:sldLayoutIdLst>
   <p:txStyles>
     <p:titleStyle>
@@ -3622,52 +4104,537 @@
         </p:nvSpPr>
         <p:spPr/>
         <p:txBody>
-          <a:bodyPr/>
+          <a:bodyPr>
+            <a:normAutofit fontScale="90000"/>
+          </a:bodyPr>
           <a:lstStyle/>
           <a:p>
             <a:r>
               <a:rPr lang="en-US" dirty="0" smtClean="0"/>
               <a:t>Windows Azure Storage Stamps</a:t>
             </a:r>
-            <a:endParaRPr lang="en-US" dirty="0"/>
+            <a:endParaRPr lang="en-US" dirty="0">
+              <a:gradFill flip="none" rotWithShape="1">
+                <a:gsLst>
+                  <a:gs pos="5417">
+                    <a:schemeClr val="tx2"/>
+                  </a:gs>
+                  <a:gs pos="98000">
+                    <a:schemeClr val="tx2"/>
+                  </a:gs>
+                </a:gsLst>
+                <a:lin ang="5400000" scaled="0"/>
+                <a:tileRect/>
+              </a:gradFill>
+              <a:latin typeface="+mn-lt"/>
+            </a:endParaRPr>
           </a:p>
         </p:txBody>
       </p:sp>
       <p:sp>
         <p:nvSpPr>
-          <p:cNvPr id="3" name="Content Placeholder 2"/>
-          <p:cNvSpPr>
-            <a:spLocks noGrp="1"/>
-          </p:cNvSpPr>
-          <p:nvPr>
-            <p:ph idx="1"/>
-          </p:nvPr>
+          <p:cNvPr id="4" name="Rectangle 3"/>
+          <p:cNvSpPr/>
+          <p:nvPr/>
         </p:nvSpPr>
-        <p:spPr/>
+        <p:spPr bwMode="auto">
+          <a:xfrm>
+            <a:off x="514485" y="3276600"/>
+            <a:ext cx="2458089" cy="3262312"/>
+          </a:xfrm>
+          <a:prstGeom prst="rect">
+            <a:avLst/>
+          </a:prstGeom>
+          <a:solidFill>
+            <a:schemeClr val="tx1">
+              <a:lumMod val="90000"/>
+              <a:lumOff val="10000"/>
+              <a:alpha val="50000"/>
+            </a:schemeClr>
+          </a:solidFill>
+          <a:ln w="25400" cap="flat" cmpd="sng" algn="ctr">
+            <a:solidFill>
+              <a:schemeClr val="tx1"/>
+            </a:solidFill>
+            <a:prstDash val="sysDot"/>
+            <a:round/>
+            <a:headEnd type="none" w="med" len="med"/>
+            <a:tailEnd type="none" w="med" len="med"/>
+          </a:ln>
+          <a:effectLst/>
+        </p:spPr>
         <p:txBody>
-          <a:bodyPr/>
+          <a:bodyPr anchor="b"/>
           <a:lstStyle/>
           <a:p>
-            <a:endParaRPr lang="en-US" dirty="0"/>
+            <a:pPr algn="ctr">
+              <a:defRPr/>
+            </a:pPr>
+            <a:endParaRPr lang="en-US" dirty="0" smtClean="0">
+              <a:solidFill>
+                <a:prstClr val="white"/>
+              </a:solidFill>
+            </a:endParaRPr>
+          </a:p>
+          <a:p>
+            <a:pPr algn="ctr">
+              <a:defRPr/>
+            </a:pPr>
+            <a:endParaRPr lang="en-US" dirty="0" smtClean="0">
+              <a:solidFill>
+                <a:prstClr val="white"/>
+              </a:solidFill>
+            </a:endParaRPr>
+          </a:p>
+          <a:p>
+            <a:pPr algn="ctr">
+              <a:defRPr/>
+            </a:pPr>
+            <a:endParaRPr lang="en-US" dirty="0" smtClean="0">
+              <a:solidFill>
+                <a:prstClr val="white"/>
+              </a:solidFill>
+            </a:endParaRPr>
+          </a:p>
+          <a:p>
+            <a:pPr algn="ctr">
+              <a:defRPr/>
+            </a:pPr>
+            <a:endParaRPr lang="en-US" dirty="0" smtClean="0">
+              <a:solidFill>
+                <a:prstClr val="white"/>
+              </a:solidFill>
+            </a:endParaRPr>
+          </a:p>
+          <a:p>
+            <a:pPr algn="ctr">
+              <a:defRPr/>
+            </a:pPr>
+            <a:endParaRPr lang="en-US" dirty="0" smtClean="0">
+              <a:solidFill>
+                <a:prstClr val="white"/>
+              </a:solidFill>
+            </a:endParaRPr>
+          </a:p>
+          <a:p>
+            <a:pPr algn="ctr">
+              <a:defRPr/>
+            </a:pPr>
+            <a:endParaRPr lang="en-US" dirty="0" smtClean="0">
+              <a:solidFill>
+                <a:prstClr val="white"/>
+              </a:solidFill>
+            </a:endParaRPr>
+          </a:p>
+          <a:p>
+            <a:pPr algn="ctr">
+              <a:defRPr/>
+            </a:pPr>
+            <a:endParaRPr lang="en-US" dirty="0" smtClean="0">
+              <a:solidFill>
+                <a:prstClr val="white"/>
+              </a:solidFill>
+            </a:endParaRPr>
+          </a:p>
+          <a:p>
+            <a:pPr algn="ctr">
+              <a:defRPr/>
+            </a:pPr>
+            <a:endParaRPr lang="en-US" dirty="0" smtClean="0">
+              <a:solidFill>
+                <a:prstClr val="white"/>
+              </a:solidFill>
+            </a:endParaRPr>
+          </a:p>
+          <a:p>
+            <a:pPr algn="ctr">
+              <a:defRPr/>
+            </a:pPr>
+            <a:endParaRPr lang="en-US" dirty="0" smtClean="0">
+              <a:solidFill>
+                <a:prstClr val="white"/>
+              </a:solidFill>
+            </a:endParaRPr>
+          </a:p>
+          <a:p>
+            <a:pPr algn="ctr">
+              <a:defRPr/>
+            </a:pPr>
+            <a:endParaRPr lang="en-US" dirty="0" smtClean="0">
+              <a:solidFill>
+                <a:prstClr val="white"/>
+              </a:solidFill>
+            </a:endParaRPr>
+          </a:p>
+          <a:p>
+            <a:pPr algn="ctr">
+              <a:defRPr/>
+            </a:pPr>
+            <a:r>
+              <a:rPr lang="en-US" b="1" dirty="0" smtClean="0">
+                <a:solidFill>
+                  <a:srgbClr val="FF0000"/>
+                </a:solidFill>
+              </a:rPr>
+              <a:t>Storage Stamp</a:t>
+            </a:r>
+            <a:endParaRPr lang="en-US" b="1" dirty="0">
+              <a:solidFill>
+                <a:srgbClr val="FF0000"/>
+              </a:solidFill>
+            </a:endParaRPr>
+          </a:p>
+        </p:txBody>
+      </p:sp>
+      <p:sp>
+        <p:nvSpPr>
+          <p:cNvPr id="7" name="Rectangle 6"/>
+          <p:cNvSpPr/>
+          <p:nvPr/>
+        </p:nvSpPr>
+        <p:spPr>
+          <a:xfrm>
+            <a:off x="1314792" y="3124200"/>
+            <a:ext cx="857473" cy="381000"/>
+          </a:xfrm>
+          <a:prstGeom prst="rect">
+            <a:avLst/>
+          </a:prstGeom>
+          <a:solidFill>
+            <a:srgbClr val="0070C0"/>
+          </a:solidFill>
+        </p:spPr>
+        <p:style>
+          <a:lnRef idx="2">
+            <a:schemeClr val="accent1">
+              <a:shade val="50000"/>
+            </a:schemeClr>
+          </a:lnRef>
+          <a:fillRef idx="1">
+            <a:schemeClr val="accent1"/>
+          </a:fillRef>
+          <a:effectRef idx="0">
+            <a:schemeClr val="accent1"/>
+          </a:effectRef>
+          <a:fontRef idx="minor">
+            <a:schemeClr val="lt1"/>
+          </a:fontRef>
+        </p:style>
+        <p:txBody>
+          <a:bodyPr rtlCol="0" anchor="ctr"/>
+          <a:lstStyle/>
+          <a:p>
+            <a:pPr algn="ctr"/>
+            <a:r>
+              <a:rPr lang="en-US" b="1" dirty="0" smtClean="0">
+                <a:solidFill>
+                  <a:prstClr val="white"/>
+                </a:solidFill>
+                <a:effectLst>
+                  <a:outerShdw blurRad="38100" dist="38100" dir="2700000" algn="tl">
+                    <a:srgbClr val="000000">
+                      <a:alpha val="43137"/>
+                    </a:srgbClr>
+                  </a:outerShdw>
+                </a:effectLst>
+              </a:rPr>
+              <a:t>LB</a:t>
+            </a:r>
+            <a:endParaRPr lang="en-US" b="1" dirty="0">
+              <a:solidFill>
+                <a:prstClr val="white"/>
+              </a:solidFill>
+              <a:effectLst>
+                <a:outerShdw blurRad="38100" dist="38100" dir="2700000" algn="tl">
+                  <a:srgbClr val="000000">
+                    <a:alpha val="43137"/>
+                  </a:srgbClr>
+                </a:outerShdw>
+              </a:effectLst>
+            </a:endParaRPr>
+          </a:p>
+        </p:txBody>
+      </p:sp>
+      <p:cxnSp>
+        <p:nvCxnSpPr>
+          <p:cNvPr id="9" name="Straight Arrow Connector 8"/>
+          <p:cNvCxnSpPr/>
+          <p:nvPr/>
+        </p:nvCxnSpPr>
+        <p:spPr>
+          <a:xfrm rot="5400000">
+            <a:off x="1553425" y="3695799"/>
+            <a:ext cx="380206" cy="596"/>
+          </a:xfrm>
+          <a:prstGeom prst="straightConnector1">
+            <a:avLst/>
+          </a:prstGeom>
+          <a:ln w="38100">
+            <a:tailEnd type="arrow"/>
+          </a:ln>
+        </p:spPr>
+        <p:style>
+          <a:lnRef idx="1">
+            <a:schemeClr val="accent1"/>
+          </a:lnRef>
+          <a:fillRef idx="0">
+            <a:schemeClr val="accent1"/>
+          </a:fillRef>
+          <a:effectRef idx="0">
+            <a:schemeClr val="accent1"/>
+          </a:effectRef>
+          <a:fontRef idx="minor">
+            <a:schemeClr val="tx1"/>
+          </a:fontRef>
+        </p:style>
+      </p:cxnSp>
+      <p:cxnSp>
+        <p:nvCxnSpPr>
+          <p:cNvPr id="10" name="Straight Arrow Connector 9"/>
+          <p:cNvCxnSpPr/>
+          <p:nvPr/>
+        </p:nvCxnSpPr>
+        <p:spPr>
+          <a:xfrm rot="5400000">
+            <a:off x="1553425" y="4457799"/>
+            <a:ext cx="380206" cy="596"/>
+          </a:xfrm>
+          <a:prstGeom prst="straightConnector1">
+            <a:avLst/>
+          </a:prstGeom>
+          <a:ln w="38100">
+            <a:tailEnd type="arrow"/>
+          </a:ln>
+        </p:spPr>
+        <p:style>
+          <a:lnRef idx="1">
+            <a:schemeClr val="accent1"/>
+          </a:lnRef>
+          <a:fillRef idx="0">
+            <a:schemeClr val="accent1"/>
+          </a:fillRef>
+          <a:effectRef idx="0">
+            <a:schemeClr val="accent1"/>
+          </a:effectRef>
+          <a:fontRef idx="minor">
+            <a:schemeClr val="tx1"/>
+          </a:fontRef>
+        </p:style>
+      </p:cxnSp>
+      <p:grpSp>
+        <p:nvGrpSpPr>
+          <p:cNvPr id="45" name="Group 44"/>
+          <p:cNvGrpSpPr/>
+          <p:nvPr/>
+        </p:nvGrpSpPr>
+        <p:grpSpPr>
+          <a:xfrm>
+            <a:off x="2674320" y="2372070"/>
+            <a:ext cx="1438296" cy="879255"/>
+            <a:chOff x="4213893" y="2382514"/>
+            <a:chExt cx="1192970" cy="879255"/>
+          </a:xfrm>
+        </p:grpSpPr>
+        <p:cxnSp>
+          <p:nvCxnSpPr>
+            <p:cNvPr id="11" name="Straight Connector 10"/>
+            <p:cNvCxnSpPr/>
+            <p:nvPr/>
+          </p:nvCxnSpPr>
+          <p:spPr>
+            <a:xfrm flipH="1">
+              <a:off x="4213893" y="2394427"/>
+              <a:ext cx="1192970" cy="0"/>
+            </a:xfrm>
+            <a:prstGeom prst="line">
+              <a:avLst/>
+            </a:prstGeom>
+            <a:ln w="38100"/>
+          </p:spPr>
+          <p:style>
+            <a:lnRef idx="1">
+              <a:schemeClr val="accent1"/>
+            </a:lnRef>
+            <a:fillRef idx="0">
+              <a:schemeClr val="accent1"/>
+            </a:fillRef>
+            <a:effectRef idx="0">
+              <a:schemeClr val="accent1"/>
+            </a:effectRef>
+            <a:fontRef idx="minor">
+              <a:schemeClr val="tx1"/>
+            </a:fontRef>
+          </p:style>
+        </p:cxnSp>
+        <p:cxnSp>
+          <p:nvCxnSpPr>
+            <p:cNvPr id="12" name="Straight Arrow Connector 11"/>
+            <p:cNvCxnSpPr/>
+            <p:nvPr/>
+          </p:nvCxnSpPr>
+          <p:spPr>
+            <a:xfrm>
+              <a:off x="4220920" y="2382514"/>
+              <a:ext cx="0" cy="879255"/>
+            </a:xfrm>
+            <a:prstGeom prst="straightConnector1">
+              <a:avLst/>
+            </a:prstGeom>
+            <a:ln w="38100">
+              <a:tailEnd type="triangle"/>
+            </a:ln>
+          </p:spPr>
+          <p:style>
+            <a:lnRef idx="1">
+              <a:schemeClr val="accent1"/>
+            </a:lnRef>
+            <a:fillRef idx="0">
+              <a:schemeClr val="accent1"/>
+            </a:fillRef>
+            <a:effectRef idx="0">
+              <a:schemeClr val="accent1"/>
+            </a:effectRef>
+            <a:fontRef idx="minor">
+              <a:schemeClr val="tx1"/>
+            </a:fontRef>
+          </p:style>
+        </p:cxnSp>
+      </p:grpSp>
+      <p:sp>
+        <p:nvSpPr>
+          <p:cNvPr id="14" name="Rounded Rectangle 13"/>
+          <p:cNvSpPr/>
+          <p:nvPr/>
+        </p:nvSpPr>
+        <p:spPr bwMode="auto">
+          <a:xfrm>
+            <a:off x="4112619" y="2012764"/>
+            <a:ext cx="914638" cy="786741"/>
+          </a:xfrm>
+          <a:prstGeom prst="roundRect">
+            <a:avLst/>
+          </a:prstGeom>
+          <a:solidFill>
+            <a:srgbClr val="0070C0"/>
+          </a:solidFill>
+          <a:ln w="25400" cap="flat" cmpd="sng" algn="ctr">
+            <a:solidFill>
+              <a:schemeClr val="accent1"/>
+            </a:solidFill>
+            <a:prstDash val="solid"/>
+            <a:round/>
+            <a:headEnd type="none" w="med" len="med"/>
+            <a:tailEnd type="none" w="med" len="med"/>
+          </a:ln>
+          <a:effectLst>
+            <a:outerShdw blurRad="50800" dist="38100" dir="2700000" algn="tl" rotWithShape="0">
+              <a:prstClr val="black">
+                <a:alpha val="40000"/>
+              </a:prstClr>
+            </a:outerShdw>
+          </a:effectLst>
+        </p:spPr>
+        <p:txBody>
+          <a:bodyPr wrap="none"/>
+          <a:lstStyle/>
+          <a:p>
+            <a:pPr algn="ctr">
+              <a:defRPr/>
+            </a:pPr>
+            <a:r>
+              <a:rPr lang="en-US" sz="1400" b="1" dirty="0" smtClean="0">
+                <a:solidFill>
+                  <a:prstClr val="white"/>
+                </a:solidFill>
+              </a:rPr>
+              <a:t>Storage</a:t>
+            </a:r>
+          </a:p>
+          <a:p>
+            <a:pPr algn="ctr">
+              <a:defRPr/>
+            </a:pPr>
+            <a:r>
+              <a:rPr lang="en-US" sz="1400" b="1" dirty="0" smtClean="0">
+                <a:solidFill>
+                  <a:prstClr val="white"/>
+                </a:solidFill>
+              </a:rPr>
+              <a:t>Location </a:t>
+            </a:r>
+          </a:p>
+          <a:p>
+            <a:pPr algn="ctr">
+              <a:defRPr/>
+            </a:pPr>
+            <a:r>
+              <a:rPr lang="en-US" sz="1400" b="1" dirty="0" smtClean="0">
+                <a:solidFill>
+                  <a:prstClr val="white"/>
+                </a:solidFill>
+              </a:rPr>
+              <a:t>Service</a:t>
+            </a:r>
+            <a:endParaRPr lang="en-US" b="1" dirty="0">
+              <a:solidFill>
+                <a:prstClr val="white"/>
+              </a:solidFill>
+            </a:endParaRPr>
+          </a:p>
+        </p:txBody>
+      </p:sp>
+      <p:sp>
+        <p:nvSpPr>
+          <p:cNvPr id="24" name="TextBox 23"/>
+          <p:cNvSpPr txBox="1"/>
+          <p:nvPr/>
+        </p:nvSpPr>
+        <p:spPr>
+          <a:xfrm>
+            <a:off x="1314792" y="1087042"/>
+            <a:ext cx="8175123" cy="400110"/>
+          </a:xfrm>
+          <a:prstGeom prst="rect">
+            <a:avLst/>
+          </a:prstGeom>
+          <a:noFill/>
+        </p:spPr>
+        <p:txBody>
+          <a:bodyPr wrap="none" rtlCol="0">
+            <a:spAutoFit/>
+          </a:bodyPr>
+          <a:lstStyle/>
+          <a:p>
+            <a:r>
+              <a:rPr lang="en-US" sz="2000" b="1" dirty="0" smtClean="0">
+                <a:solidFill>
+                  <a:schemeClr val="accent2">
+                    <a:lumMod val="75000"/>
+                  </a:schemeClr>
+                </a:solidFill>
+              </a:rPr>
+              <a:t>Access blob storage via the URL: http://&lt;account&gt;.blob.core.windows.net/ </a:t>
+            </a:r>
+            <a:endParaRPr lang="en-US" sz="2000" b="1" dirty="0">
+              <a:solidFill>
+                <a:schemeClr val="accent2">
+                  <a:lumMod val="75000"/>
+                </a:schemeClr>
+              </a:solidFill>
+            </a:endParaRPr>
           </a:p>
         </p:txBody>
       </p:sp>
       <p:pic>
         <p:nvPicPr>
-          <p:cNvPr id="1026" name="Picture 2"/>
+          <p:cNvPr id="25" name="Picture 2" descr="C:\Program Files (x86)\Microsoft Office\MEDIA\CAGCAT10\j0292020.wmf"/>
           <p:cNvPicPr>
             <a:picLocks noChangeAspect="1" noChangeArrowheads="1"/>
           </p:cNvPicPr>
           <p:nvPr/>
         </p:nvPicPr>
         <p:blipFill>
-          <a:blip r:embed="rId2">
-            <a:extLst>
-              <a:ext uri="{28A0092B-C50C-407E-A947-70E740481C1C}">
-                <a14:useLocalDpi xmlns:a14="http://schemas.microsoft.com/office/drawing/2010/main" val="0"/>
-              </a:ext>
-            </a:extLst>
-          </a:blip>
+          <a:blip r:embed="rId3" cstate="print"/>
           <a:srcRect/>
           <a:stretch>
             <a:fillRect/>
@@ -3675,63 +4642,1980 @@
         </p:blipFill>
         <p:spPr bwMode="auto">
           <a:xfrm>
-            <a:off x="1524000" y="1449382"/>
-            <a:ext cx="6481763" cy="4327039"/>
+            <a:off x="228659" y="1371600"/>
+            <a:ext cx="640841" cy="810768"/>
           </a:xfrm>
           <a:prstGeom prst="rect">
             <a:avLst/>
           </a:prstGeom>
           <a:noFill/>
-          <a:ln>
+        </p:spPr>
+      </p:pic>
+      <p:grpSp>
+        <p:nvGrpSpPr>
+          <p:cNvPr id="28" name="Group 63"/>
+          <p:cNvGrpSpPr/>
+          <p:nvPr/>
+        </p:nvGrpSpPr>
+        <p:grpSpPr>
+          <a:xfrm>
+            <a:off x="457319" y="2209800"/>
+            <a:ext cx="1291187" cy="914400"/>
+            <a:chOff x="609600" y="2209800"/>
+            <a:chExt cx="1379023" cy="914400"/>
+          </a:xfrm>
+        </p:grpSpPr>
+        <p:cxnSp>
+          <p:nvCxnSpPr>
+            <p:cNvPr id="29" name="Straight Arrow Connector 28"/>
+            <p:cNvCxnSpPr/>
+            <p:nvPr/>
+          </p:nvCxnSpPr>
+          <p:spPr>
+            <a:xfrm rot="16200000" flipH="1">
+              <a:off x="1104900" y="2324100"/>
+              <a:ext cx="914400" cy="685800"/>
+            </a:xfrm>
+            <a:prstGeom prst="straightConnector1">
+              <a:avLst/>
+            </a:prstGeom>
+            <a:ln w="41275">
+              <a:solidFill>
+                <a:schemeClr val="tx1"/>
+              </a:solidFill>
+              <a:tailEnd type="arrow"/>
+            </a:ln>
+          </p:spPr>
+          <p:style>
+            <a:lnRef idx="1">
+              <a:schemeClr val="accent1"/>
+            </a:lnRef>
+            <a:fillRef idx="0">
+              <a:schemeClr val="accent1"/>
+            </a:fillRef>
+            <a:effectRef idx="0">
+              <a:schemeClr val="accent1"/>
+            </a:effectRef>
+            <a:fontRef idx="minor">
+              <a:schemeClr val="tx1"/>
+            </a:fontRef>
+          </p:style>
+        </p:cxnSp>
+        <p:sp>
+          <p:nvSpPr>
+            <p:cNvPr id="30" name="TextBox 29"/>
+            <p:cNvSpPr txBox="1"/>
+            <p:nvPr/>
+          </p:nvSpPr>
+          <p:spPr>
+            <a:xfrm>
+              <a:off x="609600" y="2221468"/>
+              <a:ext cx="1379023" cy="369332"/>
+            </a:xfrm>
+            <a:prstGeom prst="rect">
+              <a:avLst/>
+            </a:prstGeom>
             <a:noFill/>
+          </p:spPr>
+          <p:txBody>
+            <a:bodyPr wrap="none" rtlCol="0">
+              <a:spAutoFit/>
+            </a:bodyPr>
+            <a:lstStyle/>
+            <a:p>
+              <a:r>
+                <a:rPr lang="en-US" b="1" dirty="0" smtClean="0">
+                  <a:solidFill>
+                    <a:schemeClr val="accent2">
+                      <a:lumMod val="75000"/>
+                    </a:schemeClr>
+                  </a:solidFill>
+                </a:rPr>
+                <a:t>Data access</a:t>
+              </a:r>
+              <a:endParaRPr lang="en-US" b="1" dirty="0">
+                <a:solidFill>
+                  <a:schemeClr val="accent2">
+                    <a:lumMod val="75000"/>
+                  </a:schemeClr>
+                </a:solidFill>
+              </a:endParaRPr>
+            </a:p>
+          </p:txBody>
+        </p:sp>
+      </p:grpSp>
+      <p:sp>
+        <p:nvSpPr>
+          <p:cNvPr id="35" name="Rectangle 34"/>
+          <p:cNvSpPr/>
+          <p:nvPr/>
+        </p:nvSpPr>
+        <p:spPr bwMode="auto">
+          <a:xfrm>
+            <a:off x="724503" y="4613951"/>
+            <a:ext cx="2038052" cy="369332"/>
+          </a:xfrm>
+          <a:prstGeom prst="rect">
+            <a:avLst/>
+          </a:prstGeom>
+          <a:solidFill>
+            <a:srgbClr val="0070C0"/>
+          </a:solidFill>
+          <a:ln w="25400" cap="flat" cmpd="sng" algn="ctr">
+            <a:noFill/>
+            <a:prstDash val="solid"/>
+            <a:round/>
+            <a:headEnd type="none" w="med" len="med"/>
+            <a:tailEnd type="none" w="med" len="med"/>
           </a:ln>
-          <a:effectLst/>
-          <a:extLst>
-            <a:ext uri="{909E8E84-426E-40DD-AFC4-6F175D3DCCD1}">
-              <a14:hiddenFill xmlns:a14="http://schemas.microsoft.com/office/drawing/2010/main">
+          <a:effectLst>
+            <a:outerShdw blurRad="50800" dist="38100" dir="18900000" algn="bl" rotWithShape="0">
+              <a:prstClr val="black">
+                <a:alpha val="40000"/>
+              </a:prstClr>
+            </a:outerShdw>
+          </a:effectLst>
+        </p:spPr>
+        <p:txBody>
+          <a:bodyPr wrap="square" rtlCol="0" anchor="ctr">
+            <a:spAutoFit/>
+          </a:bodyPr>
+          <a:lstStyle/>
+          <a:p>
+            <a:pPr algn="ctr"/>
+            <a:r>
+              <a:rPr lang="en-US" b="1" dirty="0" smtClean="0">
                 <a:solidFill>
-                  <a:schemeClr val="accent1"/>
+                  <a:prstClr val="white"/>
                 </a:solidFill>
-              </a14:hiddenFill>
-            </a:ext>
-            <a:ext uri="{91240B29-F687-4F45-9708-019B960494DF}">
-              <a14:hiddenLine xmlns:a14="http://schemas.microsoft.com/office/drawing/2010/main" w="9525">
-                <a:solidFill>
-                  <a:schemeClr val="tx1"/>
-                </a:solidFill>
-                <a:miter lim="800000"/>
-                <a:headEnd/>
-                <a:tailEnd/>
-              </a14:hiddenLine>
-            </a:ext>
-            <a:ext uri="{AF507438-7753-43E0-B8FC-AC1667EBCBE1}">
-              <a14:hiddenEffects xmlns:a14="http://schemas.microsoft.com/office/drawing/2010/main">
                 <a:effectLst>
-                  <a:outerShdw dist="35921" dir="2700000" algn="ctr" rotWithShape="0">
-                    <a:schemeClr val="bg2"/>
+                  <a:outerShdw blurRad="38100" dist="38100" dir="2700000" algn="tl">
+                    <a:srgbClr val="000000">
+                      <a:alpha val="43137"/>
+                    </a:srgbClr>
                   </a:outerShdw>
                 </a:effectLst>
-              </a14:hiddenEffects>
-            </a:ext>
-          </a:extLst>
+              </a:rPr>
+              <a:t>Partition Layer</a:t>
+            </a:r>
+            <a:endParaRPr lang="en-US" b="1" dirty="0">
+              <a:solidFill>
+                <a:prstClr val="white"/>
+              </a:solidFill>
+              <a:effectLst>
+                <a:outerShdw blurRad="38100" dist="38100" dir="2700000" algn="tl">
+                  <a:srgbClr val="000000">
+                    <a:alpha val="43137"/>
+                  </a:srgbClr>
+                </a:outerShdw>
+              </a:effectLst>
+            </a:endParaRPr>
+          </a:p>
+        </p:txBody>
+      </p:sp>
+      <p:sp>
+        <p:nvSpPr>
+          <p:cNvPr id="42" name="Rectangle 41"/>
+          <p:cNvSpPr/>
+          <p:nvPr/>
+        </p:nvSpPr>
+        <p:spPr bwMode="auto">
+          <a:xfrm>
+            <a:off x="724503" y="3892836"/>
+            <a:ext cx="2038052" cy="369332"/>
+          </a:xfrm>
+          <a:prstGeom prst="rect">
+            <a:avLst/>
+          </a:prstGeom>
+          <a:solidFill>
+            <a:srgbClr val="0070C0"/>
+          </a:solidFill>
+          <a:ln w="25400" cap="flat" cmpd="sng" algn="ctr">
+            <a:noFill/>
+            <a:prstDash val="solid"/>
+            <a:round/>
+            <a:headEnd type="none" w="med" len="med"/>
+            <a:tailEnd type="none" w="med" len="med"/>
+          </a:ln>
+          <a:effectLst>
+            <a:outerShdw blurRad="50800" dist="38100" dir="18900000" algn="bl" rotWithShape="0">
+              <a:prstClr val="black">
+                <a:alpha val="40000"/>
+              </a:prstClr>
+            </a:outerShdw>
+          </a:effectLst>
         </p:spPr>
-      </p:pic>
+        <p:txBody>
+          <a:bodyPr wrap="square" rtlCol="0" anchor="ctr">
+            <a:spAutoFit/>
+          </a:bodyPr>
+          <a:lstStyle/>
+          <a:p>
+            <a:pPr algn="ctr"/>
+            <a:r>
+              <a:rPr lang="en-US" b="1" dirty="0" smtClean="0">
+                <a:solidFill>
+                  <a:prstClr val="white"/>
+                </a:solidFill>
+                <a:effectLst>
+                  <a:outerShdw blurRad="38100" dist="38100" dir="2700000" algn="tl">
+                    <a:srgbClr val="000000">
+                      <a:alpha val="43137"/>
+                    </a:srgbClr>
+                  </a:outerShdw>
+                </a:effectLst>
+              </a:rPr>
+              <a:t>Front-Ends</a:t>
+            </a:r>
+            <a:endParaRPr lang="en-US" b="1" dirty="0">
+              <a:solidFill>
+                <a:prstClr val="white"/>
+              </a:solidFill>
+              <a:effectLst>
+                <a:outerShdw blurRad="38100" dist="38100" dir="2700000" algn="tl">
+                  <a:srgbClr val="000000">
+                    <a:alpha val="43137"/>
+                  </a:srgbClr>
+                </a:outerShdw>
+              </a:effectLst>
+            </a:endParaRPr>
+          </a:p>
+        </p:txBody>
+      </p:sp>
+      <p:sp>
+        <p:nvSpPr>
+          <p:cNvPr id="43" name="Rectangle 42"/>
+          <p:cNvSpPr/>
+          <p:nvPr/>
+        </p:nvSpPr>
+        <p:spPr bwMode="auto">
+          <a:xfrm>
+            <a:off x="724502" y="5393883"/>
+            <a:ext cx="2038053" cy="800219"/>
+          </a:xfrm>
+          <a:prstGeom prst="rect">
+            <a:avLst/>
+          </a:prstGeom>
+          <a:solidFill>
+            <a:srgbClr val="0070C0"/>
+          </a:solidFill>
+          <a:ln w="25400" cap="flat" cmpd="sng" algn="ctr">
+            <a:noFill/>
+            <a:prstDash val="solid"/>
+            <a:round/>
+            <a:headEnd type="none" w="med" len="med"/>
+            <a:tailEnd type="none" w="med" len="med"/>
+          </a:ln>
+          <a:effectLst>
+            <a:outerShdw blurRad="50800" dist="38100" dir="18900000" algn="bl" rotWithShape="0">
+              <a:prstClr val="black">
+                <a:alpha val="40000"/>
+              </a:prstClr>
+            </a:outerShdw>
+          </a:effectLst>
+        </p:spPr>
+        <p:txBody>
+          <a:bodyPr wrap="square" rtlCol="0" anchor="t">
+            <a:spAutoFit/>
+          </a:bodyPr>
+          <a:lstStyle/>
+          <a:p>
+            <a:pPr algn="ctr"/>
+            <a:r>
+              <a:rPr lang="en-US" b="1" dirty="0" smtClean="0">
+                <a:solidFill>
+                  <a:prstClr val="white"/>
+                </a:solidFill>
+                <a:effectLst>
+                  <a:outerShdw blurRad="38100" dist="38100" dir="2700000" algn="tl">
+                    <a:srgbClr val="000000">
+                      <a:alpha val="43137"/>
+                    </a:srgbClr>
+                  </a:outerShdw>
+                </a:effectLst>
+              </a:rPr>
+              <a:t>Stream Layer</a:t>
+            </a:r>
+          </a:p>
+          <a:p>
+            <a:pPr algn="ctr"/>
+            <a:r>
+              <a:rPr lang="en-US" sz="1400" b="1" dirty="0" smtClean="0">
+                <a:solidFill>
+                  <a:prstClr val="white"/>
+                </a:solidFill>
+                <a:effectLst>
+                  <a:outerShdw blurRad="38100" dist="38100" dir="2700000" algn="tl">
+                    <a:srgbClr val="000000">
+                      <a:alpha val="43137"/>
+                    </a:srgbClr>
+                  </a:outerShdw>
+                </a:effectLst>
+              </a:rPr>
+              <a:t/>
+            </a:r>
+            <a:br>
+              <a:rPr lang="en-US" sz="1400" b="1" dirty="0" smtClean="0">
+                <a:solidFill>
+                  <a:prstClr val="white"/>
+                </a:solidFill>
+                <a:effectLst>
+                  <a:outerShdw blurRad="38100" dist="38100" dir="2700000" algn="tl">
+                    <a:srgbClr val="000000">
+                      <a:alpha val="43137"/>
+                    </a:srgbClr>
+                  </a:outerShdw>
+                </a:effectLst>
+              </a:rPr>
+            </a:br>
+            <a:endParaRPr lang="en-US" sz="1400" b="1" dirty="0">
+              <a:solidFill>
+                <a:prstClr val="white"/>
+              </a:solidFill>
+              <a:effectLst>
+                <a:outerShdw blurRad="38100" dist="38100" dir="2700000" algn="tl">
+                  <a:srgbClr val="000000">
+                    <a:alpha val="43137"/>
+                  </a:srgbClr>
+                </a:outerShdw>
+              </a:effectLst>
+            </a:endParaRPr>
+          </a:p>
+        </p:txBody>
+      </p:sp>
+      <p:cxnSp>
+        <p:nvCxnSpPr>
+          <p:cNvPr id="44" name="Straight Arrow Connector 43"/>
+          <p:cNvCxnSpPr/>
+          <p:nvPr/>
+        </p:nvCxnSpPr>
+        <p:spPr>
+          <a:xfrm rot="5400000">
+            <a:off x="1553425" y="5203481"/>
+            <a:ext cx="380206" cy="596"/>
+          </a:xfrm>
+          <a:prstGeom prst="straightConnector1">
+            <a:avLst/>
+          </a:prstGeom>
+          <a:ln w="38100">
+            <a:tailEnd type="arrow"/>
+          </a:ln>
+        </p:spPr>
+        <p:style>
+          <a:lnRef idx="1">
+            <a:schemeClr val="accent1"/>
+          </a:lnRef>
+          <a:fillRef idx="0">
+            <a:schemeClr val="accent1"/>
+          </a:fillRef>
+          <a:effectRef idx="0">
+            <a:schemeClr val="accent1"/>
+          </a:effectRef>
+          <a:fontRef idx="minor">
+            <a:schemeClr val="tx1"/>
+          </a:fontRef>
+        </p:style>
+      </p:cxnSp>
+      <p:grpSp>
+        <p:nvGrpSpPr>
+          <p:cNvPr id="54" name="Group 53"/>
+          <p:cNvGrpSpPr/>
+          <p:nvPr/>
+        </p:nvGrpSpPr>
+        <p:grpSpPr>
+          <a:xfrm flipH="1">
+            <a:off x="5027257" y="2365374"/>
+            <a:ext cx="1440713" cy="879255"/>
+            <a:chOff x="4211889" y="2382514"/>
+            <a:chExt cx="1194975" cy="879255"/>
+          </a:xfrm>
+        </p:grpSpPr>
+        <p:cxnSp>
+          <p:nvCxnSpPr>
+            <p:cNvPr id="55" name="Straight Connector 54"/>
+            <p:cNvCxnSpPr/>
+            <p:nvPr/>
+          </p:nvCxnSpPr>
+          <p:spPr>
+            <a:xfrm flipH="1">
+              <a:off x="4213894" y="2394427"/>
+              <a:ext cx="1192970" cy="0"/>
+            </a:xfrm>
+            <a:prstGeom prst="line">
+              <a:avLst/>
+            </a:prstGeom>
+            <a:ln w="38100"/>
+          </p:spPr>
+          <p:style>
+            <a:lnRef idx="1">
+              <a:schemeClr val="accent1"/>
+            </a:lnRef>
+            <a:fillRef idx="0">
+              <a:schemeClr val="accent1"/>
+            </a:fillRef>
+            <a:effectRef idx="0">
+              <a:schemeClr val="accent1"/>
+            </a:effectRef>
+            <a:fontRef idx="minor">
+              <a:schemeClr val="tx1"/>
+            </a:fontRef>
+          </p:style>
+        </p:cxnSp>
+        <p:cxnSp>
+          <p:nvCxnSpPr>
+            <p:cNvPr id="56" name="Straight Arrow Connector 55"/>
+            <p:cNvCxnSpPr/>
+            <p:nvPr/>
+          </p:nvCxnSpPr>
+          <p:spPr>
+            <a:xfrm>
+              <a:off x="4211889" y="2382514"/>
+              <a:ext cx="0" cy="879255"/>
+            </a:xfrm>
+            <a:prstGeom prst="straightConnector1">
+              <a:avLst/>
+            </a:prstGeom>
+            <a:ln w="38100">
+              <a:tailEnd type="triangle"/>
+            </a:ln>
+          </p:spPr>
+          <p:style>
+            <a:lnRef idx="1">
+              <a:schemeClr val="accent1"/>
+            </a:lnRef>
+            <a:fillRef idx="0">
+              <a:schemeClr val="accent1"/>
+            </a:fillRef>
+            <a:effectRef idx="0">
+              <a:schemeClr val="accent1"/>
+            </a:effectRef>
+            <a:fontRef idx="minor">
+              <a:schemeClr val="tx1"/>
+            </a:fontRef>
+          </p:style>
+        </p:cxnSp>
+      </p:grpSp>
+      <p:grpSp>
+        <p:nvGrpSpPr>
+          <p:cNvPr id="16" name="Group 15"/>
+          <p:cNvGrpSpPr/>
+          <p:nvPr/>
+        </p:nvGrpSpPr>
+        <p:grpSpPr>
+          <a:xfrm>
+            <a:off x="900043" y="5730358"/>
+            <a:ext cx="2133789" cy="474835"/>
+            <a:chOff x="4498572" y="5820508"/>
+            <a:chExt cx="2844311" cy="474835"/>
+          </a:xfrm>
+        </p:grpSpPr>
+        <p:sp>
+          <p:nvSpPr>
+            <p:cNvPr id="3" name="Curved Right Arrow 2"/>
+            <p:cNvSpPr/>
+            <p:nvPr/>
+          </p:nvSpPr>
+          <p:spPr bwMode="auto">
+            <a:xfrm>
+              <a:off x="5143500" y="5846885"/>
+              <a:ext cx="448408" cy="254977"/>
+            </a:xfrm>
+            <a:prstGeom prst="curvedRightArrow">
+              <a:avLst/>
+            </a:prstGeom>
+            <a:solidFill>
+              <a:schemeClr val="accent1"/>
+            </a:solidFill>
+            <a:ln>
+              <a:noFill/>
+              <a:headEnd type="none" w="med" len="med"/>
+              <a:tailEnd type="none" w="med" len="med"/>
+            </a:ln>
+            <a:effectLst/>
+          </p:spPr>
+          <p:style>
+            <a:lnRef idx="1">
+              <a:schemeClr val="accent2"/>
+            </a:lnRef>
+            <a:fillRef idx="3">
+              <a:schemeClr val="accent2"/>
+            </a:fillRef>
+            <a:effectRef idx="2">
+              <a:schemeClr val="accent2"/>
+            </a:effectRef>
+            <a:fontRef idx="minor">
+              <a:schemeClr val="lt1"/>
+            </a:fontRef>
+          </p:style>
+          <p:txBody>
+            <a:bodyPr vert="horz" wrap="square" lIns="91436" tIns="45718" rIns="91436" bIns="45718" numCol="1" rtlCol="0" anchor="ctr" anchorCtr="0" compatLnSpc="1">
+              <a:prstTxWarp prst="textNoShape">
+                <a:avLst/>
+              </a:prstTxWarp>
+            </a:bodyPr>
+            <a:lstStyle/>
+            <a:p>
+              <a:pPr algn="ctr" defTabSz="914099" fontAlgn="base">
+                <a:spcBef>
+                  <a:spcPct val="0"/>
+                </a:spcBef>
+                <a:spcAft>
+                  <a:spcPct val="0"/>
+                </a:spcAft>
+              </a:pPr>
+              <a:endParaRPr lang="en-US" sz="2200" dirty="0" smtClean="0">
+                <a:gradFill>
+                  <a:gsLst>
+                    <a:gs pos="0">
+                      <a:schemeClr val="tx1"/>
+                    </a:gs>
+                    <a:gs pos="100000">
+                      <a:schemeClr val="tx1"/>
+                    </a:gs>
+                  </a:gsLst>
+                  <a:lin ang="5400000" scaled="0"/>
+                </a:gradFill>
+              </a:endParaRPr>
+            </a:p>
+          </p:txBody>
+        </p:sp>
+        <p:sp>
+          <p:nvSpPr>
+            <p:cNvPr id="6" name="Curved Left Arrow 5"/>
+            <p:cNvSpPr/>
+            <p:nvPr/>
+          </p:nvSpPr>
+          <p:spPr bwMode="auto">
+            <a:xfrm flipV="1">
+              <a:off x="5635870" y="5820508"/>
+              <a:ext cx="492369" cy="254977"/>
+            </a:xfrm>
+            <a:prstGeom prst="curvedLeftArrow">
+              <a:avLst/>
+            </a:prstGeom>
+            <a:solidFill>
+              <a:schemeClr val="accent1"/>
+            </a:solidFill>
+            <a:ln>
+              <a:noFill/>
+              <a:headEnd type="none" w="med" len="med"/>
+              <a:tailEnd type="none" w="med" len="med"/>
+            </a:ln>
+            <a:effectLst/>
+          </p:spPr>
+          <p:style>
+            <a:lnRef idx="1">
+              <a:schemeClr val="accent2"/>
+            </a:lnRef>
+            <a:fillRef idx="3">
+              <a:schemeClr val="accent2"/>
+            </a:fillRef>
+            <a:effectRef idx="2">
+              <a:schemeClr val="accent2"/>
+            </a:effectRef>
+            <a:fontRef idx="minor">
+              <a:schemeClr val="lt1"/>
+            </a:fontRef>
+          </p:style>
+          <p:txBody>
+            <a:bodyPr vert="horz" wrap="square" lIns="91436" tIns="45718" rIns="91436" bIns="45718" numCol="1" rtlCol="0" anchor="ctr" anchorCtr="0" compatLnSpc="1">
+              <a:prstTxWarp prst="textNoShape">
+                <a:avLst/>
+              </a:prstTxWarp>
+            </a:bodyPr>
+            <a:lstStyle/>
+            <a:p>
+              <a:pPr algn="ctr" defTabSz="914099" fontAlgn="base">
+                <a:spcBef>
+                  <a:spcPct val="0"/>
+                </a:spcBef>
+                <a:spcAft>
+                  <a:spcPct val="0"/>
+                </a:spcAft>
+              </a:pPr>
+              <a:endParaRPr lang="en-US" sz="2200" dirty="0" smtClean="0">
+                <a:gradFill>
+                  <a:gsLst>
+                    <a:gs pos="0">
+                      <a:schemeClr val="tx1"/>
+                    </a:gs>
+                    <a:gs pos="100000">
+                      <a:schemeClr val="tx1"/>
+                    </a:gs>
+                  </a:gsLst>
+                  <a:lin ang="5400000" scaled="0"/>
+                </a:gradFill>
+              </a:endParaRPr>
+            </a:p>
+          </p:txBody>
+        </p:sp>
+        <p:sp>
+          <p:nvSpPr>
+            <p:cNvPr id="57" name="TextBox 56"/>
+            <p:cNvSpPr txBox="1"/>
+            <p:nvPr/>
+          </p:nvSpPr>
+          <p:spPr>
+            <a:xfrm>
+              <a:off x="4498572" y="5956789"/>
+              <a:ext cx="2844311" cy="338554"/>
+            </a:xfrm>
+            <a:prstGeom prst="rect">
+              <a:avLst/>
+            </a:prstGeom>
+            <a:noFill/>
+          </p:spPr>
+          <p:txBody>
+            <a:bodyPr wrap="none" rtlCol="0">
+              <a:spAutoFit/>
+            </a:bodyPr>
+            <a:lstStyle/>
+            <a:p>
+              <a:r>
+                <a:rPr lang="en-US" sz="1600" b="1" dirty="0" smtClean="0">
+                  <a:solidFill>
+                    <a:srgbClr val="FFFF00"/>
+                  </a:solidFill>
+                </a:rPr>
+                <a:t>Intra-stamp replication</a:t>
+              </a:r>
+              <a:endParaRPr lang="en-US" sz="1600" b="1" dirty="0">
+                <a:solidFill>
+                  <a:srgbClr val="FFFF00"/>
+                </a:solidFill>
+              </a:endParaRPr>
+            </a:p>
+          </p:txBody>
+        </p:sp>
+      </p:grpSp>
+      <p:grpSp>
+        <p:nvGrpSpPr>
+          <p:cNvPr id="5" name="Group 4"/>
+          <p:cNvGrpSpPr/>
+          <p:nvPr/>
+        </p:nvGrpSpPr>
+        <p:grpSpPr>
+          <a:xfrm>
+            <a:off x="6086450" y="3106616"/>
+            <a:ext cx="2519347" cy="3414712"/>
+            <a:chOff x="8113153" y="3106616"/>
+            <a:chExt cx="3358255" cy="3414712"/>
+          </a:xfrm>
+        </p:grpSpPr>
+        <p:sp>
+          <p:nvSpPr>
+            <p:cNvPr id="58" name="Rectangle 57"/>
+            <p:cNvSpPr/>
+            <p:nvPr/>
+          </p:nvSpPr>
+          <p:spPr bwMode="auto">
+            <a:xfrm>
+              <a:off x="8113153" y="3259016"/>
+              <a:ext cx="3276599" cy="3262312"/>
+            </a:xfrm>
+            <a:prstGeom prst="rect">
+              <a:avLst/>
+            </a:prstGeom>
+            <a:solidFill>
+              <a:schemeClr val="bg1">
+                <a:lumMod val="50000"/>
+                <a:alpha val="50000"/>
+              </a:schemeClr>
+            </a:solidFill>
+            <a:ln w="25400" cap="flat" cmpd="sng" algn="ctr">
+              <a:solidFill>
+                <a:schemeClr val="tx1"/>
+              </a:solidFill>
+              <a:prstDash val="sysDot"/>
+              <a:round/>
+              <a:headEnd type="none" w="med" len="med"/>
+              <a:tailEnd type="none" w="med" len="med"/>
+            </a:ln>
+            <a:effectLst/>
+          </p:spPr>
+          <p:txBody>
+            <a:bodyPr anchor="b"/>
+            <a:lstStyle/>
+            <a:p>
+              <a:pPr algn="ctr">
+                <a:defRPr/>
+              </a:pPr>
+              <a:endParaRPr lang="en-US" dirty="0" smtClean="0">
+                <a:solidFill>
+                  <a:prstClr val="white"/>
+                </a:solidFill>
+              </a:endParaRPr>
+            </a:p>
+            <a:p>
+              <a:pPr algn="ctr">
+                <a:defRPr/>
+              </a:pPr>
+              <a:endParaRPr lang="en-US" dirty="0" smtClean="0">
+                <a:solidFill>
+                  <a:prstClr val="white"/>
+                </a:solidFill>
+              </a:endParaRPr>
+            </a:p>
+            <a:p>
+              <a:pPr algn="ctr">
+                <a:defRPr/>
+              </a:pPr>
+              <a:endParaRPr lang="en-US" dirty="0" smtClean="0">
+                <a:solidFill>
+                  <a:prstClr val="white"/>
+                </a:solidFill>
+              </a:endParaRPr>
+            </a:p>
+            <a:p>
+              <a:pPr algn="ctr">
+                <a:defRPr/>
+              </a:pPr>
+              <a:endParaRPr lang="en-US" dirty="0" smtClean="0">
+                <a:solidFill>
+                  <a:prstClr val="white"/>
+                </a:solidFill>
+              </a:endParaRPr>
+            </a:p>
+            <a:p>
+              <a:pPr algn="ctr">
+                <a:defRPr/>
+              </a:pPr>
+              <a:endParaRPr lang="en-US" dirty="0" smtClean="0">
+                <a:solidFill>
+                  <a:prstClr val="white"/>
+                </a:solidFill>
+              </a:endParaRPr>
+            </a:p>
+            <a:p>
+              <a:pPr algn="ctr">
+                <a:defRPr/>
+              </a:pPr>
+              <a:endParaRPr lang="en-US" dirty="0" smtClean="0">
+                <a:solidFill>
+                  <a:prstClr val="white"/>
+                </a:solidFill>
+              </a:endParaRPr>
+            </a:p>
+            <a:p>
+              <a:pPr algn="ctr">
+                <a:defRPr/>
+              </a:pPr>
+              <a:endParaRPr lang="en-US" dirty="0" smtClean="0">
+                <a:solidFill>
+                  <a:prstClr val="white"/>
+                </a:solidFill>
+              </a:endParaRPr>
+            </a:p>
+            <a:p>
+              <a:pPr algn="ctr">
+                <a:defRPr/>
+              </a:pPr>
+              <a:endParaRPr lang="en-US" dirty="0" smtClean="0">
+                <a:solidFill>
+                  <a:prstClr val="white"/>
+                </a:solidFill>
+              </a:endParaRPr>
+            </a:p>
+            <a:p>
+              <a:pPr algn="ctr">
+                <a:defRPr/>
+              </a:pPr>
+              <a:endParaRPr lang="en-US" dirty="0" smtClean="0">
+                <a:solidFill>
+                  <a:prstClr val="white"/>
+                </a:solidFill>
+              </a:endParaRPr>
+            </a:p>
+            <a:p>
+              <a:pPr algn="ctr">
+                <a:defRPr/>
+              </a:pPr>
+              <a:endParaRPr lang="en-US" dirty="0" smtClean="0">
+                <a:solidFill>
+                  <a:prstClr val="white"/>
+                </a:solidFill>
+              </a:endParaRPr>
+            </a:p>
+            <a:p>
+              <a:pPr algn="ctr">
+                <a:defRPr/>
+              </a:pPr>
+              <a:r>
+                <a:rPr lang="en-US" b="1" dirty="0" smtClean="0">
+                  <a:solidFill>
+                    <a:srgbClr val="FF0000"/>
+                  </a:solidFill>
+                </a:rPr>
+                <a:t>Storage Stamp</a:t>
+              </a:r>
+              <a:endParaRPr lang="en-US" b="1" dirty="0">
+                <a:solidFill>
+                  <a:srgbClr val="FF0000"/>
+                </a:solidFill>
+              </a:endParaRPr>
+            </a:p>
+          </p:txBody>
+        </p:sp>
+        <p:sp>
+          <p:nvSpPr>
+            <p:cNvPr id="59" name="Rectangle 58"/>
+            <p:cNvSpPr/>
+            <p:nvPr/>
+          </p:nvSpPr>
+          <p:spPr>
+            <a:xfrm>
+              <a:off x="9179952" y="3106616"/>
+              <a:ext cx="1143000" cy="381000"/>
+            </a:xfrm>
+            <a:prstGeom prst="rect">
+              <a:avLst/>
+            </a:prstGeom>
+            <a:solidFill>
+              <a:srgbClr val="0070C0"/>
+            </a:solidFill>
+          </p:spPr>
+          <p:style>
+            <a:lnRef idx="2">
+              <a:schemeClr val="accent1">
+                <a:shade val="50000"/>
+              </a:schemeClr>
+            </a:lnRef>
+            <a:fillRef idx="1">
+              <a:schemeClr val="accent1"/>
+            </a:fillRef>
+            <a:effectRef idx="0">
+              <a:schemeClr val="accent1"/>
+            </a:effectRef>
+            <a:fontRef idx="minor">
+              <a:schemeClr val="lt1"/>
+            </a:fontRef>
+          </p:style>
+          <p:txBody>
+            <a:bodyPr rtlCol="0" anchor="ctr"/>
+            <a:lstStyle/>
+            <a:p>
+              <a:pPr algn="ctr"/>
+              <a:r>
+                <a:rPr lang="en-US" b="1" dirty="0" smtClean="0">
+                  <a:solidFill>
+                    <a:prstClr val="white"/>
+                  </a:solidFill>
+                  <a:effectLst>
+                    <a:outerShdw blurRad="38100" dist="38100" dir="2700000" algn="tl">
+                      <a:srgbClr val="000000">
+                        <a:alpha val="43137"/>
+                      </a:srgbClr>
+                    </a:outerShdw>
+                  </a:effectLst>
+                </a:rPr>
+                <a:t>LB</a:t>
+              </a:r>
+              <a:endParaRPr lang="en-US" b="1" dirty="0">
+                <a:solidFill>
+                  <a:prstClr val="white"/>
+                </a:solidFill>
+                <a:effectLst>
+                  <a:outerShdw blurRad="38100" dist="38100" dir="2700000" algn="tl">
+                    <a:srgbClr val="000000">
+                      <a:alpha val="43137"/>
+                    </a:srgbClr>
+                  </a:outerShdw>
+                </a:effectLst>
+              </a:endParaRPr>
+            </a:p>
+          </p:txBody>
+        </p:sp>
+        <p:cxnSp>
+          <p:nvCxnSpPr>
+            <p:cNvPr id="60" name="Straight Arrow Connector 59"/>
+            <p:cNvCxnSpPr/>
+            <p:nvPr/>
+          </p:nvCxnSpPr>
+          <p:spPr>
+            <a:xfrm rot="5400000">
+              <a:off x="9561349" y="3678116"/>
+              <a:ext cx="380206" cy="794"/>
+            </a:xfrm>
+            <a:prstGeom prst="straightConnector1">
+              <a:avLst/>
+            </a:prstGeom>
+            <a:ln w="38100">
+              <a:tailEnd type="arrow"/>
+            </a:ln>
+          </p:spPr>
+          <p:style>
+            <a:lnRef idx="1">
+              <a:schemeClr val="accent1"/>
+            </a:lnRef>
+            <a:fillRef idx="0">
+              <a:schemeClr val="accent1"/>
+            </a:fillRef>
+            <a:effectRef idx="0">
+              <a:schemeClr val="accent1"/>
+            </a:effectRef>
+            <a:fontRef idx="minor">
+              <a:schemeClr val="tx1"/>
+            </a:fontRef>
+          </p:style>
+        </p:cxnSp>
+        <p:cxnSp>
+          <p:nvCxnSpPr>
+            <p:cNvPr id="61" name="Straight Arrow Connector 60"/>
+            <p:cNvCxnSpPr/>
+            <p:nvPr/>
+          </p:nvCxnSpPr>
+          <p:spPr>
+            <a:xfrm rot="5400000">
+              <a:off x="9561349" y="4440116"/>
+              <a:ext cx="380206" cy="794"/>
+            </a:xfrm>
+            <a:prstGeom prst="straightConnector1">
+              <a:avLst/>
+            </a:prstGeom>
+            <a:ln w="38100">
+              <a:tailEnd type="arrow"/>
+            </a:ln>
+          </p:spPr>
+          <p:style>
+            <a:lnRef idx="1">
+              <a:schemeClr val="accent1"/>
+            </a:lnRef>
+            <a:fillRef idx="0">
+              <a:schemeClr val="accent1"/>
+            </a:fillRef>
+            <a:effectRef idx="0">
+              <a:schemeClr val="accent1"/>
+            </a:effectRef>
+            <a:fontRef idx="minor">
+              <a:schemeClr val="tx1"/>
+            </a:fontRef>
+          </p:style>
+        </p:cxnSp>
+        <p:sp>
+          <p:nvSpPr>
+            <p:cNvPr id="62" name="Rectangle 61"/>
+            <p:cNvSpPr/>
+            <p:nvPr/>
+          </p:nvSpPr>
+          <p:spPr bwMode="auto">
+            <a:xfrm>
+              <a:off x="8393105" y="4596367"/>
+              <a:ext cx="2716695" cy="369332"/>
+            </a:xfrm>
+            <a:prstGeom prst="rect">
+              <a:avLst/>
+            </a:prstGeom>
+            <a:solidFill>
+              <a:srgbClr val="0070C0"/>
+            </a:solidFill>
+            <a:ln w="25400" cap="flat" cmpd="sng" algn="ctr">
+              <a:noFill/>
+              <a:prstDash val="solid"/>
+              <a:round/>
+              <a:headEnd type="none" w="med" len="med"/>
+              <a:tailEnd type="none" w="med" len="med"/>
+            </a:ln>
+            <a:effectLst>
+              <a:outerShdw blurRad="50800" dist="38100" dir="18900000" algn="bl" rotWithShape="0">
+                <a:prstClr val="black">
+                  <a:alpha val="40000"/>
+                </a:prstClr>
+              </a:outerShdw>
+            </a:effectLst>
+          </p:spPr>
+          <p:txBody>
+            <a:bodyPr wrap="square" rtlCol="0" anchor="ctr">
+              <a:spAutoFit/>
+            </a:bodyPr>
+            <a:lstStyle/>
+            <a:p>
+              <a:pPr algn="ctr"/>
+              <a:r>
+                <a:rPr lang="en-US" b="1" dirty="0" smtClean="0">
+                  <a:solidFill>
+                    <a:prstClr val="white"/>
+                  </a:solidFill>
+                  <a:effectLst>
+                    <a:outerShdw blurRad="38100" dist="38100" dir="2700000" algn="tl">
+                      <a:srgbClr val="000000">
+                        <a:alpha val="43137"/>
+                      </a:srgbClr>
+                    </a:outerShdw>
+                  </a:effectLst>
+                </a:rPr>
+                <a:t>Partition Layer</a:t>
+              </a:r>
+              <a:endParaRPr lang="en-US" b="1" dirty="0">
+                <a:solidFill>
+                  <a:prstClr val="white"/>
+                </a:solidFill>
+                <a:effectLst>
+                  <a:outerShdw blurRad="38100" dist="38100" dir="2700000" algn="tl">
+                    <a:srgbClr val="000000">
+                      <a:alpha val="43137"/>
+                    </a:srgbClr>
+                  </a:outerShdw>
+                </a:effectLst>
+              </a:endParaRPr>
+            </a:p>
+          </p:txBody>
+        </p:sp>
+        <p:sp>
+          <p:nvSpPr>
+            <p:cNvPr id="63" name="Rectangle 62"/>
+            <p:cNvSpPr/>
+            <p:nvPr/>
+          </p:nvSpPr>
+          <p:spPr bwMode="auto">
+            <a:xfrm>
+              <a:off x="8393105" y="3875252"/>
+              <a:ext cx="2716695" cy="369332"/>
+            </a:xfrm>
+            <a:prstGeom prst="rect">
+              <a:avLst/>
+            </a:prstGeom>
+            <a:solidFill>
+              <a:srgbClr val="0070C0"/>
+            </a:solidFill>
+            <a:ln w="25400" cap="flat" cmpd="sng" algn="ctr">
+              <a:noFill/>
+              <a:prstDash val="solid"/>
+              <a:round/>
+              <a:headEnd type="none" w="med" len="med"/>
+              <a:tailEnd type="none" w="med" len="med"/>
+            </a:ln>
+            <a:effectLst>
+              <a:outerShdw blurRad="50800" dist="38100" dir="18900000" algn="bl" rotWithShape="0">
+                <a:prstClr val="black">
+                  <a:alpha val="40000"/>
+                </a:prstClr>
+              </a:outerShdw>
+            </a:effectLst>
+          </p:spPr>
+          <p:txBody>
+            <a:bodyPr wrap="square" rtlCol="0" anchor="ctr">
+              <a:spAutoFit/>
+            </a:bodyPr>
+            <a:lstStyle/>
+            <a:p>
+              <a:pPr algn="ctr"/>
+              <a:r>
+                <a:rPr lang="en-US" b="1" dirty="0" smtClean="0">
+                  <a:solidFill>
+                    <a:prstClr val="white"/>
+                  </a:solidFill>
+                  <a:effectLst>
+                    <a:outerShdw blurRad="38100" dist="38100" dir="2700000" algn="tl">
+                      <a:srgbClr val="000000">
+                        <a:alpha val="43137"/>
+                      </a:srgbClr>
+                    </a:outerShdw>
+                  </a:effectLst>
+                </a:rPr>
+                <a:t>Front-Ends</a:t>
+              </a:r>
+              <a:endParaRPr lang="en-US" b="1" dirty="0">
+                <a:solidFill>
+                  <a:prstClr val="white"/>
+                </a:solidFill>
+                <a:effectLst>
+                  <a:outerShdw blurRad="38100" dist="38100" dir="2700000" algn="tl">
+                    <a:srgbClr val="000000">
+                      <a:alpha val="43137"/>
+                    </a:srgbClr>
+                  </a:outerShdw>
+                </a:effectLst>
+              </a:endParaRPr>
+            </a:p>
+          </p:txBody>
+        </p:sp>
+        <p:sp>
+          <p:nvSpPr>
+            <p:cNvPr id="64" name="Rectangle 63"/>
+            <p:cNvSpPr/>
+            <p:nvPr/>
+          </p:nvSpPr>
+          <p:spPr bwMode="auto">
+            <a:xfrm>
+              <a:off x="8393104" y="5376298"/>
+              <a:ext cx="2651760" cy="800219"/>
+            </a:xfrm>
+            <a:prstGeom prst="rect">
+              <a:avLst/>
+            </a:prstGeom>
+            <a:solidFill>
+              <a:srgbClr val="0070C0"/>
+            </a:solidFill>
+            <a:ln w="25400" cap="flat" cmpd="sng" algn="ctr">
+              <a:noFill/>
+              <a:prstDash val="solid"/>
+              <a:round/>
+              <a:headEnd type="none" w="med" len="med"/>
+              <a:tailEnd type="none" w="med" len="med"/>
+            </a:ln>
+            <a:effectLst>
+              <a:outerShdw blurRad="50800" dist="38100" dir="18900000" algn="bl" rotWithShape="0">
+                <a:prstClr val="black">
+                  <a:alpha val="40000"/>
+                </a:prstClr>
+              </a:outerShdw>
+            </a:effectLst>
+          </p:spPr>
+          <p:txBody>
+            <a:bodyPr wrap="square" rtlCol="0" anchor="t">
+              <a:spAutoFit/>
+            </a:bodyPr>
+            <a:lstStyle/>
+            <a:p>
+              <a:pPr algn="ctr"/>
+              <a:r>
+                <a:rPr lang="en-US" b="1" dirty="0" smtClean="0">
+                  <a:solidFill>
+                    <a:prstClr val="white"/>
+                  </a:solidFill>
+                  <a:effectLst>
+                    <a:outerShdw blurRad="38100" dist="38100" dir="2700000" algn="tl">
+                      <a:srgbClr val="000000">
+                        <a:alpha val="43137"/>
+                      </a:srgbClr>
+                    </a:outerShdw>
+                  </a:effectLst>
+                </a:rPr>
+                <a:t>Stream Layer</a:t>
+              </a:r>
+              <a:br>
+                <a:rPr lang="en-US" b="1" dirty="0" smtClean="0">
+                  <a:solidFill>
+                    <a:prstClr val="white"/>
+                  </a:solidFill>
+                  <a:effectLst>
+                    <a:outerShdw blurRad="38100" dist="38100" dir="2700000" algn="tl">
+                      <a:srgbClr val="000000">
+                        <a:alpha val="43137"/>
+                      </a:srgbClr>
+                    </a:outerShdw>
+                  </a:effectLst>
+                </a:rPr>
+              </a:br>
+              <a:r>
+                <a:rPr lang="en-US" sz="1400" b="1" dirty="0" smtClean="0">
+                  <a:solidFill>
+                    <a:prstClr val="white"/>
+                  </a:solidFill>
+                  <a:effectLst>
+                    <a:outerShdw blurRad="38100" dist="38100" dir="2700000" algn="tl">
+                      <a:srgbClr val="000000">
+                        <a:alpha val="43137"/>
+                      </a:srgbClr>
+                    </a:outerShdw>
+                  </a:effectLst>
+                </a:rPr>
+                <a:t/>
+              </a:r>
+              <a:br>
+                <a:rPr lang="en-US" sz="1400" b="1" dirty="0" smtClean="0">
+                  <a:solidFill>
+                    <a:prstClr val="white"/>
+                  </a:solidFill>
+                  <a:effectLst>
+                    <a:outerShdw blurRad="38100" dist="38100" dir="2700000" algn="tl">
+                      <a:srgbClr val="000000">
+                        <a:alpha val="43137"/>
+                      </a:srgbClr>
+                    </a:outerShdw>
+                  </a:effectLst>
+                </a:rPr>
+              </a:br>
+              <a:endParaRPr lang="en-US" sz="1400" b="1" dirty="0">
+                <a:solidFill>
+                  <a:prstClr val="white"/>
+                </a:solidFill>
+                <a:effectLst>
+                  <a:outerShdw blurRad="38100" dist="38100" dir="2700000" algn="tl">
+                    <a:srgbClr val="000000">
+                      <a:alpha val="43137"/>
+                    </a:srgbClr>
+                  </a:outerShdw>
+                </a:effectLst>
+              </a:endParaRPr>
+            </a:p>
+          </p:txBody>
+        </p:sp>
+        <p:cxnSp>
+          <p:nvCxnSpPr>
+            <p:cNvPr id="65" name="Straight Arrow Connector 64"/>
+            <p:cNvCxnSpPr/>
+            <p:nvPr/>
+          </p:nvCxnSpPr>
+          <p:spPr>
+            <a:xfrm rot="5400000">
+              <a:off x="9561349" y="5185798"/>
+              <a:ext cx="380206" cy="794"/>
+            </a:xfrm>
+            <a:prstGeom prst="straightConnector1">
+              <a:avLst/>
+            </a:prstGeom>
+            <a:ln w="38100">
+              <a:tailEnd type="arrow"/>
+            </a:ln>
+          </p:spPr>
+          <p:style>
+            <a:lnRef idx="1">
+              <a:schemeClr val="accent1"/>
+            </a:lnRef>
+            <a:fillRef idx="0">
+              <a:schemeClr val="accent1"/>
+            </a:fillRef>
+            <a:effectRef idx="0">
+              <a:schemeClr val="accent1"/>
+            </a:effectRef>
+            <a:fontRef idx="minor">
+              <a:schemeClr val="tx1"/>
+            </a:fontRef>
+          </p:style>
+        </p:cxnSp>
+        <p:grpSp>
+          <p:nvGrpSpPr>
+            <p:cNvPr id="66" name="Group 65"/>
+            <p:cNvGrpSpPr/>
+            <p:nvPr/>
+          </p:nvGrpSpPr>
+          <p:grpSpPr>
+            <a:xfrm>
+              <a:off x="8627097" y="5730357"/>
+              <a:ext cx="2844311" cy="474835"/>
+              <a:chOff x="4498572" y="5820508"/>
+              <a:chExt cx="2844311" cy="474835"/>
+            </a:xfrm>
+          </p:grpSpPr>
+          <p:sp>
+            <p:nvSpPr>
+              <p:cNvPr id="67" name="Curved Right Arrow 66"/>
+              <p:cNvSpPr/>
+              <p:nvPr/>
+            </p:nvSpPr>
+            <p:spPr bwMode="auto">
+              <a:xfrm>
+                <a:off x="5143500" y="5846885"/>
+                <a:ext cx="448408" cy="254977"/>
+              </a:xfrm>
+              <a:prstGeom prst="curvedRightArrow">
+                <a:avLst/>
+              </a:prstGeom>
+              <a:solidFill>
+                <a:schemeClr val="accent1"/>
+              </a:solidFill>
+              <a:ln>
+                <a:noFill/>
+                <a:headEnd type="none" w="med" len="med"/>
+                <a:tailEnd type="none" w="med" len="med"/>
+              </a:ln>
+              <a:effectLst/>
+            </p:spPr>
+            <p:style>
+              <a:lnRef idx="1">
+                <a:schemeClr val="accent2"/>
+              </a:lnRef>
+              <a:fillRef idx="3">
+                <a:schemeClr val="accent2"/>
+              </a:fillRef>
+              <a:effectRef idx="2">
+                <a:schemeClr val="accent2"/>
+              </a:effectRef>
+              <a:fontRef idx="minor">
+                <a:schemeClr val="lt1"/>
+              </a:fontRef>
+            </p:style>
+            <p:txBody>
+              <a:bodyPr vert="horz" wrap="square" lIns="91436" tIns="45718" rIns="91436" bIns="45718" numCol="1" rtlCol="0" anchor="ctr" anchorCtr="0" compatLnSpc="1">
+                <a:prstTxWarp prst="textNoShape">
+                  <a:avLst/>
+                </a:prstTxWarp>
+              </a:bodyPr>
+              <a:lstStyle/>
+              <a:p>
+                <a:pPr algn="ctr" defTabSz="914099" fontAlgn="base">
+                  <a:spcBef>
+                    <a:spcPct val="0"/>
+                  </a:spcBef>
+                  <a:spcAft>
+                    <a:spcPct val="0"/>
+                  </a:spcAft>
+                </a:pPr>
+                <a:endParaRPr lang="en-US" sz="2200" dirty="0" smtClean="0">
+                  <a:gradFill>
+                    <a:gsLst>
+                      <a:gs pos="0">
+                        <a:schemeClr val="tx1"/>
+                      </a:gs>
+                      <a:gs pos="100000">
+                        <a:schemeClr val="tx1"/>
+                      </a:gs>
+                    </a:gsLst>
+                    <a:lin ang="5400000" scaled="0"/>
+                  </a:gradFill>
+                </a:endParaRPr>
+              </a:p>
+            </p:txBody>
+          </p:sp>
+          <p:sp>
+            <p:nvSpPr>
+              <p:cNvPr id="68" name="Curved Left Arrow 67"/>
+              <p:cNvSpPr/>
+              <p:nvPr/>
+            </p:nvSpPr>
+            <p:spPr bwMode="auto">
+              <a:xfrm flipV="1">
+                <a:off x="5635870" y="5820508"/>
+                <a:ext cx="492369" cy="254977"/>
+              </a:xfrm>
+              <a:prstGeom prst="curvedLeftArrow">
+                <a:avLst/>
+              </a:prstGeom>
+              <a:solidFill>
+                <a:schemeClr val="accent1"/>
+              </a:solidFill>
+              <a:ln>
+                <a:noFill/>
+                <a:headEnd type="none" w="med" len="med"/>
+                <a:tailEnd type="none" w="med" len="med"/>
+              </a:ln>
+              <a:effectLst/>
+            </p:spPr>
+            <p:style>
+              <a:lnRef idx="1">
+                <a:schemeClr val="accent2"/>
+              </a:lnRef>
+              <a:fillRef idx="3">
+                <a:schemeClr val="accent2"/>
+              </a:fillRef>
+              <a:effectRef idx="2">
+                <a:schemeClr val="accent2"/>
+              </a:effectRef>
+              <a:fontRef idx="minor">
+                <a:schemeClr val="lt1"/>
+              </a:fontRef>
+            </p:style>
+            <p:txBody>
+              <a:bodyPr vert="horz" wrap="square" lIns="91436" tIns="45718" rIns="91436" bIns="45718" numCol="1" rtlCol="0" anchor="ctr" anchorCtr="0" compatLnSpc="1">
+                <a:prstTxWarp prst="textNoShape">
+                  <a:avLst/>
+                </a:prstTxWarp>
+              </a:bodyPr>
+              <a:lstStyle/>
+              <a:p>
+                <a:pPr algn="ctr" defTabSz="914099" fontAlgn="base">
+                  <a:spcBef>
+                    <a:spcPct val="0"/>
+                  </a:spcBef>
+                  <a:spcAft>
+                    <a:spcPct val="0"/>
+                  </a:spcAft>
+                </a:pPr>
+                <a:endParaRPr lang="en-US" sz="2200" dirty="0" smtClean="0">
+                  <a:gradFill>
+                    <a:gsLst>
+                      <a:gs pos="0">
+                        <a:schemeClr val="tx1"/>
+                      </a:gs>
+                      <a:gs pos="100000">
+                        <a:schemeClr val="tx1"/>
+                      </a:gs>
+                    </a:gsLst>
+                    <a:lin ang="5400000" scaled="0"/>
+                  </a:gradFill>
+                </a:endParaRPr>
+              </a:p>
+            </p:txBody>
+          </p:sp>
+          <p:sp>
+            <p:nvSpPr>
+              <p:cNvPr id="69" name="TextBox 68"/>
+              <p:cNvSpPr txBox="1"/>
+              <p:nvPr/>
+            </p:nvSpPr>
+            <p:spPr>
+              <a:xfrm>
+                <a:off x="4498572" y="5956789"/>
+                <a:ext cx="2844311" cy="338554"/>
+              </a:xfrm>
+              <a:prstGeom prst="rect">
+                <a:avLst/>
+              </a:prstGeom>
+              <a:noFill/>
+            </p:spPr>
+            <p:txBody>
+              <a:bodyPr wrap="none" rtlCol="0">
+                <a:spAutoFit/>
+              </a:bodyPr>
+              <a:lstStyle/>
+              <a:p>
+                <a:r>
+                  <a:rPr lang="en-US" sz="1600" b="1" dirty="0" smtClean="0">
+                    <a:solidFill>
+                      <a:srgbClr val="FFFF00"/>
+                    </a:solidFill>
+                  </a:rPr>
+                  <a:t>Intra-stamp replication</a:t>
+                </a:r>
+                <a:endParaRPr lang="en-US" sz="1600" b="1" dirty="0">
+                  <a:solidFill>
+                    <a:srgbClr val="FFFF00"/>
+                  </a:solidFill>
+                </a:endParaRPr>
+              </a:p>
+            </p:txBody>
+          </p:sp>
+        </p:grpSp>
+      </p:grpSp>
+      <p:grpSp>
+        <p:nvGrpSpPr>
+          <p:cNvPr id="31" name="Group 68"/>
+          <p:cNvGrpSpPr/>
+          <p:nvPr/>
+        </p:nvGrpSpPr>
+        <p:grpSpPr>
+          <a:xfrm>
+            <a:off x="2762555" y="4778927"/>
+            <a:ext cx="3533914" cy="438105"/>
+            <a:chOff x="4797635" y="5018116"/>
+            <a:chExt cx="2576942" cy="438105"/>
+          </a:xfrm>
+        </p:grpSpPr>
+        <p:cxnSp>
+          <p:nvCxnSpPr>
+            <p:cNvPr id="32" name="Straight Arrow Connector 31"/>
+            <p:cNvCxnSpPr/>
+            <p:nvPr/>
+          </p:nvCxnSpPr>
+          <p:spPr>
+            <a:xfrm rot="10800000">
+              <a:off x="4797635" y="5018116"/>
+              <a:ext cx="2576942" cy="11875"/>
+            </a:xfrm>
+            <a:prstGeom prst="straightConnector1">
+              <a:avLst/>
+            </a:prstGeom>
+            <a:ln w="50800">
+              <a:headEnd type="arrow"/>
+              <a:tailEnd type="arrow"/>
+            </a:ln>
+          </p:spPr>
+          <p:style>
+            <a:lnRef idx="1">
+              <a:schemeClr val="accent1"/>
+            </a:lnRef>
+            <a:fillRef idx="0">
+              <a:schemeClr val="accent1"/>
+            </a:fillRef>
+            <a:effectRef idx="0">
+              <a:schemeClr val="accent1"/>
+            </a:effectRef>
+            <a:fontRef idx="minor">
+              <a:schemeClr val="tx1"/>
+            </a:fontRef>
+          </p:style>
+        </p:cxnSp>
+        <p:sp>
+          <p:nvSpPr>
+            <p:cNvPr id="33" name="Rectangle 32"/>
+            <p:cNvSpPr/>
+            <p:nvPr/>
+          </p:nvSpPr>
+          <p:spPr>
+            <a:xfrm>
+              <a:off x="4911561" y="5056111"/>
+              <a:ext cx="2389497" cy="400110"/>
+            </a:xfrm>
+            <a:prstGeom prst="rect">
+              <a:avLst/>
+            </a:prstGeom>
+          </p:spPr>
+          <p:txBody>
+            <a:bodyPr wrap="none">
+              <a:spAutoFit/>
+            </a:bodyPr>
+            <a:lstStyle/>
+            <a:p>
+              <a:pPr algn="ctr">
+                <a:defRPr/>
+              </a:pPr>
+              <a:r>
+                <a:rPr lang="en-US" sz="2000" b="1" dirty="0" smtClean="0">
+                  <a:solidFill>
+                    <a:schemeClr val="accent2">
+                      <a:lumMod val="50000"/>
+                    </a:schemeClr>
+                  </a:solidFill>
+                </a:rPr>
+                <a:t>Inter-stamp (Geo) replication</a:t>
+              </a:r>
+              <a:endParaRPr lang="en-US" sz="2000" b="1" dirty="0">
+                <a:solidFill>
+                  <a:schemeClr val="accent2">
+                    <a:lumMod val="50000"/>
+                  </a:schemeClr>
+                </a:solidFill>
+              </a:endParaRPr>
+            </a:p>
+          </p:txBody>
+        </p:sp>
+      </p:grpSp>
     </p:spTree>
     <p:extLst>
       <p:ext uri="{BB962C8B-B14F-4D97-AF65-F5344CB8AC3E}">
-        <p14:creationId xmlns:p14="http://schemas.microsoft.com/office/powerpoint/2010/main" val="1064495975"/>
+        <p14:creationId xmlns:p14="http://schemas.microsoft.com/office/powerpoint/2010/main" val="1781775441"/>
       </p:ext>
     </p:extLst>
   </p:cSld>
   <p:clrMapOvr>
     <a:masterClrMapping/>
   </p:clrMapOvr>
+  <p:transition>
+    <p:strips dir="ld"/>
+  </p:transition>
   <p:timing>
     <p:tnLst>
       <p:par>
-        <p:cTn id="1" dur="indefinite" restart="never" nodeType="tmRoot"/>
+        <p:cTn id="1" dur="indefinite" restart="never" nodeType="tmRoot">
+          <p:childTnLst>
+            <p:seq concurrent="1" nextAc="seek">
+              <p:cTn id="2" dur="indefinite" nodeType="mainSeq">
+                <p:childTnLst>
+                  <p:par>
+                    <p:cTn id="3" fill="hold">
+                      <p:stCondLst>
+                        <p:cond delay="indefinite"/>
+                      </p:stCondLst>
+                      <p:childTnLst>
+                        <p:par>
+                          <p:cTn id="4" fill="hold">
+                            <p:stCondLst>
+                              <p:cond delay="0"/>
+                            </p:stCondLst>
+                            <p:childTnLst>
+                              <p:par>
+                                <p:cTn id="5" presetID="1" presetClass="entr" presetSubtype="0" fill="hold" nodeType="clickEffect">
+                                  <p:stCondLst>
+                                    <p:cond delay="0"/>
+                                  </p:stCondLst>
+                                  <p:childTnLst>
+                                    <p:set>
+                                      <p:cBhvr>
+                                        <p:cTn id="6" dur="1" fill="hold">
+                                          <p:stCondLst>
+                                            <p:cond delay="0"/>
+                                          </p:stCondLst>
+                                        </p:cTn>
+                                        <p:tgtEl>
+                                          <p:spTgt spid="25"/>
+                                        </p:tgtEl>
+                                        <p:attrNameLst>
+                                          <p:attrName>style.visibility</p:attrName>
+                                        </p:attrNameLst>
+                                      </p:cBhvr>
+                                      <p:to>
+                                        <p:strVal val="visible"/>
+                                      </p:to>
+                                    </p:set>
+                                  </p:childTnLst>
+                                </p:cTn>
+                              </p:par>
+                              <p:par>
+                                <p:cTn id="7" presetID="1" presetClass="entr" presetSubtype="0" fill="hold" grpId="0" nodeType="withEffect">
+                                  <p:stCondLst>
+                                    <p:cond delay="0"/>
+                                  </p:stCondLst>
+                                  <p:childTnLst>
+                                    <p:set>
+                                      <p:cBhvr>
+                                        <p:cTn id="8" dur="1" fill="hold">
+                                          <p:stCondLst>
+                                            <p:cond delay="0"/>
+                                          </p:stCondLst>
+                                        </p:cTn>
+                                        <p:tgtEl>
+                                          <p:spTgt spid="24"/>
+                                        </p:tgtEl>
+                                        <p:attrNameLst>
+                                          <p:attrName>style.visibility</p:attrName>
+                                        </p:attrNameLst>
+                                      </p:cBhvr>
+                                      <p:to>
+                                        <p:strVal val="visible"/>
+                                      </p:to>
+                                    </p:set>
+                                  </p:childTnLst>
+                                </p:cTn>
+                              </p:par>
+                            </p:childTnLst>
+                          </p:cTn>
+                        </p:par>
+                      </p:childTnLst>
+                    </p:cTn>
+                  </p:par>
+                  <p:par>
+                    <p:cTn id="9" fill="hold">
+                      <p:stCondLst>
+                        <p:cond delay="indefinite"/>
+                      </p:stCondLst>
+                      <p:childTnLst>
+                        <p:par>
+                          <p:cTn id="10" fill="hold">
+                            <p:stCondLst>
+                              <p:cond delay="0"/>
+                            </p:stCondLst>
+                            <p:childTnLst>
+                              <p:par>
+                                <p:cTn id="11" presetID="3" presetClass="entr" presetSubtype="10" fill="hold" nodeType="clickEffect">
+                                  <p:stCondLst>
+                                    <p:cond delay="0"/>
+                                  </p:stCondLst>
+                                  <p:childTnLst>
+                                    <p:set>
+                                      <p:cBhvr>
+                                        <p:cTn id="12" dur="1" fill="hold">
+                                          <p:stCondLst>
+                                            <p:cond delay="0"/>
+                                          </p:stCondLst>
+                                        </p:cTn>
+                                        <p:tgtEl>
+                                          <p:spTgt spid="28"/>
+                                        </p:tgtEl>
+                                        <p:attrNameLst>
+                                          <p:attrName>style.visibility</p:attrName>
+                                        </p:attrNameLst>
+                                      </p:cBhvr>
+                                      <p:to>
+                                        <p:strVal val="visible"/>
+                                      </p:to>
+                                    </p:set>
+                                    <p:animEffect transition="in" filter="blinds(horizontal)">
+                                      <p:cBhvr>
+                                        <p:cTn id="13" dur="500"/>
+                                        <p:tgtEl>
+                                          <p:spTgt spid="28"/>
+                                        </p:tgtEl>
+                                      </p:cBhvr>
+                                    </p:animEffect>
+                                  </p:childTnLst>
+                                </p:cTn>
+                              </p:par>
+                            </p:childTnLst>
+                          </p:cTn>
+                        </p:par>
+                      </p:childTnLst>
+                    </p:cTn>
+                  </p:par>
+                  <p:par>
+                    <p:cTn id="14" fill="hold">
+                      <p:stCondLst>
+                        <p:cond delay="indefinite"/>
+                      </p:stCondLst>
+                      <p:childTnLst>
+                        <p:par>
+                          <p:cTn id="15" fill="hold">
+                            <p:stCondLst>
+                              <p:cond delay="0"/>
+                            </p:stCondLst>
+                            <p:childTnLst>
+                              <p:par>
+                                <p:cTn id="16" presetID="10" presetClass="entr" presetSubtype="0" fill="hold" nodeType="clickEffect">
+                                  <p:stCondLst>
+                                    <p:cond delay="0"/>
+                                  </p:stCondLst>
+                                  <p:childTnLst>
+                                    <p:set>
+                                      <p:cBhvr>
+                                        <p:cTn id="17" dur="1" fill="hold">
+                                          <p:stCondLst>
+                                            <p:cond delay="0"/>
+                                          </p:stCondLst>
+                                        </p:cTn>
+                                        <p:tgtEl>
+                                          <p:spTgt spid="5"/>
+                                        </p:tgtEl>
+                                        <p:attrNameLst>
+                                          <p:attrName>style.visibility</p:attrName>
+                                        </p:attrNameLst>
+                                      </p:cBhvr>
+                                      <p:to>
+                                        <p:strVal val="visible"/>
+                                      </p:to>
+                                    </p:set>
+                                    <p:animEffect transition="in" filter="fade">
+                                      <p:cBhvr>
+                                        <p:cTn id="18" dur="500"/>
+                                        <p:tgtEl>
+                                          <p:spTgt spid="5"/>
+                                        </p:tgtEl>
+                                      </p:cBhvr>
+                                    </p:animEffect>
+                                  </p:childTnLst>
+                                </p:cTn>
+                              </p:par>
+                            </p:childTnLst>
+                          </p:cTn>
+                        </p:par>
+                      </p:childTnLst>
+                    </p:cTn>
+                  </p:par>
+                  <p:par>
+                    <p:cTn id="19" fill="hold">
+                      <p:stCondLst>
+                        <p:cond delay="indefinite"/>
+                      </p:stCondLst>
+                      <p:childTnLst>
+                        <p:par>
+                          <p:cTn id="20" fill="hold">
+                            <p:stCondLst>
+                              <p:cond delay="0"/>
+                            </p:stCondLst>
+                            <p:childTnLst>
+                              <p:par>
+                                <p:cTn id="21" presetID="53" presetClass="entr" presetSubtype="16" fill="hold" grpId="0" nodeType="clickEffect">
+                                  <p:stCondLst>
+                                    <p:cond delay="0"/>
+                                  </p:stCondLst>
+                                  <p:childTnLst>
+                                    <p:set>
+                                      <p:cBhvr>
+                                        <p:cTn id="22" dur="1" fill="hold">
+                                          <p:stCondLst>
+                                            <p:cond delay="0"/>
+                                          </p:stCondLst>
+                                        </p:cTn>
+                                        <p:tgtEl>
+                                          <p:spTgt spid="14"/>
+                                        </p:tgtEl>
+                                        <p:attrNameLst>
+                                          <p:attrName>style.visibility</p:attrName>
+                                        </p:attrNameLst>
+                                      </p:cBhvr>
+                                      <p:to>
+                                        <p:strVal val="visible"/>
+                                      </p:to>
+                                    </p:set>
+                                    <p:anim calcmode="lin" valueType="num">
+                                      <p:cBhvr>
+                                        <p:cTn id="23" dur="500" fill="hold"/>
+                                        <p:tgtEl>
+                                          <p:spTgt spid="14"/>
+                                        </p:tgtEl>
+                                        <p:attrNameLst>
+                                          <p:attrName>ppt_w</p:attrName>
+                                        </p:attrNameLst>
+                                      </p:cBhvr>
+                                      <p:tavLst>
+                                        <p:tav tm="0">
+                                          <p:val>
+                                            <p:fltVal val="0"/>
+                                          </p:val>
+                                        </p:tav>
+                                        <p:tav tm="100000">
+                                          <p:val>
+                                            <p:strVal val="#ppt_w"/>
+                                          </p:val>
+                                        </p:tav>
+                                      </p:tavLst>
+                                    </p:anim>
+                                    <p:anim calcmode="lin" valueType="num">
+                                      <p:cBhvr>
+                                        <p:cTn id="24" dur="500" fill="hold"/>
+                                        <p:tgtEl>
+                                          <p:spTgt spid="14"/>
+                                        </p:tgtEl>
+                                        <p:attrNameLst>
+                                          <p:attrName>ppt_h</p:attrName>
+                                        </p:attrNameLst>
+                                      </p:cBhvr>
+                                      <p:tavLst>
+                                        <p:tav tm="0">
+                                          <p:val>
+                                            <p:fltVal val="0"/>
+                                          </p:val>
+                                        </p:tav>
+                                        <p:tav tm="100000">
+                                          <p:val>
+                                            <p:strVal val="#ppt_h"/>
+                                          </p:val>
+                                        </p:tav>
+                                      </p:tavLst>
+                                    </p:anim>
+                                    <p:animEffect transition="in" filter="fade">
+                                      <p:cBhvr>
+                                        <p:cTn id="25" dur="500"/>
+                                        <p:tgtEl>
+                                          <p:spTgt spid="14"/>
+                                        </p:tgtEl>
+                                      </p:cBhvr>
+                                    </p:animEffect>
+                                  </p:childTnLst>
+                                </p:cTn>
+                              </p:par>
+                            </p:childTnLst>
+                          </p:cTn>
+                        </p:par>
+                        <p:par>
+                          <p:cTn id="26" fill="hold">
+                            <p:stCondLst>
+                              <p:cond delay="500"/>
+                            </p:stCondLst>
+                            <p:childTnLst>
+                              <p:par>
+                                <p:cTn id="27" presetID="22" presetClass="entr" presetSubtype="1" fill="hold" nodeType="afterEffect">
+                                  <p:stCondLst>
+                                    <p:cond delay="0"/>
+                                  </p:stCondLst>
+                                  <p:childTnLst>
+                                    <p:set>
+                                      <p:cBhvr>
+                                        <p:cTn id="28" dur="1" fill="hold">
+                                          <p:stCondLst>
+                                            <p:cond delay="0"/>
+                                          </p:stCondLst>
+                                        </p:cTn>
+                                        <p:tgtEl>
+                                          <p:spTgt spid="54"/>
+                                        </p:tgtEl>
+                                        <p:attrNameLst>
+                                          <p:attrName>style.visibility</p:attrName>
+                                        </p:attrNameLst>
+                                      </p:cBhvr>
+                                      <p:to>
+                                        <p:strVal val="visible"/>
+                                      </p:to>
+                                    </p:set>
+                                    <p:animEffect transition="in" filter="wipe(up)">
+                                      <p:cBhvr>
+                                        <p:cTn id="29" dur="500"/>
+                                        <p:tgtEl>
+                                          <p:spTgt spid="54"/>
+                                        </p:tgtEl>
+                                      </p:cBhvr>
+                                    </p:animEffect>
+                                  </p:childTnLst>
+                                </p:cTn>
+                              </p:par>
+                              <p:par>
+                                <p:cTn id="30" presetID="22" presetClass="entr" presetSubtype="1" fill="hold" nodeType="withEffect">
+                                  <p:stCondLst>
+                                    <p:cond delay="0"/>
+                                  </p:stCondLst>
+                                  <p:childTnLst>
+                                    <p:set>
+                                      <p:cBhvr>
+                                        <p:cTn id="31" dur="1" fill="hold">
+                                          <p:stCondLst>
+                                            <p:cond delay="0"/>
+                                          </p:stCondLst>
+                                        </p:cTn>
+                                        <p:tgtEl>
+                                          <p:spTgt spid="45"/>
+                                        </p:tgtEl>
+                                        <p:attrNameLst>
+                                          <p:attrName>style.visibility</p:attrName>
+                                        </p:attrNameLst>
+                                      </p:cBhvr>
+                                      <p:to>
+                                        <p:strVal val="visible"/>
+                                      </p:to>
+                                    </p:set>
+                                    <p:animEffect transition="in" filter="wipe(up)">
+                                      <p:cBhvr>
+                                        <p:cTn id="32" dur="500"/>
+                                        <p:tgtEl>
+                                          <p:spTgt spid="45"/>
+                                        </p:tgtEl>
+                                      </p:cBhvr>
+                                    </p:animEffect>
+                                  </p:childTnLst>
+                                </p:cTn>
+                              </p:par>
+                            </p:childTnLst>
+                          </p:cTn>
+                        </p:par>
+                      </p:childTnLst>
+                    </p:cTn>
+                  </p:par>
+                  <p:par>
+                    <p:cTn id="33" fill="hold">
+                      <p:stCondLst>
+                        <p:cond delay="indefinite"/>
+                      </p:stCondLst>
+                      <p:childTnLst>
+                        <p:par>
+                          <p:cTn id="34" fill="hold">
+                            <p:stCondLst>
+                              <p:cond delay="0"/>
+                            </p:stCondLst>
+                            <p:childTnLst>
+                              <p:par>
+                                <p:cTn id="35" presetID="3" presetClass="entr" presetSubtype="10" fill="hold" nodeType="clickEffect">
+                                  <p:stCondLst>
+                                    <p:cond delay="0"/>
+                                  </p:stCondLst>
+                                  <p:childTnLst>
+                                    <p:set>
+                                      <p:cBhvr>
+                                        <p:cTn id="36" dur="1" fill="hold">
+                                          <p:stCondLst>
+                                            <p:cond delay="0"/>
+                                          </p:stCondLst>
+                                        </p:cTn>
+                                        <p:tgtEl>
+                                          <p:spTgt spid="31"/>
+                                        </p:tgtEl>
+                                        <p:attrNameLst>
+                                          <p:attrName>style.visibility</p:attrName>
+                                        </p:attrNameLst>
+                                      </p:cBhvr>
+                                      <p:to>
+                                        <p:strVal val="visible"/>
+                                      </p:to>
+                                    </p:set>
+                                    <p:animEffect transition="in" filter="blinds(horizontal)">
+                                      <p:cBhvr>
+                                        <p:cTn id="37" dur="500"/>
+                                        <p:tgtEl>
+                                          <p:spTgt spid="31"/>
+                                        </p:tgtEl>
+                                      </p:cBhvr>
+                                    </p:animEffect>
+                                  </p:childTnLst>
+                                </p:cTn>
+                              </p:par>
+                            </p:childTnLst>
+                          </p:cTn>
+                        </p:par>
+                      </p:childTnLst>
+                    </p:cTn>
+                  </p:par>
+                </p:childTnLst>
+              </p:cTn>
+              <p:prevCondLst>
+                <p:cond evt="onPrev" delay="0">
+                  <p:tgtEl>
+                    <p:sldTgt/>
+                  </p:tgtEl>
+                </p:cond>
+              </p:prevCondLst>
+              <p:nextCondLst>
+                <p:cond evt="onNext" delay="0">
+                  <p:tgtEl>
+                    <p:sldTgt/>
+                  </p:tgtEl>
+                </p:cond>
+              </p:nextCondLst>
+            </p:seq>
+          </p:childTnLst>
+        </p:cTn>
       </p:par>
     </p:tnLst>
+    <p:bldLst>
+      <p:bldP spid="14" grpId="0" animBg="1"/>
+      <p:bldP spid="24" grpId="0"/>
+    </p:bldLst>
   </p:timing>
 </p:sld>
 </file>
@@ -3913,27 +6797,40 @@
           <a:p>
             <a:r>
               <a:rPr lang="en-US" dirty="0" smtClean="0"/>
-              <a:t>Data model: Object Table (OT) – Account Table, Blob Table, Entity Table, Message Table</a:t>
+              <a:t>Data model: Object Table (OT) – Account Table, Blob Table, Entity Table, Message </a:t>
             </a:r>
-          </a:p>
-          <a:p>
             <a:r>
               <a:rPr lang="en-US" dirty="0" smtClean="0"/>
-              <a:t>OTs are broken into RangePartitions and spread across Partition Servers</a:t>
+              <a:t>Table</a:t>
             </a:r>
           </a:p>
           <a:p>
             <a:r>
               <a:rPr lang="en-US" dirty="0" smtClean="0"/>
-              <a:t>Partition Map Table keeps track of RangePartitions and Partition Servers</a:t>
+              <a:t>3 main components:</a:t>
             </a:r>
           </a:p>
           <a:p>
+            <a:pPr lvl="1"/>
             <a:r>
               <a:rPr lang="en-US" dirty="0" smtClean="0"/>
-              <a:t>Load balancing: reassign, split, merge Range Partitions</a:t>
+              <a:t>Partition Manager (PM)</a:t>
             </a:r>
-            <a:endParaRPr lang="en-US" dirty="0"/>
+          </a:p>
+          <a:p>
+            <a:pPr lvl="1"/>
+            <a:r>
+              <a:rPr lang="en-US" dirty="0" smtClean="0"/>
+              <a:t>Partition Servers (PS)</a:t>
+            </a:r>
+          </a:p>
+          <a:p>
+            <a:pPr lvl="1"/>
+            <a:r>
+              <a:rPr lang="en-US" dirty="0" smtClean="0"/>
+              <a:t>Lock Service</a:t>
+            </a:r>
+            <a:endParaRPr lang="en-US" dirty="0" smtClean="0"/>
           </a:p>
         </p:txBody>
       </p:sp>
@@ -3941,142 +6838,6 @@
     <p:extLst>
       <p:ext uri="{BB962C8B-B14F-4D97-AF65-F5344CB8AC3E}">
         <p14:creationId xmlns:p14="http://schemas.microsoft.com/office/powerpoint/2010/main" val="1077134270"/>
-      </p:ext>
-    </p:extLst>
-  </p:cSld>
-  <p:clrMapOvr>
-    <a:masterClrMapping/>
-  </p:clrMapOvr>
-</p:sld>
-</file>
-
-<file path=ppt/slides/slide5.xml><?xml version="1.0" encoding="utf-8"?>
-<p:sld xmlns:a="http://schemas.openxmlformats.org/drawingml/2006/main" xmlns:r="http://schemas.openxmlformats.org/officeDocument/2006/relationships" xmlns:p="http://schemas.openxmlformats.org/presentationml/2006/main">
-  <p:cSld>
-    <p:spTree>
-      <p:nvGrpSpPr>
-        <p:cNvPr id="1" name=""/>
-        <p:cNvGrpSpPr/>
-        <p:nvPr/>
-      </p:nvGrpSpPr>
-      <p:grpSpPr>
-        <a:xfrm>
-          <a:off x="0" y="0"/>
-          <a:ext cx="0" cy="0"/>
-          <a:chOff x="0" y="0"/>
-          <a:chExt cx="0" cy="0"/>
-        </a:xfrm>
-      </p:grpSpPr>
-      <p:sp>
-        <p:nvSpPr>
-          <p:cNvPr id="2" name="Title 1"/>
-          <p:cNvSpPr>
-            <a:spLocks noGrp="1"/>
-          </p:cNvSpPr>
-          <p:nvPr>
-            <p:ph type="title"/>
-          </p:nvPr>
-        </p:nvSpPr>
-        <p:spPr/>
-        <p:txBody>
-          <a:bodyPr/>
-          <a:lstStyle/>
-          <a:p>
-            <a:r>
-              <a:rPr lang="en-US" dirty="0" smtClean="0"/>
-              <a:t>Partition Layer</a:t>
-            </a:r>
-            <a:endParaRPr lang="en-US" dirty="0"/>
-          </a:p>
-        </p:txBody>
-      </p:sp>
-      <p:sp>
-        <p:nvSpPr>
-          <p:cNvPr id="3" name="Content Placeholder 2"/>
-          <p:cNvSpPr>
-            <a:spLocks noGrp="1"/>
-          </p:cNvSpPr>
-          <p:nvPr>
-            <p:ph idx="1"/>
-          </p:nvPr>
-        </p:nvSpPr>
-        <p:spPr/>
-        <p:txBody>
-          <a:bodyPr/>
-          <a:lstStyle/>
-          <a:p>
-            <a:endParaRPr lang="en-US" dirty="0"/>
-          </a:p>
-        </p:txBody>
-      </p:sp>
-      <p:pic>
-        <p:nvPicPr>
-          <p:cNvPr id="2050" name="Picture 2"/>
-          <p:cNvPicPr>
-            <a:picLocks noChangeAspect="1" noChangeArrowheads="1"/>
-          </p:cNvPicPr>
-          <p:nvPr/>
-        </p:nvPicPr>
-        <p:blipFill>
-          <a:blip r:embed="rId2">
-            <a:extLst>
-              <a:ext uri="{28A0092B-C50C-407E-A947-70E740481C1C}">
-                <a14:useLocalDpi xmlns:a14="http://schemas.microsoft.com/office/drawing/2010/main" val="0"/>
-              </a:ext>
-            </a:extLst>
-          </a:blip>
-          <a:srcRect/>
-          <a:stretch>
-            <a:fillRect/>
-          </a:stretch>
-        </p:blipFill>
-        <p:spPr bwMode="auto">
-          <a:xfrm>
-            <a:off x="990600" y="1600200"/>
-            <a:ext cx="7038975" cy="4476750"/>
-          </a:xfrm>
-          <a:prstGeom prst="rect">
-            <a:avLst/>
-          </a:prstGeom>
-          <a:noFill/>
-          <a:ln>
-            <a:noFill/>
-          </a:ln>
-          <a:effectLst/>
-          <a:extLst>
-            <a:ext uri="{909E8E84-426E-40DD-AFC4-6F175D3DCCD1}">
-              <a14:hiddenFill xmlns:a14="http://schemas.microsoft.com/office/drawing/2010/main">
-                <a:solidFill>
-                  <a:schemeClr val="accent1"/>
-                </a:solidFill>
-              </a14:hiddenFill>
-            </a:ext>
-            <a:ext uri="{91240B29-F687-4F45-9708-019B960494DF}">
-              <a14:hiddenLine xmlns:a14="http://schemas.microsoft.com/office/drawing/2010/main" w="9525">
-                <a:solidFill>
-                  <a:schemeClr val="tx1"/>
-                </a:solidFill>
-                <a:miter lim="800000"/>
-                <a:headEnd/>
-                <a:tailEnd/>
-              </a14:hiddenLine>
-            </a:ext>
-            <a:ext uri="{AF507438-7753-43E0-B8FC-AC1667EBCBE1}">
-              <a14:hiddenEffects xmlns:a14="http://schemas.microsoft.com/office/drawing/2010/main">
-                <a:effectLst>
-                  <a:outerShdw dist="35921" dir="2700000" algn="ctr" rotWithShape="0">
-                    <a:schemeClr val="bg2"/>
-                  </a:outerShdw>
-                </a:effectLst>
-              </a14:hiddenEffects>
-            </a:ext>
-          </a:extLst>
-        </p:spPr>
-      </p:pic>
-    </p:spTree>
-    <p:extLst>
-      <p:ext uri="{BB962C8B-B14F-4D97-AF65-F5344CB8AC3E}">
-        <p14:creationId xmlns:p14="http://schemas.microsoft.com/office/powerpoint/2010/main" val="2998611955"/>
       </p:ext>
     </p:extLst>
   </p:cSld>
@@ -4093,7 +6854,7 @@
 </p:sld>
 </file>
 
-<file path=ppt/slides/slide6.xml><?xml version="1.0" encoding="utf-8"?>
+<file path=ppt/slides/slide5.xml><?xml version="1.0" encoding="utf-8"?>
 <p:sld xmlns:a="http://schemas.openxmlformats.org/drawingml/2006/main" xmlns:r="http://schemas.openxmlformats.org/officeDocument/2006/relationships" xmlns:p="http://schemas.openxmlformats.org/presentationml/2006/main">
   <p:cSld>
     <p:spTree>
@@ -7665,14 +10426,16 @@
         </p:nvSpPr>
         <p:spPr/>
         <p:txBody>
-          <a:bodyPr/>
+          <a:bodyPr>
+            <a:normAutofit/>
+          </a:bodyPr>
           <a:lstStyle/>
           <a:p>
             <a:r>
-              <a:rPr lang="en-US" dirty="0" smtClean="0"/>
+              <a:rPr lang="en-US" sz="3000" dirty="0" smtClean="0"/>
               <a:t>Partition Layer – Index Range Partitioning</a:t>
             </a:r>
-            <a:endParaRPr lang="en-US" dirty="0">
+            <a:endParaRPr lang="en-US" sz="3000" dirty="0">
               <a:solidFill>
                 <a:srgbClr val="FFFF00"/>
               </a:solidFill>
@@ -9689,11 +12452,11 @@
   <p:clrMapOvr>
     <a:masterClrMapping/>
   </p:clrMapOvr>
-  <mc:AlternateContent xmlns:mc="http://schemas.openxmlformats.org/markup-compatibility/2006">
-    <mc:Choice xmlns:p14="http://schemas.microsoft.com/office/powerpoint/2010/main" Requires="p14">
+  <mc:AlternateContent xmlns:mc="http://schemas.openxmlformats.org/markup-compatibility/2006" xmlns:p14="http://schemas.microsoft.com/office/powerpoint/2010/main">
+    <mc:Choice Requires="p14">
       <p:transition spd="slow" p14:dur="2000"/>
     </mc:Choice>
-    <mc:Fallback>
+    <mc:Fallback xmlns="">
       <p:transition spd="slow"/>
     </mc:Fallback>
   </mc:AlternateContent>
@@ -11007,6 +13770,3213 @@
 </p:sld>
 </file>
 
+<file path=ppt/slides/slide6.xml><?xml version="1.0" encoding="utf-8"?>
+<p:sld xmlns:a="http://schemas.openxmlformats.org/drawingml/2006/main" xmlns:r="http://schemas.openxmlformats.org/officeDocument/2006/relationships" xmlns:p="http://schemas.openxmlformats.org/presentationml/2006/main">
+  <p:cSld>
+    <p:spTree>
+      <p:nvGrpSpPr>
+        <p:cNvPr id="1" name=""/>
+        <p:cNvGrpSpPr/>
+        <p:nvPr/>
+      </p:nvGrpSpPr>
+      <p:grpSpPr>
+        <a:xfrm>
+          <a:off x="0" y="0"/>
+          <a:ext cx="0" cy="0"/>
+          <a:chOff x="0" y="0"/>
+          <a:chExt cx="0" cy="0"/>
+        </a:xfrm>
+      </p:grpSpPr>
+      <p:sp>
+        <p:nvSpPr>
+          <p:cNvPr id="2" name="Title 1"/>
+          <p:cNvSpPr>
+            <a:spLocks noGrp="1"/>
+          </p:cNvSpPr>
+          <p:nvPr>
+            <p:ph type="title"/>
+          </p:nvPr>
+        </p:nvSpPr>
+        <p:spPr/>
+        <p:txBody>
+          <a:bodyPr>
+            <a:normAutofit/>
+          </a:bodyPr>
+          <a:lstStyle/>
+          <a:p>
+            <a:r>
+              <a:rPr lang="en-US" sz="3000" dirty="0" smtClean="0"/>
+              <a:t>Each RangePartition – </a:t>
+            </a:r>
+            <a:r>
+              <a:rPr lang="en-US" sz="3000" dirty="0"/>
+              <a:t>Log Structured Merge-Tree</a:t>
+            </a:r>
+            <a:r>
+              <a:rPr lang="en-US" sz="3000" dirty="0" smtClean="0"/>
+              <a:t> </a:t>
+            </a:r>
+            <a:endParaRPr lang="en-US" sz="3000" dirty="0"/>
+          </a:p>
+        </p:txBody>
+      </p:sp>
+      <p:sp>
+        <p:nvSpPr>
+          <p:cNvPr id="19" name="Rectangle 18"/>
+          <p:cNvSpPr/>
+          <p:nvPr/>
+        </p:nvSpPr>
+        <p:spPr bwMode="auto">
+          <a:xfrm>
+            <a:off x="573847" y="3587262"/>
+            <a:ext cx="8106421" cy="2743201"/>
+          </a:xfrm>
+          <a:prstGeom prst="rect">
+            <a:avLst/>
+          </a:prstGeom>
+          <a:solidFill>
+            <a:schemeClr val="bg1">
+              <a:lumMod val="85000"/>
+            </a:schemeClr>
+          </a:solidFill>
+          <a:ln w="31750">
+            <a:solidFill>
+              <a:schemeClr val="accent2">
+                <a:lumMod val="50000"/>
+              </a:schemeClr>
+            </a:solidFill>
+            <a:prstDash val="sysDash"/>
+            <a:headEnd type="none" w="med" len="med"/>
+            <a:tailEnd type="none" w="med" len="med"/>
+          </a:ln>
+          <a:effectLst/>
+        </p:spPr>
+        <p:style>
+          <a:lnRef idx="1">
+            <a:schemeClr val="accent2"/>
+          </a:lnRef>
+          <a:fillRef idx="3">
+            <a:schemeClr val="accent2"/>
+          </a:fillRef>
+          <a:effectRef idx="2">
+            <a:schemeClr val="accent2"/>
+          </a:effectRef>
+          <a:fontRef idx="minor">
+            <a:schemeClr val="lt1"/>
+          </a:fontRef>
+        </p:style>
+        <p:txBody>
+          <a:bodyPr vert="horz" wrap="square" lIns="91436" tIns="45718" rIns="91436" bIns="45718" numCol="1" rtlCol="0" anchor="ctr" anchorCtr="0" compatLnSpc="1">
+            <a:prstTxWarp prst="textNoShape">
+              <a:avLst/>
+            </a:prstTxWarp>
+          </a:bodyPr>
+          <a:lstStyle/>
+          <a:p>
+            <a:pPr algn="ctr" defTabSz="914099" fontAlgn="base">
+              <a:spcBef>
+                <a:spcPct val="0"/>
+              </a:spcBef>
+              <a:spcAft>
+                <a:spcPct val="0"/>
+              </a:spcAft>
+            </a:pPr>
+            <a:endParaRPr lang="en-US" sz="2200" dirty="0" smtClean="0">
+              <a:gradFill>
+                <a:gsLst>
+                  <a:gs pos="0">
+                    <a:schemeClr val="tx1"/>
+                  </a:gs>
+                  <a:gs pos="100000">
+                    <a:schemeClr val="tx1"/>
+                  </a:gs>
+                </a:gsLst>
+                <a:lin ang="5400000" scaled="0"/>
+              </a:gradFill>
+            </a:endParaRPr>
+          </a:p>
+        </p:txBody>
+      </p:sp>
+      <p:grpSp>
+        <p:nvGrpSpPr>
+          <p:cNvPr id="58" name="Group 57"/>
+          <p:cNvGrpSpPr/>
+          <p:nvPr/>
+        </p:nvGrpSpPr>
+        <p:grpSpPr>
+          <a:xfrm>
+            <a:off x="4234920" y="3681839"/>
+            <a:ext cx="4236197" cy="2476608"/>
+            <a:chOff x="5645089" y="3681839"/>
+            <a:chExt cx="5646792" cy="2476608"/>
+          </a:xfrm>
+        </p:grpSpPr>
+        <p:sp>
+          <p:nvSpPr>
+            <p:cNvPr id="7" name="Rectangle 6"/>
+            <p:cNvSpPr/>
+            <p:nvPr/>
+          </p:nvSpPr>
+          <p:spPr>
+            <a:xfrm>
+              <a:off x="5645089" y="4051171"/>
+              <a:ext cx="5646792" cy="838200"/>
+            </a:xfrm>
+            <a:prstGeom prst="rect">
+              <a:avLst/>
+            </a:prstGeom>
+            <a:noFill/>
+            <a:ln>
+              <a:solidFill>
+                <a:srgbClr val="000000"/>
+              </a:solidFill>
+            </a:ln>
+          </p:spPr>
+          <p:style>
+            <a:lnRef idx="2">
+              <a:schemeClr val="accent1">
+                <a:shade val="50000"/>
+              </a:schemeClr>
+            </a:lnRef>
+            <a:fillRef idx="1">
+              <a:schemeClr val="accent1"/>
+            </a:fillRef>
+            <a:effectRef idx="0">
+              <a:schemeClr val="accent1"/>
+            </a:effectRef>
+            <a:fontRef idx="minor">
+              <a:schemeClr val="lt1"/>
+            </a:fontRef>
+          </p:style>
+          <p:txBody>
+            <a:bodyPr rtlCol="0" anchor="ctr"/>
+            <a:lstStyle/>
+            <a:p>
+              <a:pPr algn="ctr"/>
+              <a:endParaRPr lang="en-US" dirty="0"/>
+            </a:p>
+          </p:txBody>
+        </p:sp>
+        <p:sp>
+          <p:nvSpPr>
+            <p:cNvPr id="8" name="Rectangle 7"/>
+            <p:cNvSpPr/>
+            <p:nvPr/>
+          </p:nvSpPr>
+          <p:spPr bwMode="auto">
+            <a:xfrm>
+              <a:off x="5796735" y="4127370"/>
+              <a:ext cx="1706164" cy="685800"/>
+            </a:xfrm>
+            <a:prstGeom prst="rect">
+              <a:avLst/>
+            </a:prstGeom>
+            <a:solidFill>
+              <a:srgbClr val="65BC46"/>
+            </a:solidFill>
+            <a:ln w="25400" cap="flat" cmpd="sng" algn="ctr">
+              <a:solidFill>
+                <a:srgbClr val="000000"/>
+              </a:solidFill>
+              <a:prstDash val="solid"/>
+              <a:round/>
+              <a:headEnd type="none" w="med" len="med"/>
+              <a:tailEnd type="none" w="med" len="med"/>
+            </a:ln>
+            <a:effectLst/>
+          </p:spPr>
+          <p:txBody>
+            <a:bodyPr anchor="ctr"/>
+            <a:lstStyle/>
+            <a:p>
+              <a:pPr algn="ctr">
+                <a:defRPr/>
+              </a:pPr>
+              <a:r>
+                <a:rPr lang="en-US" b="1" dirty="0" smtClean="0">
+                  <a:solidFill>
+                    <a:schemeClr val="accent1">
+                      <a:lumMod val="50000"/>
+                    </a:schemeClr>
+                  </a:solidFill>
+                  <a:effectLst>
+                    <a:outerShdw blurRad="38100" dist="38100" dir="2700000" algn="tl">
+                      <a:srgbClr val="000000">
+                        <a:alpha val="43137"/>
+                      </a:srgbClr>
+                    </a:outerShdw>
+                  </a:effectLst>
+                </a:rPr>
+                <a:t>Checkpoint</a:t>
+              </a:r>
+            </a:p>
+            <a:p>
+              <a:pPr algn="ctr">
+                <a:defRPr/>
+              </a:pPr>
+              <a:r>
+                <a:rPr lang="en-US" b="1" dirty="0" smtClean="0">
+                  <a:solidFill>
+                    <a:schemeClr val="accent1">
+                      <a:lumMod val="50000"/>
+                    </a:schemeClr>
+                  </a:solidFill>
+                  <a:effectLst>
+                    <a:outerShdw blurRad="38100" dist="38100" dir="2700000" algn="tl">
+                      <a:srgbClr val="000000">
+                        <a:alpha val="43137"/>
+                      </a:srgbClr>
+                    </a:outerShdw>
+                  </a:effectLst>
+                </a:rPr>
+                <a:t>File Table</a:t>
+              </a:r>
+              <a:endParaRPr lang="en-US" b="1" dirty="0">
+                <a:solidFill>
+                  <a:schemeClr val="accent1">
+                    <a:lumMod val="50000"/>
+                  </a:schemeClr>
+                </a:solidFill>
+                <a:effectLst>
+                  <a:outerShdw blurRad="38100" dist="38100" dir="2700000" algn="tl">
+                    <a:srgbClr val="000000">
+                      <a:alpha val="43137"/>
+                    </a:srgbClr>
+                  </a:outerShdw>
+                </a:effectLst>
+              </a:endParaRPr>
+            </a:p>
+          </p:txBody>
+        </p:sp>
+        <p:sp>
+          <p:nvSpPr>
+            <p:cNvPr id="9" name="Rectangle 8"/>
+            <p:cNvSpPr/>
+            <p:nvPr/>
+          </p:nvSpPr>
+          <p:spPr bwMode="auto">
+            <a:xfrm>
+              <a:off x="7655299" y="4127370"/>
+              <a:ext cx="1706164" cy="685800"/>
+            </a:xfrm>
+            <a:prstGeom prst="rect">
+              <a:avLst/>
+            </a:prstGeom>
+            <a:solidFill>
+              <a:srgbClr val="65BC46"/>
+            </a:solidFill>
+            <a:ln w="25400" cap="flat" cmpd="sng" algn="ctr">
+              <a:solidFill>
+                <a:srgbClr val="000000"/>
+              </a:solidFill>
+              <a:prstDash val="solid"/>
+              <a:round/>
+              <a:headEnd type="none" w="med" len="med"/>
+              <a:tailEnd type="none" w="med" len="med"/>
+            </a:ln>
+            <a:effectLst/>
+          </p:spPr>
+          <p:txBody>
+            <a:bodyPr anchor="ctr"/>
+            <a:lstStyle/>
+            <a:p>
+              <a:pPr algn="ctr">
+                <a:defRPr/>
+              </a:pPr>
+              <a:r>
+                <a:rPr lang="en-US" b="1" dirty="0" smtClean="0">
+                  <a:solidFill>
+                    <a:schemeClr val="accent1">
+                      <a:lumMod val="50000"/>
+                    </a:schemeClr>
+                  </a:solidFill>
+                  <a:effectLst>
+                    <a:outerShdw blurRad="38100" dist="38100" dir="2700000" algn="tl">
+                      <a:srgbClr val="000000">
+                        <a:alpha val="43137"/>
+                      </a:srgbClr>
+                    </a:outerShdw>
+                  </a:effectLst>
+                </a:rPr>
+                <a:t>Checkpoint</a:t>
+              </a:r>
+            </a:p>
+            <a:p>
+              <a:pPr algn="ctr">
+                <a:defRPr/>
+              </a:pPr>
+              <a:r>
+                <a:rPr lang="en-US" b="1" dirty="0" smtClean="0">
+                  <a:solidFill>
+                    <a:schemeClr val="accent1">
+                      <a:lumMod val="50000"/>
+                    </a:schemeClr>
+                  </a:solidFill>
+                  <a:effectLst>
+                    <a:outerShdw blurRad="38100" dist="38100" dir="2700000" algn="tl">
+                      <a:srgbClr val="000000">
+                        <a:alpha val="43137"/>
+                      </a:srgbClr>
+                    </a:outerShdw>
+                  </a:effectLst>
+                </a:rPr>
+                <a:t>File Table</a:t>
+              </a:r>
+              <a:endParaRPr lang="en-US" b="1" dirty="0">
+                <a:solidFill>
+                  <a:schemeClr val="accent1">
+                    <a:lumMod val="50000"/>
+                  </a:schemeClr>
+                </a:solidFill>
+                <a:effectLst>
+                  <a:outerShdw blurRad="38100" dist="38100" dir="2700000" algn="tl">
+                    <a:srgbClr val="000000">
+                      <a:alpha val="43137"/>
+                    </a:srgbClr>
+                  </a:outerShdw>
+                </a:effectLst>
+              </a:endParaRPr>
+            </a:p>
+          </p:txBody>
+        </p:sp>
+        <p:sp>
+          <p:nvSpPr>
+            <p:cNvPr id="10" name="Rectangle 9"/>
+            <p:cNvSpPr/>
+            <p:nvPr/>
+          </p:nvSpPr>
+          <p:spPr bwMode="auto">
+            <a:xfrm>
+              <a:off x="9513863" y="4127371"/>
+              <a:ext cx="1706164" cy="685800"/>
+            </a:xfrm>
+            <a:prstGeom prst="rect">
+              <a:avLst/>
+            </a:prstGeom>
+            <a:solidFill>
+              <a:srgbClr val="65BC46"/>
+            </a:solidFill>
+            <a:ln w="25400" cap="flat" cmpd="sng" algn="ctr">
+              <a:solidFill>
+                <a:srgbClr val="000000"/>
+              </a:solidFill>
+              <a:prstDash val="solid"/>
+              <a:round/>
+              <a:headEnd type="none" w="med" len="med"/>
+              <a:tailEnd type="none" w="med" len="med"/>
+            </a:ln>
+            <a:effectLst/>
+          </p:spPr>
+          <p:txBody>
+            <a:bodyPr anchor="ctr"/>
+            <a:lstStyle/>
+            <a:p>
+              <a:pPr algn="ctr">
+                <a:defRPr/>
+              </a:pPr>
+              <a:r>
+                <a:rPr lang="en-US" b="1" dirty="0" smtClean="0">
+                  <a:solidFill>
+                    <a:schemeClr val="accent1">
+                      <a:lumMod val="50000"/>
+                    </a:schemeClr>
+                  </a:solidFill>
+                  <a:effectLst>
+                    <a:outerShdw blurRad="38100" dist="38100" dir="2700000" algn="tl">
+                      <a:srgbClr val="000000">
+                        <a:alpha val="43137"/>
+                      </a:srgbClr>
+                    </a:outerShdw>
+                  </a:effectLst>
+                </a:rPr>
+                <a:t>Checkpoint</a:t>
+              </a:r>
+            </a:p>
+            <a:p>
+              <a:pPr algn="ctr">
+                <a:defRPr/>
+              </a:pPr>
+              <a:r>
+                <a:rPr lang="en-US" b="1" dirty="0" smtClean="0">
+                  <a:solidFill>
+                    <a:schemeClr val="accent1">
+                      <a:lumMod val="50000"/>
+                    </a:schemeClr>
+                  </a:solidFill>
+                  <a:effectLst>
+                    <a:outerShdw blurRad="38100" dist="38100" dir="2700000" algn="tl">
+                      <a:srgbClr val="000000">
+                        <a:alpha val="43137"/>
+                      </a:srgbClr>
+                    </a:outerShdw>
+                  </a:effectLst>
+                </a:rPr>
+                <a:t>File Table</a:t>
+              </a:r>
+              <a:endParaRPr lang="en-US" b="1" dirty="0">
+                <a:solidFill>
+                  <a:schemeClr val="accent1">
+                    <a:lumMod val="50000"/>
+                  </a:schemeClr>
+                </a:solidFill>
+                <a:effectLst>
+                  <a:outerShdw blurRad="38100" dist="38100" dir="2700000" algn="tl">
+                    <a:srgbClr val="000000">
+                      <a:alpha val="43137"/>
+                    </a:srgbClr>
+                  </a:outerShdw>
+                </a:effectLst>
+              </a:endParaRPr>
+            </a:p>
+          </p:txBody>
+        </p:sp>
+        <p:sp>
+          <p:nvSpPr>
+            <p:cNvPr id="11" name="TextBox 10"/>
+            <p:cNvSpPr txBox="1"/>
+            <p:nvPr/>
+          </p:nvSpPr>
+          <p:spPr>
+            <a:xfrm>
+              <a:off x="7502898" y="3681839"/>
+              <a:ext cx="2868927" cy="369332"/>
+            </a:xfrm>
+            <a:prstGeom prst="rect">
+              <a:avLst/>
+            </a:prstGeom>
+            <a:noFill/>
+          </p:spPr>
+          <p:txBody>
+            <a:bodyPr wrap="none" lIns="0" tIns="0" rIns="0" bIns="0" rtlCol="0">
+              <a:spAutoFit/>
+            </a:bodyPr>
+            <a:lstStyle/>
+            <a:p>
+              <a:r>
+                <a:rPr lang="en-US" sz="2400" dirty="0" smtClean="0">
+                  <a:gradFill>
+                    <a:gsLst>
+                      <a:gs pos="0">
+                        <a:schemeClr val="tx1"/>
+                      </a:gs>
+                      <a:gs pos="86000">
+                        <a:schemeClr val="tx1"/>
+                      </a:gs>
+                    </a:gsLst>
+                    <a:lin ang="5400000" scaled="0"/>
+                  </a:gradFill>
+                </a:rPr>
+                <a:t>Row Data Stream</a:t>
+              </a:r>
+            </a:p>
+          </p:txBody>
+        </p:sp>
+        <p:sp>
+          <p:nvSpPr>
+            <p:cNvPr id="12" name="Rectangle 11"/>
+            <p:cNvSpPr/>
+            <p:nvPr/>
+          </p:nvSpPr>
+          <p:spPr>
+            <a:xfrm>
+              <a:off x="5645089" y="5320247"/>
+              <a:ext cx="5646792" cy="838200"/>
+            </a:xfrm>
+            <a:prstGeom prst="rect">
+              <a:avLst/>
+            </a:prstGeom>
+            <a:noFill/>
+            <a:ln>
+              <a:solidFill>
+                <a:srgbClr val="000000"/>
+              </a:solidFill>
+            </a:ln>
+          </p:spPr>
+          <p:style>
+            <a:lnRef idx="2">
+              <a:schemeClr val="accent1">
+                <a:shade val="50000"/>
+              </a:schemeClr>
+            </a:lnRef>
+            <a:fillRef idx="1">
+              <a:schemeClr val="accent1"/>
+            </a:fillRef>
+            <a:effectRef idx="0">
+              <a:schemeClr val="accent1"/>
+            </a:effectRef>
+            <a:fontRef idx="minor">
+              <a:schemeClr val="lt1"/>
+            </a:fontRef>
+          </p:style>
+          <p:txBody>
+            <a:bodyPr rtlCol="0" anchor="ctr"/>
+            <a:lstStyle/>
+            <a:p>
+              <a:pPr algn="ctr"/>
+              <a:endParaRPr lang="en-US" dirty="0"/>
+            </a:p>
+          </p:txBody>
+        </p:sp>
+        <p:sp>
+          <p:nvSpPr>
+            <p:cNvPr id="13" name="Rectangle 12"/>
+            <p:cNvSpPr/>
+            <p:nvPr/>
+          </p:nvSpPr>
+          <p:spPr bwMode="auto">
+            <a:xfrm>
+              <a:off x="5796735" y="5396446"/>
+              <a:ext cx="1706164" cy="685800"/>
+            </a:xfrm>
+            <a:prstGeom prst="rect">
+              <a:avLst/>
+            </a:prstGeom>
+            <a:solidFill>
+              <a:srgbClr val="65BC46"/>
+            </a:solidFill>
+            <a:ln w="25400" cap="flat" cmpd="sng" algn="ctr">
+              <a:solidFill>
+                <a:srgbClr val="000000"/>
+              </a:solidFill>
+              <a:prstDash val="solid"/>
+              <a:round/>
+              <a:headEnd type="none" w="med" len="med"/>
+              <a:tailEnd type="none" w="med" len="med"/>
+            </a:ln>
+            <a:effectLst/>
+          </p:spPr>
+          <p:txBody>
+            <a:bodyPr anchor="ctr"/>
+            <a:lstStyle/>
+            <a:p>
+              <a:pPr algn="ctr">
+                <a:defRPr/>
+              </a:pPr>
+              <a:r>
+                <a:rPr lang="en-US" b="1" dirty="0" smtClean="0">
+                  <a:solidFill>
+                    <a:schemeClr val="accent1">
+                      <a:lumMod val="50000"/>
+                    </a:schemeClr>
+                  </a:solidFill>
+                  <a:effectLst>
+                    <a:outerShdw blurRad="38100" dist="38100" dir="2700000" algn="tl">
+                      <a:srgbClr val="000000">
+                        <a:alpha val="43137"/>
+                      </a:srgbClr>
+                    </a:outerShdw>
+                  </a:effectLst>
+                </a:rPr>
+                <a:t>Blob Data</a:t>
+              </a:r>
+              <a:endParaRPr lang="en-US" b="1" dirty="0">
+                <a:solidFill>
+                  <a:schemeClr val="accent1">
+                    <a:lumMod val="50000"/>
+                  </a:schemeClr>
+                </a:solidFill>
+                <a:effectLst>
+                  <a:outerShdw blurRad="38100" dist="38100" dir="2700000" algn="tl">
+                    <a:srgbClr val="000000">
+                      <a:alpha val="43137"/>
+                    </a:srgbClr>
+                  </a:outerShdw>
+                </a:effectLst>
+              </a:endParaRPr>
+            </a:p>
+          </p:txBody>
+        </p:sp>
+        <p:sp>
+          <p:nvSpPr>
+            <p:cNvPr id="14" name="Rectangle 13"/>
+            <p:cNvSpPr/>
+            <p:nvPr/>
+          </p:nvSpPr>
+          <p:spPr bwMode="auto">
+            <a:xfrm>
+              <a:off x="7502899" y="5396447"/>
+              <a:ext cx="1706164" cy="685800"/>
+            </a:xfrm>
+            <a:prstGeom prst="rect">
+              <a:avLst/>
+            </a:prstGeom>
+            <a:solidFill>
+              <a:srgbClr val="65BC46"/>
+            </a:solidFill>
+            <a:ln w="25400" cap="flat" cmpd="sng" algn="ctr">
+              <a:solidFill>
+                <a:srgbClr val="000000"/>
+              </a:solidFill>
+              <a:prstDash val="solid"/>
+              <a:round/>
+              <a:headEnd type="none" w="med" len="med"/>
+              <a:tailEnd type="none" w="med" len="med"/>
+            </a:ln>
+            <a:effectLst/>
+          </p:spPr>
+          <p:txBody>
+            <a:bodyPr anchor="ctr"/>
+            <a:lstStyle/>
+            <a:p>
+              <a:pPr algn="ctr">
+                <a:defRPr/>
+              </a:pPr>
+              <a:r>
+                <a:rPr lang="en-US" b="1" dirty="0" smtClean="0">
+                  <a:solidFill>
+                    <a:schemeClr val="accent1">
+                      <a:lumMod val="50000"/>
+                    </a:schemeClr>
+                  </a:solidFill>
+                  <a:effectLst>
+                    <a:outerShdw blurRad="38100" dist="38100" dir="2700000" algn="tl">
+                      <a:srgbClr val="000000">
+                        <a:alpha val="43137"/>
+                      </a:srgbClr>
+                    </a:outerShdw>
+                  </a:effectLst>
+                </a:rPr>
+                <a:t>Blob Data</a:t>
+              </a:r>
+              <a:endParaRPr lang="en-US" b="1" dirty="0">
+                <a:solidFill>
+                  <a:schemeClr val="accent1">
+                    <a:lumMod val="50000"/>
+                  </a:schemeClr>
+                </a:solidFill>
+                <a:effectLst>
+                  <a:outerShdw blurRad="38100" dist="38100" dir="2700000" algn="tl">
+                    <a:srgbClr val="000000">
+                      <a:alpha val="43137"/>
+                    </a:srgbClr>
+                  </a:outerShdw>
+                </a:effectLst>
+              </a:endParaRPr>
+            </a:p>
+          </p:txBody>
+        </p:sp>
+        <p:sp>
+          <p:nvSpPr>
+            <p:cNvPr id="15" name="Rectangle 14"/>
+            <p:cNvSpPr/>
+            <p:nvPr/>
+          </p:nvSpPr>
+          <p:spPr bwMode="auto">
+            <a:xfrm>
+              <a:off x="9209063" y="5396446"/>
+              <a:ext cx="1706164" cy="685800"/>
+            </a:xfrm>
+            <a:prstGeom prst="rect">
+              <a:avLst/>
+            </a:prstGeom>
+            <a:solidFill>
+              <a:srgbClr val="65BC46"/>
+            </a:solidFill>
+            <a:ln w="25400" cap="flat" cmpd="sng" algn="ctr">
+              <a:solidFill>
+                <a:srgbClr val="000000"/>
+              </a:solidFill>
+              <a:prstDash val="solid"/>
+              <a:round/>
+              <a:headEnd type="none" w="med" len="med"/>
+              <a:tailEnd type="none" w="med" len="med"/>
+            </a:ln>
+            <a:effectLst/>
+          </p:spPr>
+          <p:txBody>
+            <a:bodyPr anchor="ctr"/>
+            <a:lstStyle/>
+            <a:p>
+              <a:pPr algn="ctr">
+                <a:defRPr/>
+              </a:pPr>
+              <a:r>
+                <a:rPr lang="en-US" b="1" dirty="0" smtClean="0">
+                  <a:solidFill>
+                    <a:schemeClr val="accent1">
+                      <a:lumMod val="50000"/>
+                    </a:schemeClr>
+                  </a:solidFill>
+                  <a:effectLst>
+                    <a:outerShdw blurRad="38100" dist="38100" dir="2700000" algn="tl">
+                      <a:srgbClr val="000000">
+                        <a:alpha val="43137"/>
+                      </a:srgbClr>
+                    </a:outerShdw>
+                  </a:effectLst>
+                </a:rPr>
+                <a:t>Blob Data</a:t>
+              </a:r>
+              <a:endParaRPr lang="en-US" b="1" dirty="0">
+                <a:solidFill>
+                  <a:schemeClr val="accent1">
+                    <a:lumMod val="50000"/>
+                  </a:schemeClr>
+                </a:solidFill>
+                <a:effectLst>
+                  <a:outerShdw blurRad="38100" dist="38100" dir="2700000" algn="tl">
+                    <a:srgbClr val="000000">
+                      <a:alpha val="43137"/>
+                    </a:srgbClr>
+                  </a:outerShdw>
+                </a:effectLst>
+              </a:endParaRPr>
+            </a:p>
+          </p:txBody>
+        </p:sp>
+        <p:sp>
+          <p:nvSpPr>
+            <p:cNvPr id="16" name="TextBox 15"/>
+            <p:cNvSpPr txBox="1"/>
+            <p:nvPr/>
+          </p:nvSpPr>
+          <p:spPr>
+            <a:xfrm>
+              <a:off x="7502898" y="4950915"/>
+              <a:ext cx="2896022" cy="369332"/>
+            </a:xfrm>
+            <a:prstGeom prst="rect">
+              <a:avLst/>
+            </a:prstGeom>
+            <a:noFill/>
+          </p:spPr>
+          <p:txBody>
+            <a:bodyPr wrap="none" lIns="0" tIns="0" rIns="0" bIns="0" rtlCol="0">
+              <a:spAutoFit/>
+            </a:bodyPr>
+            <a:lstStyle/>
+            <a:p>
+              <a:r>
+                <a:rPr lang="en-US" sz="2400" dirty="0" smtClean="0">
+                  <a:gradFill>
+                    <a:gsLst>
+                      <a:gs pos="0">
+                        <a:schemeClr val="tx1"/>
+                      </a:gs>
+                      <a:gs pos="86000">
+                        <a:schemeClr val="tx1"/>
+                      </a:gs>
+                    </a:gsLst>
+                    <a:lin ang="5400000" scaled="0"/>
+                  </a:gradFill>
+                </a:rPr>
+                <a:t>Blob Data Stream</a:t>
+              </a:r>
+            </a:p>
+          </p:txBody>
+        </p:sp>
+      </p:grpSp>
+      <p:sp>
+        <p:nvSpPr>
+          <p:cNvPr id="17" name="Rectangle 16"/>
+          <p:cNvSpPr/>
+          <p:nvPr/>
+        </p:nvSpPr>
+        <p:spPr bwMode="auto">
+          <a:xfrm>
+            <a:off x="915068" y="4147883"/>
+            <a:ext cx="2633550" cy="685800"/>
+          </a:xfrm>
+          <a:prstGeom prst="rect">
+            <a:avLst/>
+          </a:prstGeom>
+          <a:solidFill>
+            <a:srgbClr val="65BC46"/>
+          </a:solidFill>
+          <a:ln w="25400" cap="flat" cmpd="sng" algn="ctr">
+            <a:solidFill>
+              <a:srgbClr val="000000"/>
+            </a:solidFill>
+            <a:prstDash val="solid"/>
+            <a:round/>
+            <a:headEnd type="none" w="med" len="med"/>
+            <a:tailEnd type="none" w="med" len="med"/>
+          </a:ln>
+          <a:effectLst/>
+        </p:spPr>
+        <p:txBody>
+          <a:bodyPr anchor="ctr"/>
+          <a:lstStyle/>
+          <a:p>
+            <a:pPr algn="ctr">
+              <a:defRPr/>
+            </a:pPr>
+            <a:r>
+              <a:rPr lang="en-US" b="1" dirty="0" smtClean="0">
+                <a:solidFill>
+                  <a:schemeClr val="accent1">
+                    <a:lumMod val="50000"/>
+                  </a:schemeClr>
+                </a:solidFill>
+                <a:effectLst>
+                  <a:outerShdw blurRad="38100" dist="38100" dir="2700000" algn="tl">
+                    <a:srgbClr val="000000">
+                      <a:alpha val="43137"/>
+                    </a:srgbClr>
+                  </a:outerShdw>
+                </a:effectLst>
+              </a:rPr>
+              <a:t>Commit Log Stream</a:t>
+            </a:r>
+            <a:endParaRPr lang="en-US" b="1" dirty="0">
+              <a:solidFill>
+                <a:schemeClr val="accent1">
+                  <a:lumMod val="50000"/>
+                </a:schemeClr>
+              </a:solidFill>
+              <a:effectLst>
+                <a:outerShdw blurRad="38100" dist="38100" dir="2700000" algn="tl">
+                  <a:srgbClr val="000000">
+                    <a:alpha val="43137"/>
+                  </a:srgbClr>
+                </a:outerShdw>
+              </a:effectLst>
+            </a:endParaRPr>
+          </a:p>
+        </p:txBody>
+      </p:sp>
+      <p:sp>
+        <p:nvSpPr>
+          <p:cNvPr id="18" name="Rectangle 17"/>
+          <p:cNvSpPr/>
+          <p:nvPr/>
+        </p:nvSpPr>
+        <p:spPr bwMode="auto">
+          <a:xfrm>
+            <a:off x="915068" y="5232293"/>
+            <a:ext cx="1937159" cy="685800"/>
+          </a:xfrm>
+          <a:prstGeom prst="rect">
+            <a:avLst/>
+          </a:prstGeom>
+          <a:solidFill>
+            <a:srgbClr val="65BC46"/>
+          </a:solidFill>
+          <a:ln w="25400" cap="flat" cmpd="sng" algn="ctr">
+            <a:solidFill>
+              <a:srgbClr val="000000"/>
+            </a:solidFill>
+            <a:prstDash val="solid"/>
+            <a:round/>
+            <a:headEnd type="none" w="med" len="med"/>
+            <a:tailEnd type="none" w="med" len="med"/>
+          </a:ln>
+          <a:effectLst/>
+        </p:spPr>
+        <p:txBody>
+          <a:bodyPr anchor="ctr"/>
+          <a:lstStyle/>
+          <a:p>
+            <a:pPr algn="ctr">
+              <a:defRPr/>
+            </a:pPr>
+            <a:r>
+              <a:rPr lang="en-US" b="1" dirty="0" smtClean="0">
+                <a:solidFill>
+                  <a:schemeClr val="accent1">
+                    <a:lumMod val="50000"/>
+                  </a:schemeClr>
+                </a:solidFill>
+                <a:effectLst>
+                  <a:outerShdw blurRad="38100" dist="38100" dir="2700000" algn="tl">
+                    <a:srgbClr val="000000">
+                      <a:alpha val="43137"/>
+                    </a:srgbClr>
+                  </a:outerShdw>
+                </a:effectLst>
+              </a:rPr>
+              <a:t>Metadata log Stream</a:t>
+            </a:r>
+            <a:endParaRPr lang="en-US" b="1" dirty="0">
+              <a:solidFill>
+                <a:schemeClr val="accent1">
+                  <a:lumMod val="50000"/>
+                </a:schemeClr>
+              </a:solidFill>
+              <a:effectLst>
+                <a:outerShdw blurRad="38100" dist="38100" dir="2700000" algn="tl">
+                  <a:srgbClr val="000000">
+                    <a:alpha val="43137"/>
+                  </a:srgbClr>
+                </a:outerShdw>
+              </a:effectLst>
+            </a:endParaRPr>
+          </a:p>
+        </p:txBody>
+      </p:sp>
+      <p:sp>
+        <p:nvSpPr>
+          <p:cNvPr id="20" name="TextBox 19"/>
+          <p:cNvSpPr txBox="1"/>
+          <p:nvPr/>
+        </p:nvSpPr>
+        <p:spPr>
+          <a:xfrm>
+            <a:off x="585675" y="3587261"/>
+            <a:ext cx="4393895" cy="430887"/>
+          </a:xfrm>
+          <a:prstGeom prst="rect">
+            <a:avLst/>
+          </a:prstGeom>
+          <a:noFill/>
+        </p:spPr>
+        <p:txBody>
+          <a:bodyPr wrap="none" lIns="0" tIns="0" rIns="0" bIns="0" rtlCol="0">
+            <a:spAutoFit/>
+          </a:bodyPr>
+          <a:lstStyle/>
+          <a:p>
+            <a:r>
+              <a:rPr lang="en-US" sz="2800" dirty="0" smtClean="0">
+                <a:gradFill>
+                  <a:gsLst>
+                    <a:gs pos="0">
+                      <a:schemeClr val="tx1"/>
+                    </a:gs>
+                    <a:gs pos="86000">
+                      <a:schemeClr val="tx1"/>
+                    </a:gs>
+                  </a:gsLst>
+                  <a:lin ang="5400000" scaled="0"/>
+                </a:gradFill>
+              </a:rPr>
+              <a:t>Persistent Data (Stream Layer)</a:t>
+            </a:r>
+          </a:p>
+        </p:txBody>
+      </p:sp>
+      <p:grpSp>
+        <p:nvGrpSpPr>
+          <p:cNvPr id="65" name="Group 64"/>
+          <p:cNvGrpSpPr/>
+          <p:nvPr/>
+        </p:nvGrpSpPr>
+        <p:grpSpPr>
+          <a:xfrm>
+            <a:off x="1978891" y="1690875"/>
+            <a:ext cx="800521" cy="1327811"/>
+            <a:chOff x="2637834" y="1690874"/>
+            <a:chExt cx="1067083" cy="1327811"/>
+          </a:xfrm>
+        </p:grpSpPr>
+        <p:grpSp>
+          <p:nvGrpSpPr>
+            <p:cNvPr id="26" name="Group 25"/>
+            <p:cNvGrpSpPr/>
+            <p:nvPr/>
+          </p:nvGrpSpPr>
+          <p:grpSpPr>
+            <a:xfrm>
+              <a:off x="2740553" y="2031019"/>
+              <a:ext cx="844062" cy="987666"/>
+              <a:chOff x="1286891" y="1600200"/>
+              <a:chExt cx="844062" cy="987666"/>
+            </a:xfrm>
+          </p:grpSpPr>
+          <p:sp>
+            <p:nvSpPr>
+              <p:cNvPr id="27" name="Rectangle 26"/>
+              <p:cNvSpPr/>
+              <p:nvPr/>
+            </p:nvSpPr>
+            <p:spPr bwMode="auto">
+              <a:xfrm>
+                <a:off x="1286891" y="1600200"/>
+                <a:ext cx="844062" cy="246184"/>
+              </a:xfrm>
+              <a:prstGeom prst="rect">
+                <a:avLst/>
+              </a:prstGeom>
+              <a:solidFill>
+                <a:schemeClr val="accent2">
+                  <a:lumMod val="40000"/>
+                  <a:lumOff val="60000"/>
+                </a:schemeClr>
+              </a:solidFill>
+              <a:ln w="12700">
+                <a:solidFill>
+                  <a:schemeClr val="accent2">
+                    <a:lumMod val="50000"/>
+                  </a:schemeClr>
+                </a:solidFill>
+                <a:headEnd type="none" w="med" len="med"/>
+                <a:tailEnd type="none" w="med" len="med"/>
+              </a:ln>
+              <a:effectLst/>
+            </p:spPr>
+            <p:style>
+              <a:lnRef idx="1">
+                <a:schemeClr val="accent2"/>
+              </a:lnRef>
+              <a:fillRef idx="3">
+                <a:schemeClr val="accent2"/>
+              </a:fillRef>
+              <a:effectRef idx="2">
+                <a:schemeClr val="accent2"/>
+              </a:effectRef>
+              <a:fontRef idx="minor">
+                <a:schemeClr val="lt1"/>
+              </a:fontRef>
+            </p:style>
+            <p:txBody>
+              <a:bodyPr vert="horz" wrap="square" lIns="91436" tIns="45718" rIns="91436" bIns="45718" numCol="1" rtlCol="0" anchor="ctr" anchorCtr="0" compatLnSpc="1">
+                <a:prstTxWarp prst="textNoShape">
+                  <a:avLst/>
+                </a:prstTxWarp>
+              </a:bodyPr>
+              <a:lstStyle/>
+              <a:p>
+                <a:pPr algn="ctr" defTabSz="914099" fontAlgn="base">
+                  <a:spcBef>
+                    <a:spcPct val="0"/>
+                  </a:spcBef>
+                  <a:spcAft>
+                    <a:spcPct val="0"/>
+                  </a:spcAft>
+                </a:pPr>
+                <a:endParaRPr lang="en-US" sz="2200" dirty="0" smtClean="0">
+                  <a:gradFill>
+                    <a:gsLst>
+                      <a:gs pos="0">
+                        <a:schemeClr val="tx1"/>
+                      </a:gs>
+                      <a:gs pos="100000">
+                        <a:schemeClr val="tx1"/>
+                      </a:gs>
+                    </a:gsLst>
+                    <a:lin ang="5400000" scaled="0"/>
+                  </a:gradFill>
+                </a:endParaRPr>
+              </a:p>
+            </p:txBody>
+          </p:sp>
+          <p:sp>
+            <p:nvSpPr>
+              <p:cNvPr id="28" name="Rectangle 27"/>
+              <p:cNvSpPr/>
+              <p:nvPr/>
+            </p:nvSpPr>
+            <p:spPr bwMode="auto">
+              <a:xfrm>
+                <a:off x="1286891" y="1846384"/>
+                <a:ext cx="844062" cy="246184"/>
+              </a:xfrm>
+              <a:prstGeom prst="rect">
+                <a:avLst/>
+              </a:prstGeom>
+              <a:solidFill>
+                <a:schemeClr val="accent2">
+                  <a:lumMod val="40000"/>
+                  <a:lumOff val="60000"/>
+                </a:schemeClr>
+              </a:solidFill>
+              <a:ln w="12700">
+                <a:solidFill>
+                  <a:schemeClr val="accent2">
+                    <a:lumMod val="50000"/>
+                  </a:schemeClr>
+                </a:solidFill>
+                <a:headEnd type="none" w="med" len="med"/>
+                <a:tailEnd type="none" w="med" len="med"/>
+              </a:ln>
+              <a:effectLst/>
+            </p:spPr>
+            <p:style>
+              <a:lnRef idx="1">
+                <a:schemeClr val="accent2"/>
+              </a:lnRef>
+              <a:fillRef idx="3">
+                <a:schemeClr val="accent2"/>
+              </a:fillRef>
+              <a:effectRef idx="2">
+                <a:schemeClr val="accent2"/>
+              </a:effectRef>
+              <a:fontRef idx="minor">
+                <a:schemeClr val="lt1"/>
+              </a:fontRef>
+            </p:style>
+            <p:txBody>
+              <a:bodyPr vert="horz" wrap="square" lIns="91436" tIns="45718" rIns="91436" bIns="45718" numCol="1" rtlCol="0" anchor="ctr" anchorCtr="0" compatLnSpc="1">
+                <a:prstTxWarp prst="textNoShape">
+                  <a:avLst/>
+                </a:prstTxWarp>
+              </a:bodyPr>
+              <a:lstStyle/>
+              <a:p>
+                <a:pPr algn="ctr" defTabSz="914099" fontAlgn="base">
+                  <a:spcBef>
+                    <a:spcPct val="0"/>
+                  </a:spcBef>
+                  <a:spcAft>
+                    <a:spcPct val="0"/>
+                  </a:spcAft>
+                </a:pPr>
+                <a:endParaRPr lang="en-US" sz="2200" dirty="0" smtClean="0">
+                  <a:gradFill>
+                    <a:gsLst>
+                      <a:gs pos="0">
+                        <a:schemeClr val="tx1"/>
+                      </a:gs>
+                      <a:gs pos="100000">
+                        <a:schemeClr val="tx1"/>
+                      </a:gs>
+                    </a:gsLst>
+                    <a:lin ang="5400000" scaled="0"/>
+                  </a:gradFill>
+                </a:endParaRPr>
+              </a:p>
+            </p:txBody>
+          </p:sp>
+          <p:sp>
+            <p:nvSpPr>
+              <p:cNvPr id="29" name="Rectangle 28"/>
+              <p:cNvSpPr/>
+              <p:nvPr/>
+            </p:nvSpPr>
+            <p:spPr bwMode="auto">
+              <a:xfrm>
+                <a:off x="1286891" y="2095498"/>
+                <a:ext cx="844062" cy="246184"/>
+              </a:xfrm>
+              <a:prstGeom prst="rect">
+                <a:avLst/>
+              </a:prstGeom>
+              <a:solidFill>
+                <a:schemeClr val="accent2">
+                  <a:lumMod val="40000"/>
+                  <a:lumOff val="60000"/>
+                </a:schemeClr>
+              </a:solidFill>
+              <a:ln w="12700">
+                <a:solidFill>
+                  <a:schemeClr val="accent2">
+                    <a:lumMod val="50000"/>
+                  </a:schemeClr>
+                </a:solidFill>
+                <a:headEnd type="none" w="med" len="med"/>
+                <a:tailEnd type="none" w="med" len="med"/>
+              </a:ln>
+              <a:effectLst/>
+            </p:spPr>
+            <p:style>
+              <a:lnRef idx="1">
+                <a:schemeClr val="accent2"/>
+              </a:lnRef>
+              <a:fillRef idx="3">
+                <a:schemeClr val="accent2"/>
+              </a:fillRef>
+              <a:effectRef idx="2">
+                <a:schemeClr val="accent2"/>
+              </a:effectRef>
+              <a:fontRef idx="minor">
+                <a:schemeClr val="lt1"/>
+              </a:fontRef>
+            </p:style>
+            <p:txBody>
+              <a:bodyPr vert="horz" wrap="square" lIns="91436" tIns="45718" rIns="91436" bIns="45718" numCol="1" rtlCol="0" anchor="ctr" anchorCtr="0" compatLnSpc="1">
+                <a:prstTxWarp prst="textNoShape">
+                  <a:avLst/>
+                </a:prstTxWarp>
+              </a:bodyPr>
+              <a:lstStyle/>
+              <a:p>
+                <a:pPr algn="ctr" defTabSz="914099" fontAlgn="base">
+                  <a:spcBef>
+                    <a:spcPct val="0"/>
+                  </a:spcBef>
+                  <a:spcAft>
+                    <a:spcPct val="0"/>
+                  </a:spcAft>
+                </a:pPr>
+                <a:endParaRPr lang="en-US" sz="2200" dirty="0" smtClean="0">
+                  <a:gradFill>
+                    <a:gsLst>
+                      <a:gs pos="0">
+                        <a:schemeClr val="tx1"/>
+                      </a:gs>
+                      <a:gs pos="100000">
+                        <a:schemeClr val="tx1"/>
+                      </a:gs>
+                    </a:gsLst>
+                    <a:lin ang="5400000" scaled="0"/>
+                  </a:gradFill>
+                </a:endParaRPr>
+              </a:p>
+            </p:txBody>
+          </p:sp>
+          <p:sp>
+            <p:nvSpPr>
+              <p:cNvPr id="30" name="Rectangle 29"/>
+              <p:cNvSpPr/>
+              <p:nvPr/>
+            </p:nvSpPr>
+            <p:spPr bwMode="auto">
+              <a:xfrm>
+                <a:off x="1286891" y="2341682"/>
+                <a:ext cx="844062" cy="246184"/>
+              </a:xfrm>
+              <a:prstGeom prst="rect">
+                <a:avLst/>
+              </a:prstGeom>
+              <a:solidFill>
+                <a:schemeClr val="accent2">
+                  <a:lumMod val="40000"/>
+                  <a:lumOff val="60000"/>
+                </a:schemeClr>
+              </a:solidFill>
+              <a:ln w="12700">
+                <a:solidFill>
+                  <a:schemeClr val="accent2">
+                    <a:lumMod val="50000"/>
+                  </a:schemeClr>
+                </a:solidFill>
+                <a:headEnd type="none" w="med" len="med"/>
+                <a:tailEnd type="none" w="med" len="med"/>
+              </a:ln>
+              <a:effectLst/>
+            </p:spPr>
+            <p:style>
+              <a:lnRef idx="1">
+                <a:schemeClr val="accent2"/>
+              </a:lnRef>
+              <a:fillRef idx="3">
+                <a:schemeClr val="accent2"/>
+              </a:fillRef>
+              <a:effectRef idx="2">
+                <a:schemeClr val="accent2"/>
+              </a:effectRef>
+              <a:fontRef idx="minor">
+                <a:schemeClr val="lt1"/>
+              </a:fontRef>
+            </p:style>
+            <p:txBody>
+              <a:bodyPr vert="horz" wrap="square" lIns="91436" tIns="45718" rIns="91436" bIns="45718" numCol="1" rtlCol="0" anchor="ctr" anchorCtr="0" compatLnSpc="1">
+                <a:prstTxWarp prst="textNoShape">
+                  <a:avLst/>
+                </a:prstTxWarp>
+              </a:bodyPr>
+              <a:lstStyle/>
+              <a:p>
+                <a:pPr algn="ctr" defTabSz="914099" fontAlgn="base">
+                  <a:spcBef>
+                    <a:spcPct val="0"/>
+                  </a:spcBef>
+                  <a:spcAft>
+                    <a:spcPct val="0"/>
+                  </a:spcAft>
+                </a:pPr>
+                <a:endParaRPr lang="en-US" sz="2200" dirty="0" smtClean="0">
+                  <a:gradFill>
+                    <a:gsLst>
+                      <a:gs pos="0">
+                        <a:schemeClr val="tx1"/>
+                      </a:gs>
+                      <a:gs pos="100000">
+                        <a:schemeClr val="tx1"/>
+                      </a:gs>
+                    </a:gsLst>
+                    <a:lin ang="5400000" scaled="0"/>
+                  </a:gradFill>
+                </a:endParaRPr>
+              </a:p>
+            </p:txBody>
+          </p:sp>
+        </p:grpSp>
+        <p:sp>
+          <p:nvSpPr>
+            <p:cNvPr id="33" name="TextBox 32"/>
+            <p:cNvSpPr txBox="1"/>
+            <p:nvPr/>
+          </p:nvSpPr>
+          <p:spPr>
+            <a:xfrm>
+              <a:off x="2637834" y="1690874"/>
+              <a:ext cx="1067083" cy="553998"/>
+            </a:xfrm>
+            <a:prstGeom prst="rect">
+              <a:avLst/>
+            </a:prstGeom>
+            <a:noFill/>
+          </p:spPr>
+          <p:txBody>
+            <a:bodyPr wrap="square" lIns="0" tIns="0" rIns="0" bIns="0" rtlCol="0">
+              <a:spAutoFit/>
+            </a:bodyPr>
+            <a:lstStyle/>
+            <a:p>
+              <a:pPr algn="ctr"/>
+              <a:r>
+                <a:rPr lang="en-US" dirty="0" smtClean="0">
+                  <a:gradFill>
+                    <a:gsLst>
+                      <a:gs pos="0">
+                        <a:schemeClr val="tx1"/>
+                      </a:gs>
+                      <a:gs pos="86000">
+                        <a:schemeClr val="tx1"/>
+                      </a:gs>
+                    </a:gsLst>
+                    <a:lin ang="5400000" scaled="0"/>
+                  </a:gradFill>
+                </a:rPr>
+                <a:t>Row Cache</a:t>
+              </a:r>
+            </a:p>
+          </p:txBody>
+        </p:sp>
+      </p:grpSp>
+      <p:grpSp>
+        <p:nvGrpSpPr>
+          <p:cNvPr id="66" name="Group 65"/>
+          <p:cNvGrpSpPr/>
+          <p:nvPr/>
+        </p:nvGrpSpPr>
+        <p:grpSpPr>
+          <a:xfrm>
+            <a:off x="2928967" y="2123297"/>
+            <a:ext cx="3339651" cy="894863"/>
+            <a:chOff x="3904272" y="2123296"/>
+            <a:chExt cx="4451709" cy="894863"/>
+          </a:xfrm>
+        </p:grpSpPr>
+        <p:grpSp>
+          <p:nvGrpSpPr>
+            <p:cNvPr id="39" name="Group 38"/>
+            <p:cNvGrpSpPr/>
+            <p:nvPr/>
+          </p:nvGrpSpPr>
+          <p:grpSpPr>
+            <a:xfrm>
+              <a:off x="4077327" y="2487081"/>
+              <a:ext cx="844062" cy="492368"/>
+              <a:chOff x="4308227" y="1852237"/>
+              <a:chExt cx="844062" cy="492368"/>
+            </a:xfrm>
+          </p:grpSpPr>
+          <p:sp>
+            <p:nvSpPr>
+              <p:cNvPr id="35" name="Rectangle 34"/>
+              <p:cNvSpPr/>
+              <p:nvPr/>
+            </p:nvSpPr>
+            <p:spPr bwMode="auto">
+              <a:xfrm>
+                <a:off x="4308227" y="1852237"/>
+                <a:ext cx="844062" cy="246184"/>
+              </a:xfrm>
+              <a:prstGeom prst="rect">
+                <a:avLst/>
+              </a:prstGeom>
+              <a:solidFill>
+                <a:schemeClr val="accent2">
+                  <a:lumMod val="40000"/>
+                  <a:lumOff val="60000"/>
+                </a:schemeClr>
+              </a:solidFill>
+              <a:ln w="12700">
+                <a:solidFill>
+                  <a:schemeClr val="accent2">
+                    <a:lumMod val="50000"/>
+                  </a:schemeClr>
+                </a:solidFill>
+                <a:headEnd type="none" w="med" len="med"/>
+                <a:tailEnd type="none" w="med" len="med"/>
+              </a:ln>
+              <a:effectLst/>
+            </p:spPr>
+            <p:style>
+              <a:lnRef idx="1">
+                <a:schemeClr val="accent2"/>
+              </a:lnRef>
+              <a:fillRef idx="3">
+                <a:schemeClr val="accent2"/>
+              </a:fillRef>
+              <a:effectRef idx="2">
+                <a:schemeClr val="accent2"/>
+              </a:effectRef>
+              <a:fontRef idx="minor">
+                <a:schemeClr val="lt1"/>
+              </a:fontRef>
+            </p:style>
+            <p:txBody>
+              <a:bodyPr vert="horz" wrap="square" lIns="91436" tIns="45718" rIns="91436" bIns="45718" numCol="1" rtlCol="0" anchor="ctr" anchorCtr="0" compatLnSpc="1">
+                <a:prstTxWarp prst="textNoShape">
+                  <a:avLst/>
+                </a:prstTxWarp>
+              </a:bodyPr>
+              <a:lstStyle/>
+              <a:p>
+                <a:pPr algn="ctr" defTabSz="914099" fontAlgn="base">
+                  <a:spcBef>
+                    <a:spcPct val="0"/>
+                  </a:spcBef>
+                  <a:spcAft>
+                    <a:spcPct val="0"/>
+                  </a:spcAft>
+                </a:pPr>
+                <a:endParaRPr lang="en-US" sz="2200" dirty="0" smtClean="0">
+                  <a:gradFill>
+                    <a:gsLst>
+                      <a:gs pos="0">
+                        <a:schemeClr val="tx1"/>
+                      </a:gs>
+                      <a:gs pos="100000">
+                        <a:schemeClr val="tx1"/>
+                      </a:gs>
+                    </a:gsLst>
+                    <a:lin ang="5400000" scaled="0"/>
+                  </a:gradFill>
+                </a:endParaRPr>
+              </a:p>
+            </p:txBody>
+          </p:sp>
+          <p:sp>
+            <p:nvSpPr>
+              <p:cNvPr id="36" name="Rectangle 35"/>
+              <p:cNvSpPr/>
+              <p:nvPr/>
+            </p:nvSpPr>
+            <p:spPr bwMode="auto">
+              <a:xfrm>
+                <a:off x="4308227" y="2098421"/>
+                <a:ext cx="844062" cy="246184"/>
+              </a:xfrm>
+              <a:prstGeom prst="rect">
+                <a:avLst/>
+              </a:prstGeom>
+              <a:solidFill>
+                <a:schemeClr val="accent2">
+                  <a:lumMod val="40000"/>
+                  <a:lumOff val="60000"/>
+                </a:schemeClr>
+              </a:solidFill>
+              <a:ln w="12700">
+                <a:solidFill>
+                  <a:schemeClr val="accent2">
+                    <a:lumMod val="50000"/>
+                  </a:schemeClr>
+                </a:solidFill>
+                <a:headEnd type="none" w="med" len="med"/>
+                <a:tailEnd type="none" w="med" len="med"/>
+              </a:ln>
+              <a:effectLst/>
+            </p:spPr>
+            <p:style>
+              <a:lnRef idx="1">
+                <a:schemeClr val="accent2"/>
+              </a:lnRef>
+              <a:fillRef idx="3">
+                <a:schemeClr val="accent2"/>
+              </a:fillRef>
+              <a:effectRef idx="2">
+                <a:schemeClr val="accent2"/>
+              </a:effectRef>
+              <a:fontRef idx="minor">
+                <a:schemeClr val="lt1"/>
+              </a:fontRef>
+            </p:style>
+            <p:txBody>
+              <a:bodyPr vert="horz" wrap="square" lIns="91436" tIns="45718" rIns="91436" bIns="45718" numCol="1" rtlCol="0" anchor="ctr" anchorCtr="0" compatLnSpc="1">
+                <a:prstTxWarp prst="textNoShape">
+                  <a:avLst/>
+                </a:prstTxWarp>
+              </a:bodyPr>
+              <a:lstStyle/>
+              <a:p>
+                <a:pPr algn="ctr" defTabSz="914099" fontAlgn="base">
+                  <a:spcBef>
+                    <a:spcPct val="0"/>
+                  </a:spcBef>
+                  <a:spcAft>
+                    <a:spcPct val="0"/>
+                  </a:spcAft>
+                </a:pPr>
+                <a:endParaRPr lang="en-US" sz="2200" dirty="0" smtClean="0">
+                  <a:gradFill>
+                    <a:gsLst>
+                      <a:gs pos="0">
+                        <a:schemeClr val="tx1"/>
+                      </a:gs>
+                      <a:gs pos="100000">
+                        <a:schemeClr val="tx1"/>
+                      </a:gs>
+                    </a:gsLst>
+                    <a:lin ang="5400000" scaled="0"/>
+                  </a:gradFill>
+                </a:endParaRPr>
+              </a:p>
+            </p:txBody>
+          </p:sp>
+        </p:grpSp>
+        <p:sp>
+          <p:nvSpPr>
+            <p:cNvPr id="40" name="TextBox 39"/>
+            <p:cNvSpPr txBox="1"/>
+            <p:nvPr/>
+          </p:nvSpPr>
+          <p:spPr>
+            <a:xfrm>
+              <a:off x="3904272" y="2187218"/>
+              <a:ext cx="1210553" cy="553998"/>
+            </a:xfrm>
+            <a:prstGeom prst="rect">
+              <a:avLst/>
+            </a:prstGeom>
+            <a:noFill/>
+          </p:spPr>
+          <p:txBody>
+            <a:bodyPr wrap="square" lIns="0" tIns="0" rIns="0" bIns="0" rtlCol="0">
+              <a:spAutoFit/>
+            </a:bodyPr>
+            <a:lstStyle/>
+            <a:p>
+              <a:pPr algn="ctr"/>
+              <a:r>
+                <a:rPr lang="en-US" dirty="0" smtClean="0">
+                  <a:gradFill>
+                    <a:gsLst>
+                      <a:gs pos="0">
+                        <a:schemeClr val="tx1"/>
+                      </a:gs>
+                      <a:gs pos="86000">
+                        <a:schemeClr val="tx1"/>
+                      </a:gs>
+                    </a:gsLst>
+                    <a:lin ang="5400000" scaled="0"/>
+                  </a:gradFill>
+                </a:rPr>
+                <a:t>Index Cache</a:t>
+              </a:r>
+            </a:p>
+          </p:txBody>
+        </p:sp>
+        <p:sp>
+          <p:nvSpPr>
+            <p:cNvPr id="41" name="Flowchart: Off-page Connector 40"/>
+            <p:cNvSpPr/>
+            <p:nvPr/>
+          </p:nvSpPr>
+          <p:spPr bwMode="auto">
+            <a:xfrm>
+              <a:off x="5836672" y="2655516"/>
+              <a:ext cx="486253" cy="357845"/>
+            </a:xfrm>
+            <a:prstGeom prst="flowChartOffpageConnector">
+              <a:avLst/>
+            </a:prstGeom>
+            <a:solidFill>
+              <a:schemeClr val="accent2">
+                <a:lumMod val="20000"/>
+                <a:lumOff val="80000"/>
+              </a:schemeClr>
+            </a:solidFill>
+            <a:ln w="22225">
+              <a:solidFill>
+                <a:srgbClr val="000000"/>
+              </a:solidFill>
+              <a:headEnd type="none" w="med" len="med"/>
+              <a:tailEnd type="none" w="med" len="med"/>
+            </a:ln>
+            <a:effectLst/>
+          </p:spPr>
+          <p:style>
+            <a:lnRef idx="1">
+              <a:schemeClr val="accent2"/>
+            </a:lnRef>
+            <a:fillRef idx="3">
+              <a:schemeClr val="accent2"/>
+            </a:fillRef>
+            <a:effectRef idx="2">
+              <a:schemeClr val="accent2"/>
+            </a:effectRef>
+            <a:fontRef idx="minor">
+              <a:schemeClr val="lt1"/>
+            </a:fontRef>
+          </p:style>
+          <p:txBody>
+            <a:bodyPr vert="horz" wrap="square" lIns="91436" tIns="45718" rIns="91436" bIns="45718" numCol="1" rtlCol="0" anchor="ctr" anchorCtr="0" compatLnSpc="1">
+              <a:prstTxWarp prst="textNoShape">
+                <a:avLst/>
+              </a:prstTxWarp>
+            </a:bodyPr>
+            <a:lstStyle/>
+            <a:p>
+              <a:pPr algn="ctr" defTabSz="914099" fontAlgn="base">
+                <a:spcBef>
+                  <a:spcPct val="0"/>
+                </a:spcBef>
+                <a:spcAft>
+                  <a:spcPct val="0"/>
+                </a:spcAft>
+              </a:pPr>
+              <a:endParaRPr lang="en-US" sz="2200" dirty="0" smtClean="0">
+                <a:gradFill>
+                  <a:gsLst>
+                    <a:gs pos="0">
+                      <a:schemeClr val="tx1"/>
+                    </a:gs>
+                    <a:gs pos="100000">
+                      <a:schemeClr val="tx1"/>
+                    </a:gs>
+                  </a:gsLst>
+                  <a:lin ang="5400000" scaled="0"/>
+                </a:gradFill>
+              </a:endParaRPr>
+            </a:p>
+          </p:txBody>
+        </p:sp>
+        <p:sp>
+          <p:nvSpPr>
+            <p:cNvPr id="42" name="Flowchart: Off-page Connector 41"/>
+            <p:cNvSpPr/>
+            <p:nvPr/>
+          </p:nvSpPr>
+          <p:spPr bwMode="auto">
+            <a:xfrm>
+              <a:off x="5745945" y="2537166"/>
+              <a:ext cx="486253" cy="357845"/>
+            </a:xfrm>
+            <a:prstGeom prst="flowChartOffpageConnector">
+              <a:avLst/>
+            </a:prstGeom>
+            <a:solidFill>
+              <a:schemeClr val="accent2">
+                <a:lumMod val="20000"/>
+                <a:lumOff val="80000"/>
+              </a:schemeClr>
+            </a:solidFill>
+            <a:ln w="22225">
+              <a:solidFill>
+                <a:srgbClr val="000000"/>
+              </a:solidFill>
+              <a:headEnd type="none" w="med" len="med"/>
+              <a:tailEnd type="none" w="med" len="med"/>
+            </a:ln>
+            <a:effectLst/>
+          </p:spPr>
+          <p:style>
+            <a:lnRef idx="1">
+              <a:schemeClr val="accent2"/>
+            </a:lnRef>
+            <a:fillRef idx="3">
+              <a:schemeClr val="accent2"/>
+            </a:fillRef>
+            <a:effectRef idx="2">
+              <a:schemeClr val="accent2"/>
+            </a:effectRef>
+            <a:fontRef idx="minor">
+              <a:schemeClr val="lt1"/>
+            </a:fontRef>
+          </p:style>
+          <p:txBody>
+            <a:bodyPr vert="horz" wrap="square" lIns="91436" tIns="45718" rIns="91436" bIns="45718" numCol="1" rtlCol="0" anchor="ctr" anchorCtr="0" compatLnSpc="1">
+              <a:prstTxWarp prst="textNoShape">
+                <a:avLst/>
+              </a:prstTxWarp>
+            </a:bodyPr>
+            <a:lstStyle/>
+            <a:p>
+              <a:pPr algn="ctr" defTabSz="914099" fontAlgn="base">
+                <a:spcBef>
+                  <a:spcPct val="0"/>
+                </a:spcBef>
+                <a:spcAft>
+                  <a:spcPct val="0"/>
+                </a:spcAft>
+              </a:pPr>
+              <a:endParaRPr lang="en-US" sz="2200" dirty="0" smtClean="0">
+                <a:gradFill>
+                  <a:gsLst>
+                    <a:gs pos="0">
+                      <a:schemeClr val="tx1"/>
+                    </a:gs>
+                    <a:gs pos="100000">
+                      <a:schemeClr val="tx1"/>
+                    </a:gs>
+                  </a:gsLst>
+                  <a:lin ang="5400000" scaled="0"/>
+                </a:gradFill>
+              </a:endParaRPr>
+            </a:p>
+          </p:txBody>
+        </p:sp>
+        <p:sp>
+          <p:nvSpPr>
+            <p:cNvPr id="43" name="Flowchart: Off-page Connector 42"/>
+            <p:cNvSpPr/>
+            <p:nvPr/>
+          </p:nvSpPr>
+          <p:spPr bwMode="auto">
+            <a:xfrm>
+              <a:off x="5645089" y="2444350"/>
+              <a:ext cx="486253" cy="357845"/>
+            </a:xfrm>
+            <a:prstGeom prst="flowChartOffpageConnector">
+              <a:avLst/>
+            </a:prstGeom>
+            <a:solidFill>
+              <a:schemeClr val="accent2">
+                <a:lumMod val="20000"/>
+                <a:lumOff val="80000"/>
+              </a:schemeClr>
+            </a:solidFill>
+            <a:ln w="22225">
+              <a:solidFill>
+                <a:srgbClr val="000000"/>
+              </a:solidFill>
+              <a:headEnd type="none" w="med" len="med"/>
+              <a:tailEnd type="none" w="med" len="med"/>
+            </a:ln>
+            <a:effectLst/>
+          </p:spPr>
+          <p:style>
+            <a:lnRef idx="1">
+              <a:schemeClr val="accent2"/>
+            </a:lnRef>
+            <a:fillRef idx="3">
+              <a:schemeClr val="accent2"/>
+            </a:fillRef>
+            <a:effectRef idx="2">
+              <a:schemeClr val="accent2"/>
+            </a:effectRef>
+            <a:fontRef idx="minor">
+              <a:schemeClr val="lt1"/>
+            </a:fontRef>
+          </p:style>
+          <p:txBody>
+            <a:bodyPr vert="horz" wrap="square" lIns="91436" tIns="45718" rIns="91436" bIns="45718" numCol="1" rtlCol="0" anchor="ctr" anchorCtr="0" compatLnSpc="1">
+              <a:prstTxWarp prst="textNoShape">
+                <a:avLst/>
+              </a:prstTxWarp>
+            </a:bodyPr>
+            <a:lstStyle/>
+            <a:p>
+              <a:pPr algn="ctr" defTabSz="914099" fontAlgn="base">
+                <a:spcBef>
+                  <a:spcPct val="0"/>
+                </a:spcBef>
+                <a:spcAft>
+                  <a:spcPct val="0"/>
+                </a:spcAft>
+              </a:pPr>
+              <a:endParaRPr lang="en-US" sz="2200" dirty="0" smtClean="0">
+                <a:gradFill>
+                  <a:gsLst>
+                    <a:gs pos="0">
+                      <a:schemeClr val="tx1"/>
+                    </a:gs>
+                    <a:gs pos="100000">
+                      <a:schemeClr val="tx1"/>
+                    </a:gs>
+                  </a:gsLst>
+                  <a:lin ang="5400000" scaled="0"/>
+                </a:gradFill>
+              </a:endParaRPr>
+            </a:p>
+          </p:txBody>
+        </p:sp>
+        <p:sp>
+          <p:nvSpPr>
+            <p:cNvPr id="44" name="TextBox 43"/>
+            <p:cNvSpPr txBox="1"/>
+            <p:nvPr/>
+          </p:nvSpPr>
+          <p:spPr>
+            <a:xfrm>
+              <a:off x="5367298" y="2138703"/>
+              <a:ext cx="1314850" cy="553998"/>
+            </a:xfrm>
+            <a:prstGeom prst="rect">
+              <a:avLst/>
+            </a:prstGeom>
+            <a:noFill/>
+          </p:spPr>
+          <p:txBody>
+            <a:bodyPr wrap="square" lIns="0" tIns="0" rIns="0" bIns="0" rtlCol="0">
+              <a:spAutoFit/>
+            </a:bodyPr>
+            <a:lstStyle/>
+            <a:p>
+              <a:pPr algn="ctr"/>
+              <a:r>
+                <a:rPr lang="en-US" dirty="0" smtClean="0">
+                  <a:gradFill>
+                    <a:gsLst>
+                      <a:gs pos="0">
+                        <a:schemeClr val="tx1"/>
+                      </a:gs>
+                      <a:gs pos="86000">
+                        <a:schemeClr val="tx1"/>
+                      </a:gs>
+                    </a:gsLst>
+                    <a:lin ang="5400000" scaled="0"/>
+                  </a:gradFill>
+                </a:rPr>
+                <a:t>Bloom Filters</a:t>
+              </a:r>
+            </a:p>
+          </p:txBody>
+        </p:sp>
+        <p:sp>
+          <p:nvSpPr>
+            <p:cNvPr id="45" name="Flowchart: Multidocument 44"/>
+            <p:cNvSpPr/>
+            <p:nvPr/>
+          </p:nvSpPr>
+          <p:spPr bwMode="auto">
+            <a:xfrm>
+              <a:off x="7387134" y="2468974"/>
+              <a:ext cx="677008" cy="549185"/>
+            </a:xfrm>
+            <a:prstGeom prst="flowChartMultidocument">
+              <a:avLst/>
+            </a:prstGeom>
+            <a:solidFill>
+              <a:schemeClr val="accent2">
+                <a:lumMod val="20000"/>
+                <a:lumOff val="80000"/>
+              </a:schemeClr>
+            </a:solidFill>
+            <a:ln w="15875">
+              <a:solidFill>
+                <a:schemeClr val="accent2">
+                  <a:lumMod val="50000"/>
+                </a:schemeClr>
+              </a:solidFill>
+              <a:headEnd type="none" w="med" len="med"/>
+              <a:tailEnd type="none" w="med" len="med"/>
+            </a:ln>
+            <a:effectLst/>
+          </p:spPr>
+          <p:style>
+            <a:lnRef idx="1">
+              <a:schemeClr val="accent2"/>
+            </a:lnRef>
+            <a:fillRef idx="3">
+              <a:schemeClr val="accent2"/>
+            </a:fillRef>
+            <a:effectRef idx="2">
+              <a:schemeClr val="accent2"/>
+            </a:effectRef>
+            <a:fontRef idx="minor">
+              <a:schemeClr val="lt1"/>
+            </a:fontRef>
+          </p:style>
+          <p:txBody>
+            <a:bodyPr vert="horz" wrap="square" lIns="91436" tIns="45718" rIns="91436" bIns="45718" numCol="1" rtlCol="0" anchor="ctr" anchorCtr="0" compatLnSpc="1">
+              <a:prstTxWarp prst="textNoShape">
+                <a:avLst/>
+              </a:prstTxWarp>
+            </a:bodyPr>
+            <a:lstStyle/>
+            <a:p>
+              <a:pPr algn="ctr" defTabSz="914099" fontAlgn="base">
+                <a:spcBef>
+                  <a:spcPct val="0"/>
+                </a:spcBef>
+                <a:spcAft>
+                  <a:spcPct val="0"/>
+                </a:spcAft>
+              </a:pPr>
+              <a:endParaRPr lang="en-US" sz="2200" dirty="0" smtClean="0">
+                <a:gradFill>
+                  <a:gsLst>
+                    <a:gs pos="0">
+                      <a:schemeClr val="tx1"/>
+                    </a:gs>
+                    <a:gs pos="100000">
+                      <a:schemeClr val="tx1"/>
+                    </a:gs>
+                  </a:gsLst>
+                  <a:lin ang="5400000" scaled="0"/>
+                </a:gradFill>
+              </a:endParaRPr>
+            </a:p>
+          </p:txBody>
+        </p:sp>
+        <p:sp>
+          <p:nvSpPr>
+            <p:cNvPr id="46" name="TextBox 45"/>
+            <p:cNvSpPr txBox="1"/>
+            <p:nvPr/>
+          </p:nvSpPr>
+          <p:spPr>
+            <a:xfrm>
+              <a:off x="7041131" y="2123296"/>
+              <a:ext cx="1314850" cy="553998"/>
+            </a:xfrm>
+            <a:prstGeom prst="rect">
+              <a:avLst/>
+            </a:prstGeom>
+            <a:noFill/>
+          </p:spPr>
+          <p:txBody>
+            <a:bodyPr wrap="square" lIns="0" tIns="0" rIns="0" bIns="0" rtlCol="0">
+              <a:spAutoFit/>
+            </a:bodyPr>
+            <a:lstStyle/>
+            <a:p>
+              <a:pPr algn="ctr"/>
+              <a:r>
+                <a:rPr lang="en-US" dirty="0" smtClean="0">
+                  <a:gradFill>
+                    <a:gsLst>
+                      <a:gs pos="0">
+                        <a:schemeClr val="tx1"/>
+                      </a:gs>
+                      <a:gs pos="86000">
+                        <a:schemeClr val="tx1"/>
+                      </a:gs>
+                    </a:gsLst>
+                    <a:lin ang="5400000" scaled="0"/>
+                  </a:gradFill>
+                </a:rPr>
+                <a:t>Load Metrics</a:t>
+              </a:r>
+            </a:p>
+          </p:txBody>
+        </p:sp>
+      </p:grpSp>
+      <p:grpSp>
+        <p:nvGrpSpPr>
+          <p:cNvPr id="59" name="Group 58"/>
+          <p:cNvGrpSpPr/>
+          <p:nvPr/>
+        </p:nvGrpSpPr>
+        <p:grpSpPr>
+          <a:xfrm>
+            <a:off x="784918" y="1389186"/>
+            <a:ext cx="6357862" cy="1837589"/>
+            <a:chOff x="1046285" y="1389185"/>
+            <a:chExt cx="8474942" cy="1837589"/>
+          </a:xfrm>
+        </p:grpSpPr>
+        <p:grpSp>
+          <p:nvGrpSpPr>
+            <p:cNvPr id="25" name="Group 24"/>
+            <p:cNvGrpSpPr/>
+            <p:nvPr/>
+          </p:nvGrpSpPr>
+          <p:grpSpPr>
+            <a:xfrm>
+              <a:off x="1286891" y="2031019"/>
+              <a:ext cx="844062" cy="987666"/>
+              <a:chOff x="1286891" y="1600200"/>
+              <a:chExt cx="844062" cy="987666"/>
+            </a:xfrm>
+          </p:grpSpPr>
+          <p:sp>
+            <p:nvSpPr>
+              <p:cNvPr id="21" name="Rectangle 20"/>
+              <p:cNvSpPr/>
+              <p:nvPr/>
+            </p:nvSpPr>
+            <p:spPr bwMode="auto">
+              <a:xfrm>
+                <a:off x="1286891" y="1600200"/>
+                <a:ext cx="844062" cy="246184"/>
+              </a:xfrm>
+              <a:prstGeom prst="rect">
+                <a:avLst/>
+              </a:prstGeom>
+              <a:solidFill>
+                <a:schemeClr val="accent2">
+                  <a:lumMod val="40000"/>
+                  <a:lumOff val="60000"/>
+                </a:schemeClr>
+              </a:solidFill>
+              <a:ln w="12700">
+                <a:solidFill>
+                  <a:schemeClr val="accent2">
+                    <a:lumMod val="50000"/>
+                  </a:schemeClr>
+                </a:solidFill>
+                <a:headEnd type="none" w="med" len="med"/>
+                <a:tailEnd type="none" w="med" len="med"/>
+              </a:ln>
+              <a:effectLst/>
+            </p:spPr>
+            <p:style>
+              <a:lnRef idx="1">
+                <a:schemeClr val="accent2"/>
+              </a:lnRef>
+              <a:fillRef idx="3">
+                <a:schemeClr val="accent2"/>
+              </a:fillRef>
+              <a:effectRef idx="2">
+                <a:schemeClr val="accent2"/>
+              </a:effectRef>
+              <a:fontRef idx="minor">
+                <a:schemeClr val="lt1"/>
+              </a:fontRef>
+            </p:style>
+            <p:txBody>
+              <a:bodyPr vert="horz" wrap="square" lIns="91436" tIns="45718" rIns="91436" bIns="45718" numCol="1" rtlCol="0" anchor="ctr" anchorCtr="0" compatLnSpc="1">
+                <a:prstTxWarp prst="textNoShape">
+                  <a:avLst/>
+                </a:prstTxWarp>
+              </a:bodyPr>
+              <a:lstStyle/>
+              <a:p>
+                <a:pPr algn="ctr" defTabSz="914099" fontAlgn="base">
+                  <a:spcBef>
+                    <a:spcPct val="0"/>
+                  </a:spcBef>
+                  <a:spcAft>
+                    <a:spcPct val="0"/>
+                  </a:spcAft>
+                </a:pPr>
+                <a:endParaRPr lang="en-US" sz="2200" dirty="0" smtClean="0">
+                  <a:gradFill>
+                    <a:gsLst>
+                      <a:gs pos="0">
+                        <a:schemeClr val="tx1"/>
+                      </a:gs>
+                      <a:gs pos="100000">
+                        <a:schemeClr val="tx1"/>
+                      </a:gs>
+                    </a:gsLst>
+                    <a:lin ang="5400000" scaled="0"/>
+                  </a:gradFill>
+                </a:endParaRPr>
+              </a:p>
+            </p:txBody>
+          </p:sp>
+          <p:sp>
+            <p:nvSpPr>
+              <p:cNvPr id="22" name="Rectangle 21"/>
+              <p:cNvSpPr/>
+              <p:nvPr/>
+            </p:nvSpPr>
+            <p:spPr bwMode="auto">
+              <a:xfrm>
+                <a:off x="1286891" y="1846384"/>
+                <a:ext cx="844062" cy="246184"/>
+              </a:xfrm>
+              <a:prstGeom prst="rect">
+                <a:avLst/>
+              </a:prstGeom>
+              <a:solidFill>
+                <a:schemeClr val="accent2">
+                  <a:lumMod val="40000"/>
+                  <a:lumOff val="60000"/>
+                </a:schemeClr>
+              </a:solidFill>
+              <a:ln w="12700">
+                <a:solidFill>
+                  <a:schemeClr val="accent2">
+                    <a:lumMod val="50000"/>
+                  </a:schemeClr>
+                </a:solidFill>
+                <a:headEnd type="none" w="med" len="med"/>
+                <a:tailEnd type="none" w="med" len="med"/>
+              </a:ln>
+              <a:effectLst/>
+            </p:spPr>
+            <p:style>
+              <a:lnRef idx="1">
+                <a:schemeClr val="accent2"/>
+              </a:lnRef>
+              <a:fillRef idx="3">
+                <a:schemeClr val="accent2"/>
+              </a:fillRef>
+              <a:effectRef idx="2">
+                <a:schemeClr val="accent2"/>
+              </a:effectRef>
+              <a:fontRef idx="minor">
+                <a:schemeClr val="lt1"/>
+              </a:fontRef>
+            </p:style>
+            <p:txBody>
+              <a:bodyPr vert="horz" wrap="square" lIns="91436" tIns="45718" rIns="91436" bIns="45718" numCol="1" rtlCol="0" anchor="ctr" anchorCtr="0" compatLnSpc="1">
+                <a:prstTxWarp prst="textNoShape">
+                  <a:avLst/>
+                </a:prstTxWarp>
+              </a:bodyPr>
+              <a:lstStyle/>
+              <a:p>
+                <a:pPr algn="ctr" defTabSz="914099" fontAlgn="base">
+                  <a:spcBef>
+                    <a:spcPct val="0"/>
+                  </a:spcBef>
+                  <a:spcAft>
+                    <a:spcPct val="0"/>
+                  </a:spcAft>
+                </a:pPr>
+                <a:endParaRPr lang="en-US" sz="2200" dirty="0" smtClean="0">
+                  <a:gradFill>
+                    <a:gsLst>
+                      <a:gs pos="0">
+                        <a:schemeClr val="tx1"/>
+                      </a:gs>
+                      <a:gs pos="100000">
+                        <a:schemeClr val="tx1"/>
+                      </a:gs>
+                    </a:gsLst>
+                    <a:lin ang="5400000" scaled="0"/>
+                  </a:gradFill>
+                </a:endParaRPr>
+              </a:p>
+            </p:txBody>
+          </p:sp>
+          <p:sp>
+            <p:nvSpPr>
+              <p:cNvPr id="23" name="Rectangle 22"/>
+              <p:cNvSpPr/>
+              <p:nvPr/>
+            </p:nvSpPr>
+            <p:spPr bwMode="auto">
+              <a:xfrm>
+                <a:off x="1286891" y="2095498"/>
+                <a:ext cx="844062" cy="246184"/>
+              </a:xfrm>
+              <a:prstGeom prst="rect">
+                <a:avLst/>
+              </a:prstGeom>
+              <a:solidFill>
+                <a:schemeClr val="accent2">
+                  <a:lumMod val="40000"/>
+                  <a:lumOff val="60000"/>
+                </a:schemeClr>
+              </a:solidFill>
+              <a:ln w="12700">
+                <a:solidFill>
+                  <a:schemeClr val="accent2">
+                    <a:lumMod val="50000"/>
+                  </a:schemeClr>
+                </a:solidFill>
+                <a:headEnd type="none" w="med" len="med"/>
+                <a:tailEnd type="none" w="med" len="med"/>
+              </a:ln>
+              <a:effectLst/>
+            </p:spPr>
+            <p:style>
+              <a:lnRef idx="1">
+                <a:schemeClr val="accent2"/>
+              </a:lnRef>
+              <a:fillRef idx="3">
+                <a:schemeClr val="accent2"/>
+              </a:fillRef>
+              <a:effectRef idx="2">
+                <a:schemeClr val="accent2"/>
+              </a:effectRef>
+              <a:fontRef idx="minor">
+                <a:schemeClr val="lt1"/>
+              </a:fontRef>
+            </p:style>
+            <p:txBody>
+              <a:bodyPr vert="horz" wrap="square" lIns="91436" tIns="45718" rIns="91436" bIns="45718" numCol="1" rtlCol="0" anchor="ctr" anchorCtr="0" compatLnSpc="1">
+                <a:prstTxWarp prst="textNoShape">
+                  <a:avLst/>
+                </a:prstTxWarp>
+              </a:bodyPr>
+              <a:lstStyle/>
+              <a:p>
+                <a:pPr algn="ctr" defTabSz="914099" fontAlgn="base">
+                  <a:spcBef>
+                    <a:spcPct val="0"/>
+                  </a:spcBef>
+                  <a:spcAft>
+                    <a:spcPct val="0"/>
+                  </a:spcAft>
+                </a:pPr>
+                <a:endParaRPr lang="en-US" sz="2200" dirty="0" smtClean="0">
+                  <a:gradFill>
+                    <a:gsLst>
+                      <a:gs pos="0">
+                        <a:schemeClr val="tx1"/>
+                      </a:gs>
+                      <a:gs pos="100000">
+                        <a:schemeClr val="tx1"/>
+                      </a:gs>
+                    </a:gsLst>
+                    <a:lin ang="5400000" scaled="0"/>
+                  </a:gradFill>
+                </a:endParaRPr>
+              </a:p>
+            </p:txBody>
+          </p:sp>
+          <p:sp>
+            <p:nvSpPr>
+              <p:cNvPr id="24" name="Rectangle 23"/>
+              <p:cNvSpPr/>
+              <p:nvPr/>
+            </p:nvSpPr>
+            <p:spPr bwMode="auto">
+              <a:xfrm>
+                <a:off x="1286891" y="2341682"/>
+                <a:ext cx="844062" cy="246184"/>
+              </a:xfrm>
+              <a:prstGeom prst="rect">
+                <a:avLst/>
+              </a:prstGeom>
+              <a:solidFill>
+                <a:schemeClr val="accent2">
+                  <a:lumMod val="40000"/>
+                  <a:lumOff val="60000"/>
+                </a:schemeClr>
+              </a:solidFill>
+              <a:ln w="12700">
+                <a:solidFill>
+                  <a:schemeClr val="accent2">
+                    <a:lumMod val="50000"/>
+                  </a:schemeClr>
+                </a:solidFill>
+                <a:headEnd type="none" w="med" len="med"/>
+                <a:tailEnd type="none" w="med" len="med"/>
+              </a:ln>
+              <a:effectLst/>
+            </p:spPr>
+            <p:style>
+              <a:lnRef idx="1">
+                <a:schemeClr val="accent2"/>
+              </a:lnRef>
+              <a:fillRef idx="3">
+                <a:schemeClr val="accent2"/>
+              </a:fillRef>
+              <a:effectRef idx="2">
+                <a:schemeClr val="accent2"/>
+              </a:effectRef>
+              <a:fontRef idx="minor">
+                <a:schemeClr val="lt1"/>
+              </a:fontRef>
+            </p:style>
+            <p:txBody>
+              <a:bodyPr vert="horz" wrap="square" lIns="91436" tIns="45718" rIns="91436" bIns="45718" numCol="1" rtlCol="0" anchor="ctr" anchorCtr="0" compatLnSpc="1">
+                <a:prstTxWarp prst="textNoShape">
+                  <a:avLst/>
+                </a:prstTxWarp>
+              </a:bodyPr>
+              <a:lstStyle/>
+              <a:p>
+                <a:pPr algn="ctr" defTabSz="914099" fontAlgn="base">
+                  <a:spcBef>
+                    <a:spcPct val="0"/>
+                  </a:spcBef>
+                  <a:spcAft>
+                    <a:spcPct val="0"/>
+                  </a:spcAft>
+                </a:pPr>
+                <a:endParaRPr lang="en-US" sz="2200" dirty="0" smtClean="0">
+                  <a:gradFill>
+                    <a:gsLst>
+                      <a:gs pos="0">
+                        <a:schemeClr val="tx1"/>
+                      </a:gs>
+                      <a:gs pos="100000">
+                        <a:schemeClr val="tx1"/>
+                      </a:gs>
+                    </a:gsLst>
+                    <a:lin ang="5400000" scaled="0"/>
+                  </a:gradFill>
+                </a:endParaRPr>
+              </a:p>
+            </p:txBody>
+          </p:sp>
+        </p:grpSp>
+        <p:sp>
+          <p:nvSpPr>
+            <p:cNvPr id="31" name="Rectangle 30"/>
+            <p:cNvSpPr/>
+            <p:nvPr/>
+          </p:nvSpPr>
+          <p:spPr bwMode="auto">
+            <a:xfrm>
+              <a:off x="1046285" y="1389185"/>
+              <a:ext cx="7833946" cy="1837589"/>
+            </a:xfrm>
+            <a:prstGeom prst="rect">
+              <a:avLst/>
+            </a:prstGeom>
+            <a:noFill/>
+            <a:ln w="31750">
+              <a:solidFill>
+                <a:schemeClr val="accent2">
+                  <a:lumMod val="50000"/>
+                </a:schemeClr>
+              </a:solidFill>
+              <a:prstDash val="sysDash"/>
+              <a:headEnd type="none" w="med" len="med"/>
+              <a:tailEnd type="none" w="med" len="med"/>
+            </a:ln>
+            <a:effectLst/>
+          </p:spPr>
+          <p:style>
+            <a:lnRef idx="1">
+              <a:schemeClr val="accent2"/>
+            </a:lnRef>
+            <a:fillRef idx="3">
+              <a:schemeClr val="accent2"/>
+            </a:fillRef>
+            <a:effectRef idx="2">
+              <a:schemeClr val="accent2"/>
+            </a:effectRef>
+            <a:fontRef idx="minor">
+              <a:schemeClr val="lt1"/>
+            </a:fontRef>
+          </p:style>
+          <p:txBody>
+            <a:bodyPr vert="horz" wrap="square" lIns="91436" tIns="45718" rIns="91436" bIns="45718" numCol="1" rtlCol="0" anchor="ctr" anchorCtr="0" compatLnSpc="1">
+              <a:prstTxWarp prst="textNoShape">
+                <a:avLst/>
+              </a:prstTxWarp>
+            </a:bodyPr>
+            <a:lstStyle/>
+            <a:p>
+              <a:pPr algn="ctr" defTabSz="914099" fontAlgn="base">
+                <a:spcBef>
+                  <a:spcPct val="0"/>
+                </a:spcBef>
+                <a:spcAft>
+                  <a:spcPct val="0"/>
+                </a:spcAft>
+              </a:pPr>
+              <a:endParaRPr lang="en-US" sz="2200" dirty="0" smtClean="0">
+                <a:gradFill>
+                  <a:gsLst>
+                    <a:gs pos="0">
+                      <a:schemeClr val="tx1"/>
+                    </a:gs>
+                    <a:gs pos="100000">
+                      <a:schemeClr val="tx1"/>
+                    </a:gs>
+                  </a:gsLst>
+                  <a:lin ang="5400000" scaled="0"/>
+                </a:gradFill>
+              </a:endParaRPr>
+            </a:p>
+          </p:txBody>
+        </p:sp>
+        <p:sp>
+          <p:nvSpPr>
+            <p:cNvPr id="32" name="TextBox 31"/>
+            <p:cNvSpPr txBox="1"/>
+            <p:nvPr/>
+          </p:nvSpPr>
+          <p:spPr>
+            <a:xfrm>
+              <a:off x="1175380" y="1477021"/>
+              <a:ext cx="1067083" cy="553998"/>
+            </a:xfrm>
+            <a:prstGeom prst="rect">
+              <a:avLst/>
+            </a:prstGeom>
+            <a:noFill/>
+          </p:spPr>
+          <p:txBody>
+            <a:bodyPr wrap="square" lIns="0" tIns="0" rIns="0" bIns="0" rtlCol="0">
+              <a:spAutoFit/>
+            </a:bodyPr>
+            <a:lstStyle/>
+            <a:p>
+              <a:pPr algn="ctr"/>
+              <a:r>
+                <a:rPr lang="en-US" dirty="0" smtClean="0">
+                  <a:gradFill>
+                    <a:gsLst>
+                      <a:gs pos="0">
+                        <a:schemeClr val="tx1"/>
+                      </a:gs>
+                      <a:gs pos="86000">
+                        <a:schemeClr val="tx1"/>
+                      </a:gs>
+                    </a:gsLst>
+                    <a:lin ang="5400000" scaled="0"/>
+                  </a:gradFill>
+                </a:rPr>
+                <a:t>Memory Table</a:t>
+              </a:r>
+            </a:p>
+          </p:txBody>
+        </p:sp>
+        <p:sp>
+          <p:nvSpPr>
+            <p:cNvPr id="47" name="TextBox 46"/>
+            <p:cNvSpPr txBox="1"/>
+            <p:nvPr/>
+          </p:nvSpPr>
+          <p:spPr>
+            <a:xfrm>
+              <a:off x="6843242" y="1401416"/>
+              <a:ext cx="2677985" cy="430887"/>
+            </a:xfrm>
+            <a:prstGeom prst="rect">
+              <a:avLst/>
+            </a:prstGeom>
+            <a:noFill/>
+          </p:spPr>
+          <p:txBody>
+            <a:bodyPr wrap="none" lIns="0" tIns="0" rIns="0" bIns="0" rtlCol="0">
+              <a:spAutoFit/>
+            </a:bodyPr>
+            <a:lstStyle/>
+            <a:p>
+              <a:r>
+                <a:rPr lang="en-US" sz="2800" dirty="0" smtClean="0">
+                  <a:gradFill>
+                    <a:gsLst>
+                      <a:gs pos="0">
+                        <a:schemeClr val="tx1"/>
+                      </a:gs>
+                      <a:gs pos="86000">
+                        <a:schemeClr val="tx1"/>
+                      </a:gs>
+                    </a:gsLst>
+                    <a:lin ang="5400000" scaled="0"/>
+                  </a:gradFill>
+                </a:rPr>
+                <a:t>Memory Data</a:t>
+              </a:r>
+            </a:p>
+          </p:txBody>
+        </p:sp>
+      </p:grpSp>
+      <p:grpSp>
+        <p:nvGrpSpPr>
+          <p:cNvPr id="34" name="Group 33"/>
+          <p:cNvGrpSpPr/>
+          <p:nvPr/>
+        </p:nvGrpSpPr>
+        <p:grpSpPr>
+          <a:xfrm>
+            <a:off x="310009" y="837998"/>
+            <a:ext cx="1717358" cy="3632274"/>
+            <a:chOff x="413238" y="837998"/>
+            <a:chExt cx="2289214" cy="3632274"/>
+          </a:xfrm>
+        </p:grpSpPr>
+        <p:grpSp>
+          <p:nvGrpSpPr>
+            <p:cNvPr id="60" name="Group 59"/>
+            <p:cNvGrpSpPr/>
+            <p:nvPr/>
+          </p:nvGrpSpPr>
+          <p:grpSpPr>
+            <a:xfrm>
+              <a:off x="413238" y="837998"/>
+              <a:ext cx="1222131" cy="3632274"/>
+              <a:chOff x="413238" y="837998"/>
+              <a:chExt cx="1222131" cy="3632274"/>
+            </a:xfrm>
+          </p:grpSpPr>
+          <p:cxnSp>
+            <p:nvCxnSpPr>
+              <p:cNvPr id="49" name="Straight Arrow Connector 48"/>
+              <p:cNvCxnSpPr/>
+              <p:nvPr/>
+            </p:nvCxnSpPr>
+            <p:spPr>
+              <a:xfrm>
+                <a:off x="1635369" y="837998"/>
+                <a:ext cx="0" cy="639023"/>
+              </a:xfrm>
+              <a:prstGeom prst="straightConnector1">
+                <a:avLst/>
+              </a:prstGeom>
+              <a:ln w="31750">
+                <a:solidFill>
+                  <a:schemeClr val="accent2">
+                    <a:lumMod val="50000"/>
+                  </a:schemeClr>
+                </a:solidFill>
+                <a:tailEnd type="arrow"/>
+              </a:ln>
+            </p:spPr>
+            <p:style>
+              <a:lnRef idx="1">
+                <a:schemeClr val="accent1"/>
+              </a:lnRef>
+              <a:fillRef idx="0">
+                <a:schemeClr val="accent1"/>
+              </a:fillRef>
+              <a:effectRef idx="0">
+                <a:schemeClr val="accent1"/>
+              </a:effectRef>
+              <a:fontRef idx="minor">
+                <a:schemeClr val="tx1"/>
+              </a:fontRef>
+            </p:style>
+          </p:cxnSp>
+          <p:cxnSp>
+            <p:nvCxnSpPr>
+              <p:cNvPr id="53" name="Straight Connector 52"/>
+              <p:cNvCxnSpPr/>
+              <p:nvPr/>
+            </p:nvCxnSpPr>
+            <p:spPr>
+              <a:xfrm flipH="1">
+                <a:off x="413238" y="1157509"/>
+                <a:ext cx="1222131" cy="0"/>
+              </a:xfrm>
+              <a:prstGeom prst="line">
+                <a:avLst/>
+              </a:prstGeom>
+              <a:ln w="31750">
+                <a:solidFill>
+                  <a:schemeClr val="accent2">
+                    <a:lumMod val="50000"/>
+                  </a:schemeClr>
+                </a:solidFill>
+              </a:ln>
+            </p:spPr>
+            <p:style>
+              <a:lnRef idx="1">
+                <a:schemeClr val="accent1"/>
+              </a:lnRef>
+              <a:fillRef idx="0">
+                <a:schemeClr val="accent1"/>
+              </a:fillRef>
+              <a:effectRef idx="0">
+                <a:schemeClr val="accent1"/>
+              </a:effectRef>
+              <a:fontRef idx="minor">
+                <a:schemeClr val="tx1"/>
+              </a:fontRef>
+            </p:style>
+          </p:cxnSp>
+          <p:cxnSp>
+            <p:nvCxnSpPr>
+              <p:cNvPr id="54" name="Straight Connector 53"/>
+              <p:cNvCxnSpPr/>
+              <p:nvPr/>
+            </p:nvCxnSpPr>
+            <p:spPr>
+              <a:xfrm>
+                <a:off x="413238" y="1157509"/>
+                <a:ext cx="0" cy="3312763"/>
+              </a:xfrm>
+              <a:prstGeom prst="line">
+                <a:avLst/>
+              </a:prstGeom>
+              <a:ln w="31750">
+                <a:solidFill>
+                  <a:schemeClr val="accent2">
+                    <a:lumMod val="50000"/>
+                  </a:schemeClr>
+                </a:solidFill>
+              </a:ln>
+            </p:spPr>
+            <p:style>
+              <a:lnRef idx="1">
+                <a:schemeClr val="accent1"/>
+              </a:lnRef>
+              <a:fillRef idx="0">
+                <a:schemeClr val="accent1"/>
+              </a:fillRef>
+              <a:effectRef idx="0">
+                <a:schemeClr val="accent1"/>
+              </a:effectRef>
+              <a:fontRef idx="minor">
+                <a:schemeClr val="tx1"/>
+              </a:fontRef>
+            </p:style>
+          </p:cxnSp>
+          <p:cxnSp>
+            <p:nvCxnSpPr>
+              <p:cNvPr id="57" name="Straight Arrow Connector 56"/>
+              <p:cNvCxnSpPr/>
+              <p:nvPr/>
+            </p:nvCxnSpPr>
+            <p:spPr>
+              <a:xfrm>
+                <a:off x="413238" y="4470272"/>
+                <a:ext cx="762144" cy="0"/>
+              </a:xfrm>
+              <a:prstGeom prst="straightConnector1">
+                <a:avLst/>
+              </a:prstGeom>
+              <a:ln w="31750">
+                <a:solidFill>
+                  <a:schemeClr val="accent2">
+                    <a:lumMod val="50000"/>
+                  </a:schemeClr>
+                </a:solidFill>
+                <a:tailEnd type="arrow"/>
+              </a:ln>
+            </p:spPr>
+            <p:style>
+              <a:lnRef idx="1">
+                <a:schemeClr val="accent1"/>
+              </a:lnRef>
+              <a:fillRef idx="0">
+                <a:schemeClr val="accent1"/>
+              </a:fillRef>
+              <a:effectRef idx="0">
+                <a:schemeClr val="accent1"/>
+              </a:effectRef>
+              <a:fontRef idx="minor">
+                <a:schemeClr val="tx1"/>
+              </a:fontRef>
+            </p:style>
+          </p:cxnSp>
+        </p:grpSp>
+        <p:sp>
+          <p:nvSpPr>
+            <p:cNvPr id="61" name="TextBox 60"/>
+            <p:cNvSpPr txBox="1"/>
+            <p:nvPr/>
+          </p:nvSpPr>
+          <p:spPr>
+            <a:xfrm>
+              <a:off x="1635369" y="955250"/>
+              <a:ext cx="1067083" cy="307777"/>
+            </a:xfrm>
+            <a:prstGeom prst="rect">
+              <a:avLst/>
+            </a:prstGeom>
+            <a:noFill/>
+          </p:spPr>
+          <p:txBody>
+            <a:bodyPr wrap="square" lIns="0" tIns="0" rIns="0" bIns="0" rtlCol="0">
+              <a:spAutoFit/>
+            </a:bodyPr>
+            <a:lstStyle/>
+            <a:p>
+              <a:pPr algn="ctr"/>
+              <a:r>
+                <a:rPr lang="en-US" sz="2000" b="1" dirty="0" smtClean="0">
+                  <a:solidFill>
+                    <a:schemeClr val="accent2">
+                      <a:lumMod val="50000"/>
+                    </a:schemeClr>
+                  </a:solidFill>
+                </a:rPr>
+                <a:t>Writes</a:t>
+              </a:r>
+            </a:p>
+          </p:txBody>
+        </p:sp>
+      </p:grpSp>
+      <p:grpSp>
+        <p:nvGrpSpPr>
+          <p:cNvPr id="37" name="Group 36"/>
+          <p:cNvGrpSpPr/>
+          <p:nvPr/>
+        </p:nvGrpSpPr>
+        <p:grpSpPr>
+          <a:xfrm>
+            <a:off x="3453836" y="794025"/>
+            <a:ext cx="3516324" cy="2793237"/>
+            <a:chOff x="4603915" y="794024"/>
+            <a:chExt cx="4687211" cy="2793237"/>
+          </a:xfrm>
+        </p:grpSpPr>
+        <p:sp>
+          <p:nvSpPr>
+            <p:cNvPr id="67" name="TextBox 66"/>
+            <p:cNvSpPr txBox="1"/>
+            <p:nvPr/>
+          </p:nvSpPr>
+          <p:spPr>
+            <a:xfrm>
+              <a:off x="4725454" y="1003620"/>
+              <a:ext cx="1912242" cy="307777"/>
+            </a:xfrm>
+            <a:prstGeom prst="rect">
+              <a:avLst/>
+            </a:prstGeom>
+            <a:noFill/>
+          </p:spPr>
+          <p:txBody>
+            <a:bodyPr wrap="square" lIns="0" tIns="0" rIns="0" bIns="0" rtlCol="0">
+              <a:spAutoFit/>
+            </a:bodyPr>
+            <a:lstStyle/>
+            <a:p>
+              <a:pPr algn="ctr"/>
+              <a:r>
+                <a:rPr lang="en-US" sz="2000" b="1" dirty="0" smtClean="0">
+                  <a:solidFill>
+                    <a:schemeClr val="accent2">
+                      <a:lumMod val="50000"/>
+                    </a:schemeClr>
+                  </a:solidFill>
+                </a:rPr>
+                <a:t>Read/Query</a:t>
+              </a:r>
+            </a:p>
+          </p:txBody>
+        </p:sp>
+        <p:grpSp>
+          <p:nvGrpSpPr>
+            <p:cNvPr id="71" name="Group 70"/>
+            <p:cNvGrpSpPr/>
+            <p:nvPr/>
+          </p:nvGrpSpPr>
+          <p:grpSpPr>
+            <a:xfrm>
+              <a:off x="4603915" y="794024"/>
+              <a:ext cx="4687211" cy="2793237"/>
+              <a:chOff x="4603915" y="794024"/>
+              <a:chExt cx="4687211" cy="2793237"/>
+            </a:xfrm>
+          </p:grpSpPr>
+          <p:cxnSp>
+            <p:nvCxnSpPr>
+              <p:cNvPr id="63" name="Straight Arrow Connector 62"/>
+              <p:cNvCxnSpPr/>
+              <p:nvPr/>
+            </p:nvCxnSpPr>
+            <p:spPr>
+              <a:xfrm>
+                <a:off x="4603915" y="794024"/>
+                <a:ext cx="0" cy="639023"/>
+              </a:xfrm>
+              <a:prstGeom prst="straightConnector1">
+                <a:avLst/>
+              </a:prstGeom>
+              <a:ln w="31750">
+                <a:solidFill>
+                  <a:schemeClr val="accent2">
+                    <a:lumMod val="50000"/>
+                  </a:schemeClr>
+                </a:solidFill>
+                <a:tailEnd type="arrow"/>
+              </a:ln>
+            </p:spPr>
+            <p:style>
+              <a:lnRef idx="1">
+                <a:schemeClr val="accent1"/>
+              </a:lnRef>
+              <a:fillRef idx="0">
+                <a:schemeClr val="accent1"/>
+              </a:fillRef>
+              <a:effectRef idx="0">
+                <a:schemeClr val="accent1"/>
+              </a:effectRef>
+              <a:fontRef idx="minor">
+                <a:schemeClr val="tx1"/>
+              </a:fontRef>
+            </p:style>
+          </p:cxnSp>
+          <p:cxnSp>
+            <p:nvCxnSpPr>
+              <p:cNvPr id="64" name="Straight Connector 63"/>
+              <p:cNvCxnSpPr/>
+              <p:nvPr/>
+            </p:nvCxnSpPr>
+            <p:spPr>
+              <a:xfrm flipH="1">
+                <a:off x="4603915" y="1003620"/>
+                <a:ext cx="4687211" cy="0"/>
+              </a:xfrm>
+              <a:prstGeom prst="line">
+                <a:avLst/>
+              </a:prstGeom>
+              <a:ln w="31750">
+                <a:solidFill>
+                  <a:schemeClr val="accent2">
+                    <a:lumMod val="50000"/>
+                  </a:schemeClr>
+                </a:solidFill>
+              </a:ln>
+            </p:spPr>
+            <p:style>
+              <a:lnRef idx="1">
+                <a:schemeClr val="accent1"/>
+              </a:lnRef>
+              <a:fillRef idx="0">
+                <a:schemeClr val="accent1"/>
+              </a:fillRef>
+              <a:effectRef idx="0">
+                <a:schemeClr val="accent1"/>
+              </a:effectRef>
+              <a:fontRef idx="minor">
+                <a:schemeClr val="tx1"/>
+              </a:fontRef>
+            </p:style>
+          </p:cxnSp>
+          <p:cxnSp>
+            <p:nvCxnSpPr>
+              <p:cNvPr id="69" name="Straight Arrow Connector 68"/>
+              <p:cNvCxnSpPr/>
+              <p:nvPr/>
+            </p:nvCxnSpPr>
+            <p:spPr>
+              <a:xfrm>
+                <a:off x="9279486" y="1007971"/>
+                <a:ext cx="0" cy="2579290"/>
+              </a:xfrm>
+              <a:prstGeom prst="straightConnector1">
+                <a:avLst/>
+              </a:prstGeom>
+              <a:ln w="31750">
+                <a:solidFill>
+                  <a:schemeClr val="accent2">
+                    <a:lumMod val="50000"/>
+                  </a:schemeClr>
+                </a:solidFill>
+                <a:tailEnd type="arrow"/>
+              </a:ln>
+            </p:spPr>
+            <p:style>
+              <a:lnRef idx="1">
+                <a:schemeClr val="accent1"/>
+              </a:lnRef>
+              <a:fillRef idx="0">
+                <a:schemeClr val="accent1"/>
+              </a:fillRef>
+              <a:effectRef idx="0">
+                <a:schemeClr val="accent1"/>
+              </a:effectRef>
+              <a:fontRef idx="minor">
+                <a:schemeClr val="tx1"/>
+              </a:fontRef>
+            </p:style>
+          </p:cxnSp>
+        </p:grpSp>
+      </p:grpSp>
+    </p:spTree>
+    <p:extLst>
+      <p:ext uri="{BB962C8B-B14F-4D97-AF65-F5344CB8AC3E}">
+        <p14:creationId xmlns:p14="http://schemas.microsoft.com/office/powerpoint/2010/main" val="1338094429"/>
+      </p:ext>
+    </p:extLst>
+  </p:cSld>
+  <p:clrMapOvr>
+    <a:masterClrMapping/>
+  </p:clrMapOvr>
+  <mc:AlternateContent xmlns:mc="http://schemas.openxmlformats.org/markup-compatibility/2006">
+    <mc:Choice xmlns:p14="http://schemas.microsoft.com/office/powerpoint/2010/main" Requires="p14">
+      <p:transition spd="slow" p14:dur="2000"/>
+    </mc:Choice>
+    <mc:Fallback>
+      <p:transition spd="slow"/>
+    </mc:Fallback>
+  </mc:AlternateContent>
+  <p:timing>
+    <p:tnLst>
+      <p:par>
+        <p:cTn id="1" dur="indefinite" restart="never" nodeType="tmRoot">
+          <p:childTnLst>
+            <p:seq concurrent="1" nextAc="seek">
+              <p:cTn id="2" dur="indefinite" nodeType="mainSeq">
+                <p:childTnLst>
+                  <p:par>
+                    <p:cTn id="3" fill="hold">
+                      <p:stCondLst>
+                        <p:cond delay="indefinite"/>
+                      </p:stCondLst>
+                      <p:childTnLst>
+                        <p:par>
+                          <p:cTn id="4" fill="hold">
+                            <p:stCondLst>
+                              <p:cond delay="0"/>
+                            </p:stCondLst>
+                            <p:childTnLst>
+                              <p:par>
+                                <p:cTn id="5" presetID="3" presetClass="entr" presetSubtype="10" fill="hold" nodeType="clickEffect">
+                                  <p:stCondLst>
+                                    <p:cond delay="0"/>
+                                  </p:stCondLst>
+                                  <p:childTnLst>
+                                    <p:set>
+                                      <p:cBhvr>
+                                        <p:cTn id="6" dur="1" fill="hold">
+                                          <p:stCondLst>
+                                            <p:cond delay="0"/>
+                                          </p:stCondLst>
+                                        </p:cTn>
+                                        <p:tgtEl>
+                                          <p:spTgt spid="59"/>
+                                        </p:tgtEl>
+                                        <p:attrNameLst>
+                                          <p:attrName>style.visibility</p:attrName>
+                                        </p:attrNameLst>
+                                      </p:cBhvr>
+                                      <p:to>
+                                        <p:strVal val="visible"/>
+                                      </p:to>
+                                    </p:set>
+                                    <p:animEffect transition="in" filter="blinds(horizontal)">
+                                      <p:cBhvr>
+                                        <p:cTn id="7" dur="500"/>
+                                        <p:tgtEl>
+                                          <p:spTgt spid="59"/>
+                                        </p:tgtEl>
+                                      </p:cBhvr>
+                                    </p:animEffect>
+                                  </p:childTnLst>
+                                </p:cTn>
+                              </p:par>
+                            </p:childTnLst>
+                          </p:cTn>
+                        </p:par>
+                      </p:childTnLst>
+                    </p:cTn>
+                  </p:par>
+                  <p:par>
+                    <p:cTn id="8" fill="hold">
+                      <p:stCondLst>
+                        <p:cond delay="indefinite"/>
+                      </p:stCondLst>
+                      <p:childTnLst>
+                        <p:par>
+                          <p:cTn id="9" fill="hold">
+                            <p:stCondLst>
+                              <p:cond delay="0"/>
+                            </p:stCondLst>
+                            <p:childTnLst>
+                              <p:par>
+                                <p:cTn id="10" presetID="10" presetClass="entr" presetSubtype="0" fill="hold" nodeType="clickEffect">
+                                  <p:stCondLst>
+                                    <p:cond delay="0"/>
+                                  </p:stCondLst>
+                                  <p:childTnLst>
+                                    <p:set>
+                                      <p:cBhvr>
+                                        <p:cTn id="11" dur="1" fill="hold">
+                                          <p:stCondLst>
+                                            <p:cond delay="0"/>
+                                          </p:stCondLst>
+                                        </p:cTn>
+                                        <p:tgtEl>
+                                          <p:spTgt spid="34"/>
+                                        </p:tgtEl>
+                                        <p:attrNameLst>
+                                          <p:attrName>style.visibility</p:attrName>
+                                        </p:attrNameLst>
+                                      </p:cBhvr>
+                                      <p:to>
+                                        <p:strVal val="visible"/>
+                                      </p:to>
+                                    </p:set>
+                                    <p:animEffect transition="in" filter="fade">
+                                      <p:cBhvr>
+                                        <p:cTn id="12" dur="500"/>
+                                        <p:tgtEl>
+                                          <p:spTgt spid="34"/>
+                                        </p:tgtEl>
+                                      </p:cBhvr>
+                                    </p:animEffect>
+                                  </p:childTnLst>
+                                </p:cTn>
+                              </p:par>
+                            </p:childTnLst>
+                          </p:cTn>
+                        </p:par>
+                      </p:childTnLst>
+                    </p:cTn>
+                  </p:par>
+                  <p:par>
+                    <p:cTn id="13" fill="hold">
+                      <p:stCondLst>
+                        <p:cond delay="indefinite"/>
+                      </p:stCondLst>
+                      <p:childTnLst>
+                        <p:par>
+                          <p:cTn id="14" fill="hold">
+                            <p:stCondLst>
+                              <p:cond delay="0"/>
+                            </p:stCondLst>
+                            <p:childTnLst>
+                              <p:par>
+                                <p:cTn id="15" presetID="3" presetClass="entr" presetSubtype="10" fill="hold" nodeType="clickEffect">
+                                  <p:stCondLst>
+                                    <p:cond delay="0"/>
+                                  </p:stCondLst>
+                                  <p:childTnLst>
+                                    <p:set>
+                                      <p:cBhvr>
+                                        <p:cTn id="16" dur="1" fill="hold">
+                                          <p:stCondLst>
+                                            <p:cond delay="0"/>
+                                          </p:stCondLst>
+                                        </p:cTn>
+                                        <p:tgtEl>
+                                          <p:spTgt spid="58"/>
+                                        </p:tgtEl>
+                                        <p:attrNameLst>
+                                          <p:attrName>style.visibility</p:attrName>
+                                        </p:attrNameLst>
+                                      </p:cBhvr>
+                                      <p:to>
+                                        <p:strVal val="visible"/>
+                                      </p:to>
+                                    </p:set>
+                                    <p:animEffect transition="in" filter="blinds(horizontal)">
+                                      <p:cBhvr>
+                                        <p:cTn id="17" dur="500"/>
+                                        <p:tgtEl>
+                                          <p:spTgt spid="58"/>
+                                        </p:tgtEl>
+                                      </p:cBhvr>
+                                    </p:animEffect>
+                                  </p:childTnLst>
+                                </p:cTn>
+                              </p:par>
+                            </p:childTnLst>
+                          </p:cTn>
+                        </p:par>
+                      </p:childTnLst>
+                    </p:cTn>
+                  </p:par>
+                  <p:par>
+                    <p:cTn id="18" fill="hold">
+                      <p:stCondLst>
+                        <p:cond delay="indefinite"/>
+                      </p:stCondLst>
+                      <p:childTnLst>
+                        <p:par>
+                          <p:cTn id="19" fill="hold">
+                            <p:stCondLst>
+                              <p:cond delay="0"/>
+                            </p:stCondLst>
+                            <p:childTnLst>
+                              <p:par>
+                                <p:cTn id="20" presetID="3" presetClass="entr" presetSubtype="10" fill="hold" nodeType="clickEffect">
+                                  <p:stCondLst>
+                                    <p:cond delay="0"/>
+                                  </p:stCondLst>
+                                  <p:childTnLst>
+                                    <p:set>
+                                      <p:cBhvr>
+                                        <p:cTn id="21" dur="1" fill="hold">
+                                          <p:stCondLst>
+                                            <p:cond delay="0"/>
+                                          </p:stCondLst>
+                                        </p:cTn>
+                                        <p:tgtEl>
+                                          <p:spTgt spid="65"/>
+                                        </p:tgtEl>
+                                        <p:attrNameLst>
+                                          <p:attrName>style.visibility</p:attrName>
+                                        </p:attrNameLst>
+                                      </p:cBhvr>
+                                      <p:to>
+                                        <p:strVal val="visible"/>
+                                      </p:to>
+                                    </p:set>
+                                    <p:animEffect transition="in" filter="blinds(horizontal)">
+                                      <p:cBhvr>
+                                        <p:cTn id="22" dur="500"/>
+                                        <p:tgtEl>
+                                          <p:spTgt spid="65"/>
+                                        </p:tgtEl>
+                                      </p:cBhvr>
+                                    </p:animEffect>
+                                  </p:childTnLst>
+                                </p:cTn>
+                              </p:par>
+                              <p:par>
+                                <p:cTn id="23" presetID="10" presetClass="entr" presetSubtype="0" fill="hold" nodeType="withEffect">
+                                  <p:stCondLst>
+                                    <p:cond delay="0"/>
+                                  </p:stCondLst>
+                                  <p:childTnLst>
+                                    <p:set>
+                                      <p:cBhvr>
+                                        <p:cTn id="24" dur="1" fill="hold">
+                                          <p:stCondLst>
+                                            <p:cond delay="0"/>
+                                          </p:stCondLst>
+                                        </p:cTn>
+                                        <p:tgtEl>
+                                          <p:spTgt spid="37"/>
+                                        </p:tgtEl>
+                                        <p:attrNameLst>
+                                          <p:attrName>style.visibility</p:attrName>
+                                        </p:attrNameLst>
+                                      </p:cBhvr>
+                                      <p:to>
+                                        <p:strVal val="visible"/>
+                                      </p:to>
+                                    </p:set>
+                                    <p:animEffect transition="in" filter="fade">
+                                      <p:cBhvr>
+                                        <p:cTn id="25" dur="500"/>
+                                        <p:tgtEl>
+                                          <p:spTgt spid="37"/>
+                                        </p:tgtEl>
+                                      </p:cBhvr>
+                                    </p:animEffect>
+                                  </p:childTnLst>
+                                </p:cTn>
+                              </p:par>
+                            </p:childTnLst>
+                          </p:cTn>
+                        </p:par>
+                      </p:childTnLst>
+                    </p:cTn>
+                  </p:par>
+                  <p:par>
+                    <p:cTn id="26" fill="hold">
+                      <p:stCondLst>
+                        <p:cond delay="indefinite"/>
+                      </p:stCondLst>
+                      <p:childTnLst>
+                        <p:par>
+                          <p:cTn id="27" fill="hold">
+                            <p:stCondLst>
+                              <p:cond delay="0"/>
+                            </p:stCondLst>
+                            <p:childTnLst>
+                              <p:par>
+                                <p:cTn id="28" presetID="3" presetClass="entr" presetSubtype="10" fill="hold" nodeType="clickEffect">
+                                  <p:stCondLst>
+                                    <p:cond delay="0"/>
+                                  </p:stCondLst>
+                                  <p:childTnLst>
+                                    <p:set>
+                                      <p:cBhvr>
+                                        <p:cTn id="29" dur="1" fill="hold">
+                                          <p:stCondLst>
+                                            <p:cond delay="0"/>
+                                          </p:stCondLst>
+                                        </p:cTn>
+                                        <p:tgtEl>
+                                          <p:spTgt spid="66"/>
+                                        </p:tgtEl>
+                                        <p:attrNameLst>
+                                          <p:attrName>style.visibility</p:attrName>
+                                        </p:attrNameLst>
+                                      </p:cBhvr>
+                                      <p:to>
+                                        <p:strVal val="visible"/>
+                                      </p:to>
+                                    </p:set>
+                                    <p:animEffect transition="in" filter="blinds(horizontal)">
+                                      <p:cBhvr>
+                                        <p:cTn id="30" dur="500"/>
+                                        <p:tgtEl>
+                                          <p:spTgt spid="66"/>
+                                        </p:tgtEl>
+                                      </p:cBhvr>
+                                    </p:animEffect>
+                                  </p:childTnLst>
+                                </p:cTn>
+                              </p:par>
+                            </p:childTnLst>
+                          </p:cTn>
+                        </p:par>
+                      </p:childTnLst>
+                    </p:cTn>
+                  </p:par>
+                </p:childTnLst>
+              </p:cTn>
+              <p:prevCondLst>
+                <p:cond evt="onPrev" delay="0">
+                  <p:tgtEl>
+                    <p:sldTgt/>
+                  </p:tgtEl>
+                </p:cond>
+              </p:prevCondLst>
+              <p:nextCondLst>
+                <p:cond evt="onNext" delay="0">
+                  <p:tgtEl>
+                    <p:sldTgt/>
+                  </p:tgtEl>
+                </p:cond>
+              </p:nextCondLst>
+            </p:seq>
+          </p:childTnLst>
+        </p:cTn>
+      </p:par>
+    </p:tnLst>
+  </p:timing>
+</p:sld>
+</file>
+
 <file path=ppt/theme/theme1.xml><?xml version="1.0" encoding="utf-8"?>
 <a:theme xmlns:a="http://schemas.openxmlformats.org/drawingml/2006/main" name="Office Theme">
   <a:themeElements>

--- a/trunk/Paper Presentation/Partition layer.pptx
+++ b/trunk/Paper Presentation/Partition layer.pptx
@@ -565,7 +565,7 @@
                 </a:solidFill>
               </a:rPr>
               <a:pPr/>
-              <a:t>22/10/2012 4:36 PM</a:t>
+              <a:t>10/22/2012 9:24 PM</a:t>
             </a:fld>
             <a:endParaRPr lang="en-US">
               <a:solidFill>
@@ -945,7 +945,7 @@
           <a:p>
             <a:fld id="{D182CCF5-22E8-4193-B0D2-1DB9465CE9C7}" type="datetimeFigureOut">
               <a:rPr lang="en-US" smtClean="0"/>
-              <a:t>22/10/2012</a:t>
+              <a:t>10/22/2012</a:t>
             </a:fld>
             <a:endParaRPr lang="en-US"/>
           </a:p>
@@ -1115,7 +1115,7 @@
           <a:p>
             <a:fld id="{D182CCF5-22E8-4193-B0D2-1DB9465CE9C7}" type="datetimeFigureOut">
               <a:rPr lang="en-US" smtClean="0"/>
-              <a:t>22/10/2012</a:t>
+              <a:t>10/22/2012</a:t>
             </a:fld>
             <a:endParaRPr lang="en-US"/>
           </a:p>
@@ -1295,7 +1295,7 @@
           <a:p>
             <a:fld id="{D182CCF5-22E8-4193-B0D2-1DB9465CE9C7}" type="datetimeFigureOut">
               <a:rPr lang="en-US" smtClean="0"/>
-              <a:t>22/10/2012</a:t>
+              <a:t>10/22/2012</a:t>
             </a:fld>
             <a:endParaRPr lang="en-US"/>
           </a:p>
@@ -1729,7 +1729,7 @@
           <a:p>
             <a:fld id="{D182CCF5-22E8-4193-B0D2-1DB9465CE9C7}" type="datetimeFigureOut">
               <a:rPr lang="en-US" smtClean="0"/>
-              <a:t>22/10/2012</a:t>
+              <a:t>10/22/2012</a:t>
             </a:fld>
             <a:endParaRPr lang="en-US"/>
           </a:p>
@@ -1975,7 +1975,7 @@
           <a:p>
             <a:fld id="{D182CCF5-22E8-4193-B0D2-1DB9465CE9C7}" type="datetimeFigureOut">
               <a:rPr lang="en-US" smtClean="0"/>
-              <a:t>22/10/2012</a:t>
+              <a:t>10/22/2012</a:t>
             </a:fld>
             <a:endParaRPr lang="en-US"/>
           </a:p>
@@ -2263,7 +2263,7 @@
           <a:p>
             <a:fld id="{D182CCF5-22E8-4193-B0D2-1DB9465CE9C7}" type="datetimeFigureOut">
               <a:rPr lang="en-US" smtClean="0"/>
-              <a:t>22/10/2012</a:t>
+              <a:t>10/22/2012</a:t>
             </a:fld>
             <a:endParaRPr lang="en-US"/>
           </a:p>
@@ -2685,7 +2685,7 @@
           <a:p>
             <a:fld id="{D182CCF5-22E8-4193-B0D2-1DB9465CE9C7}" type="datetimeFigureOut">
               <a:rPr lang="en-US" smtClean="0"/>
-              <a:t>22/10/2012</a:t>
+              <a:t>10/22/2012</a:t>
             </a:fld>
             <a:endParaRPr lang="en-US"/>
           </a:p>
@@ -2803,7 +2803,7 @@
           <a:p>
             <a:fld id="{D182CCF5-22E8-4193-B0D2-1DB9465CE9C7}" type="datetimeFigureOut">
               <a:rPr lang="en-US" smtClean="0"/>
-              <a:t>22/10/2012</a:t>
+              <a:t>10/22/2012</a:t>
             </a:fld>
             <a:endParaRPr lang="en-US"/>
           </a:p>
@@ -2898,7 +2898,7 @@
           <a:p>
             <a:fld id="{D182CCF5-22E8-4193-B0D2-1DB9465CE9C7}" type="datetimeFigureOut">
               <a:rPr lang="en-US" smtClean="0"/>
-              <a:t>22/10/2012</a:t>
+              <a:t>10/22/2012</a:t>
             </a:fld>
             <a:endParaRPr lang="en-US"/>
           </a:p>
@@ -3175,7 +3175,7 @@
           <a:p>
             <a:fld id="{D182CCF5-22E8-4193-B0D2-1DB9465CE9C7}" type="datetimeFigureOut">
               <a:rPr lang="en-US" smtClean="0"/>
-              <a:t>22/10/2012</a:t>
+              <a:t>10/22/2012</a:t>
             </a:fld>
             <a:endParaRPr lang="en-US"/>
           </a:p>
@@ -3428,7 +3428,7 @@
           <a:p>
             <a:fld id="{D182CCF5-22E8-4193-B0D2-1DB9465CE9C7}" type="datetimeFigureOut">
               <a:rPr lang="en-US" smtClean="0"/>
-              <a:t>22/10/2012</a:t>
+              <a:t>10/22/2012</a:t>
             </a:fld>
             <a:endParaRPr lang="en-US"/>
           </a:p>
@@ -3641,7 +3641,7 @@
           <a:p>
             <a:fld id="{D182CCF5-22E8-4193-B0D2-1DB9465CE9C7}" type="datetimeFigureOut">
               <a:rPr lang="en-US" smtClean="0"/>
-              <a:t>22/10/2012</a:t>
+              <a:t>10/22/2012</a:t>
             </a:fld>
             <a:endParaRPr lang="en-US"/>
           </a:p>
@@ -4032,7 +4032,11 @@
           <a:bodyPr/>
           <a:lstStyle/>
           <a:p>
-            <a:endParaRPr lang="en-US"/>
+            <a:r>
+              <a:rPr lang="en-US" dirty="0" smtClean="0"/>
+              <a:t>Microsoft Azure Storage</a:t>
+            </a:r>
+            <a:endParaRPr lang="en-US" dirty="0"/>
           </a:p>
         </p:txBody>
       </p:sp>
@@ -4051,6 +4055,10 @@
           <a:bodyPr/>
           <a:lstStyle/>
           <a:p>
+            <a:r>
+              <a:rPr lang="en-US" dirty="0" smtClean="0"/>
+              <a:t>Group 7</a:t>
+            </a:r>
             <a:endParaRPr lang="en-US" dirty="0"/>
           </a:p>
         </p:txBody>
@@ -6705,8 +6713,17 @@
             <a:pPr lvl="1"/>
             <a:r>
               <a:rPr lang="en-US" dirty="0" smtClean="0"/>
-              <a:t>Load balancing</a:t>
+              <a:t>Load </a:t>
             </a:r>
+            <a:r>
+              <a:rPr lang="en-US" dirty="0" smtClean="0"/>
+              <a:t>balancing: Reassign, Split</a:t>
+            </a:r>
+            <a:r>
+              <a:rPr lang="en-US" smtClean="0"/>
+              <a:t>, Merge</a:t>
+            </a:r>
+            <a:endParaRPr lang="en-US" dirty="0" smtClean="0"/>
           </a:p>
           <a:p>
             <a:pPr lvl="1"/>
@@ -6797,11 +6814,7 @@
           <a:p>
             <a:r>
               <a:rPr lang="en-US" dirty="0" smtClean="0"/>
-              <a:t>Data model: Object Table (OT) – Account Table, Blob Table, Entity Table, Message </a:t>
-            </a:r>
-            <a:r>
-              <a:rPr lang="en-US" dirty="0" smtClean="0"/>
-              <a:t>Table</a:t>
+              <a:t>Data model: Object Table (OT) – Account Table, Blob Table, Entity Table, Message Table</a:t>
             </a:r>
           </a:p>
           <a:p>
@@ -6830,7 +6843,6 @@
               <a:rPr lang="en-US" dirty="0" smtClean="0"/>
               <a:t>Lock Service</a:t>
             </a:r>
-            <a:endParaRPr lang="en-US" dirty="0" smtClean="0"/>
           </a:p>
         </p:txBody>
       </p:sp>
@@ -8601,17 +8613,29 @@
           </a:lstStyle>
           <a:p>
             <a:r>
-              <a:rPr lang="en-US" sz="2400" dirty="0" smtClean="0">
+              <a:rPr lang="en-US" sz="2000" dirty="0" smtClean="0">
                 <a:latin typeface="Segoe UI" pitchFamily="34" charset="0"/>
                 <a:ea typeface="Segoe UI" pitchFamily="34" charset="0"/>
                 <a:cs typeface="Segoe UI" pitchFamily="34" charset="0"/>
               </a:rPr>
               <a:t>Split index into RangePartitions based on load </a:t>
             </a:r>
+            <a:endParaRPr lang="en-US" sz="2000" dirty="0" smtClean="0">
+              <a:latin typeface="Segoe UI" pitchFamily="34" charset="0"/>
+              <a:ea typeface="Segoe UI" pitchFamily="34" charset="0"/>
+              <a:cs typeface="Segoe UI" pitchFamily="34" charset="0"/>
+            </a:endParaRPr>
+          </a:p>
+          <a:p>
+            <a:endParaRPr lang="en-US" sz="2000" dirty="0" smtClean="0">
+              <a:latin typeface="Segoe UI" pitchFamily="34" charset="0"/>
+              <a:ea typeface="Segoe UI" pitchFamily="34" charset="0"/>
+              <a:cs typeface="Segoe UI" pitchFamily="34" charset="0"/>
+            </a:endParaRPr>
           </a:p>
           <a:p>
             <a:r>
-              <a:rPr lang="en-US" sz="2400" dirty="0" smtClean="0">
+              <a:rPr lang="en-US" sz="2000" dirty="0" smtClean="0">
                 <a:latin typeface="Segoe UI" pitchFamily="34" charset="0"/>
                 <a:ea typeface="Segoe UI" pitchFamily="34" charset="0"/>
                 <a:cs typeface="Segoe UI" pitchFamily="34" charset="0"/>
@@ -8619,7 +8643,7 @@
               <a:t>Split at </a:t>
             </a:r>
             <a:r>
-              <a:rPr lang="en-US" sz="2400" dirty="0" err="1" smtClean="0">
+              <a:rPr lang="en-US" sz="2000" dirty="0" err="1" smtClean="0">
                 <a:latin typeface="Segoe UI" pitchFamily="34" charset="0"/>
                 <a:ea typeface="Segoe UI" pitchFamily="34" charset="0"/>
                 <a:cs typeface="Segoe UI" pitchFamily="34" charset="0"/>
@@ -8627,17 +8651,32 @@
               <a:t>PartitionKey</a:t>
             </a:r>
             <a:r>
-              <a:rPr lang="en-US" sz="2400" dirty="0" smtClean="0">
+              <a:rPr lang="en-US" sz="2000" dirty="0" smtClean="0">
                 <a:latin typeface="Segoe UI" pitchFamily="34" charset="0"/>
                 <a:ea typeface="Segoe UI" pitchFamily="34" charset="0"/>
                 <a:cs typeface="Segoe UI" pitchFamily="34" charset="0"/>
               </a:rPr>
-              <a:t> boundaries</a:t>
+              <a:t> </a:t>
             </a:r>
-          </a:p>
-          <a:p>
             <a:r>
-              <a:rPr lang="en-US" sz="2400" dirty="0" err="1" smtClean="0">
+              <a:rPr lang="en-US" sz="2000" dirty="0" smtClean="0">
+                <a:latin typeface="Segoe UI" pitchFamily="34" charset="0"/>
+                <a:ea typeface="Segoe UI" pitchFamily="34" charset="0"/>
+                <a:cs typeface="Segoe UI" pitchFamily="34" charset="0"/>
+              </a:rPr>
+              <a:t>boundaries</a:t>
+            </a:r>
+          </a:p>
+          <a:p>
+            <a:endParaRPr lang="en-US" sz="2000" dirty="0" smtClean="0">
+              <a:latin typeface="Segoe UI" pitchFamily="34" charset="0"/>
+              <a:ea typeface="Segoe UI" pitchFamily="34" charset="0"/>
+              <a:cs typeface="Segoe UI" pitchFamily="34" charset="0"/>
+            </a:endParaRPr>
+          </a:p>
+          <a:p>
+            <a:r>
+              <a:rPr lang="en-US" sz="2000" dirty="0" err="1" smtClean="0">
                 <a:latin typeface="Segoe UI" pitchFamily="34" charset="0"/>
                 <a:ea typeface="Segoe UI" pitchFamily="34" charset="0"/>
                 <a:cs typeface="Segoe UI" pitchFamily="34" charset="0"/>
@@ -8645,14 +8684,48 @@
               <a:t>PartitionMap</a:t>
             </a:r>
             <a:r>
-              <a:rPr lang="en-US" sz="2400" dirty="0" smtClean="0">
+              <a:rPr lang="en-US" sz="2000" dirty="0" smtClean="0">
                 <a:latin typeface="Segoe UI" pitchFamily="34" charset="0"/>
                 <a:ea typeface="Segoe UI" pitchFamily="34" charset="0"/>
                 <a:cs typeface="Segoe UI" pitchFamily="34" charset="0"/>
               </a:rPr>
-              <a:t> tracks Index RangePartition assignment to partition servers</a:t>
+              <a:t> tracks Index </a:t>
             </a:r>
-            <a:endParaRPr lang="en-US" sz="2000" dirty="0" smtClean="0">
+            <a:r>
+              <a:rPr lang="en-US" sz="2000" dirty="0" err="1" smtClean="0">
+                <a:latin typeface="Segoe UI" pitchFamily="34" charset="0"/>
+                <a:ea typeface="Segoe UI" pitchFamily="34" charset="0"/>
+                <a:cs typeface="Segoe UI" pitchFamily="34" charset="0"/>
+              </a:rPr>
+              <a:t>RangePartition</a:t>
+            </a:r>
+            <a:r>
+              <a:rPr lang="en-US" sz="2000" dirty="0" smtClean="0">
+                <a:latin typeface="Segoe UI" pitchFamily="34" charset="0"/>
+                <a:ea typeface="Segoe UI" pitchFamily="34" charset="0"/>
+                <a:cs typeface="Segoe UI" pitchFamily="34" charset="0"/>
+              </a:rPr>
+              <a:t> assignment </a:t>
+            </a:r>
+            <a:r>
+              <a:rPr lang="en-US" sz="2000" dirty="0" smtClean="0">
+                <a:latin typeface="Segoe UI" pitchFamily="34" charset="0"/>
+                <a:ea typeface="Segoe UI" pitchFamily="34" charset="0"/>
+                <a:cs typeface="Segoe UI" pitchFamily="34" charset="0"/>
+              </a:rPr>
+              <a:t>to partition </a:t>
+            </a:r>
+            <a:r>
+              <a:rPr lang="en-US" sz="2000" dirty="0" smtClean="0">
+                <a:latin typeface="Segoe UI" pitchFamily="34" charset="0"/>
+                <a:ea typeface="Segoe UI" pitchFamily="34" charset="0"/>
+                <a:cs typeface="Segoe UI" pitchFamily="34" charset="0"/>
+              </a:rPr>
+              <a:t>servers</a:t>
+            </a:r>
+          </a:p>
+          <a:p>
+            <a:endParaRPr lang="en-US" sz="1800" dirty="0" smtClean="0">
               <a:latin typeface="Segoe UI" pitchFamily="34" charset="0"/>
               <a:ea typeface="Segoe UI" pitchFamily="34" charset="0"/>
               <a:cs typeface="Segoe UI" pitchFamily="34" charset="0"/>
@@ -8660,7 +8733,7 @@
           </a:p>
           <a:p>
             <a:r>
-              <a:rPr lang="en-US" sz="2400" dirty="0" smtClean="0">
+              <a:rPr lang="en-US" sz="2000" dirty="0" smtClean="0">
                 <a:latin typeface="Segoe UI" pitchFamily="34" charset="0"/>
                 <a:ea typeface="Segoe UI" pitchFamily="34" charset="0"/>
                 <a:cs typeface="Segoe UI" pitchFamily="34" charset="0"/>
@@ -8668,7 +8741,7 @@
               <a:t>Front-End caches the </a:t>
             </a:r>
             <a:r>
-              <a:rPr lang="en-US" sz="2400" dirty="0" err="1" smtClean="0">
+              <a:rPr lang="en-US" sz="2000" dirty="0" err="1" smtClean="0">
                 <a:latin typeface="Segoe UI" pitchFamily="34" charset="0"/>
                 <a:ea typeface="Segoe UI" pitchFamily="34" charset="0"/>
                 <a:cs typeface="Segoe UI" pitchFamily="34" charset="0"/>
@@ -8676,17 +8749,32 @@
               <a:t>PartitionMap</a:t>
             </a:r>
             <a:r>
-              <a:rPr lang="en-US" sz="2400" dirty="0" smtClean="0">
+              <a:rPr lang="en-US" sz="2000" dirty="0" smtClean="0">
                 <a:latin typeface="Segoe UI" pitchFamily="34" charset="0"/>
                 <a:ea typeface="Segoe UI" pitchFamily="34" charset="0"/>
                 <a:cs typeface="Segoe UI" pitchFamily="34" charset="0"/>
               </a:rPr>
-              <a:t> to route user requests</a:t>
+              <a:t> to route user </a:t>
             </a:r>
-          </a:p>
-          <a:p>
             <a:r>
-              <a:rPr lang="en-US" sz="2400" dirty="0" smtClean="0">
+              <a:rPr lang="en-US" sz="2000" dirty="0" smtClean="0">
+                <a:latin typeface="Segoe UI" pitchFamily="34" charset="0"/>
+                <a:ea typeface="Segoe UI" pitchFamily="34" charset="0"/>
+                <a:cs typeface="Segoe UI" pitchFamily="34" charset="0"/>
+              </a:rPr>
+              <a:t>requests</a:t>
+            </a:r>
+          </a:p>
+          <a:p>
+            <a:endParaRPr lang="en-US" sz="2000" dirty="0" smtClean="0">
+              <a:latin typeface="Segoe UI" pitchFamily="34" charset="0"/>
+              <a:ea typeface="Segoe UI" pitchFamily="34" charset="0"/>
+              <a:cs typeface="Segoe UI" pitchFamily="34" charset="0"/>
+            </a:endParaRPr>
+          </a:p>
+          <a:p>
+            <a:r>
+              <a:rPr lang="en-US" sz="2000" dirty="0" smtClean="0">
                 <a:latin typeface="Segoe UI" pitchFamily="34" charset="0"/>
                 <a:ea typeface="Segoe UI" pitchFamily="34" charset="0"/>
                 <a:cs typeface="Segoe UI" pitchFamily="34" charset="0"/>
@@ -10433,7 +10521,11 @@
           <a:p>
             <a:r>
               <a:rPr lang="en-US" sz="3000" dirty="0" smtClean="0"/>
-              <a:t>Partition Layer – Index Range Partitioning</a:t>
+              <a:t>Partition </a:t>
+            </a:r>
+            <a:r>
+              <a:rPr lang="en-US" sz="3000" dirty="0" smtClean="0"/>
+              <a:t>Layer – Index Range Partitioning</a:t>
             </a:r>
             <a:endParaRPr lang="en-US" sz="3000" dirty="0">
               <a:solidFill>
@@ -10525,7 +10617,7 @@
         </p:nvSpPr>
         <p:spPr>
           <a:xfrm>
-            <a:off x="5934716" y="4725257"/>
+            <a:off x="6346231" y="5055850"/>
             <a:ext cx="778207" cy="307777"/>
           </a:xfrm>
           <a:prstGeom prst="rect">
@@ -10574,7 +10666,7 @@
         </p:nvSpPr>
         <p:spPr>
           <a:xfrm>
-            <a:off x="8515427" y="4651279"/>
+            <a:off x="8126325" y="4959056"/>
             <a:ext cx="778207" cy="307777"/>
           </a:xfrm>
           <a:prstGeom prst="rect">
@@ -10623,7 +10715,7 @@
         </p:nvSpPr>
         <p:spPr>
           <a:xfrm>
-            <a:off x="5980450" y="3252015"/>
+            <a:off x="6731934" y="3730152"/>
             <a:ext cx="778207" cy="307777"/>
           </a:xfrm>
           <a:prstGeom prst="rect">
@@ -11007,9 +11099,7 @@
       <p:cxnSp>
         <p:nvCxnSpPr>
           <p:cNvPr id="41" name="Straight Arrow Connector 40"/>
-          <p:cNvCxnSpPr>
-            <a:endCxn id="43" idx="1"/>
-          </p:cNvCxnSpPr>
+          <p:cNvCxnSpPr/>
           <p:nvPr/>
         </p:nvCxnSpPr>
         <p:spPr bwMode="auto">
@@ -11045,8 +11135,8 @@
         </p:nvSpPr>
         <p:spPr>
           <a:xfrm>
-            <a:off x="3862455" y="4841826"/>
-            <a:ext cx="813259" cy="830997"/>
+            <a:off x="3748083" y="4902770"/>
+            <a:ext cx="1005356" cy="584775"/>
           </a:xfrm>
           <a:prstGeom prst="rect">
             <a:avLst/>
@@ -11183,8 +11273,8 @@
         </p:nvSpPr>
         <p:spPr>
           <a:xfrm>
-            <a:off x="8222100" y="2728794"/>
-            <a:ext cx="778207" cy="738664"/>
+            <a:off x="7713246" y="3091750"/>
+            <a:ext cx="1139768" cy="523220"/>
           </a:xfrm>
           <a:prstGeom prst="rect">
             <a:avLst/>
@@ -12539,7 +12629,7 @@
                                         <p:tgtEl>
                                           <p:spTgt spid="53">
                                             <p:txEl>
-                                              <p:pRg st="1" end="1"/>
+                                              <p:pRg st="2" end="2"/>
                                             </p:txEl>
                                           </p:spTgt>
                                         </p:tgtEl>
@@ -12557,7 +12647,7 @@
                                         <p:tgtEl>
                                           <p:spTgt spid="53">
                                             <p:txEl>
-                                              <p:pRg st="1" end="1"/>
+                                              <p:pRg st="2" end="2"/>
                                             </p:txEl>
                                           </p:spTgt>
                                         </p:tgtEl>
@@ -13248,7 +13338,7 @@
                                         <p:tgtEl>
                                           <p:spTgt spid="53">
                                             <p:txEl>
-                                              <p:pRg st="2" end="2"/>
+                                              <p:pRg st="4" end="4"/>
                                             </p:txEl>
                                           </p:spTgt>
                                         </p:tgtEl>
@@ -13266,7 +13356,7 @@
                                         <p:tgtEl>
                                           <p:spTgt spid="53">
                                             <p:txEl>
-                                              <p:pRg st="2" end="2"/>
+                                              <p:pRg st="4" end="4"/>
                                             </p:txEl>
                                           </p:spTgt>
                                         </p:tgtEl>
@@ -13408,7 +13498,7 @@
                                         <p:tgtEl>
                                           <p:spTgt spid="53">
                                             <p:txEl>
-                                              <p:pRg st="3" end="3"/>
+                                              <p:pRg st="6" end="6"/>
                                             </p:txEl>
                                           </p:spTgt>
                                         </p:tgtEl>
@@ -13426,7 +13516,7 @@
                                         <p:tgtEl>
                                           <p:spTgt spid="53">
                                             <p:txEl>
-                                              <p:pRg st="3" end="3"/>
+                                              <p:pRg st="6" end="6"/>
                                             </p:txEl>
                                           </p:spTgt>
                                         </p:tgtEl>
@@ -13698,7 +13788,7 @@
                                         <p:tgtEl>
                                           <p:spTgt spid="53">
                                             <p:txEl>
-                                              <p:pRg st="4" end="4"/>
+                                              <p:pRg st="8" end="8"/>
                                             </p:txEl>
                                           </p:spTgt>
                                         </p:tgtEl>
@@ -13716,7 +13806,7 @@
                                         <p:tgtEl>
                                           <p:spTgt spid="53">
                                             <p:txEl>
-                                              <p:pRg st="4" end="4"/>
+                                              <p:pRg st="8" end="8"/>
                                             </p:txEl>
                                           </p:spTgt>
                                         </p:tgtEl>
@@ -16636,11 +16726,11 @@
   <p:clrMapOvr>
     <a:masterClrMapping/>
   </p:clrMapOvr>
-  <mc:AlternateContent xmlns:mc="http://schemas.openxmlformats.org/markup-compatibility/2006">
-    <mc:Choice xmlns:p14="http://schemas.microsoft.com/office/powerpoint/2010/main" Requires="p14">
+  <mc:AlternateContent xmlns:mc="http://schemas.openxmlformats.org/markup-compatibility/2006" xmlns:p14="http://schemas.microsoft.com/office/powerpoint/2010/main">
+    <mc:Choice Requires="p14">
       <p:transition spd="slow" p14:dur="2000"/>
     </mc:Choice>
-    <mc:Fallback>
+    <mc:Fallback xmlns="">
       <p:transition spd="slow"/>
     </mc:Fallback>
   </mc:AlternateContent>
